--- a/Figures/Figure3/Figure3_format.pptx
+++ b/Figures/Figure3/Figure3_format.pptx
@@ -2,15 +2,12 @@
 <file path=ppt/presentation.xml><?xml version="1.0" encoding="utf-8"?>
 <p:presentation xmlns:a="http://schemas.openxmlformats.org/drawingml/2006/main" xmlns:r="http://schemas.openxmlformats.org/officeDocument/2006/relationships" xmlns:p="http://schemas.openxmlformats.org/presentationml/2006/main" saveSubsetFonts="1">
   <p:sldMasterIdLst>
-    <p:sldMasterId id="2147483708" r:id="rId1"/>
+    <p:sldMasterId id="2147483756" r:id="rId1"/>
   </p:sldMasterIdLst>
   <p:sldIdLst>
-    <p:sldId id="256" r:id="rId2"/>
-    <p:sldId id="257" r:id="rId3"/>
-    <p:sldId id="259" r:id="rId4"/>
-    <p:sldId id="258" r:id="rId5"/>
+    <p:sldId id="260" r:id="rId2"/>
   </p:sldIdLst>
-  <p:sldSz cx="11887200" cy="10972800"/>
+  <p:sldSz cx="12619038" cy="10240963"/>
   <p:notesSz cx="6858000" cy="9144000"/>
   <p:defaultTextStyle>
     <a:defPPr>
@@ -110,12 +107,12 @@
   <p:extLst>
     <p:ext uri="{EFAFB233-063F-42B5-8137-9DF3F51BA10A}">
       <p15:sldGuideLst xmlns:p15="http://schemas.microsoft.com/office/powerpoint/2012/main">
-        <p15:guide id="1" orient="horz" pos="3494" userDrawn="1">
+        <p15:guide id="1" orient="horz" pos="3261" userDrawn="1">
           <p15:clr>
             <a:srgbClr val="A4A3A4"/>
           </p15:clr>
         </p15:guide>
-        <p15:guide id="2" pos="3744" userDrawn="1">
+        <p15:guide id="2" pos="3975" userDrawn="1">
           <p15:clr>
             <a:srgbClr val="A4A3A4"/>
           </p15:clr>
@@ -129,9 +126,2386 @@
 <file path=ppt/revisionInfo.xml><?xml version="1.0" encoding="utf-8"?>
 <p1510:revInfo xmlns:a="http://schemas.openxmlformats.org/drawingml/2006/main" xmlns:r="http://schemas.openxmlformats.org/officeDocument/2006/relationships" xmlns:p1510="http://schemas.microsoft.com/office/powerpoint/2015/10/main">
   <p1510:revLst>
-    <p1510:client id="{578137D1-DAA9-ED4B-9CBA-E9F6F79FF7E5}" v="40" dt="2024-03-06T18:24:50.876"/>
+    <p1510:client id="{60289464-B675-994A-A4CC-484FB2BB9EC8}" v="31" dt="2024-06-24T23:44:11.598"/>
   </p1510:revLst>
 </p1510:revInfo>
+</file>
+
+<file path=ppt/changesInfos/changesInfo1.xml><?xml version="1.0" encoding="utf-8"?>
+<pc:chgInfo xmlns:a="http://schemas.openxmlformats.org/drawingml/2006/main" xmlns:r="http://schemas.openxmlformats.org/officeDocument/2006/relationships" xmlns:ac="http://schemas.microsoft.com/office/drawing/2013/main/command" xmlns:pc="http://schemas.microsoft.com/office/powerpoint/2013/main/command">
+  <pc:docChgLst>
+    <pc:chgData name="Jordan May Von Eggers" userId="2bcc5b33-6bd2-4559-ac12-5178b17ae4b3" providerId="ADAL" clId="{60289464-B675-994A-A4CC-484FB2BB9EC8}"/>
+    <pc:docChg chg="undo redo custSel addSld delSld modSld modMainMaster">
+      <pc:chgData name="Jordan May Von Eggers" userId="2bcc5b33-6bd2-4559-ac12-5178b17ae4b3" providerId="ADAL" clId="{60289464-B675-994A-A4CC-484FB2BB9EC8}" dt="2024-06-24T23:45:20.170" v="413" actId="1037"/>
+      <pc:docMkLst>
+        <pc:docMk/>
+      </pc:docMkLst>
+      <pc:sldChg chg="modSp del">
+        <pc:chgData name="Jordan May Von Eggers" userId="2bcc5b33-6bd2-4559-ac12-5178b17ae4b3" providerId="ADAL" clId="{60289464-B675-994A-A4CC-484FB2BB9EC8}" dt="2024-06-24T23:25:02.623" v="156" actId="2696"/>
+        <pc:sldMkLst>
+          <pc:docMk/>
+          <pc:sldMk cId="2000040623" sldId="256"/>
+        </pc:sldMkLst>
+        <pc:spChg chg="mod">
+          <ac:chgData name="Jordan May Von Eggers" userId="2bcc5b33-6bd2-4559-ac12-5178b17ae4b3" providerId="ADAL" clId="{60289464-B675-994A-A4CC-484FB2BB9EC8}" dt="2024-06-24T23:15:31.853" v="25"/>
+          <ac:spMkLst>
+            <pc:docMk/>
+            <pc:sldMk cId="2000040623" sldId="256"/>
+            <ac:spMk id="2" creationId="{6EDA3398-07ED-483C-9360-DF1B460D0DD5}"/>
+          </ac:spMkLst>
+        </pc:spChg>
+        <pc:spChg chg="mod">
+          <ac:chgData name="Jordan May Von Eggers" userId="2bcc5b33-6bd2-4559-ac12-5178b17ae4b3" providerId="ADAL" clId="{60289464-B675-994A-A4CC-484FB2BB9EC8}" dt="2024-06-24T23:15:31.853" v="25"/>
+          <ac:spMkLst>
+            <pc:docMk/>
+            <pc:sldMk cId="2000040623" sldId="256"/>
+            <ac:spMk id="3" creationId="{749CD612-B750-CCAC-F499-0E5B3953F70B}"/>
+          </ac:spMkLst>
+        </pc:spChg>
+        <pc:spChg chg="mod">
+          <ac:chgData name="Jordan May Von Eggers" userId="2bcc5b33-6bd2-4559-ac12-5178b17ae4b3" providerId="ADAL" clId="{60289464-B675-994A-A4CC-484FB2BB9EC8}" dt="2024-06-24T23:15:31.853" v="25"/>
+          <ac:spMkLst>
+            <pc:docMk/>
+            <pc:sldMk cId="2000040623" sldId="256"/>
+            <ac:spMk id="4" creationId="{8A9E3ED9-1AEB-24A2-3955-FA6988180D37}"/>
+          </ac:spMkLst>
+        </pc:spChg>
+        <pc:spChg chg="mod">
+          <ac:chgData name="Jordan May Von Eggers" userId="2bcc5b33-6bd2-4559-ac12-5178b17ae4b3" providerId="ADAL" clId="{60289464-B675-994A-A4CC-484FB2BB9EC8}" dt="2024-06-24T23:15:31.853" v="25"/>
+          <ac:spMkLst>
+            <pc:docMk/>
+            <pc:sldMk cId="2000040623" sldId="256"/>
+            <ac:spMk id="8" creationId="{FF995F32-5EA6-1FF0-B500-63FBC9F77D2C}"/>
+          </ac:spMkLst>
+        </pc:spChg>
+        <pc:spChg chg="mod">
+          <ac:chgData name="Jordan May Von Eggers" userId="2bcc5b33-6bd2-4559-ac12-5178b17ae4b3" providerId="ADAL" clId="{60289464-B675-994A-A4CC-484FB2BB9EC8}" dt="2024-06-24T23:15:31.853" v="25"/>
+          <ac:spMkLst>
+            <pc:docMk/>
+            <pc:sldMk cId="2000040623" sldId="256"/>
+            <ac:spMk id="15" creationId="{5F864190-A73A-9106-1C1C-8A3299BBDDA1}"/>
+          </ac:spMkLst>
+        </pc:spChg>
+        <pc:spChg chg="mod">
+          <ac:chgData name="Jordan May Von Eggers" userId="2bcc5b33-6bd2-4559-ac12-5178b17ae4b3" providerId="ADAL" clId="{60289464-B675-994A-A4CC-484FB2BB9EC8}" dt="2024-06-24T23:15:31.853" v="25"/>
+          <ac:spMkLst>
+            <pc:docMk/>
+            <pc:sldMk cId="2000040623" sldId="256"/>
+            <ac:spMk id="16" creationId="{A2A6BED6-E85A-A9A5-3FBE-D284FA8D5300}"/>
+          </ac:spMkLst>
+        </pc:spChg>
+        <pc:spChg chg="mod">
+          <ac:chgData name="Jordan May Von Eggers" userId="2bcc5b33-6bd2-4559-ac12-5178b17ae4b3" providerId="ADAL" clId="{60289464-B675-994A-A4CC-484FB2BB9EC8}" dt="2024-06-24T23:15:31.853" v="25"/>
+          <ac:spMkLst>
+            <pc:docMk/>
+            <pc:sldMk cId="2000040623" sldId="256"/>
+            <ac:spMk id="24" creationId="{AA3D6B35-AABE-2452-29A1-A6890489AA07}"/>
+          </ac:spMkLst>
+        </pc:spChg>
+        <pc:spChg chg="mod">
+          <ac:chgData name="Jordan May Von Eggers" userId="2bcc5b33-6bd2-4559-ac12-5178b17ae4b3" providerId="ADAL" clId="{60289464-B675-994A-A4CC-484FB2BB9EC8}" dt="2024-06-24T23:15:31.853" v="25"/>
+          <ac:spMkLst>
+            <pc:docMk/>
+            <pc:sldMk cId="2000040623" sldId="256"/>
+            <ac:spMk id="25" creationId="{EC7466F3-85BD-BB14-3D7A-C77904105F1E}"/>
+          </ac:spMkLst>
+        </pc:spChg>
+        <pc:spChg chg="mod">
+          <ac:chgData name="Jordan May Von Eggers" userId="2bcc5b33-6bd2-4559-ac12-5178b17ae4b3" providerId="ADAL" clId="{60289464-B675-994A-A4CC-484FB2BB9EC8}" dt="2024-06-24T23:15:31.853" v="25"/>
+          <ac:spMkLst>
+            <pc:docMk/>
+            <pc:sldMk cId="2000040623" sldId="256"/>
+            <ac:spMk id="30" creationId="{2D9885B9-8BFA-127A-5C65-F10566DD39C2}"/>
+          </ac:spMkLst>
+        </pc:spChg>
+        <pc:spChg chg="mod">
+          <ac:chgData name="Jordan May Von Eggers" userId="2bcc5b33-6bd2-4559-ac12-5178b17ae4b3" providerId="ADAL" clId="{60289464-B675-994A-A4CC-484FB2BB9EC8}" dt="2024-06-24T23:15:31.853" v="25"/>
+          <ac:spMkLst>
+            <pc:docMk/>
+            <pc:sldMk cId="2000040623" sldId="256"/>
+            <ac:spMk id="31" creationId="{5E10EE8C-F4EA-947E-E36A-BA7AC27FE654}"/>
+          </ac:spMkLst>
+        </pc:spChg>
+        <pc:spChg chg="mod">
+          <ac:chgData name="Jordan May Von Eggers" userId="2bcc5b33-6bd2-4559-ac12-5178b17ae4b3" providerId="ADAL" clId="{60289464-B675-994A-A4CC-484FB2BB9EC8}" dt="2024-06-24T23:15:31.853" v="25"/>
+          <ac:spMkLst>
+            <pc:docMk/>
+            <pc:sldMk cId="2000040623" sldId="256"/>
+            <ac:spMk id="36" creationId="{62B3A33C-F245-9274-084C-D3BD84075219}"/>
+          </ac:spMkLst>
+        </pc:spChg>
+        <pc:spChg chg="mod">
+          <ac:chgData name="Jordan May Von Eggers" userId="2bcc5b33-6bd2-4559-ac12-5178b17ae4b3" providerId="ADAL" clId="{60289464-B675-994A-A4CC-484FB2BB9EC8}" dt="2024-06-24T23:15:31.853" v="25"/>
+          <ac:spMkLst>
+            <pc:docMk/>
+            <pc:sldMk cId="2000040623" sldId="256"/>
+            <ac:spMk id="37" creationId="{959BA30F-50EF-2801-4215-AA5CD7481EAC}"/>
+          </ac:spMkLst>
+        </pc:spChg>
+        <pc:spChg chg="mod">
+          <ac:chgData name="Jordan May Von Eggers" userId="2bcc5b33-6bd2-4559-ac12-5178b17ae4b3" providerId="ADAL" clId="{60289464-B675-994A-A4CC-484FB2BB9EC8}" dt="2024-06-24T23:15:31.853" v="25"/>
+          <ac:spMkLst>
+            <pc:docMk/>
+            <pc:sldMk cId="2000040623" sldId="256"/>
+            <ac:spMk id="42" creationId="{F7779312-CE12-047F-23EE-11DA0E44AE45}"/>
+          </ac:spMkLst>
+        </pc:spChg>
+        <pc:spChg chg="mod">
+          <ac:chgData name="Jordan May Von Eggers" userId="2bcc5b33-6bd2-4559-ac12-5178b17ae4b3" providerId="ADAL" clId="{60289464-B675-994A-A4CC-484FB2BB9EC8}" dt="2024-06-24T23:15:31.853" v="25"/>
+          <ac:spMkLst>
+            <pc:docMk/>
+            <pc:sldMk cId="2000040623" sldId="256"/>
+            <ac:spMk id="43" creationId="{94E20A1B-B2FF-1BEA-C14D-522BA6AA0335}"/>
+          </ac:spMkLst>
+        </pc:spChg>
+        <pc:spChg chg="mod">
+          <ac:chgData name="Jordan May Von Eggers" userId="2bcc5b33-6bd2-4559-ac12-5178b17ae4b3" providerId="ADAL" clId="{60289464-B675-994A-A4CC-484FB2BB9EC8}" dt="2024-06-24T23:15:31.853" v="25"/>
+          <ac:spMkLst>
+            <pc:docMk/>
+            <pc:sldMk cId="2000040623" sldId="256"/>
+            <ac:spMk id="44" creationId="{1EB65B2F-9BE1-2C2D-B526-888AB809311A}"/>
+          </ac:spMkLst>
+        </pc:spChg>
+        <pc:spChg chg="mod">
+          <ac:chgData name="Jordan May Von Eggers" userId="2bcc5b33-6bd2-4559-ac12-5178b17ae4b3" providerId="ADAL" clId="{60289464-B675-994A-A4CC-484FB2BB9EC8}" dt="2024-06-24T23:15:31.853" v="25"/>
+          <ac:spMkLst>
+            <pc:docMk/>
+            <pc:sldMk cId="2000040623" sldId="256"/>
+            <ac:spMk id="45" creationId="{600E27D6-AED2-BDA5-079B-0BAE9B4D7391}"/>
+          </ac:spMkLst>
+        </pc:spChg>
+        <pc:spChg chg="mod">
+          <ac:chgData name="Jordan May Von Eggers" userId="2bcc5b33-6bd2-4559-ac12-5178b17ae4b3" providerId="ADAL" clId="{60289464-B675-994A-A4CC-484FB2BB9EC8}" dt="2024-06-24T23:15:31.853" v="25"/>
+          <ac:spMkLst>
+            <pc:docMk/>
+            <pc:sldMk cId="2000040623" sldId="256"/>
+            <ac:spMk id="46" creationId="{3A25FDEE-C1B1-38F8-6805-2FF42DA37253}"/>
+          </ac:spMkLst>
+        </pc:spChg>
+        <pc:grpChg chg="mod">
+          <ac:chgData name="Jordan May Von Eggers" userId="2bcc5b33-6bd2-4559-ac12-5178b17ae4b3" providerId="ADAL" clId="{60289464-B675-994A-A4CC-484FB2BB9EC8}" dt="2024-06-24T23:15:31.853" v="25"/>
+          <ac:grpSpMkLst>
+            <pc:docMk/>
+            <pc:sldMk cId="2000040623" sldId="256"/>
+            <ac:grpSpMk id="14" creationId="{4B042B09-A163-0F15-3385-B12A4D86E3BD}"/>
+          </ac:grpSpMkLst>
+        </pc:grpChg>
+        <pc:grpChg chg="mod">
+          <ac:chgData name="Jordan May Von Eggers" userId="2bcc5b33-6bd2-4559-ac12-5178b17ae4b3" providerId="ADAL" clId="{60289464-B675-994A-A4CC-484FB2BB9EC8}" dt="2024-06-24T23:15:31.853" v="25"/>
+          <ac:grpSpMkLst>
+            <pc:docMk/>
+            <pc:sldMk cId="2000040623" sldId="256"/>
+            <ac:grpSpMk id="22" creationId="{DA76E2A5-ECB8-8F01-6E5B-887A9DF48EE2}"/>
+          </ac:grpSpMkLst>
+        </pc:grpChg>
+        <pc:grpChg chg="mod">
+          <ac:chgData name="Jordan May Von Eggers" userId="2bcc5b33-6bd2-4559-ac12-5178b17ae4b3" providerId="ADAL" clId="{60289464-B675-994A-A4CC-484FB2BB9EC8}" dt="2024-06-24T23:15:31.853" v="25"/>
+          <ac:grpSpMkLst>
+            <pc:docMk/>
+            <pc:sldMk cId="2000040623" sldId="256"/>
+            <ac:grpSpMk id="23" creationId="{FB711A6E-DE14-9DD1-9C60-95CD65715041}"/>
+          </ac:grpSpMkLst>
+        </pc:grpChg>
+        <pc:grpChg chg="mod">
+          <ac:chgData name="Jordan May Von Eggers" userId="2bcc5b33-6bd2-4559-ac12-5178b17ae4b3" providerId="ADAL" clId="{60289464-B675-994A-A4CC-484FB2BB9EC8}" dt="2024-06-24T23:15:31.853" v="25"/>
+          <ac:grpSpMkLst>
+            <pc:docMk/>
+            <pc:sldMk cId="2000040623" sldId="256"/>
+            <ac:grpSpMk id="29" creationId="{176059AB-36C7-9D47-C8A9-E4FFD577D315}"/>
+          </ac:grpSpMkLst>
+        </pc:grpChg>
+        <pc:grpChg chg="mod">
+          <ac:chgData name="Jordan May Von Eggers" userId="2bcc5b33-6bd2-4559-ac12-5178b17ae4b3" providerId="ADAL" clId="{60289464-B675-994A-A4CC-484FB2BB9EC8}" dt="2024-06-24T23:15:31.853" v="25"/>
+          <ac:grpSpMkLst>
+            <pc:docMk/>
+            <pc:sldMk cId="2000040623" sldId="256"/>
+            <ac:grpSpMk id="35" creationId="{C64032D2-BAB1-598F-0269-6CF7D06D1AA2}"/>
+          </ac:grpSpMkLst>
+        </pc:grpChg>
+        <pc:grpChg chg="mod">
+          <ac:chgData name="Jordan May Von Eggers" userId="2bcc5b33-6bd2-4559-ac12-5178b17ae4b3" providerId="ADAL" clId="{60289464-B675-994A-A4CC-484FB2BB9EC8}" dt="2024-06-24T23:15:31.853" v="25"/>
+          <ac:grpSpMkLst>
+            <pc:docMk/>
+            <pc:sldMk cId="2000040623" sldId="256"/>
+            <ac:grpSpMk id="41" creationId="{411EC727-EC7D-EEBA-F7F1-E2FBCBE7612C}"/>
+          </ac:grpSpMkLst>
+        </pc:grpChg>
+        <pc:picChg chg="mod">
+          <ac:chgData name="Jordan May Von Eggers" userId="2bcc5b33-6bd2-4559-ac12-5178b17ae4b3" providerId="ADAL" clId="{60289464-B675-994A-A4CC-484FB2BB9EC8}" dt="2024-06-24T23:15:31.853" v="25"/>
+          <ac:picMkLst>
+            <pc:docMk/>
+            <pc:sldMk cId="2000040623" sldId="256"/>
+            <ac:picMk id="5" creationId="{3B07A195-686F-6ED7-B4F8-A82D6EAB60EF}"/>
+          </ac:picMkLst>
+        </pc:picChg>
+        <pc:picChg chg="mod">
+          <ac:chgData name="Jordan May Von Eggers" userId="2bcc5b33-6bd2-4559-ac12-5178b17ae4b3" providerId="ADAL" clId="{60289464-B675-994A-A4CC-484FB2BB9EC8}" dt="2024-06-24T23:15:31.853" v="25"/>
+          <ac:picMkLst>
+            <pc:docMk/>
+            <pc:sldMk cId="2000040623" sldId="256"/>
+            <ac:picMk id="7" creationId="{0E2D35F1-233A-F419-C68C-3FE65CB5F057}"/>
+          </ac:picMkLst>
+        </pc:picChg>
+        <pc:picChg chg="mod">
+          <ac:chgData name="Jordan May Von Eggers" userId="2bcc5b33-6bd2-4559-ac12-5178b17ae4b3" providerId="ADAL" clId="{60289464-B675-994A-A4CC-484FB2BB9EC8}" dt="2024-06-24T23:15:31.853" v="25"/>
+          <ac:picMkLst>
+            <pc:docMk/>
+            <pc:sldMk cId="2000040623" sldId="256"/>
+            <ac:picMk id="9" creationId="{3289B524-322F-058F-E4D6-E6F4EB3B3D2A}"/>
+          </ac:picMkLst>
+        </pc:picChg>
+        <pc:picChg chg="mod">
+          <ac:chgData name="Jordan May Von Eggers" userId="2bcc5b33-6bd2-4559-ac12-5178b17ae4b3" providerId="ADAL" clId="{60289464-B675-994A-A4CC-484FB2BB9EC8}" dt="2024-06-24T23:15:31.853" v="25"/>
+          <ac:picMkLst>
+            <pc:docMk/>
+            <pc:sldMk cId="2000040623" sldId="256"/>
+            <ac:picMk id="11" creationId="{B33CFA95-DE93-9CFB-7D54-DD11635EDB5A}"/>
+          </ac:picMkLst>
+        </pc:picChg>
+        <pc:picChg chg="mod">
+          <ac:chgData name="Jordan May Von Eggers" userId="2bcc5b33-6bd2-4559-ac12-5178b17ae4b3" providerId="ADAL" clId="{60289464-B675-994A-A4CC-484FB2BB9EC8}" dt="2024-06-24T23:15:31.853" v="25"/>
+          <ac:picMkLst>
+            <pc:docMk/>
+            <pc:sldMk cId="2000040623" sldId="256"/>
+            <ac:picMk id="13" creationId="{6ABA9304-8D90-7933-56DA-16C0EE76752A}"/>
+          </ac:picMkLst>
+        </pc:picChg>
+        <pc:cxnChg chg="mod">
+          <ac:chgData name="Jordan May Von Eggers" userId="2bcc5b33-6bd2-4559-ac12-5178b17ae4b3" providerId="ADAL" clId="{60289464-B675-994A-A4CC-484FB2BB9EC8}" dt="2024-06-24T23:15:31.853" v="25"/>
+          <ac:cxnSpMkLst>
+            <pc:docMk/>
+            <pc:sldMk cId="2000040623" sldId="256"/>
+            <ac:cxnSpMk id="6" creationId="{BFC5D416-0E9B-D2E0-9F53-57AF74DC19A5}"/>
+          </ac:cxnSpMkLst>
+        </pc:cxnChg>
+        <pc:cxnChg chg="mod">
+          <ac:chgData name="Jordan May Von Eggers" userId="2bcc5b33-6bd2-4559-ac12-5178b17ae4b3" providerId="ADAL" clId="{60289464-B675-994A-A4CC-484FB2BB9EC8}" dt="2024-06-24T23:15:31.853" v="25"/>
+          <ac:cxnSpMkLst>
+            <pc:docMk/>
+            <pc:sldMk cId="2000040623" sldId="256"/>
+            <ac:cxnSpMk id="26" creationId="{22E290A2-85CA-E3C6-00A4-41C26545978A}"/>
+          </ac:cxnSpMkLst>
+        </pc:cxnChg>
+        <pc:cxnChg chg="mod">
+          <ac:chgData name="Jordan May Von Eggers" userId="2bcc5b33-6bd2-4559-ac12-5178b17ae4b3" providerId="ADAL" clId="{60289464-B675-994A-A4CC-484FB2BB9EC8}" dt="2024-06-24T23:15:31.853" v="25"/>
+          <ac:cxnSpMkLst>
+            <pc:docMk/>
+            <pc:sldMk cId="2000040623" sldId="256"/>
+            <ac:cxnSpMk id="32" creationId="{8ECAD611-91E9-A8A0-14F8-A687F70B4122}"/>
+          </ac:cxnSpMkLst>
+        </pc:cxnChg>
+        <pc:cxnChg chg="mod">
+          <ac:chgData name="Jordan May Von Eggers" userId="2bcc5b33-6bd2-4559-ac12-5178b17ae4b3" providerId="ADAL" clId="{60289464-B675-994A-A4CC-484FB2BB9EC8}" dt="2024-06-24T23:15:31.853" v="25"/>
+          <ac:cxnSpMkLst>
+            <pc:docMk/>
+            <pc:sldMk cId="2000040623" sldId="256"/>
+            <ac:cxnSpMk id="38" creationId="{FF2BDE31-E6D1-3297-2F9A-08BF18631987}"/>
+          </ac:cxnSpMkLst>
+        </pc:cxnChg>
+      </pc:sldChg>
+      <pc:sldChg chg="modSp del">
+        <pc:chgData name="Jordan May Von Eggers" userId="2bcc5b33-6bd2-4559-ac12-5178b17ae4b3" providerId="ADAL" clId="{60289464-B675-994A-A4CC-484FB2BB9EC8}" dt="2024-06-24T23:25:02.623" v="156" actId="2696"/>
+        <pc:sldMkLst>
+          <pc:docMk/>
+          <pc:sldMk cId="1321422355" sldId="257"/>
+        </pc:sldMkLst>
+        <pc:spChg chg="mod">
+          <ac:chgData name="Jordan May Von Eggers" userId="2bcc5b33-6bd2-4559-ac12-5178b17ae4b3" providerId="ADAL" clId="{60289464-B675-994A-A4CC-484FB2BB9EC8}" dt="2024-06-24T23:15:31.853" v="25"/>
+          <ac:spMkLst>
+            <pc:docMk/>
+            <pc:sldMk cId="1321422355" sldId="257"/>
+            <ac:spMk id="2" creationId="{6EDA3398-07ED-483C-9360-DF1B460D0DD5}"/>
+          </ac:spMkLst>
+        </pc:spChg>
+        <pc:spChg chg="mod">
+          <ac:chgData name="Jordan May Von Eggers" userId="2bcc5b33-6bd2-4559-ac12-5178b17ae4b3" providerId="ADAL" clId="{60289464-B675-994A-A4CC-484FB2BB9EC8}" dt="2024-06-24T23:15:31.853" v="25"/>
+          <ac:spMkLst>
+            <pc:docMk/>
+            <pc:sldMk cId="1321422355" sldId="257"/>
+            <ac:spMk id="3" creationId="{749CD612-B750-CCAC-F499-0E5B3953F70B}"/>
+          </ac:spMkLst>
+        </pc:spChg>
+        <pc:spChg chg="mod">
+          <ac:chgData name="Jordan May Von Eggers" userId="2bcc5b33-6bd2-4559-ac12-5178b17ae4b3" providerId="ADAL" clId="{60289464-B675-994A-A4CC-484FB2BB9EC8}" dt="2024-06-24T23:15:31.853" v="25"/>
+          <ac:spMkLst>
+            <pc:docMk/>
+            <pc:sldMk cId="1321422355" sldId="257"/>
+            <ac:spMk id="4" creationId="{8A9E3ED9-1AEB-24A2-3955-FA6988180D37}"/>
+          </ac:spMkLst>
+        </pc:spChg>
+        <pc:spChg chg="mod">
+          <ac:chgData name="Jordan May Von Eggers" userId="2bcc5b33-6bd2-4559-ac12-5178b17ae4b3" providerId="ADAL" clId="{60289464-B675-994A-A4CC-484FB2BB9EC8}" dt="2024-06-24T23:15:31.853" v="25"/>
+          <ac:spMkLst>
+            <pc:docMk/>
+            <pc:sldMk cId="1321422355" sldId="257"/>
+            <ac:spMk id="8" creationId="{FF995F32-5EA6-1FF0-B500-63FBC9F77D2C}"/>
+          </ac:spMkLst>
+        </pc:spChg>
+        <pc:spChg chg="mod">
+          <ac:chgData name="Jordan May Von Eggers" userId="2bcc5b33-6bd2-4559-ac12-5178b17ae4b3" providerId="ADAL" clId="{60289464-B675-994A-A4CC-484FB2BB9EC8}" dt="2024-06-24T23:15:31.853" v="25"/>
+          <ac:spMkLst>
+            <pc:docMk/>
+            <pc:sldMk cId="1321422355" sldId="257"/>
+            <ac:spMk id="15" creationId="{5F864190-A73A-9106-1C1C-8A3299BBDDA1}"/>
+          </ac:spMkLst>
+        </pc:spChg>
+        <pc:spChg chg="mod">
+          <ac:chgData name="Jordan May Von Eggers" userId="2bcc5b33-6bd2-4559-ac12-5178b17ae4b3" providerId="ADAL" clId="{60289464-B675-994A-A4CC-484FB2BB9EC8}" dt="2024-06-24T23:15:31.853" v="25"/>
+          <ac:spMkLst>
+            <pc:docMk/>
+            <pc:sldMk cId="1321422355" sldId="257"/>
+            <ac:spMk id="16" creationId="{A2A6BED6-E85A-A9A5-3FBE-D284FA8D5300}"/>
+          </ac:spMkLst>
+        </pc:spChg>
+        <pc:spChg chg="mod">
+          <ac:chgData name="Jordan May Von Eggers" userId="2bcc5b33-6bd2-4559-ac12-5178b17ae4b3" providerId="ADAL" clId="{60289464-B675-994A-A4CC-484FB2BB9EC8}" dt="2024-06-24T23:15:31.853" v="25"/>
+          <ac:spMkLst>
+            <pc:docMk/>
+            <pc:sldMk cId="1321422355" sldId="257"/>
+            <ac:spMk id="24" creationId="{AA3D6B35-AABE-2452-29A1-A6890489AA07}"/>
+          </ac:spMkLst>
+        </pc:spChg>
+        <pc:spChg chg="mod">
+          <ac:chgData name="Jordan May Von Eggers" userId="2bcc5b33-6bd2-4559-ac12-5178b17ae4b3" providerId="ADAL" clId="{60289464-B675-994A-A4CC-484FB2BB9EC8}" dt="2024-06-24T23:15:31.853" v="25"/>
+          <ac:spMkLst>
+            <pc:docMk/>
+            <pc:sldMk cId="1321422355" sldId="257"/>
+            <ac:spMk id="25" creationId="{EC7466F3-85BD-BB14-3D7A-C77904105F1E}"/>
+          </ac:spMkLst>
+        </pc:spChg>
+        <pc:spChg chg="mod">
+          <ac:chgData name="Jordan May Von Eggers" userId="2bcc5b33-6bd2-4559-ac12-5178b17ae4b3" providerId="ADAL" clId="{60289464-B675-994A-A4CC-484FB2BB9EC8}" dt="2024-06-24T23:15:31.853" v="25"/>
+          <ac:spMkLst>
+            <pc:docMk/>
+            <pc:sldMk cId="1321422355" sldId="257"/>
+            <ac:spMk id="30" creationId="{2D9885B9-8BFA-127A-5C65-F10566DD39C2}"/>
+          </ac:spMkLst>
+        </pc:spChg>
+        <pc:spChg chg="mod">
+          <ac:chgData name="Jordan May Von Eggers" userId="2bcc5b33-6bd2-4559-ac12-5178b17ae4b3" providerId="ADAL" clId="{60289464-B675-994A-A4CC-484FB2BB9EC8}" dt="2024-06-24T23:15:31.853" v="25"/>
+          <ac:spMkLst>
+            <pc:docMk/>
+            <pc:sldMk cId="1321422355" sldId="257"/>
+            <ac:spMk id="31" creationId="{5E10EE8C-F4EA-947E-E36A-BA7AC27FE654}"/>
+          </ac:spMkLst>
+        </pc:spChg>
+        <pc:spChg chg="mod">
+          <ac:chgData name="Jordan May Von Eggers" userId="2bcc5b33-6bd2-4559-ac12-5178b17ae4b3" providerId="ADAL" clId="{60289464-B675-994A-A4CC-484FB2BB9EC8}" dt="2024-06-24T23:15:31.853" v="25"/>
+          <ac:spMkLst>
+            <pc:docMk/>
+            <pc:sldMk cId="1321422355" sldId="257"/>
+            <ac:spMk id="36" creationId="{62B3A33C-F245-9274-084C-D3BD84075219}"/>
+          </ac:spMkLst>
+        </pc:spChg>
+        <pc:spChg chg="mod">
+          <ac:chgData name="Jordan May Von Eggers" userId="2bcc5b33-6bd2-4559-ac12-5178b17ae4b3" providerId="ADAL" clId="{60289464-B675-994A-A4CC-484FB2BB9EC8}" dt="2024-06-24T23:15:31.853" v="25"/>
+          <ac:spMkLst>
+            <pc:docMk/>
+            <pc:sldMk cId="1321422355" sldId="257"/>
+            <ac:spMk id="37" creationId="{959BA30F-50EF-2801-4215-AA5CD7481EAC}"/>
+          </ac:spMkLst>
+        </pc:spChg>
+        <pc:spChg chg="mod">
+          <ac:chgData name="Jordan May Von Eggers" userId="2bcc5b33-6bd2-4559-ac12-5178b17ae4b3" providerId="ADAL" clId="{60289464-B675-994A-A4CC-484FB2BB9EC8}" dt="2024-06-24T23:15:31.853" v="25"/>
+          <ac:spMkLst>
+            <pc:docMk/>
+            <pc:sldMk cId="1321422355" sldId="257"/>
+            <ac:spMk id="42" creationId="{F7779312-CE12-047F-23EE-11DA0E44AE45}"/>
+          </ac:spMkLst>
+        </pc:spChg>
+        <pc:spChg chg="mod">
+          <ac:chgData name="Jordan May Von Eggers" userId="2bcc5b33-6bd2-4559-ac12-5178b17ae4b3" providerId="ADAL" clId="{60289464-B675-994A-A4CC-484FB2BB9EC8}" dt="2024-06-24T23:15:31.853" v="25"/>
+          <ac:spMkLst>
+            <pc:docMk/>
+            <pc:sldMk cId="1321422355" sldId="257"/>
+            <ac:spMk id="43" creationId="{94E20A1B-B2FF-1BEA-C14D-522BA6AA0335}"/>
+          </ac:spMkLst>
+        </pc:spChg>
+        <pc:spChg chg="mod">
+          <ac:chgData name="Jordan May Von Eggers" userId="2bcc5b33-6bd2-4559-ac12-5178b17ae4b3" providerId="ADAL" clId="{60289464-B675-994A-A4CC-484FB2BB9EC8}" dt="2024-06-24T23:15:31.853" v="25"/>
+          <ac:spMkLst>
+            <pc:docMk/>
+            <pc:sldMk cId="1321422355" sldId="257"/>
+            <ac:spMk id="44" creationId="{1EB65B2F-9BE1-2C2D-B526-888AB809311A}"/>
+          </ac:spMkLst>
+        </pc:spChg>
+        <pc:spChg chg="mod">
+          <ac:chgData name="Jordan May Von Eggers" userId="2bcc5b33-6bd2-4559-ac12-5178b17ae4b3" providerId="ADAL" clId="{60289464-B675-994A-A4CC-484FB2BB9EC8}" dt="2024-06-24T23:15:31.853" v="25"/>
+          <ac:spMkLst>
+            <pc:docMk/>
+            <pc:sldMk cId="1321422355" sldId="257"/>
+            <ac:spMk id="45" creationId="{600E27D6-AED2-BDA5-079B-0BAE9B4D7391}"/>
+          </ac:spMkLst>
+        </pc:spChg>
+        <pc:spChg chg="mod">
+          <ac:chgData name="Jordan May Von Eggers" userId="2bcc5b33-6bd2-4559-ac12-5178b17ae4b3" providerId="ADAL" clId="{60289464-B675-994A-A4CC-484FB2BB9EC8}" dt="2024-06-24T23:15:31.853" v="25"/>
+          <ac:spMkLst>
+            <pc:docMk/>
+            <pc:sldMk cId="1321422355" sldId="257"/>
+            <ac:spMk id="58" creationId="{196A0FF5-52DA-32B5-0AB9-29572B83D84B}"/>
+          </ac:spMkLst>
+        </pc:spChg>
+        <pc:spChg chg="mod">
+          <ac:chgData name="Jordan May Von Eggers" userId="2bcc5b33-6bd2-4559-ac12-5178b17ae4b3" providerId="ADAL" clId="{60289464-B675-994A-A4CC-484FB2BB9EC8}" dt="2024-06-24T23:15:31.853" v="25"/>
+          <ac:spMkLst>
+            <pc:docMk/>
+            <pc:sldMk cId="1321422355" sldId="257"/>
+            <ac:spMk id="59" creationId="{B1F3818C-D5C7-03C7-DF9E-E48E8DAE56CB}"/>
+          </ac:spMkLst>
+        </pc:spChg>
+        <pc:grpChg chg="mod">
+          <ac:chgData name="Jordan May Von Eggers" userId="2bcc5b33-6bd2-4559-ac12-5178b17ae4b3" providerId="ADAL" clId="{60289464-B675-994A-A4CC-484FB2BB9EC8}" dt="2024-06-24T23:15:31.853" v="25"/>
+          <ac:grpSpMkLst>
+            <pc:docMk/>
+            <pc:sldMk cId="1321422355" sldId="257"/>
+            <ac:grpSpMk id="22" creationId="{DA76E2A5-ECB8-8F01-6E5B-887A9DF48EE2}"/>
+          </ac:grpSpMkLst>
+        </pc:grpChg>
+        <pc:grpChg chg="mod">
+          <ac:chgData name="Jordan May Von Eggers" userId="2bcc5b33-6bd2-4559-ac12-5178b17ae4b3" providerId="ADAL" clId="{60289464-B675-994A-A4CC-484FB2BB9EC8}" dt="2024-06-24T23:15:31.853" v="25"/>
+          <ac:grpSpMkLst>
+            <pc:docMk/>
+            <pc:sldMk cId="1321422355" sldId="257"/>
+            <ac:grpSpMk id="23" creationId="{FB711A6E-DE14-9DD1-9C60-95CD65715041}"/>
+          </ac:grpSpMkLst>
+        </pc:grpChg>
+        <pc:grpChg chg="mod">
+          <ac:chgData name="Jordan May Von Eggers" userId="2bcc5b33-6bd2-4559-ac12-5178b17ae4b3" providerId="ADAL" clId="{60289464-B675-994A-A4CC-484FB2BB9EC8}" dt="2024-06-24T23:15:31.853" v="25"/>
+          <ac:grpSpMkLst>
+            <pc:docMk/>
+            <pc:sldMk cId="1321422355" sldId="257"/>
+            <ac:grpSpMk id="29" creationId="{176059AB-36C7-9D47-C8A9-E4FFD577D315}"/>
+          </ac:grpSpMkLst>
+        </pc:grpChg>
+        <pc:grpChg chg="mod">
+          <ac:chgData name="Jordan May Von Eggers" userId="2bcc5b33-6bd2-4559-ac12-5178b17ae4b3" providerId="ADAL" clId="{60289464-B675-994A-A4CC-484FB2BB9EC8}" dt="2024-06-24T23:15:31.853" v="25"/>
+          <ac:grpSpMkLst>
+            <pc:docMk/>
+            <pc:sldMk cId="1321422355" sldId="257"/>
+            <ac:grpSpMk id="35" creationId="{C64032D2-BAB1-598F-0269-6CF7D06D1AA2}"/>
+          </ac:grpSpMkLst>
+        </pc:grpChg>
+        <pc:picChg chg="mod">
+          <ac:chgData name="Jordan May Von Eggers" userId="2bcc5b33-6bd2-4559-ac12-5178b17ae4b3" providerId="ADAL" clId="{60289464-B675-994A-A4CC-484FB2BB9EC8}" dt="2024-06-24T23:15:31.853" v="25"/>
+          <ac:picMkLst>
+            <pc:docMk/>
+            <pc:sldMk cId="1321422355" sldId="257"/>
+            <ac:picMk id="49" creationId="{C814B411-ED8D-016A-1512-150C559C8D96}"/>
+          </ac:picMkLst>
+        </pc:picChg>
+        <pc:picChg chg="mod">
+          <ac:chgData name="Jordan May Von Eggers" userId="2bcc5b33-6bd2-4559-ac12-5178b17ae4b3" providerId="ADAL" clId="{60289464-B675-994A-A4CC-484FB2BB9EC8}" dt="2024-06-24T23:15:31.853" v="25"/>
+          <ac:picMkLst>
+            <pc:docMk/>
+            <pc:sldMk cId="1321422355" sldId="257"/>
+            <ac:picMk id="51" creationId="{F0CA5381-B60D-BC85-4761-EC16F5CCABFE}"/>
+          </ac:picMkLst>
+        </pc:picChg>
+        <pc:picChg chg="mod">
+          <ac:chgData name="Jordan May Von Eggers" userId="2bcc5b33-6bd2-4559-ac12-5178b17ae4b3" providerId="ADAL" clId="{60289464-B675-994A-A4CC-484FB2BB9EC8}" dt="2024-06-24T23:15:31.853" v="25"/>
+          <ac:picMkLst>
+            <pc:docMk/>
+            <pc:sldMk cId="1321422355" sldId="257"/>
+            <ac:picMk id="53" creationId="{54F23CFC-B2E3-5D4A-5542-365115E5FB4E}"/>
+          </ac:picMkLst>
+        </pc:picChg>
+        <pc:picChg chg="mod">
+          <ac:chgData name="Jordan May Von Eggers" userId="2bcc5b33-6bd2-4559-ac12-5178b17ae4b3" providerId="ADAL" clId="{60289464-B675-994A-A4CC-484FB2BB9EC8}" dt="2024-06-24T23:15:31.853" v="25"/>
+          <ac:picMkLst>
+            <pc:docMk/>
+            <pc:sldMk cId="1321422355" sldId="257"/>
+            <ac:picMk id="55" creationId="{61EE2CF9-0B09-2A1C-E361-B5BA5CC53378}"/>
+          </ac:picMkLst>
+        </pc:picChg>
+        <pc:cxnChg chg="mod">
+          <ac:chgData name="Jordan May Von Eggers" userId="2bcc5b33-6bd2-4559-ac12-5178b17ae4b3" providerId="ADAL" clId="{60289464-B675-994A-A4CC-484FB2BB9EC8}" dt="2024-06-24T23:15:31.853" v="25"/>
+          <ac:cxnSpMkLst>
+            <pc:docMk/>
+            <pc:sldMk cId="1321422355" sldId="257"/>
+            <ac:cxnSpMk id="6" creationId="{BFC5D416-0E9B-D2E0-9F53-57AF74DC19A5}"/>
+          </ac:cxnSpMkLst>
+        </pc:cxnChg>
+        <pc:cxnChg chg="mod">
+          <ac:chgData name="Jordan May Von Eggers" userId="2bcc5b33-6bd2-4559-ac12-5178b17ae4b3" providerId="ADAL" clId="{60289464-B675-994A-A4CC-484FB2BB9EC8}" dt="2024-06-24T23:15:31.853" v="25"/>
+          <ac:cxnSpMkLst>
+            <pc:docMk/>
+            <pc:sldMk cId="1321422355" sldId="257"/>
+            <ac:cxnSpMk id="26" creationId="{22E290A2-85CA-E3C6-00A4-41C26545978A}"/>
+          </ac:cxnSpMkLst>
+        </pc:cxnChg>
+        <pc:cxnChg chg="mod">
+          <ac:chgData name="Jordan May Von Eggers" userId="2bcc5b33-6bd2-4559-ac12-5178b17ae4b3" providerId="ADAL" clId="{60289464-B675-994A-A4CC-484FB2BB9EC8}" dt="2024-06-24T23:15:31.853" v="25"/>
+          <ac:cxnSpMkLst>
+            <pc:docMk/>
+            <pc:sldMk cId="1321422355" sldId="257"/>
+            <ac:cxnSpMk id="32" creationId="{8ECAD611-91E9-A8A0-14F8-A687F70B4122}"/>
+          </ac:cxnSpMkLst>
+        </pc:cxnChg>
+        <pc:cxnChg chg="mod">
+          <ac:chgData name="Jordan May Von Eggers" userId="2bcc5b33-6bd2-4559-ac12-5178b17ae4b3" providerId="ADAL" clId="{60289464-B675-994A-A4CC-484FB2BB9EC8}" dt="2024-06-24T23:15:31.853" v="25"/>
+          <ac:cxnSpMkLst>
+            <pc:docMk/>
+            <pc:sldMk cId="1321422355" sldId="257"/>
+            <ac:cxnSpMk id="38" creationId="{FF2BDE31-E6D1-3297-2F9A-08BF18631987}"/>
+          </ac:cxnSpMkLst>
+        </pc:cxnChg>
+      </pc:sldChg>
+      <pc:sldChg chg="del">
+        <pc:chgData name="Jordan May Von Eggers" userId="2bcc5b33-6bd2-4559-ac12-5178b17ae4b3" providerId="ADAL" clId="{60289464-B675-994A-A4CC-484FB2BB9EC8}" dt="2024-06-24T23:08:31.471" v="4" actId="2696"/>
+        <pc:sldMkLst>
+          <pc:docMk/>
+          <pc:sldMk cId="2729543920" sldId="258"/>
+        </pc:sldMkLst>
+      </pc:sldChg>
+      <pc:sldChg chg="addSp delSp modSp del mod">
+        <pc:chgData name="Jordan May Von Eggers" userId="2bcc5b33-6bd2-4559-ac12-5178b17ae4b3" providerId="ADAL" clId="{60289464-B675-994A-A4CC-484FB2BB9EC8}" dt="2024-06-24T23:25:02.623" v="156" actId="2696"/>
+        <pc:sldMkLst>
+          <pc:docMk/>
+          <pc:sldMk cId="2932251409" sldId="259"/>
+        </pc:sldMkLst>
+        <pc:spChg chg="mod">
+          <ac:chgData name="Jordan May Von Eggers" userId="2bcc5b33-6bd2-4559-ac12-5178b17ae4b3" providerId="ADAL" clId="{60289464-B675-994A-A4CC-484FB2BB9EC8}" dt="2024-06-24T23:15:31.853" v="25"/>
+          <ac:spMkLst>
+            <pc:docMk/>
+            <pc:sldMk cId="2932251409" sldId="259"/>
+            <ac:spMk id="2" creationId="{6EDA3398-07ED-483C-9360-DF1B460D0DD5}"/>
+          </ac:spMkLst>
+        </pc:spChg>
+        <pc:spChg chg="mod">
+          <ac:chgData name="Jordan May Von Eggers" userId="2bcc5b33-6bd2-4559-ac12-5178b17ae4b3" providerId="ADAL" clId="{60289464-B675-994A-A4CC-484FB2BB9EC8}" dt="2024-06-24T23:15:31.853" v="25"/>
+          <ac:spMkLst>
+            <pc:docMk/>
+            <pc:sldMk cId="2932251409" sldId="259"/>
+            <ac:spMk id="3" creationId="{749CD612-B750-CCAC-F499-0E5B3953F70B}"/>
+          </ac:spMkLst>
+        </pc:spChg>
+        <pc:spChg chg="mod">
+          <ac:chgData name="Jordan May Von Eggers" userId="2bcc5b33-6bd2-4559-ac12-5178b17ae4b3" providerId="ADAL" clId="{60289464-B675-994A-A4CC-484FB2BB9EC8}" dt="2024-06-24T23:15:43.169" v="64" actId="1037"/>
+          <ac:spMkLst>
+            <pc:docMk/>
+            <pc:sldMk cId="2932251409" sldId="259"/>
+            <ac:spMk id="4" creationId="{8A9E3ED9-1AEB-24A2-3955-FA6988180D37}"/>
+          </ac:spMkLst>
+        </pc:spChg>
+        <pc:spChg chg="mod">
+          <ac:chgData name="Jordan May Von Eggers" userId="2bcc5b33-6bd2-4559-ac12-5178b17ae4b3" providerId="ADAL" clId="{60289464-B675-994A-A4CC-484FB2BB9EC8}" dt="2024-06-24T23:15:43.169" v="64" actId="1037"/>
+          <ac:spMkLst>
+            <pc:docMk/>
+            <pc:sldMk cId="2932251409" sldId="259"/>
+            <ac:spMk id="8" creationId="{FF995F32-5EA6-1FF0-B500-63FBC9F77D2C}"/>
+          </ac:spMkLst>
+        </pc:spChg>
+        <pc:spChg chg="mod">
+          <ac:chgData name="Jordan May Von Eggers" userId="2bcc5b33-6bd2-4559-ac12-5178b17ae4b3" providerId="ADAL" clId="{60289464-B675-994A-A4CC-484FB2BB9EC8}" dt="2024-06-24T23:15:43.169" v="64" actId="1037"/>
+          <ac:spMkLst>
+            <pc:docMk/>
+            <pc:sldMk cId="2932251409" sldId="259"/>
+            <ac:spMk id="15" creationId="{5F864190-A73A-9106-1C1C-8A3299BBDDA1}"/>
+          </ac:spMkLst>
+        </pc:spChg>
+        <pc:spChg chg="mod">
+          <ac:chgData name="Jordan May Von Eggers" userId="2bcc5b33-6bd2-4559-ac12-5178b17ae4b3" providerId="ADAL" clId="{60289464-B675-994A-A4CC-484FB2BB9EC8}" dt="2024-06-24T23:15:43.169" v="64" actId="1037"/>
+          <ac:spMkLst>
+            <pc:docMk/>
+            <pc:sldMk cId="2932251409" sldId="259"/>
+            <ac:spMk id="16" creationId="{A2A6BED6-E85A-A9A5-3FBE-D284FA8D5300}"/>
+          </ac:spMkLst>
+        </pc:spChg>
+        <pc:spChg chg="mod">
+          <ac:chgData name="Jordan May Von Eggers" userId="2bcc5b33-6bd2-4559-ac12-5178b17ae4b3" providerId="ADAL" clId="{60289464-B675-994A-A4CC-484FB2BB9EC8}" dt="2024-06-24T23:15:31.853" v="25"/>
+          <ac:spMkLst>
+            <pc:docMk/>
+            <pc:sldMk cId="2932251409" sldId="259"/>
+            <ac:spMk id="24" creationId="{AA3D6B35-AABE-2452-29A1-A6890489AA07}"/>
+          </ac:spMkLst>
+        </pc:spChg>
+        <pc:spChg chg="mod">
+          <ac:chgData name="Jordan May Von Eggers" userId="2bcc5b33-6bd2-4559-ac12-5178b17ae4b3" providerId="ADAL" clId="{60289464-B675-994A-A4CC-484FB2BB9EC8}" dt="2024-06-24T23:15:31.853" v="25"/>
+          <ac:spMkLst>
+            <pc:docMk/>
+            <pc:sldMk cId="2932251409" sldId="259"/>
+            <ac:spMk id="25" creationId="{EC7466F3-85BD-BB14-3D7A-C77904105F1E}"/>
+          </ac:spMkLst>
+        </pc:spChg>
+        <pc:spChg chg="mod">
+          <ac:chgData name="Jordan May Von Eggers" userId="2bcc5b33-6bd2-4559-ac12-5178b17ae4b3" providerId="ADAL" clId="{60289464-B675-994A-A4CC-484FB2BB9EC8}" dt="2024-06-24T23:15:31.853" v="25"/>
+          <ac:spMkLst>
+            <pc:docMk/>
+            <pc:sldMk cId="2932251409" sldId="259"/>
+            <ac:spMk id="30" creationId="{2D9885B9-8BFA-127A-5C65-F10566DD39C2}"/>
+          </ac:spMkLst>
+        </pc:spChg>
+        <pc:spChg chg="mod">
+          <ac:chgData name="Jordan May Von Eggers" userId="2bcc5b33-6bd2-4559-ac12-5178b17ae4b3" providerId="ADAL" clId="{60289464-B675-994A-A4CC-484FB2BB9EC8}" dt="2024-06-24T23:15:31.853" v="25"/>
+          <ac:spMkLst>
+            <pc:docMk/>
+            <pc:sldMk cId="2932251409" sldId="259"/>
+            <ac:spMk id="31" creationId="{5E10EE8C-F4EA-947E-E36A-BA7AC27FE654}"/>
+          </ac:spMkLst>
+        </pc:spChg>
+        <pc:spChg chg="mod">
+          <ac:chgData name="Jordan May Von Eggers" userId="2bcc5b33-6bd2-4559-ac12-5178b17ae4b3" providerId="ADAL" clId="{60289464-B675-994A-A4CC-484FB2BB9EC8}" dt="2024-06-24T23:15:43.169" v="64" actId="1037"/>
+          <ac:spMkLst>
+            <pc:docMk/>
+            <pc:sldMk cId="2932251409" sldId="259"/>
+            <ac:spMk id="34" creationId="{AA4222A2-9CE5-6BE0-38E7-36EDE44CEF95}"/>
+          </ac:spMkLst>
+        </pc:spChg>
+        <pc:spChg chg="mod">
+          <ac:chgData name="Jordan May Von Eggers" userId="2bcc5b33-6bd2-4559-ac12-5178b17ae4b3" providerId="ADAL" clId="{60289464-B675-994A-A4CC-484FB2BB9EC8}" dt="2024-06-24T23:15:31.853" v="25"/>
+          <ac:spMkLst>
+            <pc:docMk/>
+            <pc:sldMk cId="2932251409" sldId="259"/>
+            <ac:spMk id="36" creationId="{62B3A33C-F245-9274-084C-D3BD84075219}"/>
+          </ac:spMkLst>
+        </pc:spChg>
+        <pc:spChg chg="mod">
+          <ac:chgData name="Jordan May Von Eggers" userId="2bcc5b33-6bd2-4559-ac12-5178b17ae4b3" providerId="ADAL" clId="{60289464-B675-994A-A4CC-484FB2BB9EC8}" dt="2024-06-24T23:15:31.853" v="25"/>
+          <ac:spMkLst>
+            <pc:docMk/>
+            <pc:sldMk cId="2932251409" sldId="259"/>
+            <ac:spMk id="37" creationId="{959BA30F-50EF-2801-4215-AA5CD7481EAC}"/>
+          </ac:spMkLst>
+        </pc:spChg>
+        <pc:spChg chg="mod">
+          <ac:chgData name="Jordan May Von Eggers" userId="2bcc5b33-6bd2-4559-ac12-5178b17ae4b3" providerId="ADAL" clId="{60289464-B675-994A-A4CC-484FB2BB9EC8}" dt="2024-06-24T23:15:43.169" v="64" actId="1037"/>
+          <ac:spMkLst>
+            <pc:docMk/>
+            <pc:sldMk cId="2932251409" sldId="259"/>
+            <ac:spMk id="42" creationId="{F7779312-CE12-047F-23EE-11DA0E44AE45}"/>
+          </ac:spMkLst>
+        </pc:spChg>
+        <pc:spChg chg="mod">
+          <ac:chgData name="Jordan May Von Eggers" userId="2bcc5b33-6bd2-4559-ac12-5178b17ae4b3" providerId="ADAL" clId="{60289464-B675-994A-A4CC-484FB2BB9EC8}" dt="2024-06-24T23:15:43.169" v="64" actId="1037"/>
+          <ac:spMkLst>
+            <pc:docMk/>
+            <pc:sldMk cId="2932251409" sldId="259"/>
+            <ac:spMk id="43" creationId="{94E20A1B-B2FF-1BEA-C14D-522BA6AA0335}"/>
+          </ac:spMkLst>
+        </pc:spChg>
+        <pc:spChg chg="mod">
+          <ac:chgData name="Jordan May Von Eggers" userId="2bcc5b33-6bd2-4559-ac12-5178b17ae4b3" providerId="ADAL" clId="{60289464-B675-994A-A4CC-484FB2BB9EC8}" dt="2024-06-24T23:15:43.169" v="64" actId="1037"/>
+          <ac:spMkLst>
+            <pc:docMk/>
+            <pc:sldMk cId="2932251409" sldId="259"/>
+            <ac:spMk id="44" creationId="{1EB65B2F-9BE1-2C2D-B526-888AB809311A}"/>
+          </ac:spMkLst>
+        </pc:spChg>
+        <pc:spChg chg="mod">
+          <ac:chgData name="Jordan May Von Eggers" userId="2bcc5b33-6bd2-4559-ac12-5178b17ae4b3" providerId="ADAL" clId="{60289464-B675-994A-A4CC-484FB2BB9EC8}" dt="2024-06-24T23:15:55.462" v="66" actId="14100"/>
+          <ac:spMkLst>
+            <pc:docMk/>
+            <pc:sldMk cId="2932251409" sldId="259"/>
+            <ac:spMk id="45" creationId="{600E27D6-AED2-BDA5-079B-0BAE9B4D7391}"/>
+          </ac:spMkLst>
+        </pc:spChg>
+        <pc:spChg chg="mod">
+          <ac:chgData name="Jordan May Von Eggers" userId="2bcc5b33-6bd2-4559-ac12-5178b17ae4b3" providerId="ADAL" clId="{60289464-B675-994A-A4CC-484FB2BB9EC8}" dt="2024-06-24T23:15:38.950" v="55" actId="1037"/>
+          <ac:spMkLst>
+            <pc:docMk/>
+            <pc:sldMk cId="2932251409" sldId="259"/>
+            <ac:spMk id="57" creationId="{52AEC7E4-80F3-3563-F514-5EC0D25250FD}"/>
+          </ac:spMkLst>
+        </pc:spChg>
+        <pc:spChg chg="mod">
+          <ac:chgData name="Jordan May Von Eggers" userId="2bcc5b33-6bd2-4559-ac12-5178b17ae4b3" providerId="ADAL" clId="{60289464-B675-994A-A4CC-484FB2BB9EC8}" dt="2024-06-24T23:15:38.950" v="55" actId="1037"/>
+          <ac:spMkLst>
+            <pc:docMk/>
+            <pc:sldMk cId="2932251409" sldId="259"/>
+            <ac:spMk id="68" creationId="{0C9DA26A-CA1A-5728-3855-13BA28EA994D}"/>
+          </ac:spMkLst>
+        </pc:spChg>
+        <pc:spChg chg="mod">
+          <ac:chgData name="Jordan May Von Eggers" userId="2bcc5b33-6bd2-4559-ac12-5178b17ae4b3" providerId="ADAL" clId="{60289464-B675-994A-A4CC-484FB2BB9EC8}" dt="2024-06-24T23:15:38.950" v="55" actId="1037"/>
+          <ac:spMkLst>
+            <pc:docMk/>
+            <pc:sldMk cId="2932251409" sldId="259"/>
+            <ac:spMk id="71" creationId="{ABB90343-BFC9-3565-598C-7BF4A1F0DBAF}"/>
+          </ac:spMkLst>
+        </pc:spChg>
+        <pc:grpChg chg="mod">
+          <ac:chgData name="Jordan May Von Eggers" userId="2bcc5b33-6bd2-4559-ac12-5178b17ae4b3" providerId="ADAL" clId="{60289464-B675-994A-A4CC-484FB2BB9EC8}" dt="2024-06-24T23:15:43.169" v="64" actId="1037"/>
+          <ac:grpSpMkLst>
+            <pc:docMk/>
+            <pc:sldMk cId="2932251409" sldId="259"/>
+            <ac:grpSpMk id="22" creationId="{DA76E2A5-ECB8-8F01-6E5B-887A9DF48EE2}"/>
+          </ac:grpSpMkLst>
+        </pc:grpChg>
+        <pc:grpChg chg="mod">
+          <ac:chgData name="Jordan May Von Eggers" userId="2bcc5b33-6bd2-4559-ac12-5178b17ae4b3" providerId="ADAL" clId="{60289464-B675-994A-A4CC-484FB2BB9EC8}" dt="2024-06-24T23:15:43.169" v="64" actId="1037"/>
+          <ac:grpSpMkLst>
+            <pc:docMk/>
+            <pc:sldMk cId="2932251409" sldId="259"/>
+            <ac:grpSpMk id="23" creationId="{FB711A6E-DE14-9DD1-9C60-95CD65715041}"/>
+          </ac:grpSpMkLst>
+        </pc:grpChg>
+        <pc:grpChg chg="mod">
+          <ac:chgData name="Jordan May Von Eggers" userId="2bcc5b33-6bd2-4559-ac12-5178b17ae4b3" providerId="ADAL" clId="{60289464-B675-994A-A4CC-484FB2BB9EC8}" dt="2024-06-24T23:15:43.169" v="64" actId="1037"/>
+          <ac:grpSpMkLst>
+            <pc:docMk/>
+            <pc:sldMk cId="2932251409" sldId="259"/>
+            <ac:grpSpMk id="29" creationId="{176059AB-36C7-9D47-C8A9-E4FFD577D315}"/>
+          </ac:grpSpMkLst>
+        </pc:grpChg>
+        <pc:grpChg chg="mod">
+          <ac:chgData name="Jordan May Von Eggers" userId="2bcc5b33-6bd2-4559-ac12-5178b17ae4b3" providerId="ADAL" clId="{60289464-B675-994A-A4CC-484FB2BB9EC8}" dt="2024-06-24T23:15:43.169" v="64" actId="1037"/>
+          <ac:grpSpMkLst>
+            <pc:docMk/>
+            <pc:sldMk cId="2932251409" sldId="259"/>
+            <ac:grpSpMk id="35" creationId="{C64032D2-BAB1-598F-0269-6CF7D06D1AA2}"/>
+          </ac:grpSpMkLst>
+        </pc:grpChg>
+        <pc:picChg chg="mod">
+          <ac:chgData name="Jordan May Von Eggers" userId="2bcc5b33-6bd2-4559-ac12-5178b17ae4b3" providerId="ADAL" clId="{60289464-B675-994A-A4CC-484FB2BB9EC8}" dt="2024-06-24T23:15:38.950" v="55" actId="1037"/>
+          <ac:picMkLst>
+            <pc:docMk/>
+            <pc:sldMk cId="2932251409" sldId="259"/>
+            <ac:picMk id="7" creationId="{AAD8055B-94AA-7316-F5DA-49AFCAEE64AE}"/>
+          </ac:picMkLst>
+        </pc:picChg>
+        <pc:picChg chg="add mod">
+          <ac:chgData name="Jordan May Von Eggers" userId="2bcc5b33-6bd2-4559-ac12-5178b17ae4b3" providerId="ADAL" clId="{60289464-B675-994A-A4CC-484FB2BB9EC8}" dt="2024-06-24T23:15:38.950" v="55" actId="1037"/>
+          <ac:picMkLst>
+            <pc:docMk/>
+            <pc:sldMk cId="2932251409" sldId="259"/>
+            <ac:picMk id="9" creationId="{18291D9D-6E4B-7CD3-8981-BB296FC07470}"/>
+          </ac:picMkLst>
+        </pc:picChg>
+        <pc:picChg chg="mod">
+          <ac:chgData name="Jordan May Von Eggers" userId="2bcc5b33-6bd2-4559-ac12-5178b17ae4b3" providerId="ADAL" clId="{60289464-B675-994A-A4CC-484FB2BB9EC8}" dt="2024-06-24T23:15:38.950" v="55" actId="1037"/>
+          <ac:picMkLst>
+            <pc:docMk/>
+            <pc:sldMk cId="2932251409" sldId="259"/>
+            <ac:picMk id="10" creationId="{53FD1452-F767-1570-AEE2-592348C2053D}"/>
+          </ac:picMkLst>
+        </pc:picChg>
+        <pc:picChg chg="mod">
+          <ac:chgData name="Jordan May Von Eggers" userId="2bcc5b33-6bd2-4559-ac12-5178b17ae4b3" providerId="ADAL" clId="{60289464-B675-994A-A4CC-484FB2BB9EC8}" dt="2024-06-24T23:15:38.950" v="55" actId="1037"/>
+          <ac:picMkLst>
+            <pc:docMk/>
+            <pc:sldMk cId="2932251409" sldId="259"/>
+            <ac:picMk id="12" creationId="{06F875FA-0D84-3304-F395-4F6160C97A7F}"/>
+          </ac:picMkLst>
+        </pc:picChg>
+        <pc:picChg chg="mod">
+          <ac:chgData name="Jordan May Von Eggers" userId="2bcc5b33-6bd2-4559-ac12-5178b17ae4b3" providerId="ADAL" clId="{60289464-B675-994A-A4CC-484FB2BB9EC8}" dt="2024-06-24T23:15:38.950" v="55" actId="1037"/>
+          <ac:picMkLst>
+            <pc:docMk/>
+            <pc:sldMk cId="2932251409" sldId="259"/>
+            <ac:picMk id="61" creationId="{9F1B0B9D-72E7-A4D6-682A-B5F5F31B1AB5}"/>
+          </ac:picMkLst>
+        </pc:picChg>
+        <pc:picChg chg="mod">
+          <ac:chgData name="Jordan May Von Eggers" userId="2bcc5b33-6bd2-4559-ac12-5178b17ae4b3" providerId="ADAL" clId="{60289464-B675-994A-A4CC-484FB2BB9EC8}" dt="2024-06-24T23:15:38.950" v="55" actId="1037"/>
+          <ac:picMkLst>
+            <pc:docMk/>
+            <pc:sldMk cId="2932251409" sldId="259"/>
+            <ac:picMk id="63" creationId="{81867B2B-51A2-D2D4-51A6-263C2CEE3551}"/>
+          </ac:picMkLst>
+        </pc:picChg>
+        <pc:picChg chg="mod">
+          <ac:chgData name="Jordan May Von Eggers" userId="2bcc5b33-6bd2-4559-ac12-5178b17ae4b3" providerId="ADAL" clId="{60289464-B675-994A-A4CC-484FB2BB9EC8}" dt="2024-06-24T23:15:38.950" v="55" actId="1037"/>
+          <ac:picMkLst>
+            <pc:docMk/>
+            <pc:sldMk cId="2932251409" sldId="259"/>
+            <ac:picMk id="65" creationId="{B463C8CF-103D-29F6-EC9E-DF6A9346AA5F}"/>
+          </ac:picMkLst>
+        </pc:picChg>
+        <pc:picChg chg="mod">
+          <ac:chgData name="Jordan May Von Eggers" userId="2bcc5b33-6bd2-4559-ac12-5178b17ae4b3" providerId="ADAL" clId="{60289464-B675-994A-A4CC-484FB2BB9EC8}" dt="2024-06-24T23:15:38.950" v="55" actId="1037"/>
+          <ac:picMkLst>
+            <pc:docMk/>
+            <pc:sldMk cId="2932251409" sldId="259"/>
+            <ac:picMk id="67" creationId="{AF5CCB62-A36B-4C7D-F37D-944143841B2F}"/>
+          </ac:picMkLst>
+        </pc:picChg>
+        <pc:picChg chg="del mod">
+          <ac:chgData name="Jordan May Von Eggers" userId="2bcc5b33-6bd2-4559-ac12-5178b17ae4b3" providerId="ADAL" clId="{60289464-B675-994A-A4CC-484FB2BB9EC8}" dt="2024-06-24T23:09:10.412" v="10" actId="478"/>
+          <ac:picMkLst>
+            <pc:docMk/>
+            <pc:sldMk cId="2932251409" sldId="259"/>
+            <ac:picMk id="70" creationId="{55275A76-ABA6-22F0-EF3E-6EA191FB18B7}"/>
+          </ac:picMkLst>
+        </pc:picChg>
+        <pc:cxnChg chg="mod">
+          <ac:chgData name="Jordan May Von Eggers" userId="2bcc5b33-6bd2-4559-ac12-5178b17ae4b3" providerId="ADAL" clId="{60289464-B675-994A-A4CC-484FB2BB9EC8}" dt="2024-06-24T23:15:31.853" v="25"/>
+          <ac:cxnSpMkLst>
+            <pc:docMk/>
+            <pc:sldMk cId="2932251409" sldId="259"/>
+            <ac:cxnSpMk id="6" creationId="{BFC5D416-0E9B-D2E0-9F53-57AF74DC19A5}"/>
+          </ac:cxnSpMkLst>
+        </pc:cxnChg>
+        <pc:cxnChg chg="mod">
+          <ac:chgData name="Jordan May Von Eggers" userId="2bcc5b33-6bd2-4559-ac12-5178b17ae4b3" providerId="ADAL" clId="{60289464-B675-994A-A4CC-484FB2BB9EC8}" dt="2024-06-24T23:15:31.853" v="25"/>
+          <ac:cxnSpMkLst>
+            <pc:docMk/>
+            <pc:sldMk cId="2932251409" sldId="259"/>
+            <ac:cxnSpMk id="26" creationId="{22E290A2-85CA-E3C6-00A4-41C26545978A}"/>
+          </ac:cxnSpMkLst>
+        </pc:cxnChg>
+        <pc:cxnChg chg="mod">
+          <ac:chgData name="Jordan May Von Eggers" userId="2bcc5b33-6bd2-4559-ac12-5178b17ae4b3" providerId="ADAL" clId="{60289464-B675-994A-A4CC-484FB2BB9EC8}" dt="2024-06-24T23:15:31.853" v="25"/>
+          <ac:cxnSpMkLst>
+            <pc:docMk/>
+            <pc:sldMk cId="2932251409" sldId="259"/>
+            <ac:cxnSpMk id="32" creationId="{8ECAD611-91E9-A8A0-14F8-A687F70B4122}"/>
+          </ac:cxnSpMkLst>
+        </pc:cxnChg>
+        <pc:cxnChg chg="mod">
+          <ac:chgData name="Jordan May Von Eggers" userId="2bcc5b33-6bd2-4559-ac12-5178b17ae4b3" providerId="ADAL" clId="{60289464-B675-994A-A4CC-484FB2BB9EC8}" dt="2024-06-24T23:15:31.853" v="25"/>
+          <ac:cxnSpMkLst>
+            <pc:docMk/>
+            <pc:sldMk cId="2932251409" sldId="259"/>
+            <ac:cxnSpMk id="38" creationId="{FF2BDE31-E6D1-3297-2F9A-08BF18631987}"/>
+          </ac:cxnSpMkLst>
+        </pc:cxnChg>
+      </pc:sldChg>
+      <pc:sldChg chg="addSp delSp modSp add mod">
+        <pc:chgData name="Jordan May Von Eggers" userId="2bcc5b33-6bd2-4559-ac12-5178b17ae4b3" providerId="ADAL" clId="{60289464-B675-994A-A4CC-484FB2BB9EC8}" dt="2024-06-24T23:45:20.170" v="413" actId="1037"/>
+        <pc:sldMkLst>
+          <pc:docMk/>
+          <pc:sldMk cId="1869401412" sldId="260"/>
+        </pc:sldMkLst>
+        <pc:spChg chg="mod">
+          <ac:chgData name="Jordan May Von Eggers" userId="2bcc5b33-6bd2-4559-ac12-5178b17ae4b3" providerId="ADAL" clId="{60289464-B675-994A-A4CC-484FB2BB9EC8}" dt="2024-06-24T23:44:11.597" v="356"/>
+          <ac:spMkLst>
+            <pc:docMk/>
+            <pc:sldMk cId="1869401412" sldId="260"/>
+            <ac:spMk id="2" creationId="{6EDA3398-07ED-483C-9360-DF1B460D0DD5}"/>
+          </ac:spMkLst>
+        </pc:spChg>
+        <pc:spChg chg="mod">
+          <ac:chgData name="Jordan May Von Eggers" userId="2bcc5b33-6bd2-4559-ac12-5178b17ae4b3" providerId="ADAL" clId="{60289464-B675-994A-A4CC-484FB2BB9EC8}" dt="2024-06-24T23:44:11.597" v="356"/>
+          <ac:spMkLst>
+            <pc:docMk/>
+            <pc:sldMk cId="1869401412" sldId="260"/>
+            <ac:spMk id="3" creationId="{749CD612-B750-CCAC-F499-0E5B3953F70B}"/>
+          </ac:spMkLst>
+        </pc:spChg>
+        <pc:spChg chg="mod">
+          <ac:chgData name="Jordan May Von Eggers" userId="2bcc5b33-6bd2-4559-ac12-5178b17ae4b3" providerId="ADAL" clId="{60289464-B675-994A-A4CC-484FB2BB9EC8}" dt="2024-06-24T23:44:16.293" v="364" actId="1035"/>
+          <ac:spMkLst>
+            <pc:docMk/>
+            <pc:sldMk cId="1869401412" sldId="260"/>
+            <ac:spMk id="4" creationId="{8A9E3ED9-1AEB-24A2-3955-FA6988180D37}"/>
+          </ac:spMkLst>
+        </pc:spChg>
+        <pc:spChg chg="mod">
+          <ac:chgData name="Jordan May Von Eggers" userId="2bcc5b33-6bd2-4559-ac12-5178b17ae4b3" providerId="ADAL" clId="{60289464-B675-994A-A4CC-484FB2BB9EC8}" dt="2024-06-24T23:44:16.293" v="364" actId="1035"/>
+          <ac:spMkLst>
+            <pc:docMk/>
+            <pc:sldMk cId="1869401412" sldId="260"/>
+            <ac:spMk id="8" creationId="{FF995F32-5EA6-1FF0-B500-63FBC9F77D2C}"/>
+          </ac:spMkLst>
+        </pc:spChg>
+        <pc:spChg chg="mod">
+          <ac:chgData name="Jordan May Von Eggers" userId="2bcc5b33-6bd2-4559-ac12-5178b17ae4b3" providerId="ADAL" clId="{60289464-B675-994A-A4CC-484FB2BB9EC8}" dt="2024-06-24T23:44:16.293" v="364" actId="1035"/>
+          <ac:spMkLst>
+            <pc:docMk/>
+            <pc:sldMk cId="1869401412" sldId="260"/>
+            <ac:spMk id="15" creationId="{5F864190-A73A-9106-1C1C-8A3299BBDDA1}"/>
+          </ac:spMkLst>
+        </pc:spChg>
+        <pc:spChg chg="mod">
+          <ac:chgData name="Jordan May Von Eggers" userId="2bcc5b33-6bd2-4559-ac12-5178b17ae4b3" providerId="ADAL" clId="{60289464-B675-994A-A4CC-484FB2BB9EC8}" dt="2024-06-24T23:44:16.293" v="364" actId="1035"/>
+          <ac:spMkLst>
+            <pc:docMk/>
+            <pc:sldMk cId="1869401412" sldId="260"/>
+            <ac:spMk id="16" creationId="{A2A6BED6-E85A-A9A5-3FBE-D284FA8D5300}"/>
+          </ac:spMkLst>
+        </pc:spChg>
+        <pc:spChg chg="mod">
+          <ac:chgData name="Jordan May Von Eggers" userId="2bcc5b33-6bd2-4559-ac12-5178b17ae4b3" providerId="ADAL" clId="{60289464-B675-994A-A4CC-484FB2BB9EC8}" dt="2024-06-24T23:44:41.414" v="377" actId="14100"/>
+          <ac:spMkLst>
+            <pc:docMk/>
+            <pc:sldMk cId="1869401412" sldId="260"/>
+            <ac:spMk id="34" creationId="{AA4222A2-9CE5-6BE0-38E7-36EDE44CEF95}"/>
+          </ac:spMkLst>
+        </pc:spChg>
+        <pc:spChg chg="mod">
+          <ac:chgData name="Jordan May Von Eggers" userId="2bcc5b33-6bd2-4559-ac12-5178b17ae4b3" providerId="ADAL" clId="{60289464-B675-994A-A4CC-484FB2BB9EC8}" dt="2024-06-24T23:44:16.293" v="364" actId="1035"/>
+          <ac:spMkLst>
+            <pc:docMk/>
+            <pc:sldMk cId="1869401412" sldId="260"/>
+            <ac:spMk id="42" creationId="{F7779312-CE12-047F-23EE-11DA0E44AE45}"/>
+          </ac:spMkLst>
+        </pc:spChg>
+        <pc:spChg chg="mod">
+          <ac:chgData name="Jordan May Von Eggers" userId="2bcc5b33-6bd2-4559-ac12-5178b17ae4b3" providerId="ADAL" clId="{60289464-B675-994A-A4CC-484FB2BB9EC8}" dt="2024-06-24T23:44:16.293" v="364" actId="1035"/>
+          <ac:spMkLst>
+            <pc:docMk/>
+            <pc:sldMk cId="1869401412" sldId="260"/>
+            <ac:spMk id="43" creationId="{94E20A1B-B2FF-1BEA-C14D-522BA6AA0335}"/>
+          </ac:spMkLst>
+        </pc:spChg>
+        <pc:spChg chg="mod">
+          <ac:chgData name="Jordan May Von Eggers" userId="2bcc5b33-6bd2-4559-ac12-5178b17ae4b3" providerId="ADAL" clId="{60289464-B675-994A-A4CC-484FB2BB9EC8}" dt="2024-06-24T23:44:16.293" v="364" actId="1035"/>
+          <ac:spMkLst>
+            <pc:docMk/>
+            <pc:sldMk cId="1869401412" sldId="260"/>
+            <ac:spMk id="44" creationId="{1EB65B2F-9BE1-2C2D-B526-888AB809311A}"/>
+          </ac:spMkLst>
+        </pc:spChg>
+        <pc:spChg chg="mod">
+          <ac:chgData name="Jordan May Von Eggers" userId="2bcc5b33-6bd2-4559-ac12-5178b17ae4b3" providerId="ADAL" clId="{60289464-B675-994A-A4CC-484FB2BB9EC8}" dt="2024-06-24T23:44:16.293" v="364" actId="1035"/>
+          <ac:spMkLst>
+            <pc:docMk/>
+            <pc:sldMk cId="1869401412" sldId="260"/>
+            <ac:spMk id="45" creationId="{600E27D6-AED2-BDA5-079B-0BAE9B4D7391}"/>
+          </ac:spMkLst>
+        </pc:spChg>
+        <pc:spChg chg="mod">
+          <ac:chgData name="Jordan May Von Eggers" userId="2bcc5b33-6bd2-4559-ac12-5178b17ae4b3" providerId="ADAL" clId="{60289464-B675-994A-A4CC-484FB2BB9EC8}" dt="2024-06-24T23:44:11.597" v="356"/>
+          <ac:spMkLst>
+            <pc:docMk/>
+            <pc:sldMk cId="1869401412" sldId="260"/>
+            <ac:spMk id="48" creationId="{849F71B8-3FA0-8BB3-A27F-D73E8630CFE1}"/>
+          </ac:spMkLst>
+        </pc:spChg>
+        <pc:spChg chg="mod">
+          <ac:chgData name="Jordan May Von Eggers" userId="2bcc5b33-6bd2-4559-ac12-5178b17ae4b3" providerId="ADAL" clId="{60289464-B675-994A-A4CC-484FB2BB9EC8}" dt="2024-06-24T23:44:11.597" v="356"/>
+          <ac:spMkLst>
+            <pc:docMk/>
+            <pc:sldMk cId="1869401412" sldId="260"/>
+            <ac:spMk id="49" creationId="{5C09A609-09ED-4C83-AEC1-73FABE7691CC}"/>
+          </ac:spMkLst>
+        </pc:spChg>
+        <pc:spChg chg="mod">
+          <ac:chgData name="Jordan May Von Eggers" userId="2bcc5b33-6bd2-4559-ac12-5178b17ae4b3" providerId="ADAL" clId="{60289464-B675-994A-A4CC-484FB2BB9EC8}" dt="2024-06-24T23:44:11.597" v="356"/>
+          <ac:spMkLst>
+            <pc:docMk/>
+            <pc:sldMk cId="1869401412" sldId="260"/>
+            <ac:spMk id="52" creationId="{E863FF4B-F225-8CEE-30EA-ADC2FD1CDA36}"/>
+          </ac:spMkLst>
+        </pc:spChg>
+        <pc:spChg chg="mod">
+          <ac:chgData name="Jordan May Von Eggers" userId="2bcc5b33-6bd2-4559-ac12-5178b17ae4b3" providerId="ADAL" clId="{60289464-B675-994A-A4CC-484FB2BB9EC8}" dt="2024-06-24T23:44:11.597" v="356"/>
+          <ac:spMkLst>
+            <pc:docMk/>
+            <pc:sldMk cId="1869401412" sldId="260"/>
+            <ac:spMk id="53" creationId="{6EE1D9B3-AF7F-1A99-569F-457463AF9543}"/>
+          </ac:spMkLst>
+        </pc:spChg>
+        <pc:spChg chg="mod">
+          <ac:chgData name="Jordan May Von Eggers" userId="2bcc5b33-6bd2-4559-ac12-5178b17ae4b3" providerId="ADAL" clId="{60289464-B675-994A-A4CC-484FB2BB9EC8}" dt="2024-06-24T23:44:11.597" v="356"/>
+          <ac:spMkLst>
+            <pc:docMk/>
+            <pc:sldMk cId="1869401412" sldId="260"/>
+            <ac:spMk id="56" creationId="{776A714E-57A4-AEFB-7217-E6FC0E896335}"/>
+          </ac:spMkLst>
+        </pc:spChg>
+        <pc:spChg chg="mod">
+          <ac:chgData name="Jordan May Von Eggers" userId="2bcc5b33-6bd2-4559-ac12-5178b17ae4b3" providerId="ADAL" clId="{60289464-B675-994A-A4CC-484FB2BB9EC8}" dt="2024-06-24T23:44:16.293" v="364" actId="1035"/>
+          <ac:spMkLst>
+            <pc:docMk/>
+            <pc:sldMk cId="1869401412" sldId="260"/>
+            <ac:spMk id="57" creationId="{52AEC7E4-80F3-3563-F514-5EC0D25250FD}"/>
+          </ac:spMkLst>
+        </pc:spChg>
+        <pc:spChg chg="mod">
+          <ac:chgData name="Jordan May Von Eggers" userId="2bcc5b33-6bd2-4559-ac12-5178b17ae4b3" providerId="ADAL" clId="{60289464-B675-994A-A4CC-484FB2BB9EC8}" dt="2024-06-24T23:44:11.597" v="356"/>
+          <ac:spMkLst>
+            <pc:docMk/>
+            <pc:sldMk cId="1869401412" sldId="260"/>
+            <ac:spMk id="58" creationId="{0A3DF0F4-DADC-32ED-A29D-989C45B2E177}"/>
+          </ac:spMkLst>
+        </pc:spChg>
+        <pc:spChg chg="mod">
+          <ac:chgData name="Jordan May Von Eggers" userId="2bcc5b33-6bd2-4559-ac12-5178b17ae4b3" providerId="ADAL" clId="{60289464-B675-994A-A4CC-484FB2BB9EC8}" dt="2024-06-24T23:45:01.450" v="400" actId="1037"/>
+          <ac:spMkLst>
+            <pc:docMk/>
+            <pc:sldMk cId="1869401412" sldId="260"/>
+            <ac:spMk id="68" creationId="{0C9DA26A-CA1A-5728-3855-13BA28EA994D}"/>
+          </ac:spMkLst>
+        </pc:spChg>
+        <pc:spChg chg="mod">
+          <ac:chgData name="Jordan May Von Eggers" userId="2bcc5b33-6bd2-4559-ac12-5178b17ae4b3" providerId="ADAL" clId="{60289464-B675-994A-A4CC-484FB2BB9EC8}" dt="2024-06-24T23:45:20.170" v="413" actId="1037"/>
+          <ac:spMkLst>
+            <pc:docMk/>
+            <pc:sldMk cId="1869401412" sldId="260"/>
+            <ac:spMk id="71" creationId="{ABB90343-BFC9-3565-598C-7BF4A1F0DBAF}"/>
+          </ac:spMkLst>
+        </pc:spChg>
+        <pc:spChg chg="mod">
+          <ac:chgData name="Jordan May Von Eggers" userId="2bcc5b33-6bd2-4559-ac12-5178b17ae4b3" providerId="ADAL" clId="{60289464-B675-994A-A4CC-484FB2BB9EC8}" dt="2024-06-24T23:42:06.158" v="338" actId="571"/>
+          <ac:spMkLst>
+            <pc:docMk/>
+            <pc:sldMk cId="1869401412" sldId="260"/>
+            <ac:spMk id="75" creationId="{6D1AD45F-A2DB-0C77-AB18-1A830A722981}"/>
+          </ac:spMkLst>
+        </pc:spChg>
+        <pc:spChg chg="mod">
+          <ac:chgData name="Jordan May Von Eggers" userId="2bcc5b33-6bd2-4559-ac12-5178b17ae4b3" providerId="ADAL" clId="{60289464-B675-994A-A4CC-484FB2BB9EC8}" dt="2024-06-24T23:42:06.158" v="338" actId="571"/>
+          <ac:spMkLst>
+            <pc:docMk/>
+            <pc:sldMk cId="1869401412" sldId="260"/>
+            <ac:spMk id="76" creationId="{299515FD-1138-1A54-E28C-F4B8736B0400}"/>
+          </ac:spMkLst>
+        </pc:spChg>
+        <pc:grpChg chg="mod">
+          <ac:chgData name="Jordan May Von Eggers" userId="2bcc5b33-6bd2-4559-ac12-5178b17ae4b3" providerId="ADAL" clId="{60289464-B675-994A-A4CC-484FB2BB9EC8}" dt="2024-06-24T23:44:16.293" v="364" actId="1035"/>
+          <ac:grpSpMkLst>
+            <pc:docMk/>
+            <pc:sldMk cId="1869401412" sldId="260"/>
+            <ac:grpSpMk id="22" creationId="{DA76E2A5-ECB8-8F01-6E5B-887A9DF48EE2}"/>
+          </ac:grpSpMkLst>
+        </pc:grpChg>
+        <pc:grpChg chg="del mod">
+          <ac:chgData name="Jordan May Von Eggers" userId="2bcc5b33-6bd2-4559-ac12-5178b17ae4b3" providerId="ADAL" clId="{60289464-B675-994A-A4CC-484FB2BB9EC8}" dt="2024-06-24T23:35:27.836" v="221" actId="478"/>
+          <ac:grpSpMkLst>
+            <pc:docMk/>
+            <pc:sldMk cId="1869401412" sldId="260"/>
+            <ac:grpSpMk id="23" creationId="{FB711A6E-DE14-9DD1-9C60-95CD65715041}"/>
+          </ac:grpSpMkLst>
+        </pc:grpChg>
+        <pc:grpChg chg="del mod">
+          <ac:chgData name="Jordan May Von Eggers" userId="2bcc5b33-6bd2-4559-ac12-5178b17ae4b3" providerId="ADAL" clId="{60289464-B675-994A-A4CC-484FB2BB9EC8}" dt="2024-06-24T23:35:20.100" v="219" actId="478"/>
+          <ac:grpSpMkLst>
+            <pc:docMk/>
+            <pc:sldMk cId="1869401412" sldId="260"/>
+            <ac:grpSpMk id="29" creationId="{176059AB-36C7-9D47-C8A9-E4FFD577D315}"/>
+          </ac:grpSpMkLst>
+        </pc:grpChg>
+        <pc:grpChg chg="del mod">
+          <ac:chgData name="Jordan May Von Eggers" userId="2bcc5b33-6bd2-4559-ac12-5178b17ae4b3" providerId="ADAL" clId="{60289464-B675-994A-A4CC-484FB2BB9EC8}" dt="2024-06-24T23:34:56.744" v="216" actId="478"/>
+          <ac:grpSpMkLst>
+            <pc:docMk/>
+            <pc:sldMk cId="1869401412" sldId="260"/>
+            <ac:grpSpMk id="35" creationId="{C64032D2-BAB1-598F-0269-6CF7D06D1AA2}"/>
+          </ac:grpSpMkLst>
+        </pc:grpChg>
+        <pc:grpChg chg="add mod">
+          <ac:chgData name="Jordan May Von Eggers" userId="2bcc5b33-6bd2-4559-ac12-5178b17ae4b3" providerId="ADAL" clId="{60289464-B675-994A-A4CC-484FB2BB9EC8}" dt="2024-06-24T23:44:16.293" v="364" actId="1035"/>
+          <ac:grpSpMkLst>
+            <pc:docMk/>
+            <pc:sldMk cId="1869401412" sldId="260"/>
+            <ac:grpSpMk id="47" creationId="{192928AB-318F-F586-AA06-0E40376D9B3F}"/>
+          </ac:grpSpMkLst>
+        </pc:grpChg>
+        <pc:grpChg chg="add mod">
+          <ac:chgData name="Jordan May Von Eggers" userId="2bcc5b33-6bd2-4559-ac12-5178b17ae4b3" providerId="ADAL" clId="{60289464-B675-994A-A4CC-484FB2BB9EC8}" dt="2024-06-24T23:44:16.293" v="364" actId="1035"/>
+          <ac:grpSpMkLst>
+            <pc:docMk/>
+            <pc:sldMk cId="1869401412" sldId="260"/>
+            <ac:grpSpMk id="51" creationId="{70912739-85D3-FE63-B006-108C49EBCB5C}"/>
+          </ac:grpSpMkLst>
+        </pc:grpChg>
+        <pc:grpChg chg="add mod">
+          <ac:chgData name="Jordan May Von Eggers" userId="2bcc5b33-6bd2-4559-ac12-5178b17ae4b3" providerId="ADAL" clId="{60289464-B675-994A-A4CC-484FB2BB9EC8}" dt="2024-06-24T23:44:16.293" v="364" actId="1035"/>
+          <ac:grpSpMkLst>
+            <pc:docMk/>
+            <pc:sldMk cId="1869401412" sldId="260"/>
+            <ac:grpSpMk id="55" creationId="{2AF512D8-653A-3262-4771-2103AE049BC4}"/>
+          </ac:grpSpMkLst>
+        </pc:grpChg>
+        <pc:grpChg chg="add mod">
+          <ac:chgData name="Jordan May Von Eggers" userId="2bcc5b33-6bd2-4559-ac12-5178b17ae4b3" providerId="ADAL" clId="{60289464-B675-994A-A4CC-484FB2BB9EC8}" dt="2024-06-24T23:42:06.158" v="338" actId="571"/>
+          <ac:grpSpMkLst>
+            <pc:docMk/>
+            <pc:sldMk cId="1869401412" sldId="260"/>
+            <ac:grpSpMk id="74" creationId="{330D5A54-EF69-8F1F-C98C-E1EEA82D49A5}"/>
+          </ac:grpSpMkLst>
+        </pc:grpChg>
+        <pc:picChg chg="del">
+          <ac:chgData name="Jordan May Von Eggers" userId="2bcc5b33-6bd2-4559-ac12-5178b17ae4b3" providerId="ADAL" clId="{60289464-B675-994A-A4CC-484FB2BB9EC8}" dt="2024-06-24T23:21:13.549" v="113" actId="478"/>
+          <ac:picMkLst>
+            <pc:docMk/>
+            <pc:sldMk cId="1869401412" sldId="260"/>
+            <ac:picMk id="7" creationId="{AAD8055B-94AA-7316-F5DA-49AFCAEE64AE}"/>
+          </ac:picMkLst>
+        </pc:picChg>
+        <pc:picChg chg="del">
+          <ac:chgData name="Jordan May Von Eggers" userId="2bcc5b33-6bd2-4559-ac12-5178b17ae4b3" providerId="ADAL" clId="{60289464-B675-994A-A4CC-484FB2BB9EC8}" dt="2024-06-24T23:21:13.549" v="113" actId="478"/>
+          <ac:picMkLst>
+            <pc:docMk/>
+            <pc:sldMk cId="1869401412" sldId="260"/>
+            <ac:picMk id="9" creationId="{18291D9D-6E4B-7CD3-8981-BB296FC07470}"/>
+          </ac:picMkLst>
+        </pc:picChg>
+        <pc:picChg chg="del">
+          <ac:chgData name="Jordan May Von Eggers" userId="2bcc5b33-6bd2-4559-ac12-5178b17ae4b3" providerId="ADAL" clId="{60289464-B675-994A-A4CC-484FB2BB9EC8}" dt="2024-06-24T23:21:13.549" v="113" actId="478"/>
+          <ac:picMkLst>
+            <pc:docMk/>
+            <pc:sldMk cId="1869401412" sldId="260"/>
+            <ac:picMk id="10" creationId="{53FD1452-F767-1570-AEE2-592348C2053D}"/>
+          </ac:picMkLst>
+        </pc:picChg>
+        <pc:picChg chg="add mod">
+          <ac:chgData name="Jordan May Von Eggers" userId="2bcc5b33-6bd2-4559-ac12-5178b17ae4b3" providerId="ADAL" clId="{60289464-B675-994A-A4CC-484FB2BB9EC8}" dt="2024-06-24T23:44:16.293" v="364" actId="1035"/>
+          <ac:picMkLst>
+            <pc:docMk/>
+            <pc:sldMk cId="1869401412" sldId="260"/>
+            <ac:picMk id="11" creationId="{C9F7A6F1-F0E0-6844-FD50-35FC538D7636}"/>
+          </ac:picMkLst>
+        </pc:picChg>
+        <pc:picChg chg="del">
+          <ac:chgData name="Jordan May Von Eggers" userId="2bcc5b33-6bd2-4559-ac12-5178b17ae4b3" providerId="ADAL" clId="{60289464-B675-994A-A4CC-484FB2BB9EC8}" dt="2024-06-24T23:21:13.549" v="113" actId="478"/>
+          <ac:picMkLst>
+            <pc:docMk/>
+            <pc:sldMk cId="1869401412" sldId="260"/>
+            <ac:picMk id="12" creationId="{06F875FA-0D84-3304-F395-4F6160C97A7F}"/>
+          </ac:picMkLst>
+        </pc:picChg>
+        <pc:picChg chg="add mod">
+          <ac:chgData name="Jordan May Von Eggers" userId="2bcc5b33-6bd2-4559-ac12-5178b17ae4b3" providerId="ADAL" clId="{60289464-B675-994A-A4CC-484FB2BB9EC8}" dt="2024-06-24T23:44:16.293" v="364" actId="1035"/>
+          <ac:picMkLst>
+            <pc:docMk/>
+            <pc:sldMk cId="1869401412" sldId="260"/>
+            <ac:picMk id="14" creationId="{7AEC4C0D-8457-173C-9877-190D2C60B4D7}"/>
+          </ac:picMkLst>
+        </pc:picChg>
+        <pc:picChg chg="add mod">
+          <ac:chgData name="Jordan May Von Eggers" userId="2bcc5b33-6bd2-4559-ac12-5178b17ae4b3" providerId="ADAL" clId="{60289464-B675-994A-A4CC-484FB2BB9EC8}" dt="2024-06-24T23:44:16.293" v="364" actId="1035"/>
+          <ac:picMkLst>
+            <pc:docMk/>
+            <pc:sldMk cId="1869401412" sldId="260"/>
+            <ac:picMk id="18" creationId="{B7240B6E-27D3-368F-6D2F-95240865632B}"/>
+          </ac:picMkLst>
+        </pc:picChg>
+        <pc:picChg chg="add mod">
+          <ac:chgData name="Jordan May Von Eggers" userId="2bcc5b33-6bd2-4559-ac12-5178b17ae4b3" providerId="ADAL" clId="{60289464-B675-994A-A4CC-484FB2BB9EC8}" dt="2024-06-24T23:44:16.293" v="364" actId="1035"/>
+          <ac:picMkLst>
+            <pc:docMk/>
+            <pc:sldMk cId="1869401412" sldId="260"/>
+            <ac:picMk id="20" creationId="{D2A0E0A7-7C53-8A28-2A45-103D1CC5E18B}"/>
+          </ac:picMkLst>
+        </pc:picChg>
+        <pc:picChg chg="add del mod">
+          <ac:chgData name="Jordan May Von Eggers" userId="2bcc5b33-6bd2-4559-ac12-5178b17ae4b3" providerId="ADAL" clId="{60289464-B675-994A-A4CC-484FB2BB9EC8}" dt="2024-06-24T23:35:43.860" v="225" actId="478"/>
+          <ac:picMkLst>
+            <pc:docMk/>
+            <pc:sldMk cId="1869401412" sldId="260"/>
+            <ac:picMk id="27" creationId="{340D6AC1-C1D3-B78F-8D50-DF68C7057FB3}"/>
+          </ac:picMkLst>
+        </pc:picChg>
+        <pc:picChg chg="add del mod">
+          <ac:chgData name="Jordan May Von Eggers" userId="2bcc5b33-6bd2-4559-ac12-5178b17ae4b3" providerId="ADAL" clId="{60289464-B675-994A-A4CC-484FB2BB9EC8}" dt="2024-06-24T23:35:43.424" v="224" actId="478"/>
+          <ac:picMkLst>
+            <pc:docMk/>
+            <pc:sldMk cId="1869401412" sldId="260"/>
+            <ac:picMk id="33" creationId="{A0820683-3096-4E84-B546-30DC621869D5}"/>
+          </ac:picMkLst>
+        </pc:picChg>
+        <pc:picChg chg="add del mod">
+          <ac:chgData name="Jordan May Von Eggers" userId="2bcc5b33-6bd2-4559-ac12-5178b17ae4b3" providerId="ADAL" clId="{60289464-B675-994A-A4CC-484FB2BB9EC8}" dt="2024-06-24T23:35:42.196" v="223" actId="478"/>
+          <ac:picMkLst>
+            <pc:docMk/>
+            <pc:sldMk cId="1869401412" sldId="260"/>
+            <ac:picMk id="40" creationId="{09F07089-7FB1-0B84-5FFF-B602C224E51C}"/>
+          </ac:picMkLst>
+        </pc:picChg>
+        <pc:picChg chg="add del mod">
+          <ac:chgData name="Jordan May Von Eggers" userId="2bcc5b33-6bd2-4559-ac12-5178b17ae4b3" providerId="ADAL" clId="{60289464-B675-994A-A4CC-484FB2BB9EC8}" dt="2024-06-24T23:35:44.914" v="226" actId="478"/>
+          <ac:picMkLst>
+            <pc:docMk/>
+            <pc:sldMk cId="1869401412" sldId="260"/>
+            <ac:picMk id="46" creationId="{6BC6C8C9-C31A-D4B2-9B30-478E2FD9799D}"/>
+          </ac:picMkLst>
+        </pc:picChg>
+        <pc:picChg chg="del">
+          <ac:chgData name="Jordan May Von Eggers" userId="2bcc5b33-6bd2-4559-ac12-5178b17ae4b3" providerId="ADAL" clId="{60289464-B675-994A-A4CC-484FB2BB9EC8}" dt="2024-06-24T23:21:13.549" v="113" actId="478"/>
+          <ac:picMkLst>
+            <pc:docMk/>
+            <pc:sldMk cId="1869401412" sldId="260"/>
+            <ac:picMk id="61" creationId="{9F1B0B9D-72E7-A4D6-682A-B5F5F31B1AB5}"/>
+          </ac:picMkLst>
+        </pc:picChg>
+        <pc:picChg chg="add mod">
+          <ac:chgData name="Jordan May Von Eggers" userId="2bcc5b33-6bd2-4559-ac12-5178b17ae4b3" providerId="ADAL" clId="{60289464-B675-994A-A4CC-484FB2BB9EC8}" dt="2024-06-24T23:44:16.293" v="364" actId="1035"/>
+          <ac:picMkLst>
+            <pc:docMk/>
+            <pc:sldMk cId="1869401412" sldId="260"/>
+            <ac:picMk id="62" creationId="{DC4C25FC-6419-FE22-F2C6-05464F08784D}"/>
+          </ac:picMkLst>
+        </pc:picChg>
+        <pc:picChg chg="del">
+          <ac:chgData name="Jordan May Von Eggers" userId="2bcc5b33-6bd2-4559-ac12-5178b17ae4b3" providerId="ADAL" clId="{60289464-B675-994A-A4CC-484FB2BB9EC8}" dt="2024-06-24T23:21:13.549" v="113" actId="478"/>
+          <ac:picMkLst>
+            <pc:docMk/>
+            <pc:sldMk cId="1869401412" sldId="260"/>
+            <ac:picMk id="63" creationId="{81867B2B-51A2-D2D4-51A6-263C2CEE3551}"/>
+          </ac:picMkLst>
+        </pc:picChg>
+        <pc:picChg chg="del">
+          <ac:chgData name="Jordan May Von Eggers" userId="2bcc5b33-6bd2-4559-ac12-5178b17ae4b3" providerId="ADAL" clId="{60289464-B675-994A-A4CC-484FB2BB9EC8}" dt="2024-06-24T23:21:13.549" v="113" actId="478"/>
+          <ac:picMkLst>
+            <pc:docMk/>
+            <pc:sldMk cId="1869401412" sldId="260"/>
+            <ac:picMk id="65" creationId="{B463C8CF-103D-29F6-EC9E-DF6A9346AA5F}"/>
+          </ac:picMkLst>
+        </pc:picChg>
+        <pc:picChg chg="add mod">
+          <ac:chgData name="Jordan May Von Eggers" userId="2bcc5b33-6bd2-4559-ac12-5178b17ae4b3" providerId="ADAL" clId="{60289464-B675-994A-A4CC-484FB2BB9EC8}" dt="2024-06-24T23:44:16.293" v="364" actId="1035"/>
+          <ac:picMkLst>
+            <pc:docMk/>
+            <pc:sldMk cId="1869401412" sldId="260"/>
+            <ac:picMk id="66" creationId="{F1D37728-94C8-7349-C78C-451E060D76B4}"/>
+          </ac:picMkLst>
+        </pc:picChg>
+        <pc:picChg chg="del">
+          <ac:chgData name="Jordan May Von Eggers" userId="2bcc5b33-6bd2-4559-ac12-5178b17ae4b3" providerId="ADAL" clId="{60289464-B675-994A-A4CC-484FB2BB9EC8}" dt="2024-06-24T23:21:13.549" v="113" actId="478"/>
+          <ac:picMkLst>
+            <pc:docMk/>
+            <pc:sldMk cId="1869401412" sldId="260"/>
+            <ac:picMk id="67" creationId="{AF5CCB62-A36B-4C7D-F37D-944143841B2F}"/>
+          </ac:picMkLst>
+        </pc:picChg>
+        <pc:picChg chg="add mod">
+          <ac:chgData name="Jordan May Von Eggers" userId="2bcc5b33-6bd2-4559-ac12-5178b17ae4b3" providerId="ADAL" clId="{60289464-B675-994A-A4CC-484FB2BB9EC8}" dt="2024-06-24T23:44:16.293" v="364" actId="1035"/>
+          <ac:picMkLst>
+            <pc:docMk/>
+            <pc:sldMk cId="1869401412" sldId="260"/>
+            <ac:picMk id="70" creationId="{D96B0C06-98B9-E440-8FBD-B6A836ADF32E}"/>
+          </ac:picMkLst>
+        </pc:picChg>
+        <pc:picChg chg="add mod">
+          <ac:chgData name="Jordan May Von Eggers" userId="2bcc5b33-6bd2-4559-ac12-5178b17ae4b3" providerId="ADAL" clId="{60289464-B675-994A-A4CC-484FB2BB9EC8}" dt="2024-06-24T23:44:16.293" v="364" actId="1035"/>
+          <ac:picMkLst>
+            <pc:docMk/>
+            <pc:sldMk cId="1869401412" sldId="260"/>
+            <ac:picMk id="73" creationId="{CD09D054-48B6-27EF-2493-6522944280AD}"/>
+          </ac:picMkLst>
+        </pc:picChg>
+        <pc:cxnChg chg="mod">
+          <ac:chgData name="Jordan May Von Eggers" userId="2bcc5b33-6bd2-4559-ac12-5178b17ae4b3" providerId="ADAL" clId="{60289464-B675-994A-A4CC-484FB2BB9EC8}" dt="2024-06-24T23:44:11.597" v="356"/>
+          <ac:cxnSpMkLst>
+            <pc:docMk/>
+            <pc:sldMk cId="1869401412" sldId="260"/>
+            <ac:cxnSpMk id="6" creationId="{BFC5D416-0E9B-D2E0-9F53-57AF74DC19A5}"/>
+          </ac:cxnSpMkLst>
+        </pc:cxnChg>
+        <pc:cxnChg chg="mod">
+          <ac:chgData name="Jordan May Von Eggers" userId="2bcc5b33-6bd2-4559-ac12-5178b17ae4b3" providerId="ADAL" clId="{60289464-B675-994A-A4CC-484FB2BB9EC8}" dt="2024-06-24T23:44:11.597" v="356"/>
+          <ac:cxnSpMkLst>
+            <pc:docMk/>
+            <pc:sldMk cId="1869401412" sldId="260"/>
+            <ac:cxnSpMk id="50" creationId="{8D729B27-9471-CF16-8D8A-C729FA06161B}"/>
+          </ac:cxnSpMkLst>
+        </pc:cxnChg>
+        <pc:cxnChg chg="mod">
+          <ac:chgData name="Jordan May Von Eggers" userId="2bcc5b33-6bd2-4559-ac12-5178b17ae4b3" providerId="ADAL" clId="{60289464-B675-994A-A4CC-484FB2BB9EC8}" dt="2024-06-24T23:44:11.597" v="356"/>
+          <ac:cxnSpMkLst>
+            <pc:docMk/>
+            <pc:sldMk cId="1869401412" sldId="260"/>
+            <ac:cxnSpMk id="54" creationId="{CB0A30A4-799A-353F-0EC1-4584BB71F7D0}"/>
+          </ac:cxnSpMkLst>
+        </pc:cxnChg>
+        <pc:cxnChg chg="mod">
+          <ac:chgData name="Jordan May Von Eggers" userId="2bcc5b33-6bd2-4559-ac12-5178b17ae4b3" providerId="ADAL" clId="{60289464-B675-994A-A4CC-484FB2BB9EC8}" dt="2024-06-24T23:44:11.597" v="356"/>
+          <ac:cxnSpMkLst>
+            <pc:docMk/>
+            <pc:sldMk cId="1869401412" sldId="260"/>
+            <ac:cxnSpMk id="59" creationId="{E6CFE73D-DFB3-0777-2159-D4D1A203259D}"/>
+          </ac:cxnSpMkLst>
+        </pc:cxnChg>
+        <pc:cxnChg chg="mod">
+          <ac:chgData name="Jordan May Von Eggers" userId="2bcc5b33-6bd2-4559-ac12-5178b17ae4b3" providerId="ADAL" clId="{60289464-B675-994A-A4CC-484FB2BB9EC8}" dt="2024-06-24T23:42:06.158" v="338" actId="571"/>
+          <ac:cxnSpMkLst>
+            <pc:docMk/>
+            <pc:sldMk cId="1869401412" sldId="260"/>
+            <ac:cxnSpMk id="77" creationId="{D9D66D03-47B2-F279-1F07-E52C0642F12F}"/>
+          </ac:cxnSpMkLst>
+        </pc:cxnChg>
+      </pc:sldChg>
+      <pc:sldMasterChg chg="modSp modSldLayout">
+        <pc:chgData name="Jordan May Von Eggers" userId="2bcc5b33-6bd2-4559-ac12-5178b17ae4b3" providerId="ADAL" clId="{60289464-B675-994A-A4CC-484FB2BB9EC8}" dt="2024-06-24T23:15:31.853" v="25"/>
+        <pc:sldMasterMkLst>
+          <pc:docMk/>
+          <pc:sldMasterMk cId="2316612765" sldId="2147483708"/>
+        </pc:sldMasterMkLst>
+        <pc:spChg chg="mod">
+          <ac:chgData name="Jordan May Von Eggers" userId="2bcc5b33-6bd2-4559-ac12-5178b17ae4b3" providerId="ADAL" clId="{60289464-B675-994A-A4CC-484FB2BB9EC8}" dt="2024-06-24T23:15:31.853" v="25"/>
+          <ac:spMkLst>
+            <pc:docMk/>
+            <pc:sldMasterMk cId="2316612765" sldId="2147483708"/>
+            <ac:spMk id="2" creationId="{00000000-0000-0000-0000-000000000000}"/>
+          </ac:spMkLst>
+        </pc:spChg>
+        <pc:spChg chg="mod">
+          <ac:chgData name="Jordan May Von Eggers" userId="2bcc5b33-6bd2-4559-ac12-5178b17ae4b3" providerId="ADAL" clId="{60289464-B675-994A-A4CC-484FB2BB9EC8}" dt="2024-06-24T23:15:31.853" v="25"/>
+          <ac:spMkLst>
+            <pc:docMk/>
+            <pc:sldMasterMk cId="2316612765" sldId="2147483708"/>
+            <ac:spMk id="3" creationId="{00000000-0000-0000-0000-000000000000}"/>
+          </ac:spMkLst>
+        </pc:spChg>
+        <pc:spChg chg="mod">
+          <ac:chgData name="Jordan May Von Eggers" userId="2bcc5b33-6bd2-4559-ac12-5178b17ae4b3" providerId="ADAL" clId="{60289464-B675-994A-A4CC-484FB2BB9EC8}" dt="2024-06-24T23:15:31.853" v="25"/>
+          <ac:spMkLst>
+            <pc:docMk/>
+            <pc:sldMasterMk cId="2316612765" sldId="2147483708"/>
+            <ac:spMk id="4" creationId="{00000000-0000-0000-0000-000000000000}"/>
+          </ac:spMkLst>
+        </pc:spChg>
+        <pc:spChg chg="mod">
+          <ac:chgData name="Jordan May Von Eggers" userId="2bcc5b33-6bd2-4559-ac12-5178b17ae4b3" providerId="ADAL" clId="{60289464-B675-994A-A4CC-484FB2BB9EC8}" dt="2024-06-24T23:15:31.853" v="25"/>
+          <ac:spMkLst>
+            <pc:docMk/>
+            <pc:sldMasterMk cId="2316612765" sldId="2147483708"/>
+            <ac:spMk id="5" creationId="{00000000-0000-0000-0000-000000000000}"/>
+          </ac:spMkLst>
+        </pc:spChg>
+        <pc:spChg chg="mod">
+          <ac:chgData name="Jordan May Von Eggers" userId="2bcc5b33-6bd2-4559-ac12-5178b17ae4b3" providerId="ADAL" clId="{60289464-B675-994A-A4CC-484FB2BB9EC8}" dt="2024-06-24T23:15:31.853" v="25"/>
+          <ac:spMkLst>
+            <pc:docMk/>
+            <pc:sldMasterMk cId="2316612765" sldId="2147483708"/>
+            <ac:spMk id="6" creationId="{00000000-0000-0000-0000-000000000000}"/>
+          </ac:spMkLst>
+        </pc:spChg>
+        <pc:sldLayoutChg chg="modSp">
+          <pc:chgData name="Jordan May Von Eggers" userId="2bcc5b33-6bd2-4559-ac12-5178b17ae4b3" providerId="ADAL" clId="{60289464-B675-994A-A4CC-484FB2BB9EC8}" dt="2024-06-24T23:15:31.853" v="25"/>
+          <pc:sldLayoutMkLst>
+            <pc:docMk/>
+            <pc:sldMasterMk cId="2316612765" sldId="2147483708"/>
+            <pc:sldLayoutMk cId="2530494378" sldId="2147483709"/>
+          </pc:sldLayoutMkLst>
+          <pc:spChg chg="mod">
+            <ac:chgData name="Jordan May Von Eggers" userId="2bcc5b33-6bd2-4559-ac12-5178b17ae4b3" providerId="ADAL" clId="{60289464-B675-994A-A4CC-484FB2BB9EC8}" dt="2024-06-24T23:15:31.853" v="25"/>
+            <ac:spMkLst>
+              <pc:docMk/>
+              <pc:sldMasterMk cId="2316612765" sldId="2147483708"/>
+              <pc:sldLayoutMk cId="2530494378" sldId="2147483709"/>
+              <ac:spMk id="2" creationId="{00000000-0000-0000-0000-000000000000}"/>
+            </ac:spMkLst>
+          </pc:spChg>
+          <pc:spChg chg="mod">
+            <ac:chgData name="Jordan May Von Eggers" userId="2bcc5b33-6bd2-4559-ac12-5178b17ae4b3" providerId="ADAL" clId="{60289464-B675-994A-A4CC-484FB2BB9EC8}" dt="2024-06-24T23:15:31.853" v="25"/>
+            <ac:spMkLst>
+              <pc:docMk/>
+              <pc:sldMasterMk cId="2316612765" sldId="2147483708"/>
+              <pc:sldLayoutMk cId="2530494378" sldId="2147483709"/>
+              <ac:spMk id="3" creationId="{00000000-0000-0000-0000-000000000000}"/>
+            </ac:spMkLst>
+          </pc:spChg>
+        </pc:sldLayoutChg>
+        <pc:sldLayoutChg chg="modSp">
+          <pc:chgData name="Jordan May Von Eggers" userId="2bcc5b33-6bd2-4559-ac12-5178b17ae4b3" providerId="ADAL" clId="{60289464-B675-994A-A4CC-484FB2BB9EC8}" dt="2024-06-24T23:15:31.853" v="25"/>
+          <pc:sldLayoutMkLst>
+            <pc:docMk/>
+            <pc:sldMasterMk cId="2316612765" sldId="2147483708"/>
+            <pc:sldLayoutMk cId="2299977505" sldId="2147483711"/>
+          </pc:sldLayoutMkLst>
+          <pc:spChg chg="mod">
+            <ac:chgData name="Jordan May Von Eggers" userId="2bcc5b33-6bd2-4559-ac12-5178b17ae4b3" providerId="ADAL" clId="{60289464-B675-994A-A4CC-484FB2BB9EC8}" dt="2024-06-24T23:15:31.853" v="25"/>
+            <ac:spMkLst>
+              <pc:docMk/>
+              <pc:sldMasterMk cId="2316612765" sldId="2147483708"/>
+              <pc:sldLayoutMk cId="2299977505" sldId="2147483711"/>
+              <ac:spMk id="2" creationId="{00000000-0000-0000-0000-000000000000}"/>
+            </ac:spMkLst>
+          </pc:spChg>
+          <pc:spChg chg="mod">
+            <ac:chgData name="Jordan May Von Eggers" userId="2bcc5b33-6bd2-4559-ac12-5178b17ae4b3" providerId="ADAL" clId="{60289464-B675-994A-A4CC-484FB2BB9EC8}" dt="2024-06-24T23:15:31.853" v="25"/>
+            <ac:spMkLst>
+              <pc:docMk/>
+              <pc:sldMasterMk cId="2316612765" sldId="2147483708"/>
+              <pc:sldLayoutMk cId="2299977505" sldId="2147483711"/>
+              <ac:spMk id="3" creationId="{00000000-0000-0000-0000-000000000000}"/>
+            </ac:spMkLst>
+          </pc:spChg>
+        </pc:sldLayoutChg>
+        <pc:sldLayoutChg chg="modSp">
+          <pc:chgData name="Jordan May Von Eggers" userId="2bcc5b33-6bd2-4559-ac12-5178b17ae4b3" providerId="ADAL" clId="{60289464-B675-994A-A4CC-484FB2BB9EC8}" dt="2024-06-24T23:15:31.853" v="25"/>
+          <pc:sldLayoutMkLst>
+            <pc:docMk/>
+            <pc:sldMasterMk cId="2316612765" sldId="2147483708"/>
+            <pc:sldLayoutMk cId="3527061520" sldId="2147483712"/>
+          </pc:sldLayoutMkLst>
+          <pc:spChg chg="mod">
+            <ac:chgData name="Jordan May Von Eggers" userId="2bcc5b33-6bd2-4559-ac12-5178b17ae4b3" providerId="ADAL" clId="{60289464-B675-994A-A4CC-484FB2BB9EC8}" dt="2024-06-24T23:15:31.853" v="25"/>
+            <ac:spMkLst>
+              <pc:docMk/>
+              <pc:sldMasterMk cId="2316612765" sldId="2147483708"/>
+              <pc:sldLayoutMk cId="3527061520" sldId="2147483712"/>
+              <ac:spMk id="3" creationId="{00000000-0000-0000-0000-000000000000}"/>
+            </ac:spMkLst>
+          </pc:spChg>
+          <pc:spChg chg="mod">
+            <ac:chgData name="Jordan May Von Eggers" userId="2bcc5b33-6bd2-4559-ac12-5178b17ae4b3" providerId="ADAL" clId="{60289464-B675-994A-A4CC-484FB2BB9EC8}" dt="2024-06-24T23:15:31.853" v="25"/>
+            <ac:spMkLst>
+              <pc:docMk/>
+              <pc:sldMasterMk cId="2316612765" sldId="2147483708"/>
+              <pc:sldLayoutMk cId="3527061520" sldId="2147483712"/>
+              <ac:spMk id="4" creationId="{00000000-0000-0000-0000-000000000000}"/>
+            </ac:spMkLst>
+          </pc:spChg>
+        </pc:sldLayoutChg>
+        <pc:sldLayoutChg chg="modSp">
+          <pc:chgData name="Jordan May Von Eggers" userId="2bcc5b33-6bd2-4559-ac12-5178b17ae4b3" providerId="ADAL" clId="{60289464-B675-994A-A4CC-484FB2BB9EC8}" dt="2024-06-24T23:15:31.853" v="25"/>
+          <pc:sldLayoutMkLst>
+            <pc:docMk/>
+            <pc:sldMasterMk cId="2316612765" sldId="2147483708"/>
+            <pc:sldLayoutMk cId="1727841067" sldId="2147483713"/>
+          </pc:sldLayoutMkLst>
+          <pc:spChg chg="mod">
+            <ac:chgData name="Jordan May Von Eggers" userId="2bcc5b33-6bd2-4559-ac12-5178b17ae4b3" providerId="ADAL" clId="{60289464-B675-994A-A4CC-484FB2BB9EC8}" dt="2024-06-24T23:15:31.853" v="25"/>
+            <ac:spMkLst>
+              <pc:docMk/>
+              <pc:sldMasterMk cId="2316612765" sldId="2147483708"/>
+              <pc:sldLayoutMk cId="1727841067" sldId="2147483713"/>
+              <ac:spMk id="2" creationId="{00000000-0000-0000-0000-000000000000}"/>
+            </ac:spMkLst>
+          </pc:spChg>
+          <pc:spChg chg="mod">
+            <ac:chgData name="Jordan May Von Eggers" userId="2bcc5b33-6bd2-4559-ac12-5178b17ae4b3" providerId="ADAL" clId="{60289464-B675-994A-A4CC-484FB2BB9EC8}" dt="2024-06-24T23:15:31.853" v="25"/>
+            <ac:spMkLst>
+              <pc:docMk/>
+              <pc:sldMasterMk cId="2316612765" sldId="2147483708"/>
+              <pc:sldLayoutMk cId="1727841067" sldId="2147483713"/>
+              <ac:spMk id="3" creationId="{00000000-0000-0000-0000-000000000000}"/>
+            </ac:spMkLst>
+          </pc:spChg>
+          <pc:spChg chg="mod">
+            <ac:chgData name="Jordan May Von Eggers" userId="2bcc5b33-6bd2-4559-ac12-5178b17ae4b3" providerId="ADAL" clId="{60289464-B675-994A-A4CC-484FB2BB9EC8}" dt="2024-06-24T23:15:31.853" v="25"/>
+            <ac:spMkLst>
+              <pc:docMk/>
+              <pc:sldMasterMk cId="2316612765" sldId="2147483708"/>
+              <pc:sldLayoutMk cId="1727841067" sldId="2147483713"/>
+              <ac:spMk id="4" creationId="{00000000-0000-0000-0000-000000000000}"/>
+            </ac:spMkLst>
+          </pc:spChg>
+          <pc:spChg chg="mod">
+            <ac:chgData name="Jordan May Von Eggers" userId="2bcc5b33-6bd2-4559-ac12-5178b17ae4b3" providerId="ADAL" clId="{60289464-B675-994A-A4CC-484FB2BB9EC8}" dt="2024-06-24T23:15:31.853" v="25"/>
+            <ac:spMkLst>
+              <pc:docMk/>
+              <pc:sldMasterMk cId="2316612765" sldId="2147483708"/>
+              <pc:sldLayoutMk cId="1727841067" sldId="2147483713"/>
+              <ac:spMk id="5" creationId="{00000000-0000-0000-0000-000000000000}"/>
+            </ac:spMkLst>
+          </pc:spChg>
+          <pc:spChg chg="mod">
+            <ac:chgData name="Jordan May Von Eggers" userId="2bcc5b33-6bd2-4559-ac12-5178b17ae4b3" providerId="ADAL" clId="{60289464-B675-994A-A4CC-484FB2BB9EC8}" dt="2024-06-24T23:15:31.853" v="25"/>
+            <ac:spMkLst>
+              <pc:docMk/>
+              <pc:sldMasterMk cId="2316612765" sldId="2147483708"/>
+              <pc:sldLayoutMk cId="1727841067" sldId="2147483713"/>
+              <ac:spMk id="6" creationId="{00000000-0000-0000-0000-000000000000}"/>
+            </ac:spMkLst>
+          </pc:spChg>
+        </pc:sldLayoutChg>
+        <pc:sldLayoutChg chg="modSp">
+          <pc:chgData name="Jordan May Von Eggers" userId="2bcc5b33-6bd2-4559-ac12-5178b17ae4b3" providerId="ADAL" clId="{60289464-B675-994A-A4CC-484FB2BB9EC8}" dt="2024-06-24T23:15:31.853" v="25"/>
+          <pc:sldLayoutMkLst>
+            <pc:docMk/>
+            <pc:sldMasterMk cId="2316612765" sldId="2147483708"/>
+            <pc:sldLayoutMk cId="1028962768" sldId="2147483716"/>
+          </pc:sldLayoutMkLst>
+          <pc:spChg chg="mod">
+            <ac:chgData name="Jordan May Von Eggers" userId="2bcc5b33-6bd2-4559-ac12-5178b17ae4b3" providerId="ADAL" clId="{60289464-B675-994A-A4CC-484FB2BB9EC8}" dt="2024-06-24T23:15:31.853" v="25"/>
+            <ac:spMkLst>
+              <pc:docMk/>
+              <pc:sldMasterMk cId="2316612765" sldId="2147483708"/>
+              <pc:sldLayoutMk cId="1028962768" sldId="2147483716"/>
+              <ac:spMk id="2" creationId="{00000000-0000-0000-0000-000000000000}"/>
+            </ac:spMkLst>
+          </pc:spChg>
+          <pc:spChg chg="mod">
+            <ac:chgData name="Jordan May Von Eggers" userId="2bcc5b33-6bd2-4559-ac12-5178b17ae4b3" providerId="ADAL" clId="{60289464-B675-994A-A4CC-484FB2BB9EC8}" dt="2024-06-24T23:15:31.853" v="25"/>
+            <ac:spMkLst>
+              <pc:docMk/>
+              <pc:sldMasterMk cId="2316612765" sldId="2147483708"/>
+              <pc:sldLayoutMk cId="1028962768" sldId="2147483716"/>
+              <ac:spMk id="3" creationId="{00000000-0000-0000-0000-000000000000}"/>
+            </ac:spMkLst>
+          </pc:spChg>
+          <pc:spChg chg="mod">
+            <ac:chgData name="Jordan May Von Eggers" userId="2bcc5b33-6bd2-4559-ac12-5178b17ae4b3" providerId="ADAL" clId="{60289464-B675-994A-A4CC-484FB2BB9EC8}" dt="2024-06-24T23:15:31.853" v="25"/>
+            <ac:spMkLst>
+              <pc:docMk/>
+              <pc:sldMasterMk cId="2316612765" sldId="2147483708"/>
+              <pc:sldLayoutMk cId="1028962768" sldId="2147483716"/>
+              <ac:spMk id="4" creationId="{00000000-0000-0000-0000-000000000000}"/>
+            </ac:spMkLst>
+          </pc:spChg>
+        </pc:sldLayoutChg>
+        <pc:sldLayoutChg chg="modSp">
+          <pc:chgData name="Jordan May Von Eggers" userId="2bcc5b33-6bd2-4559-ac12-5178b17ae4b3" providerId="ADAL" clId="{60289464-B675-994A-A4CC-484FB2BB9EC8}" dt="2024-06-24T23:15:31.853" v="25"/>
+          <pc:sldLayoutMkLst>
+            <pc:docMk/>
+            <pc:sldMasterMk cId="2316612765" sldId="2147483708"/>
+            <pc:sldLayoutMk cId="1883787276" sldId="2147483717"/>
+          </pc:sldLayoutMkLst>
+          <pc:spChg chg="mod">
+            <ac:chgData name="Jordan May Von Eggers" userId="2bcc5b33-6bd2-4559-ac12-5178b17ae4b3" providerId="ADAL" clId="{60289464-B675-994A-A4CC-484FB2BB9EC8}" dt="2024-06-24T23:15:31.853" v="25"/>
+            <ac:spMkLst>
+              <pc:docMk/>
+              <pc:sldMasterMk cId="2316612765" sldId="2147483708"/>
+              <pc:sldLayoutMk cId="1883787276" sldId="2147483717"/>
+              <ac:spMk id="2" creationId="{00000000-0000-0000-0000-000000000000}"/>
+            </ac:spMkLst>
+          </pc:spChg>
+          <pc:spChg chg="mod">
+            <ac:chgData name="Jordan May Von Eggers" userId="2bcc5b33-6bd2-4559-ac12-5178b17ae4b3" providerId="ADAL" clId="{60289464-B675-994A-A4CC-484FB2BB9EC8}" dt="2024-06-24T23:15:31.853" v="25"/>
+            <ac:spMkLst>
+              <pc:docMk/>
+              <pc:sldMasterMk cId="2316612765" sldId="2147483708"/>
+              <pc:sldLayoutMk cId="1883787276" sldId="2147483717"/>
+              <ac:spMk id="3" creationId="{00000000-0000-0000-0000-000000000000}"/>
+            </ac:spMkLst>
+          </pc:spChg>
+          <pc:spChg chg="mod">
+            <ac:chgData name="Jordan May Von Eggers" userId="2bcc5b33-6bd2-4559-ac12-5178b17ae4b3" providerId="ADAL" clId="{60289464-B675-994A-A4CC-484FB2BB9EC8}" dt="2024-06-24T23:15:31.853" v="25"/>
+            <ac:spMkLst>
+              <pc:docMk/>
+              <pc:sldMasterMk cId="2316612765" sldId="2147483708"/>
+              <pc:sldLayoutMk cId="1883787276" sldId="2147483717"/>
+              <ac:spMk id="4" creationId="{00000000-0000-0000-0000-000000000000}"/>
+            </ac:spMkLst>
+          </pc:spChg>
+        </pc:sldLayoutChg>
+        <pc:sldLayoutChg chg="modSp">
+          <pc:chgData name="Jordan May Von Eggers" userId="2bcc5b33-6bd2-4559-ac12-5178b17ae4b3" providerId="ADAL" clId="{60289464-B675-994A-A4CC-484FB2BB9EC8}" dt="2024-06-24T23:15:31.853" v="25"/>
+          <pc:sldLayoutMkLst>
+            <pc:docMk/>
+            <pc:sldMasterMk cId="2316612765" sldId="2147483708"/>
+            <pc:sldLayoutMk cId="431235003" sldId="2147483719"/>
+          </pc:sldLayoutMkLst>
+          <pc:spChg chg="mod">
+            <ac:chgData name="Jordan May Von Eggers" userId="2bcc5b33-6bd2-4559-ac12-5178b17ae4b3" providerId="ADAL" clId="{60289464-B675-994A-A4CC-484FB2BB9EC8}" dt="2024-06-24T23:15:31.853" v="25"/>
+            <ac:spMkLst>
+              <pc:docMk/>
+              <pc:sldMasterMk cId="2316612765" sldId="2147483708"/>
+              <pc:sldLayoutMk cId="431235003" sldId="2147483719"/>
+              <ac:spMk id="2" creationId="{00000000-0000-0000-0000-000000000000}"/>
+            </ac:spMkLst>
+          </pc:spChg>
+          <pc:spChg chg="mod">
+            <ac:chgData name="Jordan May Von Eggers" userId="2bcc5b33-6bd2-4559-ac12-5178b17ae4b3" providerId="ADAL" clId="{60289464-B675-994A-A4CC-484FB2BB9EC8}" dt="2024-06-24T23:15:31.853" v="25"/>
+            <ac:spMkLst>
+              <pc:docMk/>
+              <pc:sldMasterMk cId="2316612765" sldId="2147483708"/>
+              <pc:sldLayoutMk cId="431235003" sldId="2147483719"/>
+              <ac:spMk id="3" creationId="{00000000-0000-0000-0000-000000000000}"/>
+            </ac:spMkLst>
+          </pc:spChg>
+        </pc:sldLayoutChg>
+      </pc:sldMasterChg>
+      <pc:sldMasterChg chg="modSp modSldLayout">
+        <pc:chgData name="Jordan May Von Eggers" userId="2bcc5b33-6bd2-4559-ac12-5178b17ae4b3" providerId="ADAL" clId="{60289464-B675-994A-A4CC-484FB2BB9EC8}" dt="2024-06-24T23:43:31.773" v="354"/>
+        <pc:sldMasterMkLst>
+          <pc:docMk/>
+          <pc:sldMasterMk cId="4229200371" sldId="2147483720"/>
+        </pc:sldMasterMkLst>
+        <pc:spChg chg="mod">
+          <ac:chgData name="Jordan May Von Eggers" userId="2bcc5b33-6bd2-4559-ac12-5178b17ae4b3" providerId="ADAL" clId="{60289464-B675-994A-A4CC-484FB2BB9EC8}" dt="2024-06-24T23:43:31.773" v="354"/>
+          <ac:spMkLst>
+            <pc:docMk/>
+            <pc:sldMasterMk cId="4229200371" sldId="2147483720"/>
+            <ac:spMk id="2" creationId="{00000000-0000-0000-0000-000000000000}"/>
+          </ac:spMkLst>
+        </pc:spChg>
+        <pc:spChg chg="mod">
+          <ac:chgData name="Jordan May Von Eggers" userId="2bcc5b33-6bd2-4559-ac12-5178b17ae4b3" providerId="ADAL" clId="{60289464-B675-994A-A4CC-484FB2BB9EC8}" dt="2024-06-24T23:43:31.773" v="354"/>
+          <ac:spMkLst>
+            <pc:docMk/>
+            <pc:sldMasterMk cId="4229200371" sldId="2147483720"/>
+            <ac:spMk id="3" creationId="{00000000-0000-0000-0000-000000000000}"/>
+          </ac:spMkLst>
+        </pc:spChg>
+        <pc:spChg chg="mod">
+          <ac:chgData name="Jordan May Von Eggers" userId="2bcc5b33-6bd2-4559-ac12-5178b17ae4b3" providerId="ADAL" clId="{60289464-B675-994A-A4CC-484FB2BB9EC8}" dt="2024-06-24T23:43:31.773" v="354"/>
+          <ac:spMkLst>
+            <pc:docMk/>
+            <pc:sldMasterMk cId="4229200371" sldId="2147483720"/>
+            <ac:spMk id="4" creationId="{00000000-0000-0000-0000-000000000000}"/>
+          </ac:spMkLst>
+        </pc:spChg>
+        <pc:spChg chg="mod">
+          <ac:chgData name="Jordan May Von Eggers" userId="2bcc5b33-6bd2-4559-ac12-5178b17ae4b3" providerId="ADAL" clId="{60289464-B675-994A-A4CC-484FB2BB9EC8}" dt="2024-06-24T23:43:31.773" v="354"/>
+          <ac:spMkLst>
+            <pc:docMk/>
+            <pc:sldMasterMk cId="4229200371" sldId="2147483720"/>
+            <ac:spMk id="5" creationId="{00000000-0000-0000-0000-000000000000}"/>
+          </ac:spMkLst>
+        </pc:spChg>
+        <pc:spChg chg="mod">
+          <ac:chgData name="Jordan May Von Eggers" userId="2bcc5b33-6bd2-4559-ac12-5178b17ae4b3" providerId="ADAL" clId="{60289464-B675-994A-A4CC-484FB2BB9EC8}" dt="2024-06-24T23:43:31.773" v="354"/>
+          <ac:spMkLst>
+            <pc:docMk/>
+            <pc:sldMasterMk cId="4229200371" sldId="2147483720"/>
+            <ac:spMk id="6" creationId="{00000000-0000-0000-0000-000000000000}"/>
+          </ac:spMkLst>
+        </pc:spChg>
+        <pc:sldLayoutChg chg="modSp">
+          <pc:chgData name="Jordan May Von Eggers" userId="2bcc5b33-6bd2-4559-ac12-5178b17ae4b3" providerId="ADAL" clId="{60289464-B675-994A-A4CC-484FB2BB9EC8}" dt="2024-06-24T23:43:31.773" v="354"/>
+          <pc:sldLayoutMkLst>
+            <pc:docMk/>
+            <pc:sldMasterMk cId="4229200371" sldId="2147483720"/>
+            <pc:sldLayoutMk cId="2070158205" sldId="2147483721"/>
+          </pc:sldLayoutMkLst>
+          <pc:spChg chg="mod">
+            <ac:chgData name="Jordan May Von Eggers" userId="2bcc5b33-6bd2-4559-ac12-5178b17ae4b3" providerId="ADAL" clId="{60289464-B675-994A-A4CC-484FB2BB9EC8}" dt="2024-06-24T23:43:31.773" v="354"/>
+            <ac:spMkLst>
+              <pc:docMk/>
+              <pc:sldMasterMk cId="4229200371" sldId="2147483720"/>
+              <pc:sldLayoutMk cId="2070158205" sldId="2147483721"/>
+              <ac:spMk id="2" creationId="{00000000-0000-0000-0000-000000000000}"/>
+            </ac:spMkLst>
+          </pc:spChg>
+          <pc:spChg chg="mod">
+            <ac:chgData name="Jordan May Von Eggers" userId="2bcc5b33-6bd2-4559-ac12-5178b17ae4b3" providerId="ADAL" clId="{60289464-B675-994A-A4CC-484FB2BB9EC8}" dt="2024-06-24T23:43:31.773" v="354"/>
+            <ac:spMkLst>
+              <pc:docMk/>
+              <pc:sldMasterMk cId="4229200371" sldId="2147483720"/>
+              <pc:sldLayoutMk cId="2070158205" sldId="2147483721"/>
+              <ac:spMk id="3" creationId="{00000000-0000-0000-0000-000000000000}"/>
+            </ac:spMkLst>
+          </pc:spChg>
+        </pc:sldLayoutChg>
+        <pc:sldLayoutChg chg="modSp">
+          <pc:chgData name="Jordan May Von Eggers" userId="2bcc5b33-6bd2-4559-ac12-5178b17ae4b3" providerId="ADAL" clId="{60289464-B675-994A-A4CC-484FB2BB9EC8}" dt="2024-06-24T23:43:31.773" v="354"/>
+          <pc:sldLayoutMkLst>
+            <pc:docMk/>
+            <pc:sldMasterMk cId="4229200371" sldId="2147483720"/>
+            <pc:sldLayoutMk cId="4160072060" sldId="2147483723"/>
+          </pc:sldLayoutMkLst>
+          <pc:spChg chg="mod">
+            <ac:chgData name="Jordan May Von Eggers" userId="2bcc5b33-6bd2-4559-ac12-5178b17ae4b3" providerId="ADAL" clId="{60289464-B675-994A-A4CC-484FB2BB9EC8}" dt="2024-06-24T23:43:31.773" v="354"/>
+            <ac:spMkLst>
+              <pc:docMk/>
+              <pc:sldMasterMk cId="4229200371" sldId="2147483720"/>
+              <pc:sldLayoutMk cId="4160072060" sldId="2147483723"/>
+              <ac:spMk id="2" creationId="{00000000-0000-0000-0000-000000000000}"/>
+            </ac:spMkLst>
+          </pc:spChg>
+          <pc:spChg chg="mod">
+            <ac:chgData name="Jordan May Von Eggers" userId="2bcc5b33-6bd2-4559-ac12-5178b17ae4b3" providerId="ADAL" clId="{60289464-B675-994A-A4CC-484FB2BB9EC8}" dt="2024-06-24T23:43:31.773" v="354"/>
+            <ac:spMkLst>
+              <pc:docMk/>
+              <pc:sldMasterMk cId="4229200371" sldId="2147483720"/>
+              <pc:sldLayoutMk cId="4160072060" sldId="2147483723"/>
+              <ac:spMk id="3" creationId="{00000000-0000-0000-0000-000000000000}"/>
+            </ac:spMkLst>
+          </pc:spChg>
+        </pc:sldLayoutChg>
+        <pc:sldLayoutChg chg="modSp">
+          <pc:chgData name="Jordan May Von Eggers" userId="2bcc5b33-6bd2-4559-ac12-5178b17ae4b3" providerId="ADAL" clId="{60289464-B675-994A-A4CC-484FB2BB9EC8}" dt="2024-06-24T23:43:31.773" v="354"/>
+          <pc:sldLayoutMkLst>
+            <pc:docMk/>
+            <pc:sldMasterMk cId="4229200371" sldId="2147483720"/>
+            <pc:sldLayoutMk cId="709730204" sldId="2147483724"/>
+          </pc:sldLayoutMkLst>
+          <pc:spChg chg="mod">
+            <ac:chgData name="Jordan May Von Eggers" userId="2bcc5b33-6bd2-4559-ac12-5178b17ae4b3" providerId="ADAL" clId="{60289464-B675-994A-A4CC-484FB2BB9EC8}" dt="2024-06-24T23:43:31.773" v="354"/>
+            <ac:spMkLst>
+              <pc:docMk/>
+              <pc:sldMasterMk cId="4229200371" sldId="2147483720"/>
+              <pc:sldLayoutMk cId="709730204" sldId="2147483724"/>
+              <ac:spMk id="3" creationId="{00000000-0000-0000-0000-000000000000}"/>
+            </ac:spMkLst>
+          </pc:spChg>
+          <pc:spChg chg="mod">
+            <ac:chgData name="Jordan May Von Eggers" userId="2bcc5b33-6bd2-4559-ac12-5178b17ae4b3" providerId="ADAL" clId="{60289464-B675-994A-A4CC-484FB2BB9EC8}" dt="2024-06-24T23:43:31.773" v="354"/>
+            <ac:spMkLst>
+              <pc:docMk/>
+              <pc:sldMasterMk cId="4229200371" sldId="2147483720"/>
+              <pc:sldLayoutMk cId="709730204" sldId="2147483724"/>
+              <ac:spMk id="4" creationId="{00000000-0000-0000-0000-000000000000}"/>
+            </ac:spMkLst>
+          </pc:spChg>
+        </pc:sldLayoutChg>
+        <pc:sldLayoutChg chg="modSp">
+          <pc:chgData name="Jordan May Von Eggers" userId="2bcc5b33-6bd2-4559-ac12-5178b17ae4b3" providerId="ADAL" clId="{60289464-B675-994A-A4CC-484FB2BB9EC8}" dt="2024-06-24T23:43:31.773" v="354"/>
+          <pc:sldLayoutMkLst>
+            <pc:docMk/>
+            <pc:sldMasterMk cId="4229200371" sldId="2147483720"/>
+            <pc:sldLayoutMk cId="2926823580" sldId="2147483725"/>
+          </pc:sldLayoutMkLst>
+          <pc:spChg chg="mod">
+            <ac:chgData name="Jordan May Von Eggers" userId="2bcc5b33-6bd2-4559-ac12-5178b17ae4b3" providerId="ADAL" clId="{60289464-B675-994A-A4CC-484FB2BB9EC8}" dt="2024-06-24T23:43:31.773" v="354"/>
+            <ac:spMkLst>
+              <pc:docMk/>
+              <pc:sldMasterMk cId="4229200371" sldId="2147483720"/>
+              <pc:sldLayoutMk cId="2926823580" sldId="2147483725"/>
+              <ac:spMk id="2" creationId="{00000000-0000-0000-0000-000000000000}"/>
+            </ac:spMkLst>
+          </pc:spChg>
+          <pc:spChg chg="mod">
+            <ac:chgData name="Jordan May Von Eggers" userId="2bcc5b33-6bd2-4559-ac12-5178b17ae4b3" providerId="ADAL" clId="{60289464-B675-994A-A4CC-484FB2BB9EC8}" dt="2024-06-24T23:43:31.773" v="354"/>
+            <ac:spMkLst>
+              <pc:docMk/>
+              <pc:sldMasterMk cId="4229200371" sldId="2147483720"/>
+              <pc:sldLayoutMk cId="2926823580" sldId="2147483725"/>
+              <ac:spMk id="3" creationId="{00000000-0000-0000-0000-000000000000}"/>
+            </ac:spMkLst>
+          </pc:spChg>
+          <pc:spChg chg="mod">
+            <ac:chgData name="Jordan May Von Eggers" userId="2bcc5b33-6bd2-4559-ac12-5178b17ae4b3" providerId="ADAL" clId="{60289464-B675-994A-A4CC-484FB2BB9EC8}" dt="2024-06-24T23:43:31.773" v="354"/>
+            <ac:spMkLst>
+              <pc:docMk/>
+              <pc:sldMasterMk cId="4229200371" sldId="2147483720"/>
+              <pc:sldLayoutMk cId="2926823580" sldId="2147483725"/>
+              <ac:spMk id="4" creationId="{00000000-0000-0000-0000-000000000000}"/>
+            </ac:spMkLst>
+          </pc:spChg>
+          <pc:spChg chg="mod">
+            <ac:chgData name="Jordan May Von Eggers" userId="2bcc5b33-6bd2-4559-ac12-5178b17ae4b3" providerId="ADAL" clId="{60289464-B675-994A-A4CC-484FB2BB9EC8}" dt="2024-06-24T23:43:31.773" v="354"/>
+            <ac:spMkLst>
+              <pc:docMk/>
+              <pc:sldMasterMk cId="4229200371" sldId="2147483720"/>
+              <pc:sldLayoutMk cId="2926823580" sldId="2147483725"/>
+              <ac:spMk id="5" creationId="{00000000-0000-0000-0000-000000000000}"/>
+            </ac:spMkLst>
+          </pc:spChg>
+          <pc:spChg chg="mod">
+            <ac:chgData name="Jordan May Von Eggers" userId="2bcc5b33-6bd2-4559-ac12-5178b17ae4b3" providerId="ADAL" clId="{60289464-B675-994A-A4CC-484FB2BB9EC8}" dt="2024-06-24T23:43:31.773" v="354"/>
+            <ac:spMkLst>
+              <pc:docMk/>
+              <pc:sldMasterMk cId="4229200371" sldId="2147483720"/>
+              <pc:sldLayoutMk cId="2926823580" sldId="2147483725"/>
+              <ac:spMk id="6" creationId="{00000000-0000-0000-0000-000000000000}"/>
+            </ac:spMkLst>
+          </pc:spChg>
+        </pc:sldLayoutChg>
+        <pc:sldLayoutChg chg="modSp">
+          <pc:chgData name="Jordan May Von Eggers" userId="2bcc5b33-6bd2-4559-ac12-5178b17ae4b3" providerId="ADAL" clId="{60289464-B675-994A-A4CC-484FB2BB9EC8}" dt="2024-06-24T23:43:31.773" v="354"/>
+          <pc:sldLayoutMkLst>
+            <pc:docMk/>
+            <pc:sldMasterMk cId="4229200371" sldId="2147483720"/>
+            <pc:sldLayoutMk cId="1980628143" sldId="2147483728"/>
+          </pc:sldLayoutMkLst>
+          <pc:spChg chg="mod">
+            <ac:chgData name="Jordan May Von Eggers" userId="2bcc5b33-6bd2-4559-ac12-5178b17ae4b3" providerId="ADAL" clId="{60289464-B675-994A-A4CC-484FB2BB9EC8}" dt="2024-06-24T23:43:31.773" v="354"/>
+            <ac:spMkLst>
+              <pc:docMk/>
+              <pc:sldMasterMk cId="4229200371" sldId="2147483720"/>
+              <pc:sldLayoutMk cId="1980628143" sldId="2147483728"/>
+              <ac:spMk id="2" creationId="{00000000-0000-0000-0000-000000000000}"/>
+            </ac:spMkLst>
+          </pc:spChg>
+          <pc:spChg chg="mod">
+            <ac:chgData name="Jordan May Von Eggers" userId="2bcc5b33-6bd2-4559-ac12-5178b17ae4b3" providerId="ADAL" clId="{60289464-B675-994A-A4CC-484FB2BB9EC8}" dt="2024-06-24T23:43:31.773" v="354"/>
+            <ac:spMkLst>
+              <pc:docMk/>
+              <pc:sldMasterMk cId="4229200371" sldId="2147483720"/>
+              <pc:sldLayoutMk cId="1980628143" sldId="2147483728"/>
+              <ac:spMk id="3" creationId="{00000000-0000-0000-0000-000000000000}"/>
+            </ac:spMkLst>
+          </pc:spChg>
+          <pc:spChg chg="mod">
+            <ac:chgData name="Jordan May Von Eggers" userId="2bcc5b33-6bd2-4559-ac12-5178b17ae4b3" providerId="ADAL" clId="{60289464-B675-994A-A4CC-484FB2BB9EC8}" dt="2024-06-24T23:43:31.773" v="354"/>
+            <ac:spMkLst>
+              <pc:docMk/>
+              <pc:sldMasterMk cId="4229200371" sldId="2147483720"/>
+              <pc:sldLayoutMk cId="1980628143" sldId="2147483728"/>
+              <ac:spMk id="4" creationId="{00000000-0000-0000-0000-000000000000}"/>
+            </ac:spMkLst>
+          </pc:spChg>
+        </pc:sldLayoutChg>
+        <pc:sldLayoutChg chg="modSp">
+          <pc:chgData name="Jordan May Von Eggers" userId="2bcc5b33-6bd2-4559-ac12-5178b17ae4b3" providerId="ADAL" clId="{60289464-B675-994A-A4CC-484FB2BB9EC8}" dt="2024-06-24T23:43:31.773" v="354"/>
+          <pc:sldLayoutMkLst>
+            <pc:docMk/>
+            <pc:sldMasterMk cId="4229200371" sldId="2147483720"/>
+            <pc:sldLayoutMk cId="607362344" sldId="2147483729"/>
+          </pc:sldLayoutMkLst>
+          <pc:spChg chg="mod">
+            <ac:chgData name="Jordan May Von Eggers" userId="2bcc5b33-6bd2-4559-ac12-5178b17ae4b3" providerId="ADAL" clId="{60289464-B675-994A-A4CC-484FB2BB9EC8}" dt="2024-06-24T23:43:31.773" v="354"/>
+            <ac:spMkLst>
+              <pc:docMk/>
+              <pc:sldMasterMk cId="4229200371" sldId="2147483720"/>
+              <pc:sldLayoutMk cId="607362344" sldId="2147483729"/>
+              <ac:spMk id="2" creationId="{00000000-0000-0000-0000-000000000000}"/>
+            </ac:spMkLst>
+          </pc:spChg>
+          <pc:spChg chg="mod">
+            <ac:chgData name="Jordan May Von Eggers" userId="2bcc5b33-6bd2-4559-ac12-5178b17ae4b3" providerId="ADAL" clId="{60289464-B675-994A-A4CC-484FB2BB9EC8}" dt="2024-06-24T23:43:31.773" v="354"/>
+            <ac:spMkLst>
+              <pc:docMk/>
+              <pc:sldMasterMk cId="4229200371" sldId="2147483720"/>
+              <pc:sldLayoutMk cId="607362344" sldId="2147483729"/>
+              <ac:spMk id="3" creationId="{00000000-0000-0000-0000-000000000000}"/>
+            </ac:spMkLst>
+          </pc:spChg>
+          <pc:spChg chg="mod">
+            <ac:chgData name="Jordan May Von Eggers" userId="2bcc5b33-6bd2-4559-ac12-5178b17ae4b3" providerId="ADAL" clId="{60289464-B675-994A-A4CC-484FB2BB9EC8}" dt="2024-06-24T23:43:31.773" v="354"/>
+            <ac:spMkLst>
+              <pc:docMk/>
+              <pc:sldMasterMk cId="4229200371" sldId="2147483720"/>
+              <pc:sldLayoutMk cId="607362344" sldId="2147483729"/>
+              <ac:spMk id="4" creationId="{00000000-0000-0000-0000-000000000000}"/>
+            </ac:spMkLst>
+          </pc:spChg>
+        </pc:sldLayoutChg>
+        <pc:sldLayoutChg chg="modSp">
+          <pc:chgData name="Jordan May Von Eggers" userId="2bcc5b33-6bd2-4559-ac12-5178b17ae4b3" providerId="ADAL" clId="{60289464-B675-994A-A4CC-484FB2BB9EC8}" dt="2024-06-24T23:43:31.773" v="354"/>
+          <pc:sldLayoutMkLst>
+            <pc:docMk/>
+            <pc:sldMasterMk cId="4229200371" sldId="2147483720"/>
+            <pc:sldLayoutMk cId="940967071" sldId="2147483731"/>
+          </pc:sldLayoutMkLst>
+          <pc:spChg chg="mod">
+            <ac:chgData name="Jordan May Von Eggers" userId="2bcc5b33-6bd2-4559-ac12-5178b17ae4b3" providerId="ADAL" clId="{60289464-B675-994A-A4CC-484FB2BB9EC8}" dt="2024-06-24T23:43:31.773" v="354"/>
+            <ac:spMkLst>
+              <pc:docMk/>
+              <pc:sldMasterMk cId="4229200371" sldId="2147483720"/>
+              <pc:sldLayoutMk cId="940967071" sldId="2147483731"/>
+              <ac:spMk id="2" creationId="{00000000-0000-0000-0000-000000000000}"/>
+            </ac:spMkLst>
+          </pc:spChg>
+          <pc:spChg chg="mod">
+            <ac:chgData name="Jordan May Von Eggers" userId="2bcc5b33-6bd2-4559-ac12-5178b17ae4b3" providerId="ADAL" clId="{60289464-B675-994A-A4CC-484FB2BB9EC8}" dt="2024-06-24T23:43:31.773" v="354"/>
+            <ac:spMkLst>
+              <pc:docMk/>
+              <pc:sldMasterMk cId="4229200371" sldId="2147483720"/>
+              <pc:sldLayoutMk cId="940967071" sldId="2147483731"/>
+              <ac:spMk id="3" creationId="{00000000-0000-0000-0000-000000000000}"/>
+            </ac:spMkLst>
+          </pc:spChg>
+        </pc:sldLayoutChg>
+      </pc:sldMasterChg>
+      <pc:sldMasterChg chg="modSp modSldLayout">
+        <pc:chgData name="Jordan May Von Eggers" userId="2bcc5b33-6bd2-4559-ac12-5178b17ae4b3" providerId="ADAL" clId="{60289464-B675-994A-A4CC-484FB2BB9EC8}" dt="2024-06-24T23:43:52.931" v="355"/>
+        <pc:sldMasterMkLst>
+          <pc:docMk/>
+          <pc:sldMasterMk cId="346608717" sldId="2147483732"/>
+        </pc:sldMasterMkLst>
+        <pc:spChg chg="mod">
+          <ac:chgData name="Jordan May Von Eggers" userId="2bcc5b33-6bd2-4559-ac12-5178b17ae4b3" providerId="ADAL" clId="{60289464-B675-994A-A4CC-484FB2BB9EC8}" dt="2024-06-24T23:43:52.931" v="355"/>
+          <ac:spMkLst>
+            <pc:docMk/>
+            <pc:sldMasterMk cId="346608717" sldId="2147483732"/>
+            <ac:spMk id="2" creationId="{00000000-0000-0000-0000-000000000000}"/>
+          </ac:spMkLst>
+        </pc:spChg>
+        <pc:spChg chg="mod">
+          <ac:chgData name="Jordan May Von Eggers" userId="2bcc5b33-6bd2-4559-ac12-5178b17ae4b3" providerId="ADAL" clId="{60289464-B675-994A-A4CC-484FB2BB9EC8}" dt="2024-06-24T23:43:52.931" v="355"/>
+          <ac:spMkLst>
+            <pc:docMk/>
+            <pc:sldMasterMk cId="346608717" sldId="2147483732"/>
+            <ac:spMk id="3" creationId="{00000000-0000-0000-0000-000000000000}"/>
+          </ac:spMkLst>
+        </pc:spChg>
+        <pc:spChg chg="mod">
+          <ac:chgData name="Jordan May Von Eggers" userId="2bcc5b33-6bd2-4559-ac12-5178b17ae4b3" providerId="ADAL" clId="{60289464-B675-994A-A4CC-484FB2BB9EC8}" dt="2024-06-24T23:43:52.931" v="355"/>
+          <ac:spMkLst>
+            <pc:docMk/>
+            <pc:sldMasterMk cId="346608717" sldId="2147483732"/>
+            <ac:spMk id="4" creationId="{00000000-0000-0000-0000-000000000000}"/>
+          </ac:spMkLst>
+        </pc:spChg>
+        <pc:spChg chg="mod">
+          <ac:chgData name="Jordan May Von Eggers" userId="2bcc5b33-6bd2-4559-ac12-5178b17ae4b3" providerId="ADAL" clId="{60289464-B675-994A-A4CC-484FB2BB9EC8}" dt="2024-06-24T23:43:52.931" v="355"/>
+          <ac:spMkLst>
+            <pc:docMk/>
+            <pc:sldMasterMk cId="346608717" sldId="2147483732"/>
+            <ac:spMk id="5" creationId="{00000000-0000-0000-0000-000000000000}"/>
+          </ac:spMkLst>
+        </pc:spChg>
+        <pc:spChg chg="mod">
+          <ac:chgData name="Jordan May Von Eggers" userId="2bcc5b33-6bd2-4559-ac12-5178b17ae4b3" providerId="ADAL" clId="{60289464-B675-994A-A4CC-484FB2BB9EC8}" dt="2024-06-24T23:43:52.931" v="355"/>
+          <ac:spMkLst>
+            <pc:docMk/>
+            <pc:sldMasterMk cId="346608717" sldId="2147483732"/>
+            <ac:spMk id="6" creationId="{00000000-0000-0000-0000-000000000000}"/>
+          </ac:spMkLst>
+        </pc:spChg>
+        <pc:sldLayoutChg chg="modSp">
+          <pc:chgData name="Jordan May Von Eggers" userId="2bcc5b33-6bd2-4559-ac12-5178b17ae4b3" providerId="ADAL" clId="{60289464-B675-994A-A4CC-484FB2BB9EC8}" dt="2024-06-24T23:43:52.931" v="355"/>
+          <pc:sldLayoutMkLst>
+            <pc:docMk/>
+            <pc:sldMasterMk cId="346608717" sldId="2147483732"/>
+            <pc:sldLayoutMk cId="3867102871" sldId="2147483733"/>
+          </pc:sldLayoutMkLst>
+          <pc:spChg chg="mod">
+            <ac:chgData name="Jordan May Von Eggers" userId="2bcc5b33-6bd2-4559-ac12-5178b17ae4b3" providerId="ADAL" clId="{60289464-B675-994A-A4CC-484FB2BB9EC8}" dt="2024-06-24T23:43:52.931" v="355"/>
+            <ac:spMkLst>
+              <pc:docMk/>
+              <pc:sldMasterMk cId="346608717" sldId="2147483732"/>
+              <pc:sldLayoutMk cId="3867102871" sldId="2147483733"/>
+              <ac:spMk id="2" creationId="{00000000-0000-0000-0000-000000000000}"/>
+            </ac:spMkLst>
+          </pc:spChg>
+          <pc:spChg chg="mod">
+            <ac:chgData name="Jordan May Von Eggers" userId="2bcc5b33-6bd2-4559-ac12-5178b17ae4b3" providerId="ADAL" clId="{60289464-B675-994A-A4CC-484FB2BB9EC8}" dt="2024-06-24T23:43:52.931" v="355"/>
+            <ac:spMkLst>
+              <pc:docMk/>
+              <pc:sldMasterMk cId="346608717" sldId="2147483732"/>
+              <pc:sldLayoutMk cId="3867102871" sldId="2147483733"/>
+              <ac:spMk id="3" creationId="{00000000-0000-0000-0000-000000000000}"/>
+            </ac:spMkLst>
+          </pc:spChg>
+        </pc:sldLayoutChg>
+        <pc:sldLayoutChg chg="modSp">
+          <pc:chgData name="Jordan May Von Eggers" userId="2bcc5b33-6bd2-4559-ac12-5178b17ae4b3" providerId="ADAL" clId="{60289464-B675-994A-A4CC-484FB2BB9EC8}" dt="2024-06-24T23:43:52.931" v="355"/>
+          <pc:sldLayoutMkLst>
+            <pc:docMk/>
+            <pc:sldMasterMk cId="346608717" sldId="2147483732"/>
+            <pc:sldLayoutMk cId="2149189327" sldId="2147483735"/>
+          </pc:sldLayoutMkLst>
+          <pc:spChg chg="mod">
+            <ac:chgData name="Jordan May Von Eggers" userId="2bcc5b33-6bd2-4559-ac12-5178b17ae4b3" providerId="ADAL" clId="{60289464-B675-994A-A4CC-484FB2BB9EC8}" dt="2024-06-24T23:43:52.931" v="355"/>
+            <ac:spMkLst>
+              <pc:docMk/>
+              <pc:sldMasterMk cId="346608717" sldId="2147483732"/>
+              <pc:sldLayoutMk cId="2149189327" sldId="2147483735"/>
+              <ac:spMk id="2" creationId="{00000000-0000-0000-0000-000000000000}"/>
+            </ac:spMkLst>
+          </pc:spChg>
+          <pc:spChg chg="mod">
+            <ac:chgData name="Jordan May Von Eggers" userId="2bcc5b33-6bd2-4559-ac12-5178b17ae4b3" providerId="ADAL" clId="{60289464-B675-994A-A4CC-484FB2BB9EC8}" dt="2024-06-24T23:43:52.931" v="355"/>
+            <ac:spMkLst>
+              <pc:docMk/>
+              <pc:sldMasterMk cId="346608717" sldId="2147483732"/>
+              <pc:sldLayoutMk cId="2149189327" sldId="2147483735"/>
+              <ac:spMk id="3" creationId="{00000000-0000-0000-0000-000000000000}"/>
+            </ac:spMkLst>
+          </pc:spChg>
+        </pc:sldLayoutChg>
+        <pc:sldLayoutChg chg="modSp">
+          <pc:chgData name="Jordan May Von Eggers" userId="2bcc5b33-6bd2-4559-ac12-5178b17ae4b3" providerId="ADAL" clId="{60289464-B675-994A-A4CC-484FB2BB9EC8}" dt="2024-06-24T23:43:52.931" v="355"/>
+          <pc:sldLayoutMkLst>
+            <pc:docMk/>
+            <pc:sldMasterMk cId="346608717" sldId="2147483732"/>
+            <pc:sldLayoutMk cId="3919612613" sldId="2147483736"/>
+          </pc:sldLayoutMkLst>
+          <pc:spChg chg="mod">
+            <ac:chgData name="Jordan May Von Eggers" userId="2bcc5b33-6bd2-4559-ac12-5178b17ae4b3" providerId="ADAL" clId="{60289464-B675-994A-A4CC-484FB2BB9EC8}" dt="2024-06-24T23:43:52.931" v="355"/>
+            <ac:spMkLst>
+              <pc:docMk/>
+              <pc:sldMasterMk cId="346608717" sldId="2147483732"/>
+              <pc:sldLayoutMk cId="3919612613" sldId="2147483736"/>
+              <ac:spMk id="3" creationId="{00000000-0000-0000-0000-000000000000}"/>
+            </ac:spMkLst>
+          </pc:spChg>
+          <pc:spChg chg="mod">
+            <ac:chgData name="Jordan May Von Eggers" userId="2bcc5b33-6bd2-4559-ac12-5178b17ae4b3" providerId="ADAL" clId="{60289464-B675-994A-A4CC-484FB2BB9EC8}" dt="2024-06-24T23:43:52.931" v="355"/>
+            <ac:spMkLst>
+              <pc:docMk/>
+              <pc:sldMasterMk cId="346608717" sldId="2147483732"/>
+              <pc:sldLayoutMk cId="3919612613" sldId="2147483736"/>
+              <ac:spMk id="4" creationId="{00000000-0000-0000-0000-000000000000}"/>
+            </ac:spMkLst>
+          </pc:spChg>
+        </pc:sldLayoutChg>
+        <pc:sldLayoutChg chg="modSp">
+          <pc:chgData name="Jordan May Von Eggers" userId="2bcc5b33-6bd2-4559-ac12-5178b17ae4b3" providerId="ADAL" clId="{60289464-B675-994A-A4CC-484FB2BB9EC8}" dt="2024-06-24T23:43:52.931" v="355"/>
+          <pc:sldLayoutMkLst>
+            <pc:docMk/>
+            <pc:sldMasterMk cId="346608717" sldId="2147483732"/>
+            <pc:sldLayoutMk cId="3003949052" sldId="2147483737"/>
+          </pc:sldLayoutMkLst>
+          <pc:spChg chg="mod">
+            <ac:chgData name="Jordan May Von Eggers" userId="2bcc5b33-6bd2-4559-ac12-5178b17ae4b3" providerId="ADAL" clId="{60289464-B675-994A-A4CC-484FB2BB9EC8}" dt="2024-06-24T23:43:52.931" v="355"/>
+            <ac:spMkLst>
+              <pc:docMk/>
+              <pc:sldMasterMk cId="346608717" sldId="2147483732"/>
+              <pc:sldLayoutMk cId="3003949052" sldId="2147483737"/>
+              <ac:spMk id="2" creationId="{00000000-0000-0000-0000-000000000000}"/>
+            </ac:spMkLst>
+          </pc:spChg>
+          <pc:spChg chg="mod">
+            <ac:chgData name="Jordan May Von Eggers" userId="2bcc5b33-6bd2-4559-ac12-5178b17ae4b3" providerId="ADAL" clId="{60289464-B675-994A-A4CC-484FB2BB9EC8}" dt="2024-06-24T23:43:52.931" v="355"/>
+            <ac:spMkLst>
+              <pc:docMk/>
+              <pc:sldMasterMk cId="346608717" sldId="2147483732"/>
+              <pc:sldLayoutMk cId="3003949052" sldId="2147483737"/>
+              <ac:spMk id="3" creationId="{00000000-0000-0000-0000-000000000000}"/>
+            </ac:spMkLst>
+          </pc:spChg>
+          <pc:spChg chg="mod">
+            <ac:chgData name="Jordan May Von Eggers" userId="2bcc5b33-6bd2-4559-ac12-5178b17ae4b3" providerId="ADAL" clId="{60289464-B675-994A-A4CC-484FB2BB9EC8}" dt="2024-06-24T23:43:52.931" v="355"/>
+            <ac:spMkLst>
+              <pc:docMk/>
+              <pc:sldMasterMk cId="346608717" sldId="2147483732"/>
+              <pc:sldLayoutMk cId="3003949052" sldId="2147483737"/>
+              <ac:spMk id="4" creationId="{00000000-0000-0000-0000-000000000000}"/>
+            </ac:spMkLst>
+          </pc:spChg>
+          <pc:spChg chg="mod">
+            <ac:chgData name="Jordan May Von Eggers" userId="2bcc5b33-6bd2-4559-ac12-5178b17ae4b3" providerId="ADAL" clId="{60289464-B675-994A-A4CC-484FB2BB9EC8}" dt="2024-06-24T23:43:52.931" v="355"/>
+            <ac:spMkLst>
+              <pc:docMk/>
+              <pc:sldMasterMk cId="346608717" sldId="2147483732"/>
+              <pc:sldLayoutMk cId="3003949052" sldId="2147483737"/>
+              <ac:spMk id="5" creationId="{00000000-0000-0000-0000-000000000000}"/>
+            </ac:spMkLst>
+          </pc:spChg>
+          <pc:spChg chg="mod">
+            <ac:chgData name="Jordan May Von Eggers" userId="2bcc5b33-6bd2-4559-ac12-5178b17ae4b3" providerId="ADAL" clId="{60289464-B675-994A-A4CC-484FB2BB9EC8}" dt="2024-06-24T23:43:52.931" v="355"/>
+            <ac:spMkLst>
+              <pc:docMk/>
+              <pc:sldMasterMk cId="346608717" sldId="2147483732"/>
+              <pc:sldLayoutMk cId="3003949052" sldId="2147483737"/>
+              <ac:spMk id="6" creationId="{00000000-0000-0000-0000-000000000000}"/>
+            </ac:spMkLst>
+          </pc:spChg>
+        </pc:sldLayoutChg>
+        <pc:sldLayoutChg chg="modSp">
+          <pc:chgData name="Jordan May Von Eggers" userId="2bcc5b33-6bd2-4559-ac12-5178b17ae4b3" providerId="ADAL" clId="{60289464-B675-994A-A4CC-484FB2BB9EC8}" dt="2024-06-24T23:43:52.931" v="355"/>
+          <pc:sldLayoutMkLst>
+            <pc:docMk/>
+            <pc:sldMasterMk cId="346608717" sldId="2147483732"/>
+            <pc:sldLayoutMk cId="2306744123" sldId="2147483740"/>
+          </pc:sldLayoutMkLst>
+          <pc:spChg chg="mod">
+            <ac:chgData name="Jordan May Von Eggers" userId="2bcc5b33-6bd2-4559-ac12-5178b17ae4b3" providerId="ADAL" clId="{60289464-B675-994A-A4CC-484FB2BB9EC8}" dt="2024-06-24T23:43:52.931" v="355"/>
+            <ac:spMkLst>
+              <pc:docMk/>
+              <pc:sldMasterMk cId="346608717" sldId="2147483732"/>
+              <pc:sldLayoutMk cId="2306744123" sldId="2147483740"/>
+              <ac:spMk id="2" creationId="{00000000-0000-0000-0000-000000000000}"/>
+            </ac:spMkLst>
+          </pc:spChg>
+          <pc:spChg chg="mod">
+            <ac:chgData name="Jordan May Von Eggers" userId="2bcc5b33-6bd2-4559-ac12-5178b17ae4b3" providerId="ADAL" clId="{60289464-B675-994A-A4CC-484FB2BB9EC8}" dt="2024-06-24T23:43:52.931" v="355"/>
+            <ac:spMkLst>
+              <pc:docMk/>
+              <pc:sldMasterMk cId="346608717" sldId="2147483732"/>
+              <pc:sldLayoutMk cId="2306744123" sldId="2147483740"/>
+              <ac:spMk id="3" creationId="{00000000-0000-0000-0000-000000000000}"/>
+            </ac:spMkLst>
+          </pc:spChg>
+          <pc:spChg chg="mod">
+            <ac:chgData name="Jordan May Von Eggers" userId="2bcc5b33-6bd2-4559-ac12-5178b17ae4b3" providerId="ADAL" clId="{60289464-B675-994A-A4CC-484FB2BB9EC8}" dt="2024-06-24T23:43:52.931" v="355"/>
+            <ac:spMkLst>
+              <pc:docMk/>
+              <pc:sldMasterMk cId="346608717" sldId="2147483732"/>
+              <pc:sldLayoutMk cId="2306744123" sldId="2147483740"/>
+              <ac:spMk id="4" creationId="{00000000-0000-0000-0000-000000000000}"/>
+            </ac:spMkLst>
+          </pc:spChg>
+        </pc:sldLayoutChg>
+        <pc:sldLayoutChg chg="modSp">
+          <pc:chgData name="Jordan May Von Eggers" userId="2bcc5b33-6bd2-4559-ac12-5178b17ae4b3" providerId="ADAL" clId="{60289464-B675-994A-A4CC-484FB2BB9EC8}" dt="2024-06-24T23:43:52.931" v="355"/>
+          <pc:sldLayoutMkLst>
+            <pc:docMk/>
+            <pc:sldMasterMk cId="346608717" sldId="2147483732"/>
+            <pc:sldLayoutMk cId="1681132224" sldId="2147483741"/>
+          </pc:sldLayoutMkLst>
+          <pc:spChg chg="mod">
+            <ac:chgData name="Jordan May Von Eggers" userId="2bcc5b33-6bd2-4559-ac12-5178b17ae4b3" providerId="ADAL" clId="{60289464-B675-994A-A4CC-484FB2BB9EC8}" dt="2024-06-24T23:43:52.931" v="355"/>
+            <ac:spMkLst>
+              <pc:docMk/>
+              <pc:sldMasterMk cId="346608717" sldId="2147483732"/>
+              <pc:sldLayoutMk cId="1681132224" sldId="2147483741"/>
+              <ac:spMk id="2" creationId="{00000000-0000-0000-0000-000000000000}"/>
+            </ac:spMkLst>
+          </pc:spChg>
+          <pc:spChg chg="mod">
+            <ac:chgData name="Jordan May Von Eggers" userId="2bcc5b33-6bd2-4559-ac12-5178b17ae4b3" providerId="ADAL" clId="{60289464-B675-994A-A4CC-484FB2BB9EC8}" dt="2024-06-24T23:43:52.931" v="355"/>
+            <ac:spMkLst>
+              <pc:docMk/>
+              <pc:sldMasterMk cId="346608717" sldId="2147483732"/>
+              <pc:sldLayoutMk cId="1681132224" sldId="2147483741"/>
+              <ac:spMk id="3" creationId="{00000000-0000-0000-0000-000000000000}"/>
+            </ac:spMkLst>
+          </pc:spChg>
+          <pc:spChg chg="mod">
+            <ac:chgData name="Jordan May Von Eggers" userId="2bcc5b33-6bd2-4559-ac12-5178b17ae4b3" providerId="ADAL" clId="{60289464-B675-994A-A4CC-484FB2BB9EC8}" dt="2024-06-24T23:43:52.931" v="355"/>
+            <ac:spMkLst>
+              <pc:docMk/>
+              <pc:sldMasterMk cId="346608717" sldId="2147483732"/>
+              <pc:sldLayoutMk cId="1681132224" sldId="2147483741"/>
+              <ac:spMk id="4" creationId="{00000000-0000-0000-0000-000000000000}"/>
+            </ac:spMkLst>
+          </pc:spChg>
+        </pc:sldLayoutChg>
+        <pc:sldLayoutChg chg="modSp">
+          <pc:chgData name="Jordan May Von Eggers" userId="2bcc5b33-6bd2-4559-ac12-5178b17ae4b3" providerId="ADAL" clId="{60289464-B675-994A-A4CC-484FB2BB9EC8}" dt="2024-06-24T23:43:52.931" v="355"/>
+          <pc:sldLayoutMkLst>
+            <pc:docMk/>
+            <pc:sldMasterMk cId="346608717" sldId="2147483732"/>
+            <pc:sldLayoutMk cId="3808938892" sldId="2147483743"/>
+          </pc:sldLayoutMkLst>
+          <pc:spChg chg="mod">
+            <ac:chgData name="Jordan May Von Eggers" userId="2bcc5b33-6bd2-4559-ac12-5178b17ae4b3" providerId="ADAL" clId="{60289464-B675-994A-A4CC-484FB2BB9EC8}" dt="2024-06-24T23:43:52.931" v="355"/>
+            <ac:spMkLst>
+              <pc:docMk/>
+              <pc:sldMasterMk cId="346608717" sldId="2147483732"/>
+              <pc:sldLayoutMk cId="3808938892" sldId="2147483743"/>
+              <ac:spMk id="2" creationId="{00000000-0000-0000-0000-000000000000}"/>
+            </ac:spMkLst>
+          </pc:spChg>
+          <pc:spChg chg="mod">
+            <ac:chgData name="Jordan May Von Eggers" userId="2bcc5b33-6bd2-4559-ac12-5178b17ae4b3" providerId="ADAL" clId="{60289464-B675-994A-A4CC-484FB2BB9EC8}" dt="2024-06-24T23:43:52.931" v="355"/>
+            <ac:spMkLst>
+              <pc:docMk/>
+              <pc:sldMasterMk cId="346608717" sldId="2147483732"/>
+              <pc:sldLayoutMk cId="3808938892" sldId="2147483743"/>
+              <ac:spMk id="3" creationId="{00000000-0000-0000-0000-000000000000}"/>
+            </ac:spMkLst>
+          </pc:spChg>
+        </pc:sldLayoutChg>
+      </pc:sldMasterChg>
+      <pc:sldMasterChg chg="modSp modSldLayout">
+        <pc:chgData name="Jordan May Von Eggers" userId="2bcc5b33-6bd2-4559-ac12-5178b17ae4b3" providerId="ADAL" clId="{60289464-B675-994A-A4CC-484FB2BB9EC8}" dt="2024-06-24T23:44:11.597" v="356"/>
+        <pc:sldMasterMkLst>
+          <pc:docMk/>
+          <pc:sldMasterMk cId="2666495463" sldId="2147483744"/>
+        </pc:sldMasterMkLst>
+        <pc:spChg chg="mod">
+          <ac:chgData name="Jordan May Von Eggers" userId="2bcc5b33-6bd2-4559-ac12-5178b17ae4b3" providerId="ADAL" clId="{60289464-B675-994A-A4CC-484FB2BB9EC8}" dt="2024-06-24T23:44:11.597" v="356"/>
+          <ac:spMkLst>
+            <pc:docMk/>
+            <pc:sldMasterMk cId="2666495463" sldId="2147483744"/>
+            <ac:spMk id="2" creationId="{00000000-0000-0000-0000-000000000000}"/>
+          </ac:spMkLst>
+        </pc:spChg>
+        <pc:spChg chg="mod">
+          <ac:chgData name="Jordan May Von Eggers" userId="2bcc5b33-6bd2-4559-ac12-5178b17ae4b3" providerId="ADAL" clId="{60289464-B675-994A-A4CC-484FB2BB9EC8}" dt="2024-06-24T23:44:11.597" v="356"/>
+          <ac:spMkLst>
+            <pc:docMk/>
+            <pc:sldMasterMk cId="2666495463" sldId="2147483744"/>
+            <ac:spMk id="3" creationId="{00000000-0000-0000-0000-000000000000}"/>
+          </ac:spMkLst>
+        </pc:spChg>
+        <pc:spChg chg="mod">
+          <ac:chgData name="Jordan May Von Eggers" userId="2bcc5b33-6bd2-4559-ac12-5178b17ae4b3" providerId="ADAL" clId="{60289464-B675-994A-A4CC-484FB2BB9EC8}" dt="2024-06-24T23:44:11.597" v="356"/>
+          <ac:spMkLst>
+            <pc:docMk/>
+            <pc:sldMasterMk cId="2666495463" sldId="2147483744"/>
+            <ac:spMk id="4" creationId="{00000000-0000-0000-0000-000000000000}"/>
+          </ac:spMkLst>
+        </pc:spChg>
+        <pc:spChg chg="mod">
+          <ac:chgData name="Jordan May Von Eggers" userId="2bcc5b33-6bd2-4559-ac12-5178b17ae4b3" providerId="ADAL" clId="{60289464-B675-994A-A4CC-484FB2BB9EC8}" dt="2024-06-24T23:44:11.597" v="356"/>
+          <ac:spMkLst>
+            <pc:docMk/>
+            <pc:sldMasterMk cId="2666495463" sldId="2147483744"/>
+            <ac:spMk id="5" creationId="{00000000-0000-0000-0000-000000000000}"/>
+          </ac:spMkLst>
+        </pc:spChg>
+        <pc:spChg chg="mod">
+          <ac:chgData name="Jordan May Von Eggers" userId="2bcc5b33-6bd2-4559-ac12-5178b17ae4b3" providerId="ADAL" clId="{60289464-B675-994A-A4CC-484FB2BB9EC8}" dt="2024-06-24T23:44:11.597" v="356"/>
+          <ac:spMkLst>
+            <pc:docMk/>
+            <pc:sldMasterMk cId="2666495463" sldId="2147483744"/>
+            <ac:spMk id="6" creationId="{00000000-0000-0000-0000-000000000000}"/>
+          </ac:spMkLst>
+        </pc:spChg>
+        <pc:sldLayoutChg chg="modSp">
+          <pc:chgData name="Jordan May Von Eggers" userId="2bcc5b33-6bd2-4559-ac12-5178b17ae4b3" providerId="ADAL" clId="{60289464-B675-994A-A4CC-484FB2BB9EC8}" dt="2024-06-24T23:44:11.597" v="356"/>
+          <pc:sldLayoutMkLst>
+            <pc:docMk/>
+            <pc:sldMasterMk cId="2666495463" sldId="2147483744"/>
+            <pc:sldLayoutMk cId="1768111260" sldId="2147483745"/>
+          </pc:sldLayoutMkLst>
+          <pc:spChg chg="mod">
+            <ac:chgData name="Jordan May Von Eggers" userId="2bcc5b33-6bd2-4559-ac12-5178b17ae4b3" providerId="ADAL" clId="{60289464-B675-994A-A4CC-484FB2BB9EC8}" dt="2024-06-24T23:44:11.597" v="356"/>
+            <ac:spMkLst>
+              <pc:docMk/>
+              <pc:sldMasterMk cId="2666495463" sldId="2147483744"/>
+              <pc:sldLayoutMk cId="1768111260" sldId="2147483745"/>
+              <ac:spMk id="2" creationId="{00000000-0000-0000-0000-000000000000}"/>
+            </ac:spMkLst>
+          </pc:spChg>
+          <pc:spChg chg="mod">
+            <ac:chgData name="Jordan May Von Eggers" userId="2bcc5b33-6bd2-4559-ac12-5178b17ae4b3" providerId="ADAL" clId="{60289464-B675-994A-A4CC-484FB2BB9EC8}" dt="2024-06-24T23:44:11.597" v="356"/>
+            <ac:spMkLst>
+              <pc:docMk/>
+              <pc:sldMasterMk cId="2666495463" sldId="2147483744"/>
+              <pc:sldLayoutMk cId="1768111260" sldId="2147483745"/>
+              <ac:spMk id="3" creationId="{00000000-0000-0000-0000-000000000000}"/>
+            </ac:spMkLst>
+          </pc:spChg>
+        </pc:sldLayoutChg>
+        <pc:sldLayoutChg chg="modSp">
+          <pc:chgData name="Jordan May Von Eggers" userId="2bcc5b33-6bd2-4559-ac12-5178b17ae4b3" providerId="ADAL" clId="{60289464-B675-994A-A4CC-484FB2BB9EC8}" dt="2024-06-24T23:44:11.597" v="356"/>
+          <pc:sldLayoutMkLst>
+            <pc:docMk/>
+            <pc:sldMasterMk cId="2666495463" sldId="2147483744"/>
+            <pc:sldLayoutMk cId="1383687805" sldId="2147483747"/>
+          </pc:sldLayoutMkLst>
+          <pc:spChg chg="mod">
+            <ac:chgData name="Jordan May Von Eggers" userId="2bcc5b33-6bd2-4559-ac12-5178b17ae4b3" providerId="ADAL" clId="{60289464-B675-994A-A4CC-484FB2BB9EC8}" dt="2024-06-24T23:44:11.597" v="356"/>
+            <ac:spMkLst>
+              <pc:docMk/>
+              <pc:sldMasterMk cId="2666495463" sldId="2147483744"/>
+              <pc:sldLayoutMk cId="1383687805" sldId="2147483747"/>
+              <ac:spMk id="2" creationId="{00000000-0000-0000-0000-000000000000}"/>
+            </ac:spMkLst>
+          </pc:spChg>
+          <pc:spChg chg="mod">
+            <ac:chgData name="Jordan May Von Eggers" userId="2bcc5b33-6bd2-4559-ac12-5178b17ae4b3" providerId="ADAL" clId="{60289464-B675-994A-A4CC-484FB2BB9EC8}" dt="2024-06-24T23:44:11.597" v="356"/>
+            <ac:spMkLst>
+              <pc:docMk/>
+              <pc:sldMasterMk cId="2666495463" sldId="2147483744"/>
+              <pc:sldLayoutMk cId="1383687805" sldId="2147483747"/>
+              <ac:spMk id="3" creationId="{00000000-0000-0000-0000-000000000000}"/>
+            </ac:spMkLst>
+          </pc:spChg>
+        </pc:sldLayoutChg>
+        <pc:sldLayoutChg chg="modSp">
+          <pc:chgData name="Jordan May Von Eggers" userId="2bcc5b33-6bd2-4559-ac12-5178b17ae4b3" providerId="ADAL" clId="{60289464-B675-994A-A4CC-484FB2BB9EC8}" dt="2024-06-24T23:44:11.597" v="356"/>
+          <pc:sldLayoutMkLst>
+            <pc:docMk/>
+            <pc:sldMasterMk cId="2666495463" sldId="2147483744"/>
+            <pc:sldLayoutMk cId="73443616" sldId="2147483748"/>
+          </pc:sldLayoutMkLst>
+          <pc:spChg chg="mod">
+            <ac:chgData name="Jordan May Von Eggers" userId="2bcc5b33-6bd2-4559-ac12-5178b17ae4b3" providerId="ADAL" clId="{60289464-B675-994A-A4CC-484FB2BB9EC8}" dt="2024-06-24T23:44:11.597" v="356"/>
+            <ac:spMkLst>
+              <pc:docMk/>
+              <pc:sldMasterMk cId="2666495463" sldId="2147483744"/>
+              <pc:sldLayoutMk cId="73443616" sldId="2147483748"/>
+              <ac:spMk id="3" creationId="{00000000-0000-0000-0000-000000000000}"/>
+            </ac:spMkLst>
+          </pc:spChg>
+          <pc:spChg chg="mod">
+            <ac:chgData name="Jordan May Von Eggers" userId="2bcc5b33-6bd2-4559-ac12-5178b17ae4b3" providerId="ADAL" clId="{60289464-B675-994A-A4CC-484FB2BB9EC8}" dt="2024-06-24T23:44:11.597" v="356"/>
+            <ac:spMkLst>
+              <pc:docMk/>
+              <pc:sldMasterMk cId="2666495463" sldId="2147483744"/>
+              <pc:sldLayoutMk cId="73443616" sldId="2147483748"/>
+              <ac:spMk id="4" creationId="{00000000-0000-0000-0000-000000000000}"/>
+            </ac:spMkLst>
+          </pc:spChg>
+        </pc:sldLayoutChg>
+        <pc:sldLayoutChg chg="modSp">
+          <pc:chgData name="Jordan May Von Eggers" userId="2bcc5b33-6bd2-4559-ac12-5178b17ae4b3" providerId="ADAL" clId="{60289464-B675-994A-A4CC-484FB2BB9EC8}" dt="2024-06-24T23:44:11.597" v="356"/>
+          <pc:sldLayoutMkLst>
+            <pc:docMk/>
+            <pc:sldMasterMk cId="2666495463" sldId="2147483744"/>
+            <pc:sldLayoutMk cId="1692964842" sldId="2147483749"/>
+          </pc:sldLayoutMkLst>
+          <pc:spChg chg="mod">
+            <ac:chgData name="Jordan May Von Eggers" userId="2bcc5b33-6bd2-4559-ac12-5178b17ae4b3" providerId="ADAL" clId="{60289464-B675-994A-A4CC-484FB2BB9EC8}" dt="2024-06-24T23:44:11.597" v="356"/>
+            <ac:spMkLst>
+              <pc:docMk/>
+              <pc:sldMasterMk cId="2666495463" sldId="2147483744"/>
+              <pc:sldLayoutMk cId="1692964842" sldId="2147483749"/>
+              <ac:spMk id="2" creationId="{00000000-0000-0000-0000-000000000000}"/>
+            </ac:spMkLst>
+          </pc:spChg>
+          <pc:spChg chg="mod">
+            <ac:chgData name="Jordan May Von Eggers" userId="2bcc5b33-6bd2-4559-ac12-5178b17ae4b3" providerId="ADAL" clId="{60289464-B675-994A-A4CC-484FB2BB9EC8}" dt="2024-06-24T23:44:11.597" v="356"/>
+            <ac:spMkLst>
+              <pc:docMk/>
+              <pc:sldMasterMk cId="2666495463" sldId="2147483744"/>
+              <pc:sldLayoutMk cId="1692964842" sldId="2147483749"/>
+              <ac:spMk id="3" creationId="{00000000-0000-0000-0000-000000000000}"/>
+            </ac:spMkLst>
+          </pc:spChg>
+          <pc:spChg chg="mod">
+            <ac:chgData name="Jordan May Von Eggers" userId="2bcc5b33-6bd2-4559-ac12-5178b17ae4b3" providerId="ADAL" clId="{60289464-B675-994A-A4CC-484FB2BB9EC8}" dt="2024-06-24T23:44:11.597" v="356"/>
+            <ac:spMkLst>
+              <pc:docMk/>
+              <pc:sldMasterMk cId="2666495463" sldId="2147483744"/>
+              <pc:sldLayoutMk cId="1692964842" sldId="2147483749"/>
+              <ac:spMk id="4" creationId="{00000000-0000-0000-0000-000000000000}"/>
+            </ac:spMkLst>
+          </pc:spChg>
+          <pc:spChg chg="mod">
+            <ac:chgData name="Jordan May Von Eggers" userId="2bcc5b33-6bd2-4559-ac12-5178b17ae4b3" providerId="ADAL" clId="{60289464-B675-994A-A4CC-484FB2BB9EC8}" dt="2024-06-24T23:44:11.597" v="356"/>
+            <ac:spMkLst>
+              <pc:docMk/>
+              <pc:sldMasterMk cId="2666495463" sldId="2147483744"/>
+              <pc:sldLayoutMk cId="1692964842" sldId="2147483749"/>
+              <ac:spMk id="5" creationId="{00000000-0000-0000-0000-000000000000}"/>
+            </ac:spMkLst>
+          </pc:spChg>
+          <pc:spChg chg="mod">
+            <ac:chgData name="Jordan May Von Eggers" userId="2bcc5b33-6bd2-4559-ac12-5178b17ae4b3" providerId="ADAL" clId="{60289464-B675-994A-A4CC-484FB2BB9EC8}" dt="2024-06-24T23:44:11.597" v="356"/>
+            <ac:spMkLst>
+              <pc:docMk/>
+              <pc:sldMasterMk cId="2666495463" sldId="2147483744"/>
+              <pc:sldLayoutMk cId="1692964842" sldId="2147483749"/>
+              <ac:spMk id="6" creationId="{00000000-0000-0000-0000-000000000000}"/>
+            </ac:spMkLst>
+          </pc:spChg>
+        </pc:sldLayoutChg>
+        <pc:sldLayoutChg chg="modSp">
+          <pc:chgData name="Jordan May Von Eggers" userId="2bcc5b33-6bd2-4559-ac12-5178b17ae4b3" providerId="ADAL" clId="{60289464-B675-994A-A4CC-484FB2BB9EC8}" dt="2024-06-24T23:44:11.597" v="356"/>
+          <pc:sldLayoutMkLst>
+            <pc:docMk/>
+            <pc:sldMasterMk cId="2666495463" sldId="2147483744"/>
+            <pc:sldLayoutMk cId="3316786474" sldId="2147483752"/>
+          </pc:sldLayoutMkLst>
+          <pc:spChg chg="mod">
+            <ac:chgData name="Jordan May Von Eggers" userId="2bcc5b33-6bd2-4559-ac12-5178b17ae4b3" providerId="ADAL" clId="{60289464-B675-994A-A4CC-484FB2BB9EC8}" dt="2024-06-24T23:44:11.597" v="356"/>
+            <ac:spMkLst>
+              <pc:docMk/>
+              <pc:sldMasterMk cId="2666495463" sldId="2147483744"/>
+              <pc:sldLayoutMk cId="3316786474" sldId="2147483752"/>
+              <ac:spMk id="2" creationId="{00000000-0000-0000-0000-000000000000}"/>
+            </ac:spMkLst>
+          </pc:spChg>
+          <pc:spChg chg="mod">
+            <ac:chgData name="Jordan May Von Eggers" userId="2bcc5b33-6bd2-4559-ac12-5178b17ae4b3" providerId="ADAL" clId="{60289464-B675-994A-A4CC-484FB2BB9EC8}" dt="2024-06-24T23:44:11.597" v="356"/>
+            <ac:spMkLst>
+              <pc:docMk/>
+              <pc:sldMasterMk cId="2666495463" sldId="2147483744"/>
+              <pc:sldLayoutMk cId="3316786474" sldId="2147483752"/>
+              <ac:spMk id="3" creationId="{00000000-0000-0000-0000-000000000000}"/>
+            </ac:spMkLst>
+          </pc:spChg>
+          <pc:spChg chg="mod">
+            <ac:chgData name="Jordan May Von Eggers" userId="2bcc5b33-6bd2-4559-ac12-5178b17ae4b3" providerId="ADAL" clId="{60289464-B675-994A-A4CC-484FB2BB9EC8}" dt="2024-06-24T23:44:11.597" v="356"/>
+            <ac:spMkLst>
+              <pc:docMk/>
+              <pc:sldMasterMk cId="2666495463" sldId="2147483744"/>
+              <pc:sldLayoutMk cId="3316786474" sldId="2147483752"/>
+              <ac:spMk id="4" creationId="{00000000-0000-0000-0000-000000000000}"/>
+            </ac:spMkLst>
+          </pc:spChg>
+        </pc:sldLayoutChg>
+        <pc:sldLayoutChg chg="modSp">
+          <pc:chgData name="Jordan May Von Eggers" userId="2bcc5b33-6bd2-4559-ac12-5178b17ae4b3" providerId="ADAL" clId="{60289464-B675-994A-A4CC-484FB2BB9EC8}" dt="2024-06-24T23:44:11.597" v="356"/>
+          <pc:sldLayoutMkLst>
+            <pc:docMk/>
+            <pc:sldMasterMk cId="2666495463" sldId="2147483744"/>
+            <pc:sldLayoutMk cId="1923611187" sldId="2147483753"/>
+          </pc:sldLayoutMkLst>
+          <pc:spChg chg="mod">
+            <ac:chgData name="Jordan May Von Eggers" userId="2bcc5b33-6bd2-4559-ac12-5178b17ae4b3" providerId="ADAL" clId="{60289464-B675-994A-A4CC-484FB2BB9EC8}" dt="2024-06-24T23:44:11.597" v="356"/>
+            <ac:spMkLst>
+              <pc:docMk/>
+              <pc:sldMasterMk cId="2666495463" sldId="2147483744"/>
+              <pc:sldLayoutMk cId="1923611187" sldId="2147483753"/>
+              <ac:spMk id="2" creationId="{00000000-0000-0000-0000-000000000000}"/>
+            </ac:spMkLst>
+          </pc:spChg>
+          <pc:spChg chg="mod">
+            <ac:chgData name="Jordan May Von Eggers" userId="2bcc5b33-6bd2-4559-ac12-5178b17ae4b3" providerId="ADAL" clId="{60289464-B675-994A-A4CC-484FB2BB9EC8}" dt="2024-06-24T23:44:11.597" v="356"/>
+            <ac:spMkLst>
+              <pc:docMk/>
+              <pc:sldMasterMk cId="2666495463" sldId="2147483744"/>
+              <pc:sldLayoutMk cId="1923611187" sldId="2147483753"/>
+              <ac:spMk id="3" creationId="{00000000-0000-0000-0000-000000000000}"/>
+            </ac:spMkLst>
+          </pc:spChg>
+          <pc:spChg chg="mod">
+            <ac:chgData name="Jordan May Von Eggers" userId="2bcc5b33-6bd2-4559-ac12-5178b17ae4b3" providerId="ADAL" clId="{60289464-B675-994A-A4CC-484FB2BB9EC8}" dt="2024-06-24T23:44:11.597" v="356"/>
+            <ac:spMkLst>
+              <pc:docMk/>
+              <pc:sldMasterMk cId="2666495463" sldId="2147483744"/>
+              <pc:sldLayoutMk cId="1923611187" sldId="2147483753"/>
+              <ac:spMk id="4" creationId="{00000000-0000-0000-0000-000000000000}"/>
+            </ac:spMkLst>
+          </pc:spChg>
+        </pc:sldLayoutChg>
+        <pc:sldLayoutChg chg="modSp">
+          <pc:chgData name="Jordan May Von Eggers" userId="2bcc5b33-6bd2-4559-ac12-5178b17ae4b3" providerId="ADAL" clId="{60289464-B675-994A-A4CC-484FB2BB9EC8}" dt="2024-06-24T23:44:11.597" v="356"/>
+          <pc:sldLayoutMkLst>
+            <pc:docMk/>
+            <pc:sldMasterMk cId="2666495463" sldId="2147483744"/>
+            <pc:sldLayoutMk cId="1149813322" sldId="2147483755"/>
+          </pc:sldLayoutMkLst>
+          <pc:spChg chg="mod">
+            <ac:chgData name="Jordan May Von Eggers" userId="2bcc5b33-6bd2-4559-ac12-5178b17ae4b3" providerId="ADAL" clId="{60289464-B675-994A-A4CC-484FB2BB9EC8}" dt="2024-06-24T23:44:11.597" v="356"/>
+            <ac:spMkLst>
+              <pc:docMk/>
+              <pc:sldMasterMk cId="2666495463" sldId="2147483744"/>
+              <pc:sldLayoutMk cId="1149813322" sldId="2147483755"/>
+              <ac:spMk id="2" creationId="{00000000-0000-0000-0000-000000000000}"/>
+            </ac:spMkLst>
+          </pc:spChg>
+          <pc:spChg chg="mod">
+            <ac:chgData name="Jordan May Von Eggers" userId="2bcc5b33-6bd2-4559-ac12-5178b17ae4b3" providerId="ADAL" clId="{60289464-B675-994A-A4CC-484FB2BB9EC8}" dt="2024-06-24T23:44:11.597" v="356"/>
+            <ac:spMkLst>
+              <pc:docMk/>
+              <pc:sldMasterMk cId="2666495463" sldId="2147483744"/>
+              <pc:sldLayoutMk cId="1149813322" sldId="2147483755"/>
+              <ac:spMk id="3" creationId="{00000000-0000-0000-0000-000000000000}"/>
+            </ac:spMkLst>
+          </pc:spChg>
+        </pc:sldLayoutChg>
+      </pc:sldMasterChg>
+    </pc:docChg>
+  </pc:docChgLst>
+</pc:chgInfo>
 </file>
 
 <file path=ppt/slideLayouts/slideLayout1.xml><?xml version="1.0" encoding="utf-8"?>
@@ -163,15 +2537,15 @@
         </p:nvSpPr>
         <p:spPr>
           <a:xfrm>
-            <a:off x="891540" y="1795781"/>
-            <a:ext cx="10104120" cy="3820160"/>
+            <a:off x="946428" y="1676010"/>
+            <a:ext cx="10726182" cy="3565372"/>
           </a:xfrm>
         </p:spPr>
         <p:txBody>
           <a:bodyPr anchor="b"/>
           <a:lstStyle>
             <a:lvl1pPr algn="ctr">
-              <a:defRPr sz="7800"/>
+              <a:defRPr sz="8280"/>
             </a:lvl1pPr>
           </a:lstStyle>
           <a:p>
@@ -195,8 +2569,8 @@
         </p:nvSpPr>
         <p:spPr>
           <a:xfrm>
-            <a:off x="1485900" y="5763261"/>
-            <a:ext cx="8915400" cy="2649219"/>
+            <a:off x="1577380" y="5378877"/>
+            <a:ext cx="9464279" cy="2472528"/>
           </a:xfrm>
         </p:spPr>
         <p:txBody>
@@ -204,39 +2578,39 @@
           <a:lstStyle>
             <a:lvl1pPr marL="0" indent="0" algn="ctr">
               <a:buNone/>
-              <a:defRPr sz="3120"/>
+              <a:defRPr sz="3312"/>
             </a:lvl1pPr>
-            <a:lvl2pPr marL="594360" indent="0" algn="ctr">
+            <a:lvl2pPr marL="630936" indent="0" algn="ctr">
               <a:buNone/>
-              <a:defRPr sz="2600"/>
+              <a:defRPr sz="2760"/>
             </a:lvl2pPr>
-            <a:lvl3pPr marL="1188720" indent="0" algn="ctr">
+            <a:lvl3pPr marL="1261872" indent="0" algn="ctr">
               <a:buNone/>
-              <a:defRPr sz="2340"/>
+              <a:defRPr sz="2484"/>
             </a:lvl3pPr>
-            <a:lvl4pPr marL="1783080" indent="0" algn="ctr">
+            <a:lvl4pPr marL="1892808" indent="0" algn="ctr">
               <a:buNone/>
-              <a:defRPr sz="2080"/>
+              <a:defRPr sz="2208"/>
             </a:lvl4pPr>
-            <a:lvl5pPr marL="2377440" indent="0" algn="ctr">
+            <a:lvl5pPr marL="2523744" indent="0" algn="ctr">
               <a:buNone/>
-              <a:defRPr sz="2080"/>
+              <a:defRPr sz="2208"/>
             </a:lvl5pPr>
-            <a:lvl6pPr marL="2971800" indent="0" algn="ctr">
+            <a:lvl6pPr marL="3154680" indent="0" algn="ctr">
               <a:buNone/>
-              <a:defRPr sz="2080"/>
+              <a:defRPr sz="2208"/>
             </a:lvl6pPr>
-            <a:lvl7pPr marL="3566160" indent="0" algn="ctr">
+            <a:lvl7pPr marL="3785616" indent="0" algn="ctr">
               <a:buNone/>
-              <a:defRPr sz="2080"/>
+              <a:defRPr sz="2208"/>
             </a:lvl7pPr>
-            <a:lvl8pPr marL="4160520" indent="0" algn="ctr">
+            <a:lvl8pPr marL="4416552" indent="0" algn="ctr">
               <a:buNone/>
-              <a:defRPr sz="2080"/>
+              <a:defRPr sz="2208"/>
             </a:lvl8pPr>
-            <a:lvl9pPr marL="4754880" indent="0" algn="ctr">
+            <a:lvl9pPr marL="5047488" indent="0" algn="ctr">
               <a:buNone/>
-              <a:defRPr sz="2080"/>
+              <a:defRPr sz="2208"/>
             </a:lvl9pPr>
           </a:lstStyle>
           <a:p>
@@ -265,7 +2639,7 @@
           <a:p>
             <a:fld id="{6002544E-5E39-4737-AA1A-22DC2E81DCEA}" type="datetimeFigureOut">
               <a:rPr lang="en-US" smtClean="0"/>
-              <a:t>3/6/24</a:t>
+              <a:t>6/24/24</a:t>
             </a:fld>
             <a:endParaRPr lang="en-US"/>
           </a:p>
@@ -316,7 +2690,7 @@
     </p:spTree>
     <p:extLst>
       <p:ext uri="{BB962C8B-B14F-4D97-AF65-F5344CB8AC3E}">
-        <p14:creationId xmlns:p14="http://schemas.microsoft.com/office/powerpoint/2010/main" val="2530494378"/>
+        <p14:creationId xmlns:p14="http://schemas.microsoft.com/office/powerpoint/2010/main" val="1582411820"/>
       </p:ext>
     </p:extLst>
   </p:cSld>
@@ -435,7 +2809,7 @@
           <a:p>
             <a:fld id="{6002544E-5E39-4737-AA1A-22DC2E81DCEA}" type="datetimeFigureOut">
               <a:rPr lang="en-US" smtClean="0"/>
-              <a:t>3/6/24</a:t>
+              <a:t>6/24/24</a:t>
             </a:fld>
             <a:endParaRPr lang="en-US"/>
           </a:p>
@@ -486,7 +2860,7 @@
     </p:spTree>
     <p:extLst>
       <p:ext uri="{BB962C8B-B14F-4D97-AF65-F5344CB8AC3E}">
-        <p14:creationId xmlns:p14="http://schemas.microsoft.com/office/powerpoint/2010/main" val="3813107018"/>
+        <p14:creationId xmlns:p14="http://schemas.microsoft.com/office/powerpoint/2010/main" val="3468832067"/>
       </p:ext>
     </p:extLst>
   </p:cSld>
@@ -525,8 +2899,8 @@
         </p:nvSpPr>
         <p:spPr>
           <a:xfrm>
-            <a:off x="8506778" y="584200"/>
-            <a:ext cx="2563178" cy="9298941"/>
+            <a:off x="9030500" y="545236"/>
+            <a:ext cx="2720980" cy="8678743"/>
           </a:xfrm>
         </p:spPr>
         <p:txBody>
@@ -553,8 +2927,8 @@
         </p:nvSpPr>
         <p:spPr>
           <a:xfrm>
-            <a:off x="817245" y="584200"/>
-            <a:ext cx="7540943" cy="9298941"/>
+            <a:off x="867560" y="545236"/>
+            <a:ext cx="8005202" cy="8678743"/>
           </a:xfrm>
         </p:spPr>
         <p:txBody>
@@ -615,7 +2989,7 @@
           <a:p>
             <a:fld id="{6002544E-5E39-4737-AA1A-22DC2E81DCEA}" type="datetimeFigureOut">
               <a:rPr lang="en-US" smtClean="0"/>
-              <a:t>3/6/24</a:t>
+              <a:t>6/24/24</a:t>
             </a:fld>
             <a:endParaRPr lang="en-US"/>
           </a:p>
@@ -666,7 +3040,7 @@
     </p:spTree>
     <p:extLst>
       <p:ext uri="{BB962C8B-B14F-4D97-AF65-F5344CB8AC3E}">
-        <p14:creationId xmlns:p14="http://schemas.microsoft.com/office/powerpoint/2010/main" val="431235003"/>
+        <p14:creationId xmlns:p14="http://schemas.microsoft.com/office/powerpoint/2010/main" val="612156479"/>
       </p:ext>
     </p:extLst>
   </p:cSld>
@@ -785,7 +3159,7 @@
           <a:p>
             <a:fld id="{6002544E-5E39-4737-AA1A-22DC2E81DCEA}" type="datetimeFigureOut">
               <a:rPr lang="en-US" smtClean="0"/>
-              <a:t>3/6/24</a:t>
+              <a:t>6/24/24</a:t>
             </a:fld>
             <a:endParaRPr lang="en-US"/>
           </a:p>
@@ -836,7 +3210,7 @@
     </p:spTree>
     <p:extLst>
       <p:ext uri="{BB962C8B-B14F-4D97-AF65-F5344CB8AC3E}">
-        <p14:creationId xmlns:p14="http://schemas.microsoft.com/office/powerpoint/2010/main" val="1179104907"/>
+        <p14:creationId xmlns:p14="http://schemas.microsoft.com/office/powerpoint/2010/main" val="2815007419"/>
       </p:ext>
     </p:extLst>
   </p:cSld>
@@ -875,15 +3249,15 @@
         </p:nvSpPr>
         <p:spPr>
           <a:xfrm>
-            <a:off x="811054" y="2735583"/>
-            <a:ext cx="10252710" cy="4564379"/>
+            <a:off x="860987" y="2553132"/>
+            <a:ext cx="10883920" cy="4259955"/>
           </a:xfrm>
         </p:spPr>
         <p:txBody>
           <a:bodyPr anchor="b"/>
           <a:lstStyle>
             <a:lvl1pPr>
-              <a:defRPr sz="7800"/>
+              <a:defRPr sz="8280"/>
             </a:lvl1pPr>
           </a:lstStyle>
           <a:p>
@@ -907,8 +3281,8 @@
         </p:nvSpPr>
         <p:spPr>
           <a:xfrm>
-            <a:off x="811054" y="7343143"/>
-            <a:ext cx="10252710" cy="2400299"/>
+            <a:off x="860987" y="6853388"/>
+            <a:ext cx="10883920" cy="2240210"/>
           </a:xfrm>
         </p:spPr>
         <p:txBody>
@@ -916,7 +3290,7 @@
           <a:lstStyle>
             <a:lvl1pPr marL="0" indent="0">
               <a:buNone/>
-              <a:defRPr sz="3120">
+              <a:defRPr sz="3312">
                 <a:solidFill>
                   <a:schemeClr val="tx1">
                     <a:tint val="82000"/>
@@ -924,9 +3298,9 @@
                 </a:solidFill>
               </a:defRPr>
             </a:lvl1pPr>
-            <a:lvl2pPr marL="594360" indent="0">
+            <a:lvl2pPr marL="630936" indent="0">
               <a:buNone/>
-              <a:defRPr sz="2600">
+              <a:defRPr sz="2760">
                 <a:solidFill>
                   <a:schemeClr val="tx1">
                     <a:tint val="82000"/>
@@ -934,9 +3308,9 @@
                 </a:solidFill>
               </a:defRPr>
             </a:lvl2pPr>
-            <a:lvl3pPr marL="1188720" indent="0">
+            <a:lvl3pPr marL="1261872" indent="0">
               <a:buNone/>
-              <a:defRPr sz="2340">
+              <a:defRPr sz="2484">
                 <a:solidFill>
                   <a:schemeClr val="tx1">
                     <a:tint val="82000"/>
@@ -944,9 +3318,9 @@
                 </a:solidFill>
               </a:defRPr>
             </a:lvl3pPr>
-            <a:lvl4pPr marL="1783080" indent="0">
+            <a:lvl4pPr marL="1892808" indent="0">
               <a:buNone/>
-              <a:defRPr sz="2080">
+              <a:defRPr sz="2208">
                 <a:solidFill>
                   <a:schemeClr val="tx1">
                     <a:tint val="82000"/>
@@ -954,9 +3328,9 @@
                 </a:solidFill>
               </a:defRPr>
             </a:lvl4pPr>
-            <a:lvl5pPr marL="2377440" indent="0">
+            <a:lvl5pPr marL="2523744" indent="0">
               <a:buNone/>
-              <a:defRPr sz="2080">
+              <a:defRPr sz="2208">
                 <a:solidFill>
                   <a:schemeClr val="tx1">
                     <a:tint val="82000"/>
@@ -964,9 +3338,9 @@
                 </a:solidFill>
               </a:defRPr>
             </a:lvl5pPr>
-            <a:lvl6pPr marL="2971800" indent="0">
+            <a:lvl6pPr marL="3154680" indent="0">
               <a:buNone/>
-              <a:defRPr sz="2080">
+              <a:defRPr sz="2208">
                 <a:solidFill>
                   <a:schemeClr val="tx1">
                     <a:tint val="82000"/>
@@ -974,9 +3348,9 @@
                 </a:solidFill>
               </a:defRPr>
             </a:lvl6pPr>
-            <a:lvl7pPr marL="3566160" indent="0">
+            <a:lvl7pPr marL="3785616" indent="0">
               <a:buNone/>
-              <a:defRPr sz="2080">
+              <a:defRPr sz="2208">
                 <a:solidFill>
                   <a:schemeClr val="tx1">
                     <a:tint val="82000"/>
@@ -984,9 +3358,9 @@
                 </a:solidFill>
               </a:defRPr>
             </a:lvl7pPr>
-            <a:lvl8pPr marL="4160520" indent="0">
+            <a:lvl8pPr marL="4416552" indent="0">
               <a:buNone/>
-              <a:defRPr sz="2080">
+              <a:defRPr sz="2208">
                 <a:solidFill>
                   <a:schemeClr val="tx1">
                     <a:tint val="82000"/>
@@ -994,9 +3368,9 @@
                 </a:solidFill>
               </a:defRPr>
             </a:lvl8pPr>
-            <a:lvl9pPr marL="4754880" indent="0">
+            <a:lvl9pPr marL="5047488" indent="0">
               <a:buNone/>
-              <a:defRPr sz="2080">
+              <a:defRPr sz="2208">
                 <a:solidFill>
                   <a:schemeClr val="tx1">
                     <a:tint val="82000"/>
@@ -1031,7 +3405,7 @@
           <a:p>
             <a:fld id="{6002544E-5E39-4737-AA1A-22DC2E81DCEA}" type="datetimeFigureOut">
               <a:rPr lang="en-US" smtClean="0"/>
-              <a:t>3/6/24</a:t>
+              <a:t>6/24/24</a:t>
             </a:fld>
             <a:endParaRPr lang="en-US"/>
           </a:p>
@@ -1082,7 +3456,7 @@
     </p:spTree>
     <p:extLst>
       <p:ext uri="{BB962C8B-B14F-4D97-AF65-F5344CB8AC3E}">
-        <p14:creationId xmlns:p14="http://schemas.microsoft.com/office/powerpoint/2010/main" val="2299977505"/>
+        <p14:creationId xmlns:p14="http://schemas.microsoft.com/office/powerpoint/2010/main" val="2028649481"/>
       </p:ext>
     </p:extLst>
   </p:cSld>
@@ -1144,8 +3518,8 @@
         </p:nvSpPr>
         <p:spPr>
           <a:xfrm>
-            <a:off x="817245" y="2921000"/>
-            <a:ext cx="5052060" cy="6962141"/>
+            <a:off x="867559" y="2726182"/>
+            <a:ext cx="5363091" cy="6497797"/>
           </a:xfrm>
         </p:spPr>
         <p:txBody>
@@ -1201,8 +3575,8 @@
         </p:nvSpPr>
         <p:spPr>
           <a:xfrm>
-            <a:off x="6017895" y="2921000"/>
-            <a:ext cx="5052060" cy="6962141"/>
+            <a:off x="6388388" y="2726182"/>
+            <a:ext cx="5363091" cy="6497797"/>
           </a:xfrm>
         </p:spPr>
         <p:txBody>
@@ -1263,7 +3637,7 @@
           <a:p>
             <a:fld id="{6002544E-5E39-4737-AA1A-22DC2E81DCEA}" type="datetimeFigureOut">
               <a:rPr lang="en-US" smtClean="0"/>
-              <a:t>3/6/24</a:t>
+              <a:t>6/24/24</a:t>
             </a:fld>
             <a:endParaRPr lang="en-US"/>
           </a:p>
@@ -1314,7 +3688,7 @@
     </p:spTree>
     <p:extLst>
       <p:ext uri="{BB962C8B-B14F-4D97-AF65-F5344CB8AC3E}">
-        <p14:creationId xmlns:p14="http://schemas.microsoft.com/office/powerpoint/2010/main" val="3527061520"/>
+        <p14:creationId xmlns:p14="http://schemas.microsoft.com/office/powerpoint/2010/main" val="3031282689"/>
       </p:ext>
     </p:extLst>
   </p:cSld>
@@ -1353,8 +3727,8 @@
         </p:nvSpPr>
         <p:spPr>
           <a:xfrm>
-            <a:off x="818793" y="584202"/>
-            <a:ext cx="10252710" cy="2120901"/>
+            <a:off x="869203" y="545239"/>
+            <a:ext cx="10883920" cy="1979446"/>
           </a:xfrm>
         </p:spPr>
         <p:txBody>
@@ -1381,8 +3755,8 @@
         </p:nvSpPr>
         <p:spPr>
           <a:xfrm>
-            <a:off x="818795" y="2689861"/>
-            <a:ext cx="5028842" cy="1318259"/>
+            <a:off x="869204" y="2510459"/>
+            <a:ext cx="5338444" cy="1230337"/>
           </a:xfrm>
         </p:spPr>
         <p:txBody>
@@ -1390,39 +3764,39 @@
           <a:lstStyle>
             <a:lvl1pPr marL="0" indent="0">
               <a:buNone/>
-              <a:defRPr sz="3120" b="1"/>
+              <a:defRPr sz="3312" b="1"/>
             </a:lvl1pPr>
-            <a:lvl2pPr marL="594360" indent="0">
+            <a:lvl2pPr marL="630936" indent="0">
               <a:buNone/>
-              <a:defRPr sz="2600" b="1"/>
+              <a:defRPr sz="2760" b="1"/>
             </a:lvl2pPr>
-            <a:lvl3pPr marL="1188720" indent="0">
+            <a:lvl3pPr marL="1261872" indent="0">
               <a:buNone/>
-              <a:defRPr sz="2340" b="1"/>
+              <a:defRPr sz="2484" b="1"/>
             </a:lvl3pPr>
-            <a:lvl4pPr marL="1783080" indent="0">
+            <a:lvl4pPr marL="1892808" indent="0">
               <a:buNone/>
-              <a:defRPr sz="2080" b="1"/>
+              <a:defRPr sz="2208" b="1"/>
             </a:lvl4pPr>
-            <a:lvl5pPr marL="2377440" indent="0">
+            <a:lvl5pPr marL="2523744" indent="0">
               <a:buNone/>
-              <a:defRPr sz="2080" b="1"/>
+              <a:defRPr sz="2208" b="1"/>
             </a:lvl5pPr>
-            <a:lvl6pPr marL="2971800" indent="0">
+            <a:lvl6pPr marL="3154680" indent="0">
               <a:buNone/>
-              <a:defRPr sz="2080" b="1"/>
+              <a:defRPr sz="2208" b="1"/>
             </a:lvl6pPr>
-            <a:lvl7pPr marL="3566160" indent="0">
+            <a:lvl7pPr marL="3785616" indent="0">
               <a:buNone/>
-              <a:defRPr sz="2080" b="1"/>
+              <a:defRPr sz="2208" b="1"/>
             </a:lvl7pPr>
-            <a:lvl8pPr marL="4160520" indent="0">
+            <a:lvl8pPr marL="4416552" indent="0">
               <a:buNone/>
-              <a:defRPr sz="2080" b="1"/>
+              <a:defRPr sz="2208" b="1"/>
             </a:lvl8pPr>
-            <a:lvl9pPr marL="4754880" indent="0">
+            <a:lvl9pPr marL="5047488" indent="0">
               <a:buNone/>
-              <a:defRPr sz="2080" b="1"/>
+              <a:defRPr sz="2208" b="1"/>
             </a:lvl9pPr>
           </a:lstStyle>
           <a:p>
@@ -1446,8 +3820,8 @@
         </p:nvSpPr>
         <p:spPr>
           <a:xfrm>
-            <a:off x="818795" y="4008120"/>
-            <a:ext cx="5028842" cy="5895341"/>
+            <a:off x="869204" y="3740796"/>
+            <a:ext cx="5338444" cy="5502148"/>
           </a:xfrm>
         </p:spPr>
         <p:txBody>
@@ -1503,8 +3877,8 @@
         </p:nvSpPr>
         <p:spPr>
           <a:xfrm>
-            <a:off x="6017896" y="2689861"/>
-            <a:ext cx="5053608" cy="1318259"/>
+            <a:off x="6388389" y="2510459"/>
+            <a:ext cx="5364735" cy="1230337"/>
           </a:xfrm>
         </p:spPr>
         <p:txBody>
@@ -1512,39 +3886,39 @@
           <a:lstStyle>
             <a:lvl1pPr marL="0" indent="0">
               <a:buNone/>
-              <a:defRPr sz="3120" b="1"/>
+              <a:defRPr sz="3312" b="1"/>
             </a:lvl1pPr>
-            <a:lvl2pPr marL="594360" indent="0">
+            <a:lvl2pPr marL="630936" indent="0">
               <a:buNone/>
-              <a:defRPr sz="2600" b="1"/>
+              <a:defRPr sz="2760" b="1"/>
             </a:lvl2pPr>
-            <a:lvl3pPr marL="1188720" indent="0">
+            <a:lvl3pPr marL="1261872" indent="0">
               <a:buNone/>
-              <a:defRPr sz="2340" b="1"/>
+              <a:defRPr sz="2484" b="1"/>
             </a:lvl3pPr>
-            <a:lvl4pPr marL="1783080" indent="0">
+            <a:lvl4pPr marL="1892808" indent="0">
               <a:buNone/>
-              <a:defRPr sz="2080" b="1"/>
+              <a:defRPr sz="2208" b="1"/>
             </a:lvl4pPr>
-            <a:lvl5pPr marL="2377440" indent="0">
+            <a:lvl5pPr marL="2523744" indent="0">
               <a:buNone/>
-              <a:defRPr sz="2080" b="1"/>
+              <a:defRPr sz="2208" b="1"/>
             </a:lvl5pPr>
-            <a:lvl6pPr marL="2971800" indent="0">
+            <a:lvl6pPr marL="3154680" indent="0">
               <a:buNone/>
-              <a:defRPr sz="2080" b="1"/>
+              <a:defRPr sz="2208" b="1"/>
             </a:lvl6pPr>
-            <a:lvl7pPr marL="3566160" indent="0">
+            <a:lvl7pPr marL="3785616" indent="0">
               <a:buNone/>
-              <a:defRPr sz="2080" b="1"/>
+              <a:defRPr sz="2208" b="1"/>
             </a:lvl7pPr>
-            <a:lvl8pPr marL="4160520" indent="0">
+            <a:lvl8pPr marL="4416552" indent="0">
               <a:buNone/>
-              <a:defRPr sz="2080" b="1"/>
+              <a:defRPr sz="2208" b="1"/>
             </a:lvl8pPr>
-            <a:lvl9pPr marL="4754880" indent="0">
+            <a:lvl9pPr marL="5047488" indent="0">
               <a:buNone/>
-              <a:defRPr sz="2080" b="1"/>
+              <a:defRPr sz="2208" b="1"/>
             </a:lvl9pPr>
           </a:lstStyle>
           <a:p>
@@ -1568,8 +3942,8 @@
         </p:nvSpPr>
         <p:spPr>
           <a:xfrm>
-            <a:off x="6017896" y="4008120"/>
-            <a:ext cx="5053608" cy="5895341"/>
+            <a:off x="6388389" y="3740796"/>
+            <a:ext cx="5364735" cy="5502148"/>
           </a:xfrm>
         </p:spPr>
         <p:txBody>
@@ -1630,7 +4004,7 @@
           <a:p>
             <a:fld id="{6002544E-5E39-4737-AA1A-22DC2E81DCEA}" type="datetimeFigureOut">
               <a:rPr lang="en-US" smtClean="0"/>
-              <a:t>3/6/24</a:t>
+              <a:t>6/24/24</a:t>
             </a:fld>
             <a:endParaRPr lang="en-US"/>
           </a:p>
@@ -1681,7 +4055,7 @@
     </p:spTree>
     <p:extLst>
       <p:ext uri="{BB962C8B-B14F-4D97-AF65-F5344CB8AC3E}">
-        <p14:creationId xmlns:p14="http://schemas.microsoft.com/office/powerpoint/2010/main" val="1727841067"/>
+        <p14:creationId xmlns:p14="http://schemas.microsoft.com/office/powerpoint/2010/main" val="294403620"/>
       </p:ext>
     </p:extLst>
   </p:cSld>
@@ -1748,7 +4122,7 @@
           <a:p>
             <a:fld id="{6002544E-5E39-4737-AA1A-22DC2E81DCEA}" type="datetimeFigureOut">
               <a:rPr lang="en-US" smtClean="0"/>
-              <a:t>3/6/24</a:t>
+              <a:t>6/24/24</a:t>
             </a:fld>
             <a:endParaRPr lang="en-US"/>
           </a:p>
@@ -1799,7 +4173,7 @@
     </p:spTree>
     <p:extLst>
       <p:ext uri="{BB962C8B-B14F-4D97-AF65-F5344CB8AC3E}">
-        <p14:creationId xmlns:p14="http://schemas.microsoft.com/office/powerpoint/2010/main" val="479056219"/>
+        <p14:creationId xmlns:p14="http://schemas.microsoft.com/office/powerpoint/2010/main" val="3729695139"/>
       </p:ext>
     </p:extLst>
   </p:cSld>
@@ -1843,7 +4217,7 @@
           <a:p>
             <a:fld id="{6002544E-5E39-4737-AA1A-22DC2E81DCEA}" type="datetimeFigureOut">
               <a:rPr lang="en-US" smtClean="0"/>
-              <a:t>3/6/24</a:t>
+              <a:t>6/24/24</a:t>
             </a:fld>
             <a:endParaRPr lang="en-US"/>
           </a:p>
@@ -1894,7 +4268,7 @@
     </p:spTree>
     <p:extLst>
       <p:ext uri="{BB962C8B-B14F-4D97-AF65-F5344CB8AC3E}">
-        <p14:creationId xmlns:p14="http://schemas.microsoft.com/office/powerpoint/2010/main" val="2174148885"/>
+        <p14:creationId xmlns:p14="http://schemas.microsoft.com/office/powerpoint/2010/main" val="1442945633"/>
       </p:ext>
     </p:extLst>
   </p:cSld>
@@ -1933,15 +4307,15 @@
         </p:nvSpPr>
         <p:spPr>
           <a:xfrm>
-            <a:off x="818794" y="731520"/>
-            <a:ext cx="3833931" cy="2560320"/>
+            <a:off x="869203" y="682731"/>
+            <a:ext cx="4069968" cy="2389558"/>
           </a:xfrm>
         </p:spPr>
         <p:txBody>
           <a:bodyPr anchor="b"/>
           <a:lstStyle>
             <a:lvl1pPr>
-              <a:defRPr sz="4160"/>
+              <a:defRPr sz="4416"/>
             </a:lvl1pPr>
           </a:lstStyle>
           <a:p>
@@ -1965,39 +4339,39 @@
         </p:nvSpPr>
         <p:spPr>
           <a:xfrm>
-            <a:off x="5053608" y="1579882"/>
-            <a:ext cx="6017895" cy="7797800"/>
+            <a:off x="5364735" y="1474511"/>
+            <a:ext cx="6388388" cy="7277721"/>
           </a:xfrm>
         </p:spPr>
         <p:txBody>
           <a:bodyPr/>
           <a:lstStyle>
             <a:lvl1pPr>
-              <a:defRPr sz="4160"/>
+              <a:defRPr sz="4416"/>
             </a:lvl1pPr>
             <a:lvl2pPr>
-              <a:defRPr sz="3640"/>
+              <a:defRPr sz="3864"/>
             </a:lvl2pPr>
             <a:lvl3pPr>
-              <a:defRPr sz="3120"/>
+              <a:defRPr sz="3312"/>
             </a:lvl3pPr>
             <a:lvl4pPr>
-              <a:defRPr sz="2600"/>
+              <a:defRPr sz="2760"/>
             </a:lvl4pPr>
             <a:lvl5pPr>
-              <a:defRPr sz="2600"/>
+              <a:defRPr sz="2760"/>
             </a:lvl5pPr>
             <a:lvl6pPr>
-              <a:defRPr sz="2600"/>
+              <a:defRPr sz="2760"/>
             </a:lvl6pPr>
             <a:lvl7pPr>
-              <a:defRPr sz="2600"/>
+              <a:defRPr sz="2760"/>
             </a:lvl7pPr>
             <a:lvl8pPr>
-              <a:defRPr sz="2600"/>
+              <a:defRPr sz="2760"/>
             </a:lvl8pPr>
             <a:lvl9pPr>
-              <a:defRPr sz="2600"/>
+              <a:defRPr sz="2760"/>
             </a:lvl9pPr>
           </a:lstStyle>
           <a:p>
@@ -2050,8 +4424,8 @@
         </p:nvSpPr>
         <p:spPr>
           <a:xfrm>
-            <a:off x="818794" y="3291840"/>
-            <a:ext cx="3833931" cy="6098541"/>
+            <a:off x="869203" y="3072289"/>
+            <a:ext cx="4069968" cy="5691795"/>
           </a:xfrm>
         </p:spPr>
         <p:txBody>
@@ -2059,39 +4433,39 @@
           <a:lstStyle>
             <a:lvl1pPr marL="0" indent="0">
               <a:buNone/>
-              <a:defRPr sz="2080"/>
+              <a:defRPr sz="2208"/>
             </a:lvl1pPr>
-            <a:lvl2pPr marL="594360" indent="0">
+            <a:lvl2pPr marL="630936" indent="0">
               <a:buNone/>
-              <a:defRPr sz="1820"/>
+              <a:defRPr sz="1932"/>
             </a:lvl2pPr>
-            <a:lvl3pPr marL="1188720" indent="0">
+            <a:lvl3pPr marL="1261872" indent="0">
               <a:buNone/>
-              <a:defRPr sz="1560"/>
+              <a:defRPr sz="1656"/>
             </a:lvl3pPr>
-            <a:lvl4pPr marL="1783080" indent="0">
+            <a:lvl4pPr marL="1892808" indent="0">
               <a:buNone/>
-              <a:defRPr sz="1300"/>
+              <a:defRPr sz="1380"/>
             </a:lvl4pPr>
-            <a:lvl5pPr marL="2377440" indent="0">
+            <a:lvl5pPr marL="2523744" indent="0">
               <a:buNone/>
-              <a:defRPr sz="1300"/>
+              <a:defRPr sz="1380"/>
             </a:lvl5pPr>
-            <a:lvl6pPr marL="2971800" indent="0">
+            <a:lvl6pPr marL="3154680" indent="0">
               <a:buNone/>
-              <a:defRPr sz="1300"/>
+              <a:defRPr sz="1380"/>
             </a:lvl6pPr>
-            <a:lvl7pPr marL="3566160" indent="0">
+            <a:lvl7pPr marL="3785616" indent="0">
               <a:buNone/>
-              <a:defRPr sz="1300"/>
+              <a:defRPr sz="1380"/>
             </a:lvl7pPr>
-            <a:lvl8pPr marL="4160520" indent="0">
+            <a:lvl8pPr marL="4416552" indent="0">
               <a:buNone/>
-              <a:defRPr sz="1300"/>
+              <a:defRPr sz="1380"/>
             </a:lvl8pPr>
-            <a:lvl9pPr marL="4754880" indent="0">
+            <a:lvl9pPr marL="5047488" indent="0">
               <a:buNone/>
-              <a:defRPr sz="1300"/>
+              <a:defRPr sz="1380"/>
             </a:lvl9pPr>
           </a:lstStyle>
           <a:p>
@@ -2120,7 +4494,7 @@
           <a:p>
             <a:fld id="{6002544E-5E39-4737-AA1A-22DC2E81DCEA}" type="datetimeFigureOut">
               <a:rPr lang="en-US" smtClean="0"/>
-              <a:t>3/6/24</a:t>
+              <a:t>6/24/24</a:t>
             </a:fld>
             <a:endParaRPr lang="en-US"/>
           </a:p>
@@ -2171,7 +4545,7 @@
     </p:spTree>
     <p:extLst>
       <p:ext uri="{BB962C8B-B14F-4D97-AF65-F5344CB8AC3E}">
-        <p14:creationId xmlns:p14="http://schemas.microsoft.com/office/powerpoint/2010/main" val="1028962768"/>
+        <p14:creationId xmlns:p14="http://schemas.microsoft.com/office/powerpoint/2010/main" val="1105879258"/>
       </p:ext>
     </p:extLst>
   </p:cSld>
@@ -2210,15 +4584,15 @@
         </p:nvSpPr>
         <p:spPr>
           <a:xfrm>
-            <a:off x="818794" y="731520"/>
-            <a:ext cx="3833931" cy="2560320"/>
+            <a:off x="869203" y="682731"/>
+            <a:ext cx="4069968" cy="2389558"/>
           </a:xfrm>
         </p:spPr>
         <p:txBody>
           <a:bodyPr anchor="b"/>
           <a:lstStyle>
             <a:lvl1pPr>
-              <a:defRPr sz="4160"/>
+              <a:defRPr sz="4416"/>
             </a:lvl1pPr>
           </a:lstStyle>
           <a:p>
@@ -2242,8 +4616,8 @@
         </p:nvSpPr>
         <p:spPr>
           <a:xfrm>
-            <a:off x="5053608" y="1579882"/>
-            <a:ext cx="6017895" cy="7797800"/>
+            <a:off x="5364735" y="1474511"/>
+            <a:ext cx="6388388" cy="7277721"/>
           </a:xfrm>
         </p:spPr>
         <p:txBody>
@@ -2251,39 +4625,39 @@
           <a:lstStyle>
             <a:lvl1pPr marL="0" indent="0">
               <a:buNone/>
-              <a:defRPr sz="4160"/>
+              <a:defRPr sz="4416"/>
             </a:lvl1pPr>
-            <a:lvl2pPr marL="594360" indent="0">
+            <a:lvl2pPr marL="630936" indent="0">
               <a:buNone/>
-              <a:defRPr sz="3640"/>
+              <a:defRPr sz="3864"/>
             </a:lvl2pPr>
-            <a:lvl3pPr marL="1188720" indent="0">
+            <a:lvl3pPr marL="1261872" indent="0">
               <a:buNone/>
-              <a:defRPr sz="3120"/>
+              <a:defRPr sz="3312"/>
             </a:lvl3pPr>
-            <a:lvl4pPr marL="1783080" indent="0">
+            <a:lvl4pPr marL="1892808" indent="0">
               <a:buNone/>
-              <a:defRPr sz="2600"/>
+              <a:defRPr sz="2760"/>
             </a:lvl4pPr>
-            <a:lvl5pPr marL="2377440" indent="0">
+            <a:lvl5pPr marL="2523744" indent="0">
               <a:buNone/>
-              <a:defRPr sz="2600"/>
+              <a:defRPr sz="2760"/>
             </a:lvl5pPr>
-            <a:lvl6pPr marL="2971800" indent="0">
+            <a:lvl6pPr marL="3154680" indent="0">
               <a:buNone/>
-              <a:defRPr sz="2600"/>
+              <a:defRPr sz="2760"/>
             </a:lvl6pPr>
-            <a:lvl7pPr marL="3566160" indent="0">
+            <a:lvl7pPr marL="3785616" indent="0">
               <a:buNone/>
-              <a:defRPr sz="2600"/>
+              <a:defRPr sz="2760"/>
             </a:lvl7pPr>
-            <a:lvl8pPr marL="4160520" indent="0">
+            <a:lvl8pPr marL="4416552" indent="0">
               <a:buNone/>
-              <a:defRPr sz="2600"/>
+              <a:defRPr sz="2760"/>
             </a:lvl8pPr>
-            <a:lvl9pPr marL="4754880" indent="0">
+            <a:lvl9pPr marL="5047488" indent="0">
               <a:buNone/>
-              <a:defRPr sz="2600"/>
+              <a:defRPr sz="2760"/>
             </a:lvl9pPr>
           </a:lstStyle>
           <a:p>
@@ -2307,8 +4681,8 @@
         </p:nvSpPr>
         <p:spPr>
           <a:xfrm>
-            <a:off x="818794" y="3291840"/>
-            <a:ext cx="3833931" cy="6098541"/>
+            <a:off x="869203" y="3072289"/>
+            <a:ext cx="4069968" cy="5691795"/>
           </a:xfrm>
         </p:spPr>
         <p:txBody>
@@ -2316,39 +4690,39 @@
           <a:lstStyle>
             <a:lvl1pPr marL="0" indent="0">
               <a:buNone/>
-              <a:defRPr sz="2080"/>
+              <a:defRPr sz="2208"/>
             </a:lvl1pPr>
-            <a:lvl2pPr marL="594360" indent="0">
+            <a:lvl2pPr marL="630936" indent="0">
               <a:buNone/>
-              <a:defRPr sz="1820"/>
+              <a:defRPr sz="1932"/>
             </a:lvl2pPr>
-            <a:lvl3pPr marL="1188720" indent="0">
+            <a:lvl3pPr marL="1261872" indent="0">
               <a:buNone/>
-              <a:defRPr sz="1560"/>
+              <a:defRPr sz="1656"/>
             </a:lvl3pPr>
-            <a:lvl4pPr marL="1783080" indent="0">
+            <a:lvl4pPr marL="1892808" indent="0">
               <a:buNone/>
-              <a:defRPr sz="1300"/>
+              <a:defRPr sz="1380"/>
             </a:lvl4pPr>
-            <a:lvl5pPr marL="2377440" indent="0">
+            <a:lvl5pPr marL="2523744" indent="0">
               <a:buNone/>
-              <a:defRPr sz="1300"/>
+              <a:defRPr sz="1380"/>
             </a:lvl5pPr>
-            <a:lvl6pPr marL="2971800" indent="0">
+            <a:lvl6pPr marL="3154680" indent="0">
               <a:buNone/>
-              <a:defRPr sz="1300"/>
+              <a:defRPr sz="1380"/>
             </a:lvl6pPr>
-            <a:lvl7pPr marL="3566160" indent="0">
+            <a:lvl7pPr marL="3785616" indent="0">
               <a:buNone/>
-              <a:defRPr sz="1300"/>
+              <a:defRPr sz="1380"/>
             </a:lvl7pPr>
-            <a:lvl8pPr marL="4160520" indent="0">
+            <a:lvl8pPr marL="4416552" indent="0">
               <a:buNone/>
-              <a:defRPr sz="1300"/>
+              <a:defRPr sz="1380"/>
             </a:lvl8pPr>
-            <a:lvl9pPr marL="4754880" indent="0">
+            <a:lvl9pPr marL="5047488" indent="0">
               <a:buNone/>
-              <a:defRPr sz="1300"/>
+              <a:defRPr sz="1380"/>
             </a:lvl9pPr>
           </a:lstStyle>
           <a:p>
@@ -2377,7 +4751,7 @@
           <a:p>
             <a:fld id="{6002544E-5E39-4737-AA1A-22DC2E81DCEA}" type="datetimeFigureOut">
               <a:rPr lang="en-US" smtClean="0"/>
-              <a:t>3/6/24</a:t>
+              <a:t>6/24/24</a:t>
             </a:fld>
             <a:endParaRPr lang="en-US"/>
           </a:p>
@@ -2428,7 +4802,7 @@
     </p:spTree>
     <p:extLst>
       <p:ext uri="{BB962C8B-B14F-4D97-AF65-F5344CB8AC3E}">
-        <p14:creationId xmlns:p14="http://schemas.microsoft.com/office/powerpoint/2010/main" val="1883787276"/>
+        <p14:creationId xmlns:p14="http://schemas.microsoft.com/office/powerpoint/2010/main" val="838392322"/>
       </p:ext>
     </p:extLst>
   </p:cSld>
@@ -2472,8 +4846,8 @@
         </p:nvSpPr>
         <p:spPr>
           <a:xfrm>
-            <a:off x="817245" y="584202"/>
-            <a:ext cx="10252710" cy="2120901"/>
+            <a:off x="867559" y="545239"/>
+            <a:ext cx="10883920" cy="1979446"/>
           </a:xfrm>
           <a:prstGeom prst="rect">
             <a:avLst/>
@@ -2505,8 +4879,8 @@
         </p:nvSpPr>
         <p:spPr>
           <a:xfrm>
-            <a:off x="817245" y="2921000"/>
-            <a:ext cx="10252710" cy="6962141"/>
+            <a:off x="867559" y="2726182"/>
+            <a:ext cx="10883920" cy="6497797"/>
           </a:xfrm>
           <a:prstGeom prst="rect">
             <a:avLst/>
@@ -2567,8 +4941,8 @@
         </p:nvSpPr>
         <p:spPr>
           <a:xfrm>
-            <a:off x="817245" y="10170162"/>
-            <a:ext cx="2674620" cy="584200"/>
+            <a:off x="867559" y="9491858"/>
+            <a:ext cx="2839284" cy="545236"/>
           </a:xfrm>
           <a:prstGeom prst="rect">
             <a:avLst/>
@@ -2578,7 +4952,7 @@
           <a:bodyPr vert="horz" lIns="91440" tIns="45720" rIns="91440" bIns="45720" rtlCol="0" anchor="ctr"/>
           <a:lstStyle>
             <a:lvl1pPr algn="l">
-              <a:defRPr sz="1560">
+              <a:defRPr sz="1656">
                 <a:solidFill>
                   <a:schemeClr val="tx1">
                     <a:tint val="82000"/>
@@ -2590,7 +4964,7 @@
           <a:p>
             <a:fld id="{6002544E-5E39-4737-AA1A-22DC2E81DCEA}" type="datetimeFigureOut">
               <a:rPr lang="en-US" smtClean="0"/>
-              <a:t>3/6/24</a:t>
+              <a:t>6/24/24</a:t>
             </a:fld>
             <a:endParaRPr lang="en-US"/>
           </a:p>
@@ -2608,8 +4982,8 @@
         </p:nvSpPr>
         <p:spPr>
           <a:xfrm>
-            <a:off x="3937635" y="10170162"/>
-            <a:ext cx="4011930" cy="584200"/>
+            <a:off x="4180057" y="9491858"/>
+            <a:ext cx="4258925" cy="545236"/>
           </a:xfrm>
           <a:prstGeom prst="rect">
             <a:avLst/>
@@ -2619,7 +4993,7 @@
           <a:bodyPr vert="horz" lIns="91440" tIns="45720" rIns="91440" bIns="45720" rtlCol="0" anchor="ctr"/>
           <a:lstStyle>
             <a:lvl1pPr algn="ctr">
-              <a:defRPr sz="1560">
+              <a:defRPr sz="1656">
                 <a:solidFill>
                   <a:schemeClr val="tx1">
                     <a:tint val="82000"/>
@@ -2645,8 +5019,8 @@
         </p:nvSpPr>
         <p:spPr>
           <a:xfrm>
-            <a:off x="8395335" y="10170162"/>
-            <a:ext cx="2674620" cy="584200"/>
+            <a:off x="8912195" y="9491858"/>
+            <a:ext cx="2839284" cy="545236"/>
           </a:xfrm>
           <a:prstGeom prst="rect">
             <a:avLst/>
@@ -2656,7 +5030,7 @@
           <a:bodyPr vert="horz" lIns="91440" tIns="45720" rIns="91440" bIns="45720" rtlCol="0" anchor="ctr"/>
           <a:lstStyle>
             <a:lvl1pPr algn="r">
-              <a:defRPr sz="1560">
+              <a:defRPr sz="1656">
                 <a:solidFill>
                   <a:schemeClr val="tx1">
                     <a:tint val="82000"/>
@@ -2677,27 +5051,27 @@
     </p:spTree>
     <p:extLst>
       <p:ext uri="{BB962C8B-B14F-4D97-AF65-F5344CB8AC3E}">
-        <p14:creationId xmlns:p14="http://schemas.microsoft.com/office/powerpoint/2010/main" val="2316612765"/>
+        <p14:creationId xmlns:p14="http://schemas.microsoft.com/office/powerpoint/2010/main" val="625724256"/>
       </p:ext>
     </p:extLst>
   </p:cSld>
   <p:clrMap bg1="lt1" tx1="dk1" bg2="lt2" tx2="dk2" accent1="accent1" accent2="accent2" accent3="accent3" accent4="accent4" accent5="accent5" accent6="accent6" hlink="hlink" folHlink="folHlink"/>
   <p:sldLayoutIdLst>
-    <p:sldLayoutId id="2147483709" r:id="rId1"/>
-    <p:sldLayoutId id="2147483710" r:id="rId2"/>
-    <p:sldLayoutId id="2147483711" r:id="rId3"/>
-    <p:sldLayoutId id="2147483712" r:id="rId4"/>
-    <p:sldLayoutId id="2147483713" r:id="rId5"/>
-    <p:sldLayoutId id="2147483714" r:id="rId6"/>
-    <p:sldLayoutId id="2147483715" r:id="rId7"/>
-    <p:sldLayoutId id="2147483716" r:id="rId8"/>
-    <p:sldLayoutId id="2147483717" r:id="rId9"/>
-    <p:sldLayoutId id="2147483718" r:id="rId10"/>
-    <p:sldLayoutId id="2147483719" r:id="rId11"/>
+    <p:sldLayoutId id="2147483757" r:id="rId1"/>
+    <p:sldLayoutId id="2147483758" r:id="rId2"/>
+    <p:sldLayoutId id="2147483759" r:id="rId3"/>
+    <p:sldLayoutId id="2147483760" r:id="rId4"/>
+    <p:sldLayoutId id="2147483761" r:id="rId5"/>
+    <p:sldLayoutId id="2147483762" r:id="rId6"/>
+    <p:sldLayoutId id="2147483763" r:id="rId7"/>
+    <p:sldLayoutId id="2147483764" r:id="rId8"/>
+    <p:sldLayoutId id="2147483765" r:id="rId9"/>
+    <p:sldLayoutId id="2147483766" r:id="rId10"/>
+    <p:sldLayoutId id="2147483767" r:id="rId11"/>
   </p:sldLayoutIdLst>
   <p:txStyles>
     <p:titleStyle>
-      <a:lvl1pPr algn="l" defTabSz="1188720" rtl="0" eaLnBrk="1" latinLnBrk="0" hangingPunct="1">
+      <a:lvl1pPr algn="l" defTabSz="1261872" rtl="0" eaLnBrk="1" latinLnBrk="0" hangingPunct="1">
         <a:lnSpc>
           <a:spcPct val="90000"/>
         </a:lnSpc>
@@ -2705,7 +5079,7 @@
           <a:spcPct val="0"/>
         </a:spcBef>
         <a:buNone/>
-        <a:defRPr sz="5720" kern="1200">
+        <a:defRPr sz="6072" kern="1200">
           <a:solidFill>
             <a:schemeClr val="tx1"/>
           </a:solidFill>
@@ -2716,16 +5090,16 @@
       </a:lvl1pPr>
     </p:titleStyle>
     <p:bodyStyle>
-      <a:lvl1pPr marL="297180" indent="-297180" algn="l" defTabSz="1188720" rtl="0" eaLnBrk="1" latinLnBrk="0" hangingPunct="1">
+      <a:lvl1pPr marL="315468" indent="-315468" algn="l" defTabSz="1261872" rtl="0" eaLnBrk="1" latinLnBrk="0" hangingPunct="1">
         <a:lnSpc>
           <a:spcPct val="90000"/>
         </a:lnSpc>
         <a:spcBef>
-          <a:spcPts val="1300"/>
+          <a:spcPts val="1380"/>
         </a:spcBef>
         <a:buFont typeface="Arial" panose="020B0604020202020204" pitchFamily="34" charset="0"/>
         <a:buChar char="•"/>
-        <a:defRPr sz="3640" kern="1200">
+        <a:defRPr sz="3864" kern="1200">
           <a:solidFill>
             <a:schemeClr val="tx1"/>
           </a:solidFill>
@@ -2734,16 +5108,16 @@
           <a:cs typeface="+mn-cs"/>
         </a:defRPr>
       </a:lvl1pPr>
-      <a:lvl2pPr marL="891540" indent="-297180" algn="l" defTabSz="1188720" rtl="0" eaLnBrk="1" latinLnBrk="0" hangingPunct="1">
+      <a:lvl2pPr marL="946404" indent="-315468" algn="l" defTabSz="1261872" rtl="0" eaLnBrk="1" latinLnBrk="0" hangingPunct="1">
         <a:lnSpc>
           <a:spcPct val="90000"/>
         </a:lnSpc>
         <a:spcBef>
-          <a:spcPts val="650"/>
+          <a:spcPts val="690"/>
         </a:spcBef>
         <a:buFont typeface="Arial" panose="020B0604020202020204" pitchFamily="34" charset="0"/>
         <a:buChar char="•"/>
-        <a:defRPr sz="3120" kern="1200">
+        <a:defRPr sz="3312" kern="1200">
           <a:solidFill>
             <a:schemeClr val="tx1"/>
           </a:solidFill>
@@ -2752,16 +5126,16 @@
           <a:cs typeface="+mn-cs"/>
         </a:defRPr>
       </a:lvl2pPr>
-      <a:lvl3pPr marL="1485900" indent="-297180" algn="l" defTabSz="1188720" rtl="0" eaLnBrk="1" latinLnBrk="0" hangingPunct="1">
+      <a:lvl3pPr marL="1577340" indent="-315468" algn="l" defTabSz="1261872" rtl="0" eaLnBrk="1" latinLnBrk="0" hangingPunct="1">
         <a:lnSpc>
           <a:spcPct val="90000"/>
         </a:lnSpc>
         <a:spcBef>
-          <a:spcPts val="650"/>
+          <a:spcPts val="690"/>
         </a:spcBef>
         <a:buFont typeface="Arial" panose="020B0604020202020204" pitchFamily="34" charset="0"/>
         <a:buChar char="•"/>
-        <a:defRPr sz="2600" kern="1200">
+        <a:defRPr sz="2760" kern="1200">
           <a:solidFill>
             <a:schemeClr val="tx1"/>
           </a:solidFill>
@@ -2770,16 +5144,16 @@
           <a:cs typeface="+mn-cs"/>
         </a:defRPr>
       </a:lvl3pPr>
-      <a:lvl4pPr marL="2080260" indent="-297180" algn="l" defTabSz="1188720" rtl="0" eaLnBrk="1" latinLnBrk="0" hangingPunct="1">
+      <a:lvl4pPr marL="2208276" indent="-315468" algn="l" defTabSz="1261872" rtl="0" eaLnBrk="1" latinLnBrk="0" hangingPunct="1">
         <a:lnSpc>
           <a:spcPct val="90000"/>
         </a:lnSpc>
         <a:spcBef>
-          <a:spcPts val="650"/>
+          <a:spcPts val="690"/>
         </a:spcBef>
         <a:buFont typeface="Arial" panose="020B0604020202020204" pitchFamily="34" charset="0"/>
         <a:buChar char="•"/>
-        <a:defRPr sz="2340" kern="1200">
+        <a:defRPr sz="2484" kern="1200">
           <a:solidFill>
             <a:schemeClr val="tx1"/>
           </a:solidFill>
@@ -2788,16 +5162,16 @@
           <a:cs typeface="+mn-cs"/>
         </a:defRPr>
       </a:lvl4pPr>
-      <a:lvl5pPr marL="2674620" indent="-297180" algn="l" defTabSz="1188720" rtl="0" eaLnBrk="1" latinLnBrk="0" hangingPunct="1">
+      <a:lvl5pPr marL="2839212" indent="-315468" algn="l" defTabSz="1261872" rtl="0" eaLnBrk="1" latinLnBrk="0" hangingPunct="1">
         <a:lnSpc>
           <a:spcPct val="90000"/>
         </a:lnSpc>
         <a:spcBef>
-          <a:spcPts val="650"/>
+          <a:spcPts val="690"/>
         </a:spcBef>
         <a:buFont typeface="Arial" panose="020B0604020202020204" pitchFamily="34" charset="0"/>
         <a:buChar char="•"/>
-        <a:defRPr sz="2340" kern="1200">
+        <a:defRPr sz="2484" kern="1200">
           <a:solidFill>
             <a:schemeClr val="tx1"/>
           </a:solidFill>
@@ -2806,16 +5180,16 @@
           <a:cs typeface="+mn-cs"/>
         </a:defRPr>
       </a:lvl5pPr>
-      <a:lvl6pPr marL="3268980" indent="-297180" algn="l" defTabSz="1188720" rtl="0" eaLnBrk="1" latinLnBrk="0" hangingPunct="1">
+      <a:lvl6pPr marL="3470148" indent="-315468" algn="l" defTabSz="1261872" rtl="0" eaLnBrk="1" latinLnBrk="0" hangingPunct="1">
         <a:lnSpc>
           <a:spcPct val="90000"/>
         </a:lnSpc>
         <a:spcBef>
-          <a:spcPts val="650"/>
+          <a:spcPts val="690"/>
         </a:spcBef>
         <a:buFont typeface="Arial" panose="020B0604020202020204" pitchFamily="34" charset="0"/>
         <a:buChar char="•"/>
-        <a:defRPr sz="2340" kern="1200">
+        <a:defRPr sz="2484" kern="1200">
           <a:solidFill>
             <a:schemeClr val="tx1"/>
           </a:solidFill>
@@ -2824,16 +5198,16 @@
           <a:cs typeface="+mn-cs"/>
         </a:defRPr>
       </a:lvl6pPr>
-      <a:lvl7pPr marL="3863340" indent="-297180" algn="l" defTabSz="1188720" rtl="0" eaLnBrk="1" latinLnBrk="0" hangingPunct="1">
+      <a:lvl7pPr marL="4101084" indent="-315468" algn="l" defTabSz="1261872" rtl="0" eaLnBrk="1" latinLnBrk="0" hangingPunct="1">
         <a:lnSpc>
           <a:spcPct val="90000"/>
         </a:lnSpc>
         <a:spcBef>
-          <a:spcPts val="650"/>
+          <a:spcPts val="690"/>
         </a:spcBef>
         <a:buFont typeface="Arial" panose="020B0604020202020204" pitchFamily="34" charset="0"/>
         <a:buChar char="•"/>
-        <a:defRPr sz="2340" kern="1200">
+        <a:defRPr sz="2484" kern="1200">
           <a:solidFill>
             <a:schemeClr val="tx1"/>
           </a:solidFill>
@@ -2842,16 +5216,16 @@
           <a:cs typeface="+mn-cs"/>
         </a:defRPr>
       </a:lvl7pPr>
-      <a:lvl8pPr marL="4457700" indent="-297180" algn="l" defTabSz="1188720" rtl="0" eaLnBrk="1" latinLnBrk="0" hangingPunct="1">
+      <a:lvl8pPr marL="4732020" indent="-315468" algn="l" defTabSz="1261872" rtl="0" eaLnBrk="1" latinLnBrk="0" hangingPunct="1">
         <a:lnSpc>
           <a:spcPct val="90000"/>
         </a:lnSpc>
         <a:spcBef>
-          <a:spcPts val="650"/>
+          <a:spcPts val="690"/>
         </a:spcBef>
         <a:buFont typeface="Arial" panose="020B0604020202020204" pitchFamily="34" charset="0"/>
         <a:buChar char="•"/>
-        <a:defRPr sz="2340" kern="1200">
+        <a:defRPr sz="2484" kern="1200">
           <a:solidFill>
             <a:schemeClr val="tx1"/>
           </a:solidFill>
@@ -2860,16 +5234,16 @@
           <a:cs typeface="+mn-cs"/>
         </a:defRPr>
       </a:lvl8pPr>
-      <a:lvl9pPr marL="5052060" indent="-297180" algn="l" defTabSz="1188720" rtl="0" eaLnBrk="1" latinLnBrk="0" hangingPunct="1">
+      <a:lvl9pPr marL="5362956" indent="-315468" algn="l" defTabSz="1261872" rtl="0" eaLnBrk="1" latinLnBrk="0" hangingPunct="1">
         <a:lnSpc>
           <a:spcPct val="90000"/>
         </a:lnSpc>
         <a:spcBef>
-          <a:spcPts val="650"/>
+          <a:spcPts val="690"/>
         </a:spcBef>
         <a:buFont typeface="Arial" panose="020B0604020202020204" pitchFamily="34" charset="0"/>
         <a:buChar char="•"/>
-        <a:defRPr sz="2340" kern="1200">
+        <a:defRPr sz="2484" kern="1200">
           <a:solidFill>
             <a:schemeClr val="tx1"/>
           </a:solidFill>
@@ -2883,8 +5257,8 @@
       <a:defPPr>
         <a:defRPr lang="en-US"/>
       </a:defPPr>
-      <a:lvl1pPr marL="0" algn="l" defTabSz="1188720" rtl="0" eaLnBrk="1" latinLnBrk="0" hangingPunct="1">
-        <a:defRPr sz="2340" kern="1200">
+      <a:lvl1pPr marL="0" algn="l" defTabSz="1261872" rtl="0" eaLnBrk="1" latinLnBrk="0" hangingPunct="1">
+        <a:defRPr sz="2484" kern="1200">
           <a:solidFill>
             <a:schemeClr val="tx1"/>
           </a:solidFill>
@@ -2893,8 +5267,8 @@
           <a:cs typeface="+mn-cs"/>
         </a:defRPr>
       </a:lvl1pPr>
-      <a:lvl2pPr marL="594360" algn="l" defTabSz="1188720" rtl="0" eaLnBrk="1" latinLnBrk="0" hangingPunct="1">
-        <a:defRPr sz="2340" kern="1200">
+      <a:lvl2pPr marL="630936" algn="l" defTabSz="1261872" rtl="0" eaLnBrk="1" latinLnBrk="0" hangingPunct="1">
+        <a:defRPr sz="2484" kern="1200">
           <a:solidFill>
             <a:schemeClr val="tx1"/>
           </a:solidFill>
@@ -2903,8 +5277,8 @@
           <a:cs typeface="+mn-cs"/>
         </a:defRPr>
       </a:lvl2pPr>
-      <a:lvl3pPr marL="1188720" algn="l" defTabSz="1188720" rtl="0" eaLnBrk="1" latinLnBrk="0" hangingPunct="1">
-        <a:defRPr sz="2340" kern="1200">
+      <a:lvl3pPr marL="1261872" algn="l" defTabSz="1261872" rtl="0" eaLnBrk="1" latinLnBrk="0" hangingPunct="1">
+        <a:defRPr sz="2484" kern="1200">
           <a:solidFill>
             <a:schemeClr val="tx1"/>
           </a:solidFill>
@@ -2913,8 +5287,8 @@
           <a:cs typeface="+mn-cs"/>
         </a:defRPr>
       </a:lvl3pPr>
-      <a:lvl4pPr marL="1783080" algn="l" defTabSz="1188720" rtl="0" eaLnBrk="1" latinLnBrk="0" hangingPunct="1">
-        <a:defRPr sz="2340" kern="1200">
+      <a:lvl4pPr marL="1892808" algn="l" defTabSz="1261872" rtl="0" eaLnBrk="1" latinLnBrk="0" hangingPunct="1">
+        <a:defRPr sz="2484" kern="1200">
           <a:solidFill>
             <a:schemeClr val="tx1"/>
           </a:solidFill>
@@ -2923,8 +5297,8 @@
           <a:cs typeface="+mn-cs"/>
         </a:defRPr>
       </a:lvl4pPr>
-      <a:lvl5pPr marL="2377440" algn="l" defTabSz="1188720" rtl="0" eaLnBrk="1" latinLnBrk="0" hangingPunct="1">
-        <a:defRPr sz="2340" kern="1200">
+      <a:lvl5pPr marL="2523744" algn="l" defTabSz="1261872" rtl="0" eaLnBrk="1" latinLnBrk="0" hangingPunct="1">
+        <a:defRPr sz="2484" kern="1200">
           <a:solidFill>
             <a:schemeClr val="tx1"/>
           </a:solidFill>
@@ -2933,8 +5307,8 @@
           <a:cs typeface="+mn-cs"/>
         </a:defRPr>
       </a:lvl5pPr>
-      <a:lvl6pPr marL="2971800" algn="l" defTabSz="1188720" rtl="0" eaLnBrk="1" latinLnBrk="0" hangingPunct="1">
-        <a:defRPr sz="2340" kern="1200">
+      <a:lvl6pPr marL="3154680" algn="l" defTabSz="1261872" rtl="0" eaLnBrk="1" latinLnBrk="0" hangingPunct="1">
+        <a:defRPr sz="2484" kern="1200">
           <a:solidFill>
             <a:schemeClr val="tx1"/>
           </a:solidFill>
@@ -2943,8 +5317,8 @@
           <a:cs typeface="+mn-cs"/>
         </a:defRPr>
       </a:lvl6pPr>
-      <a:lvl7pPr marL="3566160" algn="l" defTabSz="1188720" rtl="0" eaLnBrk="1" latinLnBrk="0" hangingPunct="1">
-        <a:defRPr sz="2340" kern="1200">
+      <a:lvl7pPr marL="3785616" algn="l" defTabSz="1261872" rtl="0" eaLnBrk="1" latinLnBrk="0" hangingPunct="1">
+        <a:defRPr sz="2484" kern="1200">
           <a:solidFill>
             <a:schemeClr val="tx1"/>
           </a:solidFill>
@@ -2953,8 +5327,8 @@
           <a:cs typeface="+mn-cs"/>
         </a:defRPr>
       </a:lvl7pPr>
-      <a:lvl8pPr marL="4160520" algn="l" defTabSz="1188720" rtl="0" eaLnBrk="1" latinLnBrk="0" hangingPunct="1">
-        <a:defRPr sz="2340" kern="1200">
+      <a:lvl8pPr marL="4416552" algn="l" defTabSz="1261872" rtl="0" eaLnBrk="1" latinLnBrk="0" hangingPunct="1">
+        <a:defRPr sz="2484" kern="1200">
           <a:solidFill>
             <a:schemeClr val="tx1"/>
           </a:solidFill>
@@ -2963,8 +5337,8 @@
           <a:cs typeface="+mn-cs"/>
         </a:defRPr>
       </a:lvl8pPr>
-      <a:lvl9pPr marL="4754880" algn="l" defTabSz="1188720" rtl="0" eaLnBrk="1" latinLnBrk="0" hangingPunct="1">
-        <a:defRPr sz="2340" kern="1200">
+      <a:lvl9pPr marL="5047488" algn="l" defTabSz="1261872" rtl="0" eaLnBrk="1" latinLnBrk="0" hangingPunct="1">
+        <a:defRPr sz="2484" kern="1200">
           <a:solidFill>
             <a:schemeClr val="tx1"/>
           </a:solidFill>
@@ -2997,1299 +5371,6 @@
       </p:grpSpPr>
       <p:grpSp>
         <p:nvGrpSpPr>
-          <p:cNvPr id="41" name="Group 40">
-            <a:extLst>
-              <a:ext uri="{FF2B5EF4-FFF2-40B4-BE49-F238E27FC236}">
-                <a16:creationId xmlns:a16="http://schemas.microsoft.com/office/drawing/2014/main" id="{411EC727-EC7D-EEBA-F7F1-E2FBCBE7612C}"/>
-              </a:ext>
-            </a:extLst>
-          </p:cNvPr>
-          <p:cNvGrpSpPr/>
-          <p:nvPr/>
-        </p:nvGrpSpPr>
-        <p:grpSpPr>
-          <a:xfrm>
-            <a:off x="1561640" y="1568539"/>
-            <a:ext cx="8819140" cy="7936336"/>
-            <a:chOff x="4457291" y="-68580"/>
-            <a:chExt cx="7874883" cy="7086600"/>
-          </a:xfrm>
-        </p:grpSpPr>
-        <p:grpSp>
-          <p:nvGrpSpPr>
-            <p:cNvPr id="14" name="Group 13">
-              <a:extLst>
-                <a:ext uri="{FF2B5EF4-FFF2-40B4-BE49-F238E27FC236}">
-                  <a16:creationId xmlns:a16="http://schemas.microsoft.com/office/drawing/2014/main" id="{4B042B09-A163-0F15-3385-B12A4D86E3BD}"/>
-                </a:ext>
-              </a:extLst>
-            </p:cNvPr>
-            <p:cNvGrpSpPr/>
-            <p:nvPr/>
-          </p:nvGrpSpPr>
-          <p:grpSpPr>
-            <a:xfrm>
-              <a:off x="5986729" y="-68580"/>
-              <a:ext cx="6345445" cy="7086600"/>
-              <a:chOff x="-3" y="-68580"/>
-              <a:chExt cx="6345445" cy="7086600"/>
-            </a:xfrm>
-          </p:grpSpPr>
-          <p:pic>
-            <p:nvPicPr>
-              <p:cNvPr id="5" name="Picture 4" descr="A graph showing the growth of a graph&#10;&#10;Description automatically generated with medium confidence">
-                <a:extLst>
-                  <a:ext uri="{FF2B5EF4-FFF2-40B4-BE49-F238E27FC236}">
-                    <a16:creationId xmlns:a16="http://schemas.microsoft.com/office/drawing/2014/main" id="{3B07A195-686F-6ED7-B4F8-A82D6EAB60EF}"/>
-                  </a:ext>
-                </a:extLst>
-              </p:cNvPr>
-              <p:cNvPicPr>
-                <a:picLocks noChangeAspect="1"/>
-              </p:cNvPicPr>
-              <p:nvPr/>
-            </p:nvPicPr>
-            <p:blipFill>
-              <a:blip r:embed="rId2">
-                <a:clrChange>
-                  <a:clrFrom>
-                    <a:srgbClr val="FFFFFF"/>
-                  </a:clrFrom>
-                  <a:clrTo>
-                    <a:srgbClr val="FFFFFF">
-                      <a:alpha val="0"/>
-                    </a:srgbClr>
-                  </a:clrTo>
-                </a:clrChange>
-                <a:extLst>
-                  <a:ext uri="{28A0092B-C50C-407E-A947-70E740481C1C}">
-                    <a14:useLocalDpi xmlns:a14="http://schemas.microsoft.com/office/drawing/2010/main" val="0"/>
-                  </a:ext>
-                </a:extLst>
-              </a:blip>
-              <a:stretch>
-                <a:fillRect/>
-              </a:stretch>
-            </p:blipFill>
-            <p:spPr>
-              <a:xfrm>
-                <a:off x="-2" y="0"/>
-                <a:ext cx="3181350" cy="1908810"/>
-              </a:xfrm>
-              <a:prstGeom prst="rect">
-                <a:avLst/>
-              </a:prstGeom>
-            </p:spPr>
-          </p:pic>
-          <p:pic>
-            <p:nvPicPr>
-              <p:cNvPr id="7" name="Picture 6" descr="A graph showing the growth of the stock market&#10;&#10;Description automatically generated">
-                <a:extLst>
-                  <a:ext uri="{FF2B5EF4-FFF2-40B4-BE49-F238E27FC236}">
-                    <a16:creationId xmlns:a16="http://schemas.microsoft.com/office/drawing/2014/main" id="{0E2D35F1-233A-F419-C68C-3FE65CB5F057}"/>
-                  </a:ext>
-                </a:extLst>
-              </p:cNvPr>
-              <p:cNvPicPr>
-                <a:picLocks noChangeAspect="1"/>
-              </p:cNvPicPr>
-              <p:nvPr/>
-            </p:nvPicPr>
-            <p:blipFill>
-              <a:blip r:embed="rId3">
-                <a:clrChange>
-                  <a:clrFrom>
-                    <a:srgbClr val="FFFFFF"/>
-                  </a:clrFrom>
-                  <a:clrTo>
-                    <a:srgbClr val="FFFFFF">
-                      <a:alpha val="0"/>
-                    </a:srgbClr>
-                  </a:clrTo>
-                </a:clrChange>
-                <a:extLst>
-                  <a:ext uri="{28A0092B-C50C-407E-A947-70E740481C1C}">
-                    <a14:useLocalDpi xmlns:a14="http://schemas.microsoft.com/office/drawing/2010/main" val="0"/>
-                  </a:ext>
-                </a:extLst>
-              </a:blip>
-              <a:stretch>
-                <a:fillRect/>
-              </a:stretch>
-            </p:blipFill>
-            <p:spPr>
-              <a:xfrm>
-                <a:off x="0" y="1687830"/>
-                <a:ext cx="3181350" cy="1908810"/>
-              </a:xfrm>
-              <a:prstGeom prst="rect">
-                <a:avLst/>
-              </a:prstGeom>
-            </p:spPr>
-          </p:pic>
-          <p:pic>
-            <p:nvPicPr>
-              <p:cNvPr id="9" name="Picture 8" descr="A graph showing the growth of a graph&#10;&#10;Description automatically generated with medium confidence">
-                <a:extLst>
-                  <a:ext uri="{FF2B5EF4-FFF2-40B4-BE49-F238E27FC236}">
-                    <a16:creationId xmlns:a16="http://schemas.microsoft.com/office/drawing/2014/main" id="{3289B524-322F-058F-E4D6-E6F4EB3B3D2A}"/>
-                  </a:ext>
-                </a:extLst>
-              </p:cNvPr>
-              <p:cNvPicPr>
-                <a:picLocks noChangeAspect="1"/>
-              </p:cNvPicPr>
-              <p:nvPr/>
-            </p:nvPicPr>
-            <p:blipFill>
-              <a:blip r:embed="rId4">
-                <a:clrChange>
-                  <a:clrFrom>
-                    <a:srgbClr val="FFFFFF"/>
-                  </a:clrFrom>
-                  <a:clrTo>
-                    <a:srgbClr val="FFFFFF">
-                      <a:alpha val="0"/>
-                    </a:srgbClr>
-                  </a:clrTo>
-                </a:clrChange>
-                <a:extLst>
-                  <a:ext uri="{28A0092B-C50C-407E-A947-70E740481C1C}">
-                    <a14:useLocalDpi xmlns:a14="http://schemas.microsoft.com/office/drawing/2010/main" val="0"/>
-                  </a:ext>
-                </a:extLst>
-              </a:blip>
-              <a:stretch>
-                <a:fillRect/>
-              </a:stretch>
-            </p:blipFill>
-            <p:spPr>
-              <a:xfrm>
-                <a:off x="0" y="3398519"/>
-                <a:ext cx="3181352" cy="1908812"/>
-              </a:xfrm>
-              <a:prstGeom prst="rect">
-                <a:avLst/>
-              </a:prstGeom>
-            </p:spPr>
-          </p:pic>
-          <p:pic>
-            <p:nvPicPr>
-              <p:cNvPr id="11" name="Picture 10" descr="A graph showing the growth of a stock market&#10;&#10;Description automatically generated">
-                <a:extLst>
-                  <a:ext uri="{FF2B5EF4-FFF2-40B4-BE49-F238E27FC236}">
-                    <a16:creationId xmlns:a16="http://schemas.microsoft.com/office/drawing/2014/main" id="{B33CFA95-DE93-9CFB-7D54-DD11635EDB5A}"/>
-                  </a:ext>
-                </a:extLst>
-              </p:cNvPr>
-              <p:cNvPicPr>
-                <a:picLocks noChangeAspect="1"/>
-              </p:cNvPicPr>
-              <p:nvPr/>
-            </p:nvPicPr>
-            <p:blipFill>
-              <a:blip r:embed="rId5">
-                <a:clrChange>
-                  <a:clrFrom>
-                    <a:srgbClr val="FFFFFF"/>
-                  </a:clrFrom>
-                  <a:clrTo>
-                    <a:srgbClr val="FFFFFF">
-                      <a:alpha val="0"/>
-                    </a:srgbClr>
-                  </a:clrTo>
-                </a:clrChange>
-                <a:extLst>
-                  <a:ext uri="{28A0092B-C50C-407E-A947-70E740481C1C}">
-                    <a14:useLocalDpi xmlns:a14="http://schemas.microsoft.com/office/drawing/2010/main" val="0"/>
-                  </a:ext>
-                </a:extLst>
-              </a:blip>
-              <a:stretch>
-                <a:fillRect/>
-              </a:stretch>
-            </p:blipFill>
-            <p:spPr>
-              <a:xfrm>
-                <a:off x="-3" y="5109209"/>
-                <a:ext cx="3181351" cy="1908811"/>
-              </a:xfrm>
-              <a:prstGeom prst="rect">
-                <a:avLst/>
-              </a:prstGeom>
-            </p:spPr>
-          </p:pic>
-          <p:pic>
-            <p:nvPicPr>
-              <p:cNvPr id="13" name="Picture 12" descr="A graph of a graph&#10;&#10;Description automatically generated">
-                <a:extLst>
-                  <a:ext uri="{FF2B5EF4-FFF2-40B4-BE49-F238E27FC236}">
-                    <a16:creationId xmlns:a16="http://schemas.microsoft.com/office/drawing/2014/main" id="{6ABA9304-8D90-7933-56DA-16C0EE76752A}"/>
-                  </a:ext>
-                </a:extLst>
-              </p:cNvPr>
-              <p:cNvPicPr>
-                <a:picLocks noChangeAspect="1"/>
-              </p:cNvPicPr>
-              <p:nvPr/>
-            </p:nvPicPr>
-            <p:blipFill>
-              <a:blip r:embed="rId6">
-                <a:clrChange>
-                  <a:clrFrom>
-                    <a:srgbClr val="FFFFFF"/>
-                  </a:clrFrom>
-                  <a:clrTo>
-                    <a:srgbClr val="FFFFFF">
-                      <a:alpha val="0"/>
-                    </a:srgbClr>
-                  </a:clrTo>
-                </a:clrChange>
-                <a:extLst>
-                  <a:ext uri="{28A0092B-C50C-407E-A947-70E740481C1C}">
-                    <a14:useLocalDpi xmlns:a14="http://schemas.microsoft.com/office/drawing/2010/main" val="0"/>
-                  </a:ext>
-                </a:extLst>
-              </a:blip>
-              <a:stretch>
-                <a:fillRect/>
-              </a:stretch>
-            </p:blipFill>
-            <p:spPr>
-              <a:xfrm>
-                <a:off x="2802141" y="-68580"/>
-                <a:ext cx="3543301" cy="7086600"/>
-              </a:xfrm>
-              <a:prstGeom prst="rect">
-                <a:avLst/>
-              </a:prstGeom>
-            </p:spPr>
-          </p:pic>
-        </p:grpSp>
-        <p:grpSp>
-          <p:nvGrpSpPr>
-            <p:cNvPr id="22" name="Group 21">
-              <a:extLst>
-                <a:ext uri="{FF2B5EF4-FFF2-40B4-BE49-F238E27FC236}">
-                  <a16:creationId xmlns:a16="http://schemas.microsoft.com/office/drawing/2014/main" id="{DA76E2A5-ECB8-8F01-6E5B-887A9DF48EE2}"/>
-                </a:ext>
-              </a:extLst>
-            </p:cNvPr>
-            <p:cNvGrpSpPr/>
-            <p:nvPr/>
-          </p:nvGrpSpPr>
-          <p:grpSpPr>
-            <a:xfrm>
-              <a:off x="4511613" y="750191"/>
-              <a:ext cx="1383640" cy="367423"/>
-              <a:chOff x="4511613" y="574842"/>
-              <a:chExt cx="1383640" cy="367423"/>
-            </a:xfrm>
-          </p:grpSpPr>
-          <p:sp>
-            <p:nvSpPr>
-              <p:cNvPr id="2" name="Oval 1">
-                <a:extLst>
-                  <a:ext uri="{FF2B5EF4-FFF2-40B4-BE49-F238E27FC236}">
-                    <a16:creationId xmlns:a16="http://schemas.microsoft.com/office/drawing/2014/main" id="{6EDA3398-07ED-483C-9360-DF1B460D0DD5}"/>
-                  </a:ext>
-                </a:extLst>
-              </p:cNvPr>
-              <p:cNvSpPr/>
-              <p:nvPr/>
-            </p:nvSpPr>
-            <p:spPr>
-              <a:xfrm>
-                <a:off x="4511613" y="574842"/>
-                <a:ext cx="370936" cy="367423"/>
-              </a:xfrm>
-              <a:prstGeom prst="ellipse">
-                <a:avLst/>
-              </a:prstGeom>
-              <a:solidFill>
-                <a:srgbClr val="AAAF61"/>
-              </a:solidFill>
-              <a:ln>
-                <a:noFill/>
-              </a:ln>
-            </p:spPr>
-            <p:style>
-              <a:lnRef idx="2">
-                <a:schemeClr val="accent1">
-                  <a:shade val="15000"/>
-                </a:schemeClr>
-              </a:lnRef>
-              <a:fillRef idx="1">
-                <a:schemeClr val="accent1"/>
-              </a:fillRef>
-              <a:effectRef idx="0">
-                <a:schemeClr val="accent1"/>
-              </a:effectRef>
-              <a:fontRef idx="minor">
-                <a:schemeClr val="lt1"/>
-              </a:fontRef>
-            </p:style>
-            <p:txBody>
-              <a:bodyPr rtlCol="0" anchor="ctr"/>
-              <a:lstStyle/>
-              <a:p>
-                <a:pPr algn="ctr"/>
-                <a:endParaRPr lang="en-US" sz="2016"/>
-              </a:p>
-            </p:txBody>
-          </p:sp>
-          <p:sp>
-            <p:nvSpPr>
-              <p:cNvPr id="3" name="Oval 2">
-                <a:extLst>
-                  <a:ext uri="{FF2B5EF4-FFF2-40B4-BE49-F238E27FC236}">
-                    <a16:creationId xmlns:a16="http://schemas.microsoft.com/office/drawing/2014/main" id="{749CD612-B750-CCAC-F499-0E5B3953F70B}"/>
-                  </a:ext>
-                </a:extLst>
-              </p:cNvPr>
-              <p:cNvSpPr/>
-              <p:nvPr/>
-            </p:nvSpPr>
-            <p:spPr>
-              <a:xfrm>
-                <a:off x="5524317" y="574842"/>
-                <a:ext cx="370936" cy="367423"/>
-              </a:xfrm>
-              <a:prstGeom prst="ellipse">
-                <a:avLst/>
-              </a:prstGeom>
-              <a:solidFill>
-                <a:srgbClr val="4B809F"/>
-              </a:solidFill>
-              <a:ln>
-                <a:noFill/>
-              </a:ln>
-            </p:spPr>
-            <p:style>
-              <a:lnRef idx="2">
-                <a:schemeClr val="accent1">
-                  <a:shade val="15000"/>
-                </a:schemeClr>
-              </a:lnRef>
-              <a:fillRef idx="1">
-                <a:schemeClr val="accent1"/>
-              </a:fillRef>
-              <a:effectRef idx="0">
-                <a:schemeClr val="accent1"/>
-              </a:effectRef>
-              <a:fontRef idx="minor">
-                <a:schemeClr val="lt1"/>
-              </a:fontRef>
-            </p:style>
-            <p:txBody>
-              <a:bodyPr rtlCol="0" anchor="ctr"/>
-              <a:lstStyle/>
-              <a:p>
-                <a:pPr algn="ctr"/>
-                <a:endParaRPr lang="en-US" sz="2016"/>
-              </a:p>
-            </p:txBody>
-          </p:sp>
-          <p:cxnSp>
-            <p:nvCxnSpPr>
-              <p:cNvPr id="6" name="Straight Arrow Connector 5">
-                <a:extLst>
-                  <a:ext uri="{FF2B5EF4-FFF2-40B4-BE49-F238E27FC236}">
-                    <a16:creationId xmlns:a16="http://schemas.microsoft.com/office/drawing/2014/main" id="{BFC5D416-0E9B-D2E0-9F53-57AF74DC19A5}"/>
-                  </a:ext>
-                </a:extLst>
-              </p:cNvPr>
-              <p:cNvCxnSpPr>
-                <a:cxnSpLocks/>
-              </p:cNvCxnSpPr>
-              <p:nvPr/>
-            </p:nvCxnSpPr>
-            <p:spPr>
-              <a:xfrm>
-                <a:off x="4942935" y="747371"/>
-                <a:ext cx="520996" cy="0"/>
-              </a:xfrm>
-              <a:prstGeom prst="straightConnector1">
-                <a:avLst/>
-              </a:prstGeom>
-              <a:ln>
-                <a:tailEnd type="triangle"/>
-              </a:ln>
-            </p:spPr>
-            <p:style>
-              <a:lnRef idx="2">
-                <a:schemeClr val="dk1"/>
-              </a:lnRef>
-              <a:fillRef idx="0">
-                <a:schemeClr val="dk1"/>
-              </a:fillRef>
-              <a:effectRef idx="1">
-                <a:schemeClr val="dk1"/>
-              </a:effectRef>
-              <a:fontRef idx="minor">
-                <a:schemeClr val="tx1"/>
-              </a:fontRef>
-            </p:style>
-          </p:cxnSp>
-        </p:grpSp>
-        <p:grpSp>
-          <p:nvGrpSpPr>
-            <p:cNvPr id="23" name="Group 22">
-              <a:extLst>
-                <a:ext uri="{FF2B5EF4-FFF2-40B4-BE49-F238E27FC236}">
-                  <a16:creationId xmlns:a16="http://schemas.microsoft.com/office/drawing/2014/main" id="{FB711A6E-DE14-9DD1-9C60-95CD65715041}"/>
-                </a:ext>
-              </a:extLst>
-            </p:cNvPr>
-            <p:cNvGrpSpPr/>
-            <p:nvPr/>
-          </p:nvGrpSpPr>
-          <p:grpSpPr>
-            <a:xfrm>
-              <a:off x="4457291" y="2344707"/>
-              <a:ext cx="1383640" cy="367423"/>
-              <a:chOff x="4511613" y="574842"/>
-              <a:chExt cx="1383640" cy="367423"/>
-            </a:xfrm>
-          </p:grpSpPr>
-          <p:sp>
-            <p:nvSpPr>
-              <p:cNvPr id="24" name="Oval 23">
-                <a:extLst>
-                  <a:ext uri="{FF2B5EF4-FFF2-40B4-BE49-F238E27FC236}">
-                    <a16:creationId xmlns:a16="http://schemas.microsoft.com/office/drawing/2014/main" id="{AA3D6B35-AABE-2452-29A1-A6890489AA07}"/>
-                  </a:ext>
-                </a:extLst>
-              </p:cNvPr>
-              <p:cNvSpPr/>
-              <p:nvPr/>
-            </p:nvSpPr>
-            <p:spPr>
-              <a:xfrm>
-                <a:off x="4511613" y="574842"/>
-                <a:ext cx="370936" cy="367423"/>
-              </a:xfrm>
-              <a:prstGeom prst="ellipse">
-                <a:avLst/>
-              </a:prstGeom>
-              <a:solidFill>
-                <a:srgbClr val="AAAF61"/>
-              </a:solidFill>
-              <a:ln>
-                <a:noFill/>
-              </a:ln>
-            </p:spPr>
-            <p:style>
-              <a:lnRef idx="2">
-                <a:schemeClr val="accent1">
-                  <a:shade val="15000"/>
-                </a:schemeClr>
-              </a:lnRef>
-              <a:fillRef idx="1">
-                <a:schemeClr val="accent1"/>
-              </a:fillRef>
-              <a:effectRef idx="0">
-                <a:schemeClr val="accent1"/>
-              </a:effectRef>
-              <a:fontRef idx="minor">
-                <a:schemeClr val="lt1"/>
-              </a:fontRef>
-            </p:style>
-            <p:txBody>
-              <a:bodyPr rtlCol="0" anchor="ctr"/>
-              <a:lstStyle/>
-              <a:p>
-                <a:pPr algn="ctr"/>
-                <a:endParaRPr lang="en-US" sz="2016"/>
-              </a:p>
-            </p:txBody>
-          </p:sp>
-          <p:sp>
-            <p:nvSpPr>
-              <p:cNvPr id="25" name="Oval 24">
-                <a:extLst>
-                  <a:ext uri="{FF2B5EF4-FFF2-40B4-BE49-F238E27FC236}">
-                    <a16:creationId xmlns:a16="http://schemas.microsoft.com/office/drawing/2014/main" id="{EC7466F3-85BD-BB14-3D7A-C77904105F1E}"/>
-                  </a:ext>
-                </a:extLst>
-              </p:cNvPr>
-              <p:cNvSpPr/>
-              <p:nvPr/>
-            </p:nvSpPr>
-            <p:spPr>
-              <a:xfrm>
-                <a:off x="5524317" y="574842"/>
-                <a:ext cx="370936" cy="367423"/>
-              </a:xfrm>
-              <a:prstGeom prst="ellipse">
-                <a:avLst/>
-              </a:prstGeom>
-              <a:solidFill>
-                <a:srgbClr val="4B809F"/>
-              </a:solidFill>
-              <a:ln>
-                <a:noFill/>
-              </a:ln>
-            </p:spPr>
-            <p:style>
-              <a:lnRef idx="2">
-                <a:schemeClr val="accent1">
-                  <a:shade val="15000"/>
-                </a:schemeClr>
-              </a:lnRef>
-              <a:fillRef idx="1">
-                <a:schemeClr val="accent1"/>
-              </a:fillRef>
-              <a:effectRef idx="0">
-                <a:schemeClr val="accent1"/>
-              </a:effectRef>
-              <a:fontRef idx="minor">
-                <a:schemeClr val="lt1"/>
-              </a:fontRef>
-            </p:style>
-            <p:txBody>
-              <a:bodyPr rtlCol="0" anchor="ctr"/>
-              <a:lstStyle/>
-              <a:p>
-                <a:pPr algn="ctr"/>
-                <a:endParaRPr lang="en-US" sz="2016"/>
-              </a:p>
-            </p:txBody>
-          </p:sp>
-          <p:cxnSp>
-            <p:nvCxnSpPr>
-              <p:cNvPr id="26" name="Straight Arrow Connector 25">
-                <a:extLst>
-                  <a:ext uri="{FF2B5EF4-FFF2-40B4-BE49-F238E27FC236}">
-                    <a16:creationId xmlns:a16="http://schemas.microsoft.com/office/drawing/2014/main" id="{22E290A2-85CA-E3C6-00A4-41C26545978A}"/>
-                  </a:ext>
-                </a:extLst>
-              </p:cNvPr>
-              <p:cNvCxnSpPr>
-                <a:cxnSpLocks/>
-              </p:cNvCxnSpPr>
-              <p:nvPr/>
-            </p:nvCxnSpPr>
-            <p:spPr>
-              <a:xfrm>
-                <a:off x="4942935" y="747371"/>
-                <a:ext cx="520996" cy="0"/>
-              </a:xfrm>
-              <a:prstGeom prst="straightConnector1">
-                <a:avLst/>
-              </a:prstGeom>
-              <a:ln>
-                <a:tailEnd type="triangle"/>
-              </a:ln>
-            </p:spPr>
-            <p:style>
-              <a:lnRef idx="2">
-                <a:schemeClr val="dk1"/>
-              </a:lnRef>
-              <a:fillRef idx="0">
-                <a:schemeClr val="dk1"/>
-              </a:fillRef>
-              <a:effectRef idx="1">
-                <a:schemeClr val="dk1"/>
-              </a:effectRef>
-              <a:fontRef idx="minor">
-                <a:schemeClr val="tx1"/>
-              </a:fontRef>
-            </p:style>
-          </p:cxnSp>
-        </p:grpSp>
-        <p:grpSp>
-          <p:nvGrpSpPr>
-            <p:cNvPr id="29" name="Group 28">
-              <a:extLst>
-                <a:ext uri="{FF2B5EF4-FFF2-40B4-BE49-F238E27FC236}">
-                  <a16:creationId xmlns:a16="http://schemas.microsoft.com/office/drawing/2014/main" id="{176059AB-36C7-9D47-C8A9-E4FFD577D315}"/>
-                </a:ext>
-              </a:extLst>
-            </p:cNvPr>
-            <p:cNvGrpSpPr/>
-            <p:nvPr/>
-          </p:nvGrpSpPr>
-          <p:grpSpPr>
-            <a:xfrm>
-              <a:off x="4511613" y="4036506"/>
-              <a:ext cx="1383640" cy="367423"/>
-              <a:chOff x="4511613" y="574842"/>
-              <a:chExt cx="1383640" cy="367423"/>
-            </a:xfrm>
-          </p:grpSpPr>
-          <p:sp>
-            <p:nvSpPr>
-              <p:cNvPr id="30" name="Oval 29">
-                <a:extLst>
-                  <a:ext uri="{FF2B5EF4-FFF2-40B4-BE49-F238E27FC236}">
-                    <a16:creationId xmlns:a16="http://schemas.microsoft.com/office/drawing/2014/main" id="{2D9885B9-8BFA-127A-5C65-F10566DD39C2}"/>
-                  </a:ext>
-                </a:extLst>
-              </p:cNvPr>
-              <p:cNvSpPr/>
-              <p:nvPr/>
-            </p:nvSpPr>
-            <p:spPr>
-              <a:xfrm>
-                <a:off x="4511613" y="574842"/>
-                <a:ext cx="370936" cy="367423"/>
-              </a:xfrm>
-              <a:prstGeom prst="ellipse">
-                <a:avLst/>
-              </a:prstGeom>
-              <a:solidFill>
-                <a:srgbClr val="4B809F"/>
-              </a:solidFill>
-              <a:ln>
-                <a:noFill/>
-              </a:ln>
-            </p:spPr>
-            <p:style>
-              <a:lnRef idx="2">
-                <a:schemeClr val="accent1">
-                  <a:shade val="15000"/>
-                </a:schemeClr>
-              </a:lnRef>
-              <a:fillRef idx="1">
-                <a:schemeClr val="accent1"/>
-              </a:fillRef>
-              <a:effectRef idx="0">
-                <a:schemeClr val="accent1"/>
-              </a:effectRef>
-              <a:fontRef idx="minor">
-                <a:schemeClr val="lt1"/>
-              </a:fontRef>
-            </p:style>
-            <p:txBody>
-              <a:bodyPr rtlCol="0" anchor="ctr"/>
-              <a:lstStyle/>
-              <a:p>
-                <a:pPr algn="ctr"/>
-                <a:endParaRPr lang="en-US" sz="2016"/>
-              </a:p>
-            </p:txBody>
-          </p:sp>
-          <p:sp>
-            <p:nvSpPr>
-              <p:cNvPr id="31" name="Oval 30">
-                <a:extLst>
-                  <a:ext uri="{FF2B5EF4-FFF2-40B4-BE49-F238E27FC236}">
-                    <a16:creationId xmlns:a16="http://schemas.microsoft.com/office/drawing/2014/main" id="{5E10EE8C-F4EA-947E-E36A-BA7AC27FE654}"/>
-                  </a:ext>
-                </a:extLst>
-              </p:cNvPr>
-              <p:cNvSpPr/>
-              <p:nvPr/>
-            </p:nvSpPr>
-            <p:spPr>
-              <a:xfrm>
-                <a:off x="5524317" y="574842"/>
-                <a:ext cx="370936" cy="367423"/>
-              </a:xfrm>
-              <a:prstGeom prst="ellipse">
-                <a:avLst/>
-              </a:prstGeom>
-              <a:solidFill>
-                <a:srgbClr val="AAAF61"/>
-              </a:solidFill>
-              <a:ln>
-                <a:noFill/>
-              </a:ln>
-            </p:spPr>
-            <p:style>
-              <a:lnRef idx="2">
-                <a:schemeClr val="accent1">
-                  <a:shade val="15000"/>
-                </a:schemeClr>
-              </a:lnRef>
-              <a:fillRef idx="1">
-                <a:schemeClr val="accent1"/>
-              </a:fillRef>
-              <a:effectRef idx="0">
-                <a:schemeClr val="accent1"/>
-              </a:effectRef>
-              <a:fontRef idx="minor">
-                <a:schemeClr val="lt1"/>
-              </a:fontRef>
-            </p:style>
-            <p:txBody>
-              <a:bodyPr rtlCol="0" anchor="ctr"/>
-              <a:lstStyle/>
-              <a:p>
-                <a:pPr algn="ctr"/>
-                <a:endParaRPr lang="en-US" sz="2016"/>
-              </a:p>
-            </p:txBody>
-          </p:sp>
-          <p:cxnSp>
-            <p:nvCxnSpPr>
-              <p:cNvPr id="32" name="Straight Arrow Connector 31">
-                <a:extLst>
-                  <a:ext uri="{FF2B5EF4-FFF2-40B4-BE49-F238E27FC236}">
-                    <a16:creationId xmlns:a16="http://schemas.microsoft.com/office/drawing/2014/main" id="{8ECAD611-91E9-A8A0-14F8-A687F70B4122}"/>
-                  </a:ext>
-                </a:extLst>
-              </p:cNvPr>
-              <p:cNvCxnSpPr>
-                <a:cxnSpLocks/>
-              </p:cNvCxnSpPr>
-              <p:nvPr/>
-            </p:nvCxnSpPr>
-            <p:spPr>
-              <a:xfrm>
-                <a:off x="4942935" y="747371"/>
-                <a:ext cx="520996" cy="0"/>
-              </a:xfrm>
-              <a:prstGeom prst="straightConnector1">
-                <a:avLst/>
-              </a:prstGeom>
-              <a:ln>
-                <a:tailEnd type="triangle"/>
-              </a:ln>
-            </p:spPr>
-            <p:style>
-              <a:lnRef idx="2">
-                <a:schemeClr val="dk1"/>
-              </a:lnRef>
-              <a:fillRef idx="0">
-                <a:schemeClr val="dk1"/>
-              </a:fillRef>
-              <a:effectRef idx="1">
-                <a:schemeClr val="dk1"/>
-              </a:effectRef>
-              <a:fontRef idx="minor">
-                <a:schemeClr val="tx1"/>
-              </a:fontRef>
-            </p:style>
-          </p:cxnSp>
-        </p:grpSp>
-        <p:grpSp>
-          <p:nvGrpSpPr>
-            <p:cNvPr id="35" name="Group 34">
-              <a:extLst>
-                <a:ext uri="{FF2B5EF4-FFF2-40B4-BE49-F238E27FC236}">
-                  <a16:creationId xmlns:a16="http://schemas.microsoft.com/office/drawing/2014/main" id="{C64032D2-BAB1-598F-0269-6CF7D06D1AA2}"/>
-                </a:ext>
-              </a:extLst>
-            </p:cNvPr>
-            <p:cNvGrpSpPr/>
-            <p:nvPr/>
-          </p:nvGrpSpPr>
-          <p:grpSpPr>
-            <a:xfrm>
-              <a:off x="4511613" y="5762751"/>
-              <a:ext cx="1383640" cy="367423"/>
-              <a:chOff x="4511613" y="574842"/>
-              <a:chExt cx="1383640" cy="367423"/>
-            </a:xfrm>
-          </p:grpSpPr>
-          <p:sp>
-            <p:nvSpPr>
-              <p:cNvPr id="36" name="Oval 35">
-                <a:extLst>
-                  <a:ext uri="{FF2B5EF4-FFF2-40B4-BE49-F238E27FC236}">
-                    <a16:creationId xmlns:a16="http://schemas.microsoft.com/office/drawing/2014/main" id="{62B3A33C-F245-9274-084C-D3BD84075219}"/>
-                  </a:ext>
-                </a:extLst>
-              </p:cNvPr>
-              <p:cNvSpPr/>
-              <p:nvPr/>
-            </p:nvSpPr>
-            <p:spPr>
-              <a:xfrm>
-                <a:off x="4511613" y="574842"/>
-                <a:ext cx="370936" cy="367423"/>
-              </a:xfrm>
-              <a:prstGeom prst="ellipse">
-                <a:avLst/>
-              </a:prstGeom>
-              <a:solidFill>
-                <a:srgbClr val="4B809F"/>
-              </a:solidFill>
-              <a:ln>
-                <a:noFill/>
-              </a:ln>
-            </p:spPr>
-            <p:style>
-              <a:lnRef idx="2">
-                <a:schemeClr val="accent1">
-                  <a:shade val="15000"/>
-                </a:schemeClr>
-              </a:lnRef>
-              <a:fillRef idx="1">
-                <a:schemeClr val="accent1"/>
-              </a:fillRef>
-              <a:effectRef idx="0">
-                <a:schemeClr val="accent1"/>
-              </a:effectRef>
-              <a:fontRef idx="minor">
-                <a:schemeClr val="lt1"/>
-              </a:fontRef>
-            </p:style>
-            <p:txBody>
-              <a:bodyPr rtlCol="0" anchor="ctr"/>
-              <a:lstStyle/>
-              <a:p>
-                <a:pPr algn="ctr"/>
-                <a:endParaRPr lang="en-US" sz="2016"/>
-              </a:p>
-            </p:txBody>
-          </p:sp>
-          <p:sp>
-            <p:nvSpPr>
-              <p:cNvPr id="37" name="Oval 36">
-                <a:extLst>
-                  <a:ext uri="{FF2B5EF4-FFF2-40B4-BE49-F238E27FC236}">
-                    <a16:creationId xmlns:a16="http://schemas.microsoft.com/office/drawing/2014/main" id="{959BA30F-50EF-2801-4215-AA5CD7481EAC}"/>
-                  </a:ext>
-                </a:extLst>
-              </p:cNvPr>
-              <p:cNvSpPr/>
-              <p:nvPr/>
-            </p:nvSpPr>
-            <p:spPr>
-              <a:xfrm>
-                <a:off x="5524317" y="574842"/>
-                <a:ext cx="370936" cy="367423"/>
-              </a:xfrm>
-              <a:prstGeom prst="ellipse">
-                <a:avLst/>
-              </a:prstGeom>
-              <a:solidFill>
-                <a:srgbClr val="AAAF61"/>
-              </a:solidFill>
-              <a:ln>
-                <a:noFill/>
-              </a:ln>
-            </p:spPr>
-            <p:style>
-              <a:lnRef idx="2">
-                <a:schemeClr val="accent1">
-                  <a:shade val="15000"/>
-                </a:schemeClr>
-              </a:lnRef>
-              <a:fillRef idx="1">
-                <a:schemeClr val="accent1"/>
-              </a:fillRef>
-              <a:effectRef idx="0">
-                <a:schemeClr val="accent1"/>
-              </a:effectRef>
-              <a:fontRef idx="minor">
-                <a:schemeClr val="lt1"/>
-              </a:fontRef>
-            </p:style>
-            <p:txBody>
-              <a:bodyPr rtlCol="0" anchor="ctr"/>
-              <a:lstStyle/>
-              <a:p>
-                <a:pPr algn="ctr"/>
-                <a:endParaRPr lang="en-US" sz="2016"/>
-              </a:p>
-            </p:txBody>
-          </p:sp>
-          <p:cxnSp>
-            <p:nvCxnSpPr>
-              <p:cNvPr id="38" name="Straight Arrow Connector 37">
-                <a:extLst>
-                  <a:ext uri="{FF2B5EF4-FFF2-40B4-BE49-F238E27FC236}">
-                    <a16:creationId xmlns:a16="http://schemas.microsoft.com/office/drawing/2014/main" id="{FF2BDE31-E6D1-3297-2F9A-08BF18631987}"/>
-                  </a:ext>
-                </a:extLst>
-              </p:cNvPr>
-              <p:cNvCxnSpPr>
-                <a:cxnSpLocks/>
-              </p:cNvCxnSpPr>
-              <p:nvPr/>
-            </p:nvCxnSpPr>
-            <p:spPr>
-              <a:xfrm>
-                <a:off x="4942935" y="747371"/>
-                <a:ext cx="520996" cy="0"/>
-              </a:xfrm>
-              <a:prstGeom prst="straightConnector1">
-                <a:avLst/>
-              </a:prstGeom>
-              <a:ln>
-                <a:tailEnd type="triangle"/>
-              </a:ln>
-            </p:spPr>
-            <p:style>
-              <a:lnRef idx="2">
-                <a:schemeClr val="dk1"/>
-              </a:lnRef>
-              <a:fillRef idx="0">
-                <a:schemeClr val="dk1"/>
-              </a:fillRef>
-              <a:effectRef idx="1">
-                <a:schemeClr val="dk1"/>
-              </a:effectRef>
-              <a:fontRef idx="minor">
-                <a:schemeClr val="tx1"/>
-              </a:fontRef>
-            </p:style>
-          </p:cxnSp>
-        </p:grpSp>
-      </p:grpSp>
-      <p:sp>
-        <p:nvSpPr>
-          <p:cNvPr id="42" name="TextBox 41">
-            <a:extLst>
-              <a:ext uri="{FF2B5EF4-FFF2-40B4-BE49-F238E27FC236}">
-                <a16:creationId xmlns:a16="http://schemas.microsoft.com/office/drawing/2014/main" id="{F7779312-CE12-047F-23EE-11DA0E44AE45}"/>
-              </a:ext>
-            </a:extLst>
-          </p:cNvPr>
-          <p:cNvSpPr txBox="1"/>
-          <p:nvPr/>
-        </p:nvSpPr>
-        <p:spPr>
-          <a:xfrm>
-            <a:off x="1526755" y="2207249"/>
-            <a:ext cx="1999188" cy="273280"/>
-          </a:xfrm>
-          <a:prstGeom prst="rect">
-            <a:avLst/>
-          </a:prstGeom>
-          <a:noFill/>
-        </p:spPr>
-        <p:txBody>
-          <a:bodyPr wrap="square" rtlCol="0">
-            <a:spAutoFit/>
-          </a:bodyPr>
-          <a:lstStyle/>
-          <a:p>
-            <a:r>
-              <a:rPr lang="en-US" sz="1176" dirty="0"/>
-              <a:t>Lakes trending less green</a:t>
-            </a:r>
-          </a:p>
-        </p:txBody>
-      </p:sp>
-      <p:sp>
-        <p:nvSpPr>
-          <p:cNvPr id="43" name="TextBox 42">
-            <a:extLst>
-              <a:ext uri="{FF2B5EF4-FFF2-40B4-BE49-F238E27FC236}">
-                <a16:creationId xmlns:a16="http://schemas.microsoft.com/office/drawing/2014/main" id="{94E20A1B-B2FF-1BEA-C14D-522BA6AA0335}"/>
-              </a:ext>
-            </a:extLst>
-          </p:cNvPr>
-          <p:cNvSpPr txBox="1"/>
-          <p:nvPr/>
-        </p:nvSpPr>
-        <p:spPr>
-          <a:xfrm>
-            <a:off x="1530634" y="3851861"/>
-            <a:ext cx="1999188" cy="454227"/>
-          </a:xfrm>
-          <a:prstGeom prst="rect">
-            <a:avLst/>
-          </a:prstGeom>
-          <a:noFill/>
-        </p:spPr>
-        <p:txBody>
-          <a:bodyPr wrap="square" rtlCol="0">
-            <a:spAutoFit/>
-          </a:bodyPr>
-          <a:lstStyle/>
-          <a:p>
-            <a:r>
-              <a:rPr lang="en-US" sz="1176" dirty="0"/>
-              <a:t>Lakes switched from </a:t>
-            </a:r>
-          </a:p>
-          <a:p>
-            <a:r>
-              <a:rPr lang="en-US" sz="1176" dirty="0"/>
-              <a:t>green to blue</a:t>
-            </a:r>
-          </a:p>
-        </p:txBody>
-      </p:sp>
-      <p:sp>
-        <p:nvSpPr>
-          <p:cNvPr id="44" name="TextBox 43">
-            <a:extLst>
-              <a:ext uri="{FF2B5EF4-FFF2-40B4-BE49-F238E27FC236}">
-                <a16:creationId xmlns:a16="http://schemas.microsoft.com/office/drawing/2014/main" id="{1EB65B2F-9BE1-2C2D-B526-888AB809311A}"/>
-              </a:ext>
-            </a:extLst>
-          </p:cNvPr>
-          <p:cNvSpPr txBox="1"/>
-          <p:nvPr/>
-        </p:nvSpPr>
-        <p:spPr>
-          <a:xfrm>
-            <a:off x="1536477" y="5848600"/>
-            <a:ext cx="1999188" cy="273280"/>
-          </a:xfrm>
-          <a:prstGeom prst="rect">
-            <a:avLst/>
-          </a:prstGeom>
-          <a:noFill/>
-        </p:spPr>
-        <p:txBody>
-          <a:bodyPr wrap="square" rtlCol="0">
-            <a:spAutoFit/>
-          </a:bodyPr>
-          <a:lstStyle/>
-          <a:p>
-            <a:r>
-              <a:rPr lang="en-US" sz="1176" dirty="0"/>
-              <a:t>Lakes trending less blue</a:t>
-            </a:r>
-          </a:p>
-        </p:txBody>
-      </p:sp>
-      <p:sp>
-        <p:nvSpPr>
-          <p:cNvPr id="45" name="TextBox 44">
-            <a:extLst>
-              <a:ext uri="{FF2B5EF4-FFF2-40B4-BE49-F238E27FC236}">
-                <a16:creationId xmlns:a16="http://schemas.microsoft.com/office/drawing/2014/main" id="{600E27D6-AED2-BDA5-079B-0BAE9B4D7391}"/>
-              </a:ext>
-            </a:extLst>
-          </p:cNvPr>
-          <p:cNvSpPr txBox="1"/>
-          <p:nvPr/>
-        </p:nvSpPr>
-        <p:spPr>
-          <a:xfrm>
-            <a:off x="1530634" y="7657890"/>
-            <a:ext cx="1999188" cy="454227"/>
-          </a:xfrm>
-          <a:prstGeom prst="rect">
-            <a:avLst/>
-          </a:prstGeom>
-          <a:noFill/>
-        </p:spPr>
-        <p:txBody>
-          <a:bodyPr wrap="square" rtlCol="0">
-            <a:spAutoFit/>
-          </a:bodyPr>
-          <a:lstStyle/>
-          <a:p>
-            <a:r>
-              <a:rPr lang="en-US" sz="1176" dirty="0"/>
-              <a:t>Lakes switched from </a:t>
-            </a:r>
-          </a:p>
-          <a:p>
-            <a:r>
-              <a:rPr lang="en-US" sz="1176" dirty="0"/>
-              <a:t>blue to green</a:t>
-            </a:r>
-          </a:p>
-        </p:txBody>
-      </p:sp>
-      <p:sp>
-        <p:nvSpPr>
-          <p:cNvPr id="46" name="TextBox 45">
-            <a:extLst>
-              <a:ext uri="{FF2B5EF4-FFF2-40B4-BE49-F238E27FC236}">
-                <a16:creationId xmlns:a16="http://schemas.microsoft.com/office/drawing/2014/main" id="{3A25FDEE-C1B1-38F8-6805-2FF42DA37253}"/>
-              </a:ext>
-            </a:extLst>
-          </p:cNvPr>
-          <p:cNvSpPr txBox="1"/>
-          <p:nvPr/>
-        </p:nvSpPr>
-        <p:spPr>
-          <a:xfrm>
-            <a:off x="8742476" y="9041305"/>
-            <a:ext cx="869470" cy="273280"/>
-          </a:xfrm>
-          <a:prstGeom prst="rect">
-            <a:avLst/>
-          </a:prstGeom>
-          <a:noFill/>
-        </p:spPr>
-        <p:txBody>
-          <a:bodyPr wrap="square" rtlCol="0">
-            <a:spAutoFit/>
-          </a:bodyPr>
-          <a:lstStyle/>
-          <a:p>
-            <a:r>
-              <a:rPr lang="en-US" sz="1176" dirty="0"/>
-              <a:t>Slope</a:t>
-            </a:r>
-          </a:p>
-        </p:txBody>
-      </p:sp>
-      <p:sp>
-        <p:nvSpPr>
-          <p:cNvPr id="4" name="TextBox 3">
-            <a:extLst>
-              <a:ext uri="{FF2B5EF4-FFF2-40B4-BE49-F238E27FC236}">
-                <a16:creationId xmlns:a16="http://schemas.microsoft.com/office/drawing/2014/main" id="{8A9E3ED9-1AEB-24A2-3955-FA6988180D37}"/>
-              </a:ext>
-            </a:extLst>
-          </p:cNvPr>
-          <p:cNvSpPr txBox="1"/>
-          <p:nvPr/>
-        </p:nvSpPr>
-        <p:spPr>
-          <a:xfrm>
-            <a:off x="1526759" y="1791306"/>
-            <a:ext cx="578761" cy="402546"/>
-          </a:xfrm>
-          <a:prstGeom prst="rect">
-            <a:avLst/>
-          </a:prstGeom>
-          <a:noFill/>
-        </p:spPr>
-        <p:txBody>
-          <a:bodyPr wrap="square" rtlCol="0">
-            <a:spAutoFit/>
-          </a:bodyPr>
-          <a:lstStyle/>
-          <a:p>
-            <a:r>
-              <a:rPr lang="en-US" sz="2016" dirty="0"/>
-              <a:t>a)</a:t>
-            </a:r>
-          </a:p>
-        </p:txBody>
-      </p:sp>
-      <p:sp>
-        <p:nvSpPr>
-          <p:cNvPr id="8" name="TextBox 7">
-            <a:extLst>
-              <a:ext uri="{FF2B5EF4-FFF2-40B4-BE49-F238E27FC236}">
-                <a16:creationId xmlns:a16="http://schemas.microsoft.com/office/drawing/2014/main" id="{FF995F32-5EA6-1FF0-B500-63FBC9F77D2C}"/>
-              </a:ext>
-            </a:extLst>
-          </p:cNvPr>
-          <p:cNvSpPr txBox="1"/>
-          <p:nvPr/>
-        </p:nvSpPr>
-        <p:spPr>
-          <a:xfrm>
-            <a:off x="1526759" y="3460969"/>
-            <a:ext cx="578761" cy="402546"/>
-          </a:xfrm>
-          <a:prstGeom prst="rect">
-            <a:avLst/>
-          </a:prstGeom>
-          <a:noFill/>
-        </p:spPr>
-        <p:txBody>
-          <a:bodyPr wrap="square" rtlCol="0">
-            <a:spAutoFit/>
-          </a:bodyPr>
-          <a:lstStyle/>
-          <a:p>
-            <a:r>
-              <a:rPr lang="en-US" sz="2016" dirty="0"/>
-              <a:t>b)</a:t>
-            </a:r>
-          </a:p>
-        </p:txBody>
-      </p:sp>
-      <p:sp>
-        <p:nvSpPr>
-          <p:cNvPr id="15" name="TextBox 14">
-            <a:extLst>
-              <a:ext uri="{FF2B5EF4-FFF2-40B4-BE49-F238E27FC236}">
-                <a16:creationId xmlns:a16="http://schemas.microsoft.com/office/drawing/2014/main" id="{5F864190-A73A-9106-1C1C-8A3299BBDDA1}"/>
-              </a:ext>
-            </a:extLst>
-          </p:cNvPr>
-          <p:cNvSpPr txBox="1"/>
-          <p:nvPr/>
-        </p:nvSpPr>
-        <p:spPr>
-          <a:xfrm>
-            <a:off x="1526759" y="5508149"/>
-            <a:ext cx="578761" cy="402546"/>
-          </a:xfrm>
-          <a:prstGeom prst="rect">
-            <a:avLst/>
-          </a:prstGeom>
-          <a:noFill/>
-        </p:spPr>
-        <p:txBody>
-          <a:bodyPr wrap="square" rtlCol="0">
-            <a:spAutoFit/>
-          </a:bodyPr>
-          <a:lstStyle/>
-          <a:p>
-            <a:r>
-              <a:rPr lang="en-US" sz="2016" dirty="0"/>
-              <a:t>c)</a:t>
-            </a:r>
-          </a:p>
-        </p:txBody>
-      </p:sp>
-      <p:sp>
-        <p:nvSpPr>
-          <p:cNvPr id="16" name="TextBox 15">
-            <a:extLst>
-              <a:ext uri="{FF2B5EF4-FFF2-40B4-BE49-F238E27FC236}">
-                <a16:creationId xmlns:a16="http://schemas.microsoft.com/office/drawing/2014/main" id="{A2A6BED6-E85A-A9A5-3FBE-D284FA8D5300}"/>
-              </a:ext>
-            </a:extLst>
-          </p:cNvPr>
-          <p:cNvSpPr txBox="1"/>
-          <p:nvPr/>
-        </p:nvSpPr>
-        <p:spPr>
-          <a:xfrm>
-            <a:off x="1543697" y="7210728"/>
-            <a:ext cx="578761" cy="402546"/>
-          </a:xfrm>
-          <a:prstGeom prst="rect">
-            <a:avLst/>
-          </a:prstGeom>
-          <a:noFill/>
-        </p:spPr>
-        <p:txBody>
-          <a:bodyPr wrap="square" rtlCol="0">
-            <a:spAutoFit/>
-          </a:bodyPr>
-          <a:lstStyle/>
-          <a:p>
-            <a:r>
-              <a:rPr lang="en-US" sz="2016" dirty="0"/>
-              <a:t>d)</a:t>
-            </a:r>
-          </a:p>
-        </p:txBody>
-      </p:sp>
-    </p:spTree>
-    <p:extLst>
-      <p:ext uri="{BB962C8B-B14F-4D97-AF65-F5344CB8AC3E}">
-        <p14:creationId xmlns:p14="http://schemas.microsoft.com/office/powerpoint/2010/main" val="2000040623"/>
-      </p:ext>
-    </p:extLst>
-  </p:cSld>
-  <p:clrMapOvr>
-    <a:masterClrMapping/>
-  </p:clrMapOvr>
-</p:sld>
-</file>
-
-<file path=ppt/slides/slide2.xml><?xml version="1.0" encoding="utf-8"?>
-<p:sld xmlns:a="http://schemas.openxmlformats.org/drawingml/2006/main" xmlns:r="http://schemas.openxmlformats.org/officeDocument/2006/relationships" xmlns:p="http://schemas.openxmlformats.org/presentationml/2006/main">
-  <p:cSld>
-    <p:spTree>
-      <p:nvGrpSpPr>
-        <p:cNvPr id="1" name=""/>
-        <p:cNvGrpSpPr/>
-        <p:nvPr/>
-      </p:nvGrpSpPr>
-      <p:grpSpPr>
-        <a:xfrm>
-          <a:off x="0" y="0"/>
-          <a:ext cx="0" cy="0"/>
-          <a:chOff x="0" y="0"/>
-          <a:chExt cx="0" cy="0"/>
-        </a:xfrm>
-      </p:grpSpPr>
-      <p:grpSp>
-        <p:nvGrpSpPr>
           <p:cNvPr id="22" name="Group 21">
             <a:extLst>
               <a:ext uri="{FF2B5EF4-FFF2-40B4-BE49-F238E27FC236}">
@@ -4302,10 +5383,10 @@
         </p:nvGrpSpPr>
         <p:grpSpPr>
           <a:xfrm>
-            <a:off x="1369710" y="2388586"/>
-            <a:ext cx="1549549" cy="411480"/>
-            <a:chOff x="4511613" y="574842"/>
-            <a:chExt cx="1383640" cy="367423"/>
+            <a:off x="577094" y="1400201"/>
+            <a:ext cx="1732155" cy="525780"/>
+            <a:chOff x="4474497" y="574842"/>
+            <a:chExt cx="1613946" cy="489898"/>
           </a:xfrm>
         </p:grpSpPr>
         <p:sp>
@@ -4322,1274 +5403,8 @@
           </p:nvSpPr>
           <p:spPr>
             <a:xfrm>
-              <a:off x="4511613" y="574842"/>
-              <a:ext cx="370936" cy="367423"/>
-            </a:xfrm>
-            <a:prstGeom prst="ellipse">
-              <a:avLst/>
-            </a:prstGeom>
-            <a:solidFill>
-              <a:srgbClr val="93C47D"/>
-            </a:solidFill>
-            <a:ln>
-              <a:noFill/>
-            </a:ln>
-          </p:spPr>
-          <p:style>
-            <a:lnRef idx="2">
-              <a:schemeClr val="accent1">
-                <a:shade val="15000"/>
-              </a:schemeClr>
-            </a:lnRef>
-            <a:fillRef idx="1">
-              <a:schemeClr val="accent1"/>
-            </a:fillRef>
-            <a:effectRef idx="0">
-              <a:schemeClr val="accent1"/>
-            </a:effectRef>
-            <a:fontRef idx="minor">
-              <a:schemeClr val="lt1"/>
-            </a:fontRef>
-          </p:style>
-          <p:txBody>
-            <a:bodyPr rtlCol="0" anchor="ctr"/>
-            <a:lstStyle/>
-            <a:p>
-              <a:pPr algn="ctr"/>
-              <a:endParaRPr lang="en-US" sz="2016">
-                <a:latin typeface="Arial" panose="020B0604020202020204" pitchFamily="34" charset="0"/>
-                <a:cs typeface="Arial" panose="020B0604020202020204" pitchFamily="34" charset="0"/>
-              </a:endParaRPr>
-            </a:p>
-          </p:txBody>
-        </p:sp>
-        <p:sp>
-          <p:nvSpPr>
-            <p:cNvPr id="3" name="Oval 2">
-              <a:extLst>
-                <a:ext uri="{FF2B5EF4-FFF2-40B4-BE49-F238E27FC236}">
-                  <a16:creationId xmlns:a16="http://schemas.microsoft.com/office/drawing/2014/main" id="{749CD612-B750-CCAC-F499-0E5B3953F70B}"/>
-                </a:ext>
-              </a:extLst>
-            </p:cNvPr>
-            <p:cNvSpPr/>
-            <p:nvPr/>
-          </p:nvSpPr>
-          <p:spPr>
-            <a:xfrm>
-              <a:off x="5524317" y="574842"/>
-              <a:ext cx="370936" cy="367423"/>
-            </a:xfrm>
-            <a:prstGeom prst="ellipse">
-              <a:avLst/>
-            </a:prstGeom>
-            <a:solidFill>
-              <a:srgbClr val="739B74"/>
-            </a:solidFill>
-            <a:ln>
-              <a:noFill/>
-            </a:ln>
-          </p:spPr>
-          <p:style>
-            <a:lnRef idx="2">
-              <a:schemeClr val="accent1">
-                <a:shade val="15000"/>
-              </a:schemeClr>
-            </a:lnRef>
-            <a:fillRef idx="1">
-              <a:schemeClr val="accent1"/>
-            </a:fillRef>
-            <a:effectRef idx="0">
-              <a:schemeClr val="accent1"/>
-            </a:effectRef>
-            <a:fontRef idx="minor">
-              <a:schemeClr val="lt1"/>
-            </a:fontRef>
-          </p:style>
-          <p:txBody>
-            <a:bodyPr rtlCol="0" anchor="ctr"/>
-            <a:lstStyle/>
-            <a:p>
-              <a:pPr algn="ctr"/>
-              <a:endParaRPr lang="en-US" sz="2016">
-                <a:latin typeface="Arial" panose="020B0604020202020204" pitchFamily="34" charset="0"/>
-                <a:cs typeface="Arial" panose="020B0604020202020204" pitchFamily="34" charset="0"/>
-              </a:endParaRPr>
-            </a:p>
-          </p:txBody>
-        </p:sp>
-        <p:cxnSp>
-          <p:nvCxnSpPr>
-            <p:cNvPr id="6" name="Straight Arrow Connector 5">
-              <a:extLst>
-                <a:ext uri="{FF2B5EF4-FFF2-40B4-BE49-F238E27FC236}">
-                  <a16:creationId xmlns:a16="http://schemas.microsoft.com/office/drawing/2014/main" id="{BFC5D416-0E9B-D2E0-9F53-57AF74DC19A5}"/>
-                </a:ext>
-              </a:extLst>
-            </p:cNvPr>
-            <p:cNvCxnSpPr>
-              <a:cxnSpLocks/>
-            </p:cNvCxnSpPr>
-            <p:nvPr/>
-          </p:nvCxnSpPr>
-          <p:spPr>
-            <a:xfrm>
-              <a:off x="4942935" y="747371"/>
-              <a:ext cx="520996" cy="0"/>
-            </a:xfrm>
-            <a:prstGeom prst="straightConnector1">
-              <a:avLst/>
-            </a:prstGeom>
-            <a:ln>
-              <a:tailEnd type="triangle"/>
-            </a:ln>
-          </p:spPr>
-          <p:style>
-            <a:lnRef idx="2">
-              <a:schemeClr val="dk1"/>
-            </a:lnRef>
-            <a:fillRef idx="0">
-              <a:schemeClr val="dk1"/>
-            </a:fillRef>
-            <a:effectRef idx="1">
-              <a:schemeClr val="dk1"/>
-            </a:effectRef>
-            <a:fontRef idx="minor">
-              <a:schemeClr val="tx1"/>
-            </a:fontRef>
-          </p:style>
-        </p:cxnSp>
-      </p:grpSp>
-      <p:grpSp>
-        <p:nvGrpSpPr>
-          <p:cNvPr id="23" name="Group 22">
-            <a:extLst>
-              <a:ext uri="{FF2B5EF4-FFF2-40B4-BE49-F238E27FC236}">
-                <a16:creationId xmlns:a16="http://schemas.microsoft.com/office/drawing/2014/main" id="{FB711A6E-DE14-9DD1-9C60-95CD65715041}"/>
-              </a:ext>
-            </a:extLst>
-          </p:cNvPr>
-          <p:cNvGrpSpPr/>
-          <p:nvPr/>
-        </p:nvGrpSpPr>
-        <p:grpSpPr>
-          <a:xfrm>
-            <a:off x="1367674" y="4324962"/>
-            <a:ext cx="1549549" cy="411480"/>
-            <a:chOff x="4511613" y="574842"/>
-            <a:chExt cx="1383640" cy="367423"/>
-          </a:xfrm>
-        </p:grpSpPr>
-        <p:sp>
-          <p:nvSpPr>
-            <p:cNvPr id="24" name="Oval 23">
-              <a:extLst>
-                <a:ext uri="{FF2B5EF4-FFF2-40B4-BE49-F238E27FC236}">
-                  <a16:creationId xmlns:a16="http://schemas.microsoft.com/office/drawing/2014/main" id="{AA3D6B35-AABE-2452-29A1-A6890489AA07}"/>
-                </a:ext>
-              </a:extLst>
-            </p:cNvPr>
-            <p:cNvSpPr/>
-            <p:nvPr/>
-          </p:nvSpPr>
-          <p:spPr>
-            <a:xfrm>
-              <a:off x="4511613" y="574842"/>
-              <a:ext cx="370936" cy="367423"/>
-            </a:xfrm>
-            <a:prstGeom prst="ellipse">
-              <a:avLst/>
-            </a:prstGeom>
-            <a:solidFill>
-              <a:srgbClr val="93C47D"/>
-            </a:solidFill>
-            <a:ln>
-              <a:noFill/>
-            </a:ln>
-          </p:spPr>
-          <p:style>
-            <a:lnRef idx="2">
-              <a:schemeClr val="accent1">
-                <a:shade val="15000"/>
-              </a:schemeClr>
-            </a:lnRef>
-            <a:fillRef idx="1">
-              <a:schemeClr val="accent1"/>
-            </a:fillRef>
-            <a:effectRef idx="0">
-              <a:schemeClr val="accent1"/>
-            </a:effectRef>
-            <a:fontRef idx="minor">
-              <a:schemeClr val="lt1"/>
-            </a:fontRef>
-          </p:style>
-          <p:txBody>
-            <a:bodyPr rtlCol="0" anchor="ctr"/>
-            <a:lstStyle/>
-            <a:p>
-              <a:pPr algn="ctr"/>
-              <a:endParaRPr lang="en-US" sz="2016">
-                <a:latin typeface="Arial" panose="020B0604020202020204" pitchFamily="34" charset="0"/>
-                <a:cs typeface="Arial" panose="020B0604020202020204" pitchFamily="34" charset="0"/>
-              </a:endParaRPr>
-            </a:p>
-          </p:txBody>
-        </p:sp>
-        <p:sp>
-          <p:nvSpPr>
-            <p:cNvPr id="25" name="Oval 24">
-              <a:extLst>
-                <a:ext uri="{FF2B5EF4-FFF2-40B4-BE49-F238E27FC236}">
-                  <a16:creationId xmlns:a16="http://schemas.microsoft.com/office/drawing/2014/main" id="{EC7466F3-85BD-BB14-3D7A-C77904105F1E}"/>
-                </a:ext>
-              </a:extLst>
-            </p:cNvPr>
-            <p:cNvSpPr/>
-            <p:nvPr/>
-          </p:nvSpPr>
-          <p:spPr>
-            <a:xfrm>
-              <a:off x="5524317" y="574842"/>
-              <a:ext cx="370936" cy="367423"/>
-            </a:xfrm>
-            <a:prstGeom prst="ellipse">
-              <a:avLst/>
-            </a:prstGeom>
-            <a:solidFill>
-              <a:srgbClr val="3D7DB0"/>
-            </a:solidFill>
-            <a:ln>
-              <a:noFill/>
-            </a:ln>
-          </p:spPr>
-          <p:style>
-            <a:lnRef idx="2">
-              <a:schemeClr val="accent1">
-                <a:shade val="15000"/>
-              </a:schemeClr>
-            </a:lnRef>
-            <a:fillRef idx="1">
-              <a:schemeClr val="accent1"/>
-            </a:fillRef>
-            <a:effectRef idx="0">
-              <a:schemeClr val="accent1"/>
-            </a:effectRef>
-            <a:fontRef idx="minor">
-              <a:schemeClr val="lt1"/>
-            </a:fontRef>
-          </p:style>
-          <p:txBody>
-            <a:bodyPr rtlCol="0" anchor="ctr"/>
-            <a:lstStyle/>
-            <a:p>
-              <a:pPr algn="ctr"/>
-              <a:endParaRPr lang="en-US" sz="2016">
-                <a:latin typeface="Arial" panose="020B0604020202020204" pitchFamily="34" charset="0"/>
-                <a:cs typeface="Arial" panose="020B0604020202020204" pitchFamily="34" charset="0"/>
-              </a:endParaRPr>
-            </a:p>
-          </p:txBody>
-        </p:sp>
-        <p:cxnSp>
-          <p:nvCxnSpPr>
-            <p:cNvPr id="26" name="Straight Arrow Connector 25">
-              <a:extLst>
-                <a:ext uri="{FF2B5EF4-FFF2-40B4-BE49-F238E27FC236}">
-                  <a16:creationId xmlns:a16="http://schemas.microsoft.com/office/drawing/2014/main" id="{22E290A2-85CA-E3C6-00A4-41C26545978A}"/>
-                </a:ext>
-              </a:extLst>
-            </p:cNvPr>
-            <p:cNvCxnSpPr>
-              <a:cxnSpLocks/>
-            </p:cNvCxnSpPr>
-            <p:nvPr/>
-          </p:nvCxnSpPr>
-          <p:spPr>
-            <a:xfrm>
-              <a:off x="4942935" y="747371"/>
-              <a:ext cx="520996" cy="0"/>
-            </a:xfrm>
-            <a:prstGeom prst="straightConnector1">
-              <a:avLst/>
-            </a:prstGeom>
-            <a:ln>
-              <a:tailEnd type="triangle"/>
-            </a:ln>
-          </p:spPr>
-          <p:style>
-            <a:lnRef idx="2">
-              <a:schemeClr val="dk1"/>
-            </a:lnRef>
-            <a:fillRef idx="0">
-              <a:schemeClr val="dk1"/>
-            </a:fillRef>
-            <a:effectRef idx="1">
-              <a:schemeClr val="dk1"/>
-            </a:effectRef>
-            <a:fontRef idx="minor">
-              <a:schemeClr val="tx1"/>
-            </a:fontRef>
-          </p:style>
-        </p:cxnSp>
-      </p:grpSp>
-      <p:grpSp>
-        <p:nvGrpSpPr>
-          <p:cNvPr id="29" name="Group 28">
-            <a:extLst>
-              <a:ext uri="{FF2B5EF4-FFF2-40B4-BE49-F238E27FC236}">
-                <a16:creationId xmlns:a16="http://schemas.microsoft.com/office/drawing/2014/main" id="{176059AB-36C7-9D47-C8A9-E4FFD577D315}"/>
-              </a:ext>
-            </a:extLst>
-          </p:cNvPr>
-          <p:cNvGrpSpPr/>
-          <p:nvPr/>
-        </p:nvGrpSpPr>
-        <p:grpSpPr>
-          <a:xfrm>
-            <a:off x="1367674" y="6291751"/>
-            <a:ext cx="1549549" cy="411480"/>
-            <a:chOff x="4511613" y="574842"/>
-            <a:chExt cx="1383640" cy="367423"/>
-          </a:xfrm>
-        </p:grpSpPr>
-        <p:sp>
-          <p:nvSpPr>
-            <p:cNvPr id="30" name="Oval 29">
-              <a:extLst>
-                <a:ext uri="{FF2B5EF4-FFF2-40B4-BE49-F238E27FC236}">
-                  <a16:creationId xmlns:a16="http://schemas.microsoft.com/office/drawing/2014/main" id="{2D9885B9-8BFA-127A-5C65-F10566DD39C2}"/>
-                </a:ext>
-              </a:extLst>
-            </p:cNvPr>
-            <p:cNvSpPr/>
-            <p:nvPr/>
-          </p:nvSpPr>
-          <p:spPr>
-            <a:xfrm>
-              <a:off x="4511613" y="574842"/>
-              <a:ext cx="370936" cy="367423"/>
-            </a:xfrm>
-            <a:prstGeom prst="ellipse">
-              <a:avLst/>
-            </a:prstGeom>
-            <a:solidFill>
-              <a:srgbClr val="3D7DB0"/>
-            </a:solidFill>
-            <a:ln>
-              <a:noFill/>
-            </a:ln>
-          </p:spPr>
-          <p:style>
-            <a:lnRef idx="2">
-              <a:schemeClr val="accent1">
-                <a:shade val="15000"/>
-              </a:schemeClr>
-            </a:lnRef>
-            <a:fillRef idx="1">
-              <a:schemeClr val="accent1"/>
-            </a:fillRef>
-            <a:effectRef idx="0">
-              <a:schemeClr val="accent1"/>
-            </a:effectRef>
-            <a:fontRef idx="minor">
-              <a:schemeClr val="lt1"/>
-            </a:fontRef>
-          </p:style>
-          <p:txBody>
-            <a:bodyPr rtlCol="0" anchor="ctr"/>
-            <a:lstStyle/>
-            <a:p>
-              <a:pPr algn="ctr"/>
-              <a:endParaRPr lang="en-US" sz="2016">
-                <a:latin typeface="Arial" panose="020B0604020202020204" pitchFamily="34" charset="0"/>
-                <a:cs typeface="Arial" panose="020B0604020202020204" pitchFamily="34" charset="0"/>
-              </a:endParaRPr>
-            </a:p>
-          </p:txBody>
-        </p:sp>
-        <p:sp>
-          <p:nvSpPr>
-            <p:cNvPr id="31" name="Oval 30">
-              <a:extLst>
-                <a:ext uri="{FF2B5EF4-FFF2-40B4-BE49-F238E27FC236}">
-                  <a16:creationId xmlns:a16="http://schemas.microsoft.com/office/drawing/2014/main" id="{5E10EE8C-F4EA-947E-E36A-BA7AC27FE654}"/>
-                </a:ext>
-              </a:extLst>
-            </p:cNvPr>
-            <p:cNvSpPr/>
-            <p:nvPr/>
-          </p:nvSpPr>
-          <p:spPr>
-            <a:xfrm>
-              <a:off x="5524317" y="574842"/>
-              <a:ext cx="370936" cy="367423"/>
-            </a:xfrm>
-            <a:prstGeom prst="ellipse">
-              <a:avLst/>
-            </a:prstGeom>
-            <a:solidFill>
-              <a:srgbClr val="568F96"/>
-            </a:solidFill>
-            <a:ln>
-              <a:noFill/>
-            </a:ln>
-          </p:spPr>
-          <p:style>
-            <a:lnRef idx="2">
-              <a:schemeClr val="accent1">
-                <a:shade val="15000"/>
-              </a:schemeClr>
-            </a:lnRef>
-            <a:fillRef idx="1">
-              <a:schemeClr val="accent1"/>
-            </a:fillRef>
-            <a:effectRef idx="0">
-              <a:schemeClr val="accent1"/>
-            </a:effectRef>
-            <a:fontRef idx="minor">
-              <a:schemeClr val="lt1"/>
-            </a:fontRef>
-          </p:style>
-          <p:txBody>
-            <a:bodyPr rtlCol="0" anchor="ctr"/>
-            <a:lstStyle/>
-            <a:p>
-              <a:pPr algn="ctr"/>
-              <a:endParaRPr lang="en-US" sz="2016">
-                <a:latin typeface="Arial" panose="020B0604020202020204" pitchFamily="34" charset="0"/>
-                <a:cs typeface="Arial" panose="020B0604020202020204" pitchFamily="34" charset="0"/>
-              </a:endParaRPr>
-            </a:p>
-          </p:txBody>
-        </p:sp>
-        <p:cxnSp>
-          <p:nvCxnSpPr>
-            <p:cNvPr id="32" name="Straight Arrow Connector 31">
-              <a:extLst>
-                <a:ext uri="{FF2B5EF4-FFF2-40B4-BE49-F238E27FC236}">
-                  <a16:creationId xmlns:a16="http://schemas.microsoft.com/office/drawing/2014/main" id="{8ECAD611-91E9-A8A0-14F8-A687F70B4122}"/>
-                </a:ext>
-              </a:extLst>
-            </p:cNvPr>
-            <p:cNvCxnSpPr>
-              <a:cxnSpLocks/>
-            </p:cNvCxnSpPr>
-            <p:nvPr/>
-          </p:nvCxnSpPr>
-          <p:spPr>
-            <a:xfrm>
-              <a:off x="4942935" y="747371"/>
-              <a:ext cx="520996" cy="0"/>
-            </a:xfrm>
-            <a:prstGeom prst="straightConnector1">
-              <a:avLst/>
-            </a:prstGeom>
-            <a:ln>
-              <a:tailEnd type="triangle"/>
-            </a:ln>
-          </p:spPr>
-          <p:style>
-            <a:lnRef idx="2">
-              <a:schemeClr val="dk1"/>
-            </a:lnRef>
-            <a:fillRef idx="0">
-              <a:schemeClr val="dk1"/>
-            </a:fillRef>
-            <a:effectRef idx="1">
-              <a:schemeClr val="dk1"/>
-            </a:effectRef>
-            <a:fontRef idx="minor">
-              <a:schemeClr val="tx1"/>
-            </a:fontRef>
-          </p:style>
-        </p:cxnSp>
-      </p:grpSp>
-      <p:grpSp>
-        <p:nvGrpSpPr>
-          <p:cNvPr id="35" name="Group 34">
-            <a:extLst>
-              <a:ext uri="{FF2B5EF4-FFF2-40B4-BE49-F238E27FC236}">
-                <a16:creationId xmlns:a16="http://schemas.microsoft.com/office/drawing/2014/main" id="{C64032D2-BAB1-598F-0269-6CF7D06D1AA2}"/>
-              </a:ext>
-            </a:extLst>
-          </p:cNvPr>
-          <p:cNvGrpSpPr/>
-          <p:nvPr/>
-        </p:nvGrpSpPr>
-        <p:grpSpPr>
-          <a:xfrm>
-            <a:off x="1367674" y="8359849"/>
-            <a:ext cx="1549549" cy="411480"/>
-            <a:chOff x="4511613" y="574842"/>
-            <a:chExt cx="1383640" cy="367423"/>
-          </a:xfrm>
-        </p:grpSpPr>
-        <p:sp>
-          <p:nvSpPr>
-            <p:cNvPr id="36" name="Oval 35">
-              <a:extLst>
-                <a:ext uri="{FF2B5EF4-FFF2-40B4-BE49-F238E27FC236}">
-                  <a16:creationId xmlns:a16="http://schemas.microsoft.com/office/drawing/2014/main" id="{62B3A33C-F245-9274-084C-D3BD84075219}"/>
-                </a:ext>
-              </a:extLst>
-            </p:cNvPr>
-            <p:cNvSpPr/>
-            <p:nvPr/>
-          </p:nvSpPr>
-          <p:spPr>
-            <a:xfrm>
-              <a:off x="4511613" y="574842"/>
-              <a:ext cx="370936" cy="367423"/>
-            </a:xfrm>
-            <a:prstGeom prst="ellipse">
-              <a:avLst/>
-            </a:prstGeom>
-            <a:solidFill>
-              <a:srgbClr val="3D7DB0"/>
-            </a:solidFill>
-            <a:ln>
-              <a:noFill/>
-            </a:ln>
-          </p:spPr>
-          <p:style>
-            <a:lnRef idx="2">
-              <a:schemeClr val="accent1">
-                <a:shade val="15000"/>
-              </a:schemeClr>
-            </a:lnRef>
-            <a:fillRef idx="1">
-              <a:schemeClr val="accent1"/>
-            </a:fillRef>
-            <a:effectRef idx="0">
-              <a:schemeClr val="accent1"/>
-            </a:effectRef>
-            <a:fontRef idx="minor">
-              <a:schemeClr val="lt1"/>
-            </a:fontRef>
-          </p:style>
-          <p:txBody>
-            <a:bodyPr rtlCol="0" anchor="ctr"/>
-            <a:lstStyle/>
-            <a:p>
-              <a:pPr algn="ctr"/>
-              <a:endParaRPr lang="en-US" sz="2016">
-                <a:latin typeface="Arial" panose="020B0604020202020204" pitchFamily="34" charset="0"/>
-                <a:cs typeface="Arial" panose="020B0604020202020204" pitchFamily="34" charset="0"/>
-              </a:endParaRPr>
-            </a:p>
-          </p:txBody>
-        </p:sp>
-        <p:sp>
-          <p:nvSpPr>
-            <p:cNvPr id="37" name="Oval 36">
-              <a:extLst>
-                <a:ext uri="{FF2B5EF4-FFF2-40B4-BE49-F238E27FC236}">
-                  <a16:creationId xmlns:a16="http://schemas.microsoft.com/office/drawing/2014/main" id="{959BA30F-50EF-2801-4215-AA5CD7481EAC}"/>
-                </a:ext>
-              </a:extLst>
-            </p:cNvPr>
-            <p:cNvSpPr/>
-            <p:nvPr/>
-          </p:nvSpPr>
-          <p:spPr>
-            <a:xfrm>
-              <a:off x="5524317" y="574842"/>
-              <a:ext cx="370936" cy="367423"/>
-            </a:xfrm>
-            <a:prstGeom prst="ellipse">
-              <a:avLst/>
-            </a:prstGeom>
-            <a:solidFill>
-              <a:srgbClr val="93C47D"/>
-            </a:solidFill>
-            <a:ln>
-              <a:noFill/>
-            </a:ln>
-          </p:spPr>
-          <p:style>
-            <a:lnRef idx="2">
-              <a:schemeClr val="accent1">
-                <a:shade val="15000"/>
-              </a:schemeClr>
-            </a:lnRef>
-            <a:fillRef idx="1">
-              <a:schemeClr val="accent1"/>
-            </a:fillRef>
-            <a:effectRef idx="0">
-              <a:schemeClr val="accent1"/>
-            </a:effectRef>
-            <a:fontRef idx="minor">
-              <a:schemeClr val="lt1"/>
-            </a:fontRef>
-          </p:style>
-          <p:txBody>
-            <a:bodyPr rtlCol="0" anchor="ctr"/>
-            <a:lstStyle/>
-            <a:p>
-              <a:pPr algn="ctr"/>
-              <a:endParaRPr lang="en-US" sz="2016">
-                <a:latin typeface="Arial" panose="020B0604020202020204" pitchFamily="34" charset="0"/>
-                <a:cs typeface="Arial" panose="020B0604020202020204" pitchFamily="34" charset="0"/>
-              </a:endParaRPr>
-            </a:p>
-          </p:txBody>
-        </p:sp>
-        <p:cxnSp>
-          <p:nvCxnSpPr>
-            <p:cNvPr id="38" name="Straight Arrow Connector 37">
-              <a:extLst>
-                <a:ext uri="{FF2B5EF4-FFF2-40B4-BE49-F238E27FC236}">
-                  <a16:creationId xmlns:a16="http://schemas.microsoft.com/office/drawing/2014/main" id="{FF2BDE31-E6D1-3297-2F9A-08BF18631987}"/>
-                </a:ext>
-              </a:extLst>
-            </p:cNvPr>
-            <p:cNvCxnSpPr>
-              <a:cxnSpLocks/>
-            </p:cNvCxnSpPr>
-            <p:nvPr/>
-          </p:nvCxnSpPr>
-          <p:spPr>
-            <a:xfrm>
-              <a:off x="4942935" y="747371"/>
-              <a:ext cx="520996" cy="0"/>
-            </a:xfrm>
-            <a:prstGeom prst="straightConnector1">
-              <a:avLst/>
-            </a:prstGeom>
-            <a:ln>
-              <a:tailEnd type="triangle"/>
-            </a:ln>
-          </p:spPr>
-          <p:style>
-            <a:lnRef idx="2">
-              <a:schemeClr val="dk1"/>
-            </a:lnRef>
-            <a:fillRef idx="0">
-              <a:schemeClr val="dk1"/>
-            </a:fillRef>
-            <a:effectRef idx="1">
-              <a:schemeClr val="dk1"/>
-            </a:effectRef>
-            <a:fontRef idx="minor">
-              <a:schemeClr val="tx1"/>
-            </a:fontRef>
-          </p:style>
-        </p:cxnSp>
-      </p:grpSp>
-      <p:sp>
-        <p:nvSpPr>
-          <p:cNvPr id="42" name="TextBox 41">
-            <a:extLst>
-              <a:ext uri="{FF2B5EF4-FFF2-40B4-BE49-F238E27FC236}">
-                <a16:creationId xmlns:a16="http://schemas.microsoft.com/office/drawing/2014/main" id="{F7779312-CE12-047F-23EE-11DA0E44AE45}"/>
-              </a:ext>
-            </a:extLst>
-          </p:cNvPr>
-          <p:cNvSpPr txBox="1"/>
-          <p:nvPr/>
-        </p:nvSpPr>
-        <p:spPr>
-          <a:xfrm>
-            <a:off x="1125341" y="1867444"/>
-            <a:ext cx="1999188" cy="454227"/>
-          </a:xfrm>
-          <a:prstGeom prst="rect">
-            <a:avLst/>
-          </a:prstGeom>
-          <a:noFill/>
-        </p:spPr>
-        <p:txBody>
-          <a:bodyPr wrap="square" rtlCol="0">
-            <a:spAutoFit/>
-          </a:bodyPr>
-          <a:lstStyle/>
-          <a:p>
-            <a:pPr algn="ctr"/>
-            <a:r>
-              <a:rPr lang="en-US" sz="1176" dirty="0">
-                <a:latin typeface="Arial" panose="020B0604020202020204" pitchFamily="34" charset="0"/>
-                <a:cs typeface="Arial" panose="020B0604020202020204" pitchFamily="34" charset="0"/>
-              </a:rPr>
-              <a:t>Lakes trended towards blue, but stayed green</a:t>
-            </a:r>
-          </a:p>
-        </p:txBody>
-      </p:sp>
-      <p:sp>
-        <p:nvSpPr>
-          <p:cNvPr id="43" name="TextBox 42">
-            <a:extLst>
-              <a:ext uri="{FF2B5EF4-FFF2-40B4-BE49-F238E27FC236}">
-                <a16:creationId xmlns:a16="http://schemas.microsoft.com/office/drawing/2014/main" id="{94E20A1B-B2FF-1BEA-C14D-522BA6AA0335}"/>
-              </a:ext>
-            </a:extLst>
-          </p:cNvPr>
-          <p:cNvSpPr txBox="1"/>
-          <p:nvPr/>
-        </p:nvSpPr>
-        <p:spPr>
-          <a:xfrm>
-            <a:off x="1125341" y="3798024"/>
-            <a:ext cx="1999188" cy="454227"/>
-          </a:xfrm>
-          <a:prstGeom prst="rect">
-            <a:avLst/>
-          </a:prstGeom>
-          <a:noFill/>
-        </p:spPr>
-        <p:txBody>
-          <a:bodyPr wrap="square" rtlCol="0">
-            <a:spAutoFit/>
-          </a:bodyPr>
-          <a:lstStyle/>
-          <a:p>
-            <a:pPr algn="ctr"/>
-            <a:r>
-              <a:rPr lang="en-US" sz="1176" dirty="0">
-                <a:latin typeface="Arial" panose="020B0604020202020204" pitchFamily="34" charset="0"/>
-                <a:cs typeface="Arial" panose="020B0604020202020204" pitchFamily="34" charset="0"/>
-              </a:rPr>
-              <a:t>Lakes switched from </a:t>
-            </a:r>
-          </a:p>
-          <a:p>
-            <a:pPr algn="ctr"/>
-            <a:r>
-              <a:rPr lang="en-US" sz="1176" dirty="0">
-                <a:latin typeface="Arial" panose="020B0604020202020204" pitchFamily="34" charset="0"/>
-                <a:cs typeface="Arial" panose="020B0604020202020204" pitchFamily="34" charset="0"/>
-              </a:rPr>
-              <a:t>green to blue</a:t>
-            </a:r>
-          </a:p>
-        </p:txBody>
-      </p:sp>
-      <p:sp>
-        <p:nvSpPr>
-          <p:cNvPr id="44" name="TextBox 43">
-            <a:extLst>
-              <a:ext uri="{FF2B5EF4-FFF2-40B4-BE49-F238E27FC236}">
-                <a16:creationId xmlns:a16="http://schemas.microsoft.com/office/drawing/2014/main" id="{1EB65B2F-9BE1-2C2D-B526-888AB809311A}"/>
-              </a:ext>
-            </a:extLst>
-          </p:cNvPr>
-          <p:cNvSpPr txBox="1"/>
-          <p:nvPr/>
-        </p:nvSpPr>
-        <p:spPr>
-          <a:xfrm>
-            <a:off x="1142852" y="5749392"/>
-            <a:ext cx="1999188" cy="454227"/>
-          </a:xfrm>
-          <a:prstGeom prst="rect">
-            <a:avLst/>
-          </a:prstGeom>
-          <a:noFill/>
-        </p:spPr>
-        <p:txBody>
-          <a:bodyPr wrap="square" rtlCol="0">
-            <a:spAutoFit/>
-          </a:bodyPr>
-          <a:lstStyle/>
-          <a:p>
-            <a:pPr algn="ctr"/>
-            <a:r>
-              <a:rPr lang="en-US" sz="1176" dirty="0">
-                <a:latin typeface="Arial" panose="020B0604020202020204" pitchFamily="34" charset="0"/>
-                <a:cs typeface="Arial" panose="020B0604020202020204" pitchFamily="34" charset="0"/>
-              </a:rPr>
-              <a:t>Lakes trended towards green, but stayed blue</a:t>
-            </a:r>
-          </a:p>
-        </p:txBody>
-      </p:sp>
-      <p:sp>
-        <p:nvSpPr>
-          <p:cNvPr id="45" name="TextBox 44">
-            <a:extLst>
-              <a:ext uri="{FF2B5EF4-FFF2-40B4-BE49-F238E27FC236}">
-                <a16:creationId xmlns:a16="http://schemas.microsoft.com/office/drawing/2014/main" id="{600E27D6-AED2-BDA5-079B-0BAE9B4D7391}"/>
-              </a:ext>
-            </a:extLst>
-          </p:cNvPr>
-          <p:cNvSpPr txBox="1"/>
-          <p:nvPr/>
-        </p:nvSpPr>
-        <p:spPr>
-          <a:xfrm>
-            <a:off x="1142852" y="7772176"/>
-            <a:ext cx="1999188" cy="454227"/>
-          </a:xfrm>
-          <a:prstGeom prst="rect">
-            <a:avLst/>
-          </a:prstGeom>
-          <a:noFill/>
-        </p:spPr>
-        <p:txBody>
-          <a:bodyPr wrap="square" rtlCol="0">
-            <a:spAutoFit/>
-          </a:bodyPr>
-          <a:lstStyle/>
-          <a:p>
-            <a:pPr algn="ctr"/>
-            <a:r>
-              <a:rPr lang="en-US" sz="1176" dirty="0">
-                <a:latin typeface="Arial" panose="020B0604020202020204" pitchFamily="34" charset="0"/>
-                <a:cs typeface="Arial" panose="020B0604020202020204" pitchFamily="34" charset="0"/>
-              </a:rPr>
-              <a:t>Lakes switched from </a:t>
-            </a:r>
-          </a:p>
-          <a:p>
-            <a:pPr algn="ctr"/>
-            <a:r>
-              <a:rPr lang="en-US" sz="1176" dirty="0">
-                <a:latin typeface="Arial" panose="020B0604020202020204" pitchFamily="34" charset="0"/>
-                <a:cs typeface="Arial" panose="020B0604020202020204" pitchFamily="34" charset="0"/>
-              </a:rPr>
-              <a:t>blue to green</a:t>
-            </a:r>
-          </a:p>
-        </p:txBody>
-      </p:sp>
-      <p:sp>
-        <p:nvSpPr>
-          <p:cNvPr id="4" name="TextBox 3">
-            <a:extLst>
-              <a:ext uri="{FF2B5EF4-FFF2-40B4-BE49-F238E27FC236}">
-                <a16:creationId xmlns:a16="http://schemas.microsoft.com/office/drawing/2014/main" id="{8A9E3ED9-1AEB-24A2-3955-FA6988180D37}"/>
-              </a:ext>
-            </a:extLst>
-          </p:cNvPr>
-          <p:cNvSpPr txBox="1"/>
-          <p:nvPr/>
-        </p:nvSpPr>
-        <p:spPr>
-          <a:xfrm>
-            <a:off x="1204327" y="1350024"/>
-            <a:ext cx="578761" cy="402546"/>
-          </a:xfrm>
-          <a:prstGeom prst="rect">
-            <a:avLst/>
-          </a:prstGeom>
-          <a:noFill/>
-        </p:spPr>
-        <p:txBody>
-          <a:bodyPr wrap="square" rtlCol="0">
-            <a:spAutoFit/>
-          </a:bodyPr>
-          <a:lstStyle/>
-          <a:p>
-            <a:r>
-              <a:rPr lang="en-US" sz="2016" dirty="0">
-                <a:latin typeface="Arial" panose="020B0604020202020204" pitchFamily="34" charset="0"/>
-                <a:cs typeface="Arial" panose="020B0604020202020204" pitchFamily="34" charset="0"/>
-              </a:rPr>
-              <a:t>a)</a:t>
-            </a:r>
-          </a:p>
-        </p:txBody>
-      </p:sp>
-      <p:sp>
-        <p:nvSpPr>
-          <p:cNvPr id="8" name="TextBox 7">
-            <a:extLst>
-              <a:ext uri="{FF2B5EF4-FFF2-40B4-BE49-F238E27FC236}">
-                <a16:creationId xmlns:a16="http://schemas.microsoft.com/office/drawing/2014/main" id="{FF995F32-5EA6-1FF0-B500-63FBC9F77D2C}"/>
-              </a:ext>
-            </a:extLst>
-          </p:cNvPr>
-          <p:cNvSpPr txBox="1"/>
-          <p:nvPr/>
-        </p:nvSpPr>
-        <p:spPr>
-          <a:xfrm>
-            <a:off x="1204326" y="3306357"/>
-            <a:ext cx="578761" cy="402546"/>
-          </a:xfrm>
-          <a:prstGeom prst="rect">
-            <a:avLst/>
-          </a:prstGeom>
-          <a:noFill/>
-        </p:spPr>
-        <p:txBody>
-          <a:bodyPr wrap="square" rtlCol="0">
-            <a:spAutoFit/>
-          </a:bodyPr>
-          <a:lstStyle/>
-          <a:p>
-            <a:r>
-              <a:rPr lang="en-US" sz="2016" dirty="0">
-                <a:latin typeface="Arial" panose="020B0604020202020204" pitchFamily="34" charset="0"/>
-                <a:cs typeface="Arial" panose="020B0604020202020204" pitchFamily="34" charset="0"/>
-              </a:rPr>
-              <a:t>b)</a:t>
-            </a:r>
-          </a:p>
-        </p:txBody>
-      </p:sp>
-      <p:sp>
-        <p:nvSpPr>
-          <p:cNvPr id="15" name="TextBox 14">
-            <a:extLst>
-              <a:ext uri="{FF2B5EF4-FFF2-40B4-BE49-F238E27FC236}">
-                <a16:creationId xmlns:a16="http://schemas.microsoft.com/office/drawing/2014/main" id="{5F864190-A73A-9106-1C1C-8A3299BBDDA1}"/>
-              </a:ext>
-            </a:extLst>
-          </p:cNvPr>
-          <p:cNvSpPr txBox="1"/>
-          <p:nvPr/>
-        </p:nvSpPr>
-        <p:spPr>
-          <a:xfrm>
-            <a:off x="1204326" y="5285127"/>
-            <a:ext cx="578761" cy="402546"/>
-          </a:xfrm>
-          <a:prstGeom prst="rect">
-            <a:avLst/>
-          </a:prstGeom>
-          <a:noFill/>
-        </p:spPr>
-        <p:txBody>
-          <a:bodyPr wrap="square" rtlCol="0">
-            <a:spAutoFit/>
-          </a:bodyPr>
-          <a:lstStyle/>
-          <a:p>
-            <a:r>
-              <a:rPr lang="en-US" sz="2016" dirty="0">
-                <a:latin typeface="Arial" panose="020B0604020202020204" pitchFamily="34" charset="0"/>
-                <a:cs typeface="Arial" panose="020B0604020202020204" pitchFamily="34" charset="0"/>
-              </a:rPr>
-              <a:t>c)</a:t>
-            </a:r>
-          </a:p>
-        </p:txBody>
-      </p:sp>
-      <p:sp>
-        <p:nvSpPr>
-          <p:cNvPr id="16" name="TextBox 15">
-            <a:extLst>
-              <a:ext uri="{FF2B5EF4-FFF2-40B4-BE49-F238E27FC236}">
-                <a16:creationId xmlns:a16="http://schemas.microsoft.com/office/drawing/2014/main" id="{A2A6BED6-E85A-A9A5-3FBE-D284FA8D5300}"/>
-              </a:ext>
-            </a:extLst>
-          </p:cNvPr>
-          <p:cNvSpPr txBox="1"/>
-          <p:nvPr/>
-        </p:nvSpPr>
-        <p:spPr>
-          <a:xfrm>
-            <a:off x="1204326" y="7339391"/>
-            <a:ext cx="578761" cy="402546"/>
-          </a:xfrm>
-          <a:prstGeom prst="rect">
-            <a:avLst/>
-          </a:prstGeom>
-          <a:noFill/>
-        </p:spPr>
-        <p:txBody>
-          <a:bodyPr wrap="square" rtlCol="0">
-            <a:spAutoFit/>
-          </a:bodyPr>
-          <a:lstStyle/>
-          <a:p>
-            <a:r>
-              <a:rPr lang="en-US" sz="2016" dirty="0">
-                <a:latin typeface="Arial" panose="020B0604020202020204" pitchFamily="34" charset="0"/>
-                <a:cs typeface="Arial" panose="020B0604020202020204" pitchFamily="34" charset="0"/>
-              </a:rPr>
-              <a:t>d)</a:t>
-            </a:r>
-          </a:p>
-        </p:txBody>
-      </p:sp>
-      <p:pic>
-        <p:nvPicPr>
-          <p:cNvPr id="49" name="Picture 48" descr="A graph showing a graph of two people&#10;&#10;Description automatically generated with medium confidence">
-            <a:extLst>
-              <a:ext uri="{FF2B5EF4-FFF2-40B4-BE49-F238E27FC236}">
-                <a16:creationId xmlns:a16="http://schemas.microsoft.com/office/drawing/2014/main" id="{C814B411-ED8D-016A-1512-150C559C8D96}"/>
-              </a:ext>
-            </a:extLst>
-          </p:cNvPr>
-          <p:cNvPicPr>
-            <a:picLocks noChangeAspect="1"/>
-          </p:cNvPicPr>
-          <p:nvPr/>
-        </p:nvPicPr>
-        <p:blipFill>
-          <a:blip r:embed="rId2">
-            <a:extLst>
-              <a:ext uri="{28A0092B-C50C-407E-A947-70E740481C1C}">
-                <a14:useLocalDpi xmlns:a14="http://schemas.microsoft.com/office/drawing/2010/main" val="0"/>
-              </a:ext>
-            </a:extLst>
-          </a:blip>
-          <a:stretch>
-            <a:fillRect/>
-          </a:stretch>
-        </p:blipFill>
-        <p:spPr>
-          <a:xfrm>
-            <a:off x="3375243" y="1357388"/>
-            <a:ext cx="3583737" cy="2150242"/>
-          </a:xfrm>
-          <a:prstGeom prst="rect">
-            <a:avLst/>
-          </a:prstGeom>
-        </p:spPr>
-      </p:pic>
-      <p:pic>
-        <p:nvPicPr>
-          <p:cNvPr id="51" name="Picture 50" descr="A graph showing a graph of a graph&#10;&#10;Description automatically generated with medium confidence">
-            <a:extLst>
-              <a:ext uri="{FF2B5EF4-FFF2-40B4-BE49-F238E27FC236}">
-                <a16:creationId xmlns:a16="http://schemas.microsoft.com/office/drawing/2014/main" id="{F0CA5381-B60D-BC85-4761-EC16F5CCABFE}"/>
-              </a:ext>
-            </a:extLst>
-          </p:cNvPr>
-          <p:cNvPicPr>
-            <a:picLocks noChangeAspect="1"/>
-          </p:cNvPicPr>
-          <p:nvPr/>
-        </p:nvPicPr>
-        <p:blipFill>
-          <a:blip r:embed="rId3">
-            <a:extLst>
-              <a:ext uri="{28A0092B-C50C-407E-A947-70E740481C1C}">
-                <a14:useLocalDpi xmlns:a14="http://schemas.microsoft.com/office/drawing/2010/main" val="0"/>
-              </a:ext>
-            </a:extLst>
-          </a:blip>
-          <a:stretch>
-            <a:fillRect/>
-          </a:stretch>
-        </p:blipFill>
-        <p:spPr>
-          <a:xfrm>
-            <a:off x="3386126" y="3376185"/>
-            <a:ext cx="3583737" cy="2150242"/>
-          </a:xfrm>
-          <a:prstGeom prst="rect">
-            <a:avLst/>
-          </a:prstGeom>
-        </p:spPr>
-      </p:pic>
-      <p:pic>
-        <p:nvPicPr>
-          <p:cNvPr id="53" name="Picture 52" descr="A graph showing a graph of a graph&#10;&#10;Description automatically generated with medium confidence">
-            <a:extLst>
-              <a:ext uri="{FF2B5EF4-FFF2-40B4-BE49-F238E27FC236}">
-                <a16:creationId xmlns:a16="http://schemas.microsoft.com/office/drawing/2014/main" id="{54F23CFC-B2E3-5D4A-5542-365115E5FB4E}"/>
-              </a:ext>
-            </a:extLst>
-          </p:cNvPr>
-          <p:cNvPicPr>
-            <a:picLocks noChangeAspect="1"/>
-          </p:cNvPicPr>
-          <p:nvPr/>
-        </p:nvPicPr>
-        <p:blipFill>
-          <a:blip r:embed="rId4">
-            <a:extLst>
-              <a:ext uri="{28A0092B-C50C-407E-A947-70E740481C1C}">
-                <a14:useLocalDpi xmlns:a14="http://schemas.microsoft.com/office/drawing/2010/main" val="0"/>
-              </a:ext>
-            </a:extLst>
-          </a:blip>
-          <a:stretch>
-            <a:fillRect/>
-          </a:stretch>
-        </p:blipFill>
-        <p:spPr>
-          <a:xfrm>
-            <a:off x="3386126" y="5393085"/>
-            <a:ext cx="3583737" cy="2150242"/>
-          </a:xfrm>
-          <a:prstGeom prst="rect">
-            <a:avLst/>
-          </a:prstGeom>
-        </p:spPr>
-      </p:pic>
-      <p:pic>
-        <p:nvPicPr>
-          <p:cNvPr id="55" name="Picture 54" descr="A graph showing the growth of a number of people&#10;&#10;Description automatically generated with medium confidence">
-            <a:extLst>
-              <a:ext uri="{FF2B5EF4-FFF2-40B4-BE49-F238E27FC236}">
-                <a16:creationId xmlns:a16="http://schemas.microsoft.com/office/drawing/2014/main" id="{61EE2CF9-0B09-2A1C-E361-B5BA5CC53378}"/>
-              </a:ext>
-            </a:extLst>
-          </p:cNvPr>
-          <p:cNvPicPr>
-            <a:picLocks noChangeAspect="1"/>
-          </p:cNvPicPr>
-          <p:nvPr/>
-        </p:nvPicPr>
-        <p:blipFill>
-          <a:blip r:embed="rId5">
-            <a:extLst>
-              <a:ext uri="{28A0092B-C50C-407E-A947-70E740481C1C}">
-                <a14:useLocalDpi xmlns:a14="http://schemas.microsoft.com/office/drawing/2010/main" val="0"/>
-              </a:ext>
-            </a:extLst>
-          </a:blip>
-          <a:stretch>
-            <a:fillRect/>
-          </a:stretch>
-        </p:blipFill>
-        <p:spPr>
-          <a:xfrm>
-            <a:off x="3386126" y="7423994"/>
-            <a:ext cx="3583737" cy="2150242"/>
-          </a:xfrm>
-          <a:prstGeom prst="rect">
-            <a:avLst/>
-          </a:prstGeom>
-        </p:spPr>
-      </p:pic>
-      <p:sp>
-        <p:nvSpPr>
-          <p:cNvPr id="58" name="TextBox 57">
-            <a:extLst>
-              <a:ext uri="{FF2B5EF4-FFF2-40B4-BE49-F238E27FC236}">
-                <a16:creationId xmlns:a16="http://schemas.microsoft.com/office/drawing/2014/main" id="{196A0FF5-52DA-32B5-0AB9-29572B83D84B}"/>
-              </a:ext>
-            </a:extLst>
-          </p:cNvPr>
-          <p:cNvSpPr txBox="1"/>
-          <p:nvPr/>
-        </p:nvSpPr>
-        <p:spPr>
-          <a:xfrm>
-            <a:off x="4497818" y="9327920"/>
-            <a:ext cx="1531196" cy="273280"/>
-          </a:xfrm>
-          <a:prstGeom prst="rect">
-            <a:avLst/>
-          </a:prstGeom>
-          <a:noFill/>
-        </p:spPr>
-        <p:txBody>
-          <a:bodyPr wrap="square" rtlCol="0">
-            <a:spAutoFit/>
-          </a:bodyPr>
-          <a:lstStyle/>
-          <a:p>
-            <a:r>
-              <a:rPr lang="en-US" sz="1176" dirty="0">
-                <a:latin typeface="Arial" panose="020B0604020202020204" pitchFamily="34" charset="0"/>
-                <a:cs typeface="Arial" panose="020B0604020202020204" pitchFamily="34" charset="0"/>
-              </a:rPr>
-              <a:t>Year (Common Era)</a:t>
-            </a:r>
-          </a:p>
-        </p:txBody>
-      </p:sp>
-      <p:sp>
-        <p:nvSpPr>
-          <p:cNvPr id="59" name="TextBox 58">
-            <a:extLst>
-              <a:ext uri="{FF2B5EF4-FFF2-40B4-BE49-F238E27FC236}">
-                <a16:creationId xmlns:a16="http://schemas.microsoft.com/office/drawing/2014/main" id="{B1F3818C-D5C7-03C7-DF9E-E48E8DAE56CB}"/>
-              </a:ext>
-            </a:extLst>
-          </p:cNvPr>
-          <p:cNvSpPr txBox="1"/>
-          <p:nvPr/>
-        </p:nvSpPr>
-        <p:spPr>
-          <a:xfrm rot="16200000">
-            <a:off x="2266440" y="5183341"/>
-            <a:ext cx="1995577" cy="278820"/>
-          </a:xfrm>
-          <a:prstGeom prst="rect">
-            <a:avLst/>
-          </a:prstGeom>
-          <a:noFill/>
-        </p:spPr>
-        <p:txBody>
-          <a:bodyPr wrap="square" rtlCol="0">
-            <a:spAutoFit/>
-          </a:bodyPr>
-          <a:lstStyle/>
-          <a:p>
-            <a:r>
-              <a:rPr lang="en-US" sz="1176" dirty="0">
-                <a:latin typeface="Arial" panose="020B0604020202020204" pitchFamily="34" charset="0"/>
-                <a:cs typeface="Arial" panose="020B0604020202020204" pitchFamily="34" charset="0"/>
-              </a:rPr>
-              <a:t>Dominant wavelength (dwl)</a:t>
-            </a:r>
-          </a:p>
-        </p:txBody>
-      </p:sp>
-    </p:spTree>
-    <p:extLst>
-      <p:ext uri="{BB962C8B-B14F-4D97-AF65-F5344CB8AC3E}">
-        <p14:creationId xmlns:p14="http://schemas.microsoft.com/office/powerpoint/2010/main" val="1321422355"/>
-      </p:ext>
-    </p:extLst>
-  </p:cSld>
-  <p:clrMapOvr>
-    <a:masterClrMapping/>
-  </p:clrMapOvr>
-</p:sld>
-</file>
-
-<file path=ppt/slides/slide3.xml><?xml version="1.0" encoding="utf-8"?>
-<p:sld xmlns:a="http://schemas.openxmlformats.org/drawingml/2006/main" xmlns:r="http://schemas.openxmlformats.org/officeDocument/2006/relationships" xmlns:p="http://schemas.openxmlformats.org/presentationml/2006/main">
-  <p:cSld>
-    <p:spTree>
-      <p:nvGrpSpPr>
-        <p:cNvPr id="1" name=""/>
-        <p:cNvGrpSpPr/>
-        <p:nvPr/>
-      </p:nvGrpSpPr>
-      <p:grpSpPr>
-        <a:xfrm>
-          <a:off x="0" y="0"/>
-          <a:ext cx="0" cy="0"/>
-          <a:chOff x="0" y="0"/>
-          <a:chExt cx="0" cy="0"/>
-        </a:xfrm>
-      </p:grpSpPr>
-      <p:grpSp>
-        <p:nvGrpSpPr>
-          <p:cNvPr id="22" name="Group 21">
-            <a:extLst>
-              <a:ext uri="{FF2B5EF4-FFF2-40B4-BE49-F238E27FC236}">
-                <a16:creationId xmlns:a16="http://schemas.microsoft.com/office/drawing/2014/main" id="{DA76E2A5-ECB8-8F01-6E5B-887A9DF48EE2}"/>
-              </a:ext>
-            </a:extLst>
-          </p:cNvPr>
-          <p:cNvGrpSpPr/>
-          <p:nvPr/>
-        </p:nvGrpSpPr>
-        <p:grpSpPr>
-          <a:xfrm>
-            <a:off x="356287" y="1722911"/>
-            <a:ext cx="1549549" cy="411480"/>
-            <a:chOff x="4511613" y="574842"/>
-            <a:chExt cx="1383640" cy="367423"/>
-          </a:xfrm>
-        </p:grpSpPr>
-        <p:sp>
-          <p:nvSpPr>
-            <p:cNvPr id="2" name="Oval 1">
-              <a:extLst>
-                <a:ext uri="{FF2B5EF4-FFF2-40B4-BE49-F238E27FC236}">
-                  <a16:creationId xmlns:a16="http://schemas.microsoft.com/office/drawing/2014/main" id="{6EDA3398-07ED-483C-9360-DF1B460D0DD5}"/>
-                </a:ext>
-              </a:extLst>
-            </p:cNvPr>
-            <p:cNvSpPr/>
-            <p:nvPr/>
-          </p:nvSpPr>
-          <p:spPr>
-            <a:xfrm>
-              <a:off x="4511613" y="574842"/>
-              <a:ext cx="370936" cy="367423"/>
+              <a:off x="4474497" y="574842"/>
+              <a:ext cx="489898" cy="489898"/>
             </a:xfrm>
             <a:prstGeom prst="ellipse">
               <a:avLst/>
@@ -5624,7 +5439,7 @@
             <a:lstStyle/>
             <a:p>
               <a:pPr algn="ctr"/>
-              <a:endParaRPr lang="en-US" sz="2016">
+              <a:endParaRPr lang="en-US" sz="1932">
                 <a:latin typeface="Arial" panose="020B0604020202020204" pitchFamily="34" charset="0"/>
                 <a:cs typeface="Arial" panose="020B0604020202020204" pitchFamily="34" charset="0"/>
               </a:endParaRPr>
@@ -5645,8 +5460,8 @@
           </p:nvSpPr>
           <p:spPr>
             <a:xfrm>
-              <a:off x="5524317" y="574842"/>
-              <a:ext cx="370936" cy="367423"/>
+              <a:off x="5598545" y="574842"/>
+              <a:ext cx="489898" cy="489898"/>
             </a:xfrm>
             <a:prstGeom prst="ellipse">
               <a:avLst/>
@@ -5681,7 +5496,7 @@
             <a:lstStyle/>
             <a:p>
               <a:pPr algn="ctr"/>
-              <a:endParaRPr lang="en-US" sz="2016">
+              <a:endParaRPr lang="en-US" sz="1932">
                 <a:latin typeface="Arial" panose="020B0604020202020204" pitchFamily="34" charset="0"/>
                 <a:cs typeface="Arial" panose="020B0604020202020204" pitchFamily="34" charset="0"/>
               </a:endParaRPr>
@@ -5704,7 +5519,7 @@
           </p:nvCxnSpPr>
           <p:spPr>
             <a:xfrm>
-              <a:off x="4942935" y="747371"/>
+              <a:off x="5038626" y="810319"/>
               <a:ext cx="520996" cy="0"/>
             </a:xfrm>
             <a:prstGeom prst="straightConnector1">
@@ -5730,12 +5545,379 @@
           </p:style>
         </p:cxnSp>
       </p:grpSp>
+      <p:sp>
+        <p:nvSpPr>
+          <p:cNvPr id="42" name="TextBox 41">
+            <a:extLst>
+              <a:ext uri="{FF2B5EF4-FFF2-40B4-BE49-F238E27FC236}">
+                <a16:creationId xmlns:a16="http://schemas.microsoft.com/office/drawing/2014/main" id="{F7779312-CE12-047F-23EE-11DA0E44AE45}"/>
+              </a:ext>
+            </a:extLst>
+          </p:cNvPr>
+          <p:cNvSpPr txBox="1"/>
+          <p:nvPr/>
+        </p:nvSpPr>
+        <p:spPr>
+          <a:xfrm>
+            <a:off x="438309" y="700497"/>
+            <a:ext cx="2164196" cy="560409"/>
+          </a:xfrm>
+          <a:prstGeom prst="rect">
+            <a:avLst/>
+          </a:prstGeom>
+          <a:noFill/>
+        </p:spPr>
+        <p:txBody>
+          <a:bodyPr wrap="square" rtlCol="0">
+            <a:spAutoFit/>
+          </a:bodyPr>
+          <a:lstStyle/>
+          <a:p>
+            <a:pPr algn="ctr"/>
+            <a:r>
+              <a:rPr lang="en-US" sz="1533" dirty="0">
+                <a:latin typeface="Arial" panose="020B0604020202020204" pitchFamily="34" charset="0"/>
+                <a:cs typeface="Arial" panose="020B0604020202020204" pitchFamily="34" charset="0"/>
+              </a:rPr>
+              <a:t>Lakes trended towards blue, but stayed green</a:t>
+            </a:r>
+          </a:p>
+        </p:txBody>
+      </p:sp>
+      <p:sp>
+        <p:nvSpPr>
+          <p:cNvPr id="43" name="TextBox 42">
+            <a:extLst>
+              <a:ext uri="{FF2B5EF4-FFF2-40B4-BE49-F238E27FC236}">
+                <a16:creationId xmlns:a16="http://schemas.microsoft.com/office/drawing/2014/main" id="{94E20A1B-B2FF-1BEA-C14D-522BA6AA0335}"/>
+              </a:ext>
+            </a:extLst>
+          </p:cNvPr>
+          <p:cNvSpPr txBox="1"/>
+          <p:nvPr/>
+        </p:nvSpPr>
+        <p:spPr>
+          <a:xfrm>
+            <a:off x="438309" y="3149161"/>
+            <a:ext cx="2134656" cy="560409"/>
+          </a:xfrm>
+          <a:prstGeom prst="rect">
+            <a:avLst/>
+          </a:prstGeom>
+          <a:noFill/>
+        </p:spPr>
+        <p:txBody>
+          <a:bodyPr wrap="square" rtlCol="0">
+            <a:spAutoFit/>
+          </a:bodyPr>
+          <a:lstStyle/>
+          <a:p>
+            <a:pPr algn="ctr"/>
+            <a:r>
+              <a:rPr lang="en-US" sz="1533" dirty="0">
+                <a:latin typeface="Arial" panose="020B0604020202020204" pitchFamily="34" charset="0"/>
+                <a:cs typeface="Arial" panose="020B0604020202020204" pitchFamily="34" charset="0"/>
+              </a:rPr>
+              <a:t>Lakes switched from </a:t>
+            </a:r>
+          </a:p>
+          <a:p>
+            <a:pPr algn="ctr"/>
+            <a:r>
+              <a:rPr lang="en-US" sz="1533" dirty="0">
+                <a:latin typeface="Arial" panose="020B0604020202020204" pitchFamily="34" charset="0"/>
+                <a:cs typeface="Arial" panose="020B0604020202020204" pitchFamily="34" charset="0"/>
+              </a:rPr>
+              <a:t>green to blue</a:t>
+            </a:r>
+          </a:p>
+        </p:txBody>
+      </p:sp>
+      <p:sp>
+        <p:nvSpPr>
+          <p:cNvPr id="44" name="TextBox 43">
+            <a:extLst>
+              <a:ext uri="{FF2B5EF4-FFF2-40B4-BE49-F238E27FC236}">
+                <a16:creationId xmlns:a16="http://schemas.microsoft.com/office/drawing/2014/main" id="{1EB65B2F-9BE1-2C2D-B526-888AB809311A}"/>
+              </a:ext>
+            </a:extLst>
+          </p:cNvPr>
+          <p:cNvSpPr txBox="1"/>
+          <p:nvPr/>
+        </p:nvSpPr>
+        <p:spPr>
+          <a:xfrm>
+            <a:off x="438311" y="5537043"/>
+            <a:ext cx="2149495" cy="560409"/>
+          </a:xfrm>
+          <a:prstGeom prst="rect">
+            <a:avLst/>
+          </a:prstGeom>
+          <a:noFill/>
+        </p:spPr>
+        <p:txBody>
+          <a:bodyPr wrap="square" rtlCol="0">
+            <a:spAutoFit/>
+          </a:bodyPr>
+          <a:lstStyle/>
+          <a:p>
+            <a:pPr algn="ctr"/>
+            <a:r>
+              <a:rPr lang="en-US" sz="1533" dirty="0">
+                <a:latin typeface="Arial" panose="020B0604020202020204" pitchFamily="34" charset="0"/>
+                <a:cs typeface="Arial" panose="020B0604020202020204" pitchFamily="34" charset="0"/>
+              </a:rPr>
+              <a:t>Lakes trended towards green, but stayed blue</a:t>
+            </a:r>
+          </a:p>
+        </p:txBody>
+      </p:sp>
+      <p:sp>
+        <p:nvSpPr>
+          <p:cNvPr id="45" name="TextBox 44">
+            <a:extLst>
+              <a:ext uri="{FF2B5EF4-FFF2-40B4-BE49-F238E27FC236}">
+                <a16:creationId xmlns:a16="http://schemas.microsoft.com/office/drawing/2014/main" id="{600E27D6-AED2-BDA5-079B-0BAE9B4D7391}"/>
+              </a:ext>
+            </a:extLst>
+          </p:cNvPr>
+          <p:cNvSpPr txBox="1"/>
+          <p:nvPr/>
+        </p:nvSpPr>
+        <p:spPr>
+          <a:xfrm>
+            <a:off x="438312" y="8126127"/>
+            <a:ext cx="1971827" cy="560409"/>
+          </a:xfrm>
+          <a:prstGeom prst="rect">
+            <a:avLst/>
+          </a:prstGeom>
+          <a:noFill/>
+        </p:spPr>
+        <p:txBody>
+          <a:bodyPr wrap="square" rtlCol="0">
+            <a:spAutoFit/>
+          </a:bodyPr>
+          <a:lstStyle/>
+          <a:p>
+            <a:pPr algn="ctr"/>
+            <a:r>
+              <a:rPr lang="en-US" sz="1533" dirty="0">
+                <a:latin typeface="Arial" panose="020B0604020202020204" pitchFamily="34" charset="0"/>
+                <a:cs typeface="Arial" panose="020B0604020202020204" pitchFamily="34" charset="0"/>
+              </a:rPr>
+              <a:t>Lakes switched from </a:t>
+            </a:r>
+          </a:p>
+          <a:p>
+            <a:pPr algn="ctr"/>
+            <a:r>
+              <a:rPr lang="en-US" sz="1533" dirty="0">
+                <a:latin typeface="Arial" panose="020B0604020202020204" pitchFamily="34" charset="0"/>
+                <a:cs typeface="Arial" panose="020B0604020202020204" pitchFamily="34" charset="0"/>
+              </a:rPr>
+              <a:t>blue to green</a:t>
+            </a:r>
+          </a:p>
+        </p:txBody>
+      </p:sp>
+      <p:sp>
+        <p:nvSpPr>
+          <p:cNvPr id="4" name="TextBox 3">
+            <a:extLst>
+              <a:ext uri="{FF2B5EF4-FFF2-40B4-BE49-F238E27FC236}">
+                <a16:creationId xmlns:a16="http://schemas.microsoft.com/office/drawing/2014/main" id="{8A9E3ED9-1AEB-24A2-3955-FA6988180D37}"/>
+              </a:ext>
+            </a:extLst>
+          </p:cNvPr>
+          <p:cNvSpPr txBox="1"/>
+          <p:nvPr/>
+        </p:nvSpPr>
+        <p:spPr>
+          <a:xfrm>
+            <a:off x="244783" y="176005"/>
+            <a:ext cx="554646" cy="442429"/>
+          </a:xfrm>
+          <a:prstGeom prst="rect">
+            <a:avLst/>
+          </a:prstGeom>
+          <a:noFill/>
+        </p:spPr>
+        <p:txBody>
+          <a:bodyPr wrap="square" rtlCol="0">
+            <a:spAutoFit/>
+          </a:bodyPr>
+          <a:lstStyle/>
+          <a:p>
+            <a:r>
+              <a:rPr lang="en-US" sz="2300" dirty="0">
+                <a:latin typeface="Arial" panose="020B0604020202020204" pitchFamily="34" charset="0"/>
+                <a:cs typeface="Arial" panose="020B0604020202020204" pitchFamily="34" charset="0"/>
+              </a:rPr>
+              <a:t>a)</a:t>
+            </a:r>
+          </a:p>
+        </p:txBody>
+      </p:sp>
+      <p:sp>
+        <p:nvSpPr>
+          <p:cNvPr id="8" name="TextBox 7">
+            <a:extLst>
+              <a:ext uri="{FF2B5EF4-FFF2-40B4-BE49-F238E27FC236}">
+                <a16:creationId xmlns:a16="http://schemas.microsoft.com/office/drawing/2014/main" id="{FF995F32-5EA6-1FF0-B500-63FBC9F77D2C}"/>
+              </a:ext>
+            </a:extLst>
+          </p:cNvPr>
+          <p:cNvSpPr txBox="1"/>
+          <p:nvPr/>
+        </p:nvSpPr>
+        <p:spPr>
+          <a:xfrm>
+            <a:off x="242206" y="2603808"/>
+            <a:ext cx="554646" cy="442429"/>
+          </a:xfrm>
+          <a:prstGeom prst="rect">
+            <a:avLst/>
+          </a:prstGeom>
+          <a:noFill/>
+        </p:spPr>
+        <p:txBody>
+          <a:bodyPr wrap="square" rtlCol="0">
+            <a:spAutoFit/>
+          </a:bodyPr>
+          <a:lstStyle/>
+          <a:p>
+            <a:r>
+              <a:rPr lang="en-US" sz="2300" dirty="0">
+                <a:latin typeface="Arial" panose="020B0604020202020204" pitchFamily="34" charset="0"/>
+                <a:cs typeface="Arial" panose="020B0604020202020204" pitchFamily="34" charset="0"/>
+              </a:rPr>
+              <a:t>b)</a:t>
+            </a:r>
+          </a:p>
+        </p:txBody>
+      </p:sp>
+      <p:sp>
+        <p:nvSpPr>
+          <p:cNvPr id="15" name="TextBox 14">
+            <a:extLst>
+              <a:ext uri="{FF2B5EF4-FFF2-40B4-BE49-F238E27FC236}">
+                <a16:creationId xmlns:a16="http://schemas.microsoft.com/office/drawing/2014/main" id="{5F864190-A73A-9106-1C1C-8A3299BBDDA1}"/>
+              </a:ext>
+            </a:extLst>
+          </p:cNvPr>
+          <p:cNvSpPr txBox="1"/>
+          <p:nvPr/>
+        </p:nvSpPr>
+        <p:spPr>
+          <a:xfrm>
+            <a:off x="242205" y="5045076"/>
+            <a:ext cx="554646" cy="442429"/>
+          </a:xfrm>
+          <a:prstGeom prst="rect">
+            <a:avLst/>
+          </a:prstGeom>
+          <a:noFill/>
+        </p:spPr>
+        <p:txBody>
+          <a:bodyPr wrap="square" rtlCol="0">
+            <a:spAutoFit/>
+          </a:bodyPr>
+          <a:lstStyle/>
+          <a:p>
+            <a:r>
+              <a:rPr lang="en-US" sz="2300" dirty="0">
+                <a:latin typeface="Arial" panose="020B0604020202020204" pitchFamily="34" charset="0"/>
+                <a:cs typeface="Arial" panose="020B0604020202020204" pitchFamily="34" charset="0"/>
+              </a:rPr>
+              <a:t>c)</a:t>
+            </a:r>
+          </a:p>
+        </p:txBody>
+      </p:sp>
+      <p:sp>
+        <p:nvSpPr>
+          <p:cNvPr id="16" name="TextBox 15">
+            <a:extLst>
+              <a:ext uri="{FF2B5EF4-FFF2-40B4-BE49-F238E27FC236}">
+                <a16:creationId xmlns:a16="http://schemas.microsoft.com/office/drawing/2014/main" id="{A2A6BED6-E85A-A9A5-3FBE-D284FA8D5300}"/>
+              </a:ext>
+            </a:extLst>
+          </p:cNvPr>
+          <p:cNvSpPr txBox="1"/>
+          <p:nvPr/>
+        </p:nvSpPr>
+        <p:spPr>
+          <a:xfrm>
+            <a:off x="242204" y="7590140"/>
+            <a:ext cx="554646" cy="442429"/>
+          </a:xfrm>
+          <a:prstGeom prst="rect">
+            <a:avLst/>
+          </a:prstGeom>
+          <a:noFill/>
+        </p:spPr>
+        <p:txBody>
+          <a:bodyPr wrap="square" rtlCol="0">
+            <a:spAutoFit/>
+          </a:bodyPr>
+          <a:lstStyle/>
+          <a:p>
+            <a:r>
+              <a:rPr lang="en-US" sz="2300" dirty="0">
+                <a:latin typeface="Arial" panose="020B0604020202020204" pitchFamily="34" charset="0"/>
+                <a:cs typeface="Arial" panose="020B0604020202020204" pitchFamily="34" charset="0"/>
+              </a:rPr>
+              <a:t>d)</a:t>
+            </a:r>
+          </a:p>
+        </p:txBody>
+      </p:sp>
+      <p:sp>
+        <p:nvSpPr>
+          <p:cNvPr id="34" name="TextBox 33">
+            <a:extLst>
+              <a:ext uri="{FF2B5EF4-FFF2-40B4-BE49-F238E27FC236}">
+                <a16:creationId xmlns:a16="http://schemas.microsoft.com/office/drawing/2014/main" id="{AA4222A2-9CE5-6BE0-38E7-36EDE44CEF95}"/>
+              </a:ext>
+            </a:extLst>
+          </p:cNvPr>
+          <p:cNvSpPr txBox="1"/>
+          <p:nvPr/>
+        </p:nvSpPr>
+        <p:spPr>
+          <a:xfrm rot="16200000">
+            <a:off x="1566152" y="4664228"/>
+            <a:ext cx="2798689" cy="328231"/>
+          </a:xfrm>
+          <a:prstGeom prst="rect">
+            <a:avLst/>
+          </a:prstGeom>
+          <a:noFill/>
+        </p:spPr>
+        <p:txBody>
+          <a:bodyPr wrap="square" rtlCol="0">
+            <a:spAutoFit/>
+          </a:bodyPr>
+          <a:lstStyle/>
+          <a:p>
+            <a:pPr algn="ctr"/>
+            <a:r>
+              <a:rPr lang="en-US" sz="1533" dirty="0">
+                <a:latin typeface="Arial" panose="020B0604020202020204" pitchFamily="34" charset="0"/>
+                <a:cs typeface="Arial" panose="020B0604020202020204" pitchFamily="34" charset="0"/>
+              </a:rPr>
+              <a:t>Dominant wavelength (DWL)</a:t>
+            </a:r>
+          </a:p>
+        </p:txBody>
+      </p:sp>
       <p:grpSp>
         <p:nvGrpSpPr>
-          <p:cNvPr id="23" name="Group 22">
+          <p:cNvPr id="47" name="Group 46">
             <a:extLst>
               <a:ext uri="{FF2B5EF4-FFF2-40B4-BE49-F238E27FC236}">
-                <a16:creationId xmlns:a16="http://schemas.microsoft.com/office/drawing/2014/main" id="{FB711A6E-DE14-9DD1-9C60-95CD65715041}"/>
+                <a16:creationId xmlns:a16="http://schemas.microsoft.com/office/drawing/2014/main" id="{192928AB-318F-F586-AA06-0E40376D9B3F}"/>
               </a:ext>
             </a:extLst>
           </p:cNvPr>
@@ -5744,18 +5926,18 @@
         </p:nvGrpSpPr>
         <p:grpSpPr>
           <a:xfrm>
-            <a:off x="314722" y="4255687"/>
-            <a:ext cx="1549549" cy="411480"/>
-            <a:chOff x="4511613" y="574842"/>
-            <a:chExt cx="1383640" cy="367423"/>
+            <a:off x="577094" y="3851921"/>
+            <a:ext cx="1732155" cy="525780"/>
+            <a:chOff x="4474497" y="574842"/>
+            <a:chExt cx="1613946" cy="489898"/>
           </a:xfrm>
         </p:grpSpPr>
         <p:sp>
           <p:nvSpPr>
-            <p:cNvPr id="24" name="Oval 23">
+            <p:cNvPr id="48" name="Oval 47">
               <a:extLst>
                 <a:ext uri="{FF2B5EF4-FFF2-40B4-BE49-F238E27FC236}">
-                  <a16:creationId xmlns:a16="http://schemas.microsoft.com/office/drawing/2014/main" id="{AA3D6B35-AABE-2452-29A1-A6890489AA07}"/>
+                  <a16:creationId xmlns:a16="http://schemas.microsoft.com/office/drawing/2014/main" id="{849F71B8-3FA0-8BB3-A27F-D73E8630CFE1}"/>
                 </a:ext>
               </a:extLst>
             </p:cNvPr>
@@ -5764,8 +5946,8 @@
           </p:nvSpPr>
           <p:spPr>
             <a:xfrm>
-              <a:off x="4511613" y="574842"/>
-              <a:ext cx="370936" cy="367423"/>
+              <a:off x="4474497" y="574842"/>
+              <a:ext cx="489898" cy="489898"/>
             </a:xfrm>
             <a:prstGeom prst="ellipse">
               <a:avLst/>
@@ -5800,7 +5982,7 @@
             <a:lstStyle/>
             <a:p>
               <a:pPr algn="ctr"/>
-              <a:endParaRPr lang="en-US" sz="2016">
+              <a:endParaRPr lang="en-US" sz="1932">
                 <a:latin typeface="Arial" panose="020B0604020202020204" pitchFamily="34" charset="0"/>
                 <a:cs typeface="Arial" panose="020B0604020202020204" pitchFamily="34" charset="0"/>
               </a:endParaRPr>
@@ -5809,10 +5991,10 @@
         </p:sp>
         <p:sp>
           <p:nvSpPr>
-            <p:cNvPr id="25" name="Oval 24">
+            <p:cNvPr id="49" name="Oval 48">
               <a:extLst>
                 <a:ext uri="{FF2B5EF4-FFF2-40B4-BE49-F238E27FC236}">
-                  <a16:creationId xmlns:a16="http://schemas.microsoft.com/office/drawing/2014/main" id="{EC7466F3-85BD-BB14-3D7A-C77904105F1E}"/>
+                  <a16:creationId xmlns:a16="http://schemas.microsoft.com/office/drawing/2014/main" id="{5C09A609-09ED-4C83-AEC1-73FABE7691CC}"/>
                 </a:ext>
               </a:extLst>
             </p:cNvPr>
@@ -5821,8 +6003,8 @@
           </p:nvSpPr>
           <p:spPr>
             <a:xfrm>
-              <a:off x="5524317" y="574842"/>
-              <a:ext cx="370936" cy="367423"/>
+              <a:off x="5598545" y="574842"/>
+              <a:ext cx="489898" cy="489898"/>
             </a:xfrm>
             <a:prstGeom prst="ellipse">
               <a:avLst/>
@@ -5857,7 +6039,7 @@
             <a:lstStyle/>
             <a:p>
               <a:pPr algn="ctr"/>
-              <a:endParaRPr lang="en-US" sz="2016">
+              <a:endParaRPr lang="en-US" sz="1932">
                 <a:latin typeface="Arial" panose="020B0604020202020204" pitchFamily="34" charset="0"/>
                 <a:cs typeface="Arial" panose="020B0604020202020204" pitchFamily="34" charset="0"/>
               </a:endParaRPr>
@@ -5866,10 +6048,10 @@
         </p:sp>
         <p:cxnSp>
           <p:nvCxnSpPr>
-            <p:cNvPr id="26" name="Straight Arrow Connector 25">
+            <p:cNvPr id="50" name="Straight Arrow Connector 49">
               <a:extLst>
                 <a:ext uri="{FF2B5EF4-FFF2-40B4-BE49-F238E27FC236}">
-                  <a16:creationId xmlns:a16="http://schemas.microsoft.com/office/drawing/2014/main" id="{22E290A2-85CA-E3C6-00A4-41C26545978A}"/>
+                  <a16:creationId xmlns:a16="http://schemas.microsoft.com/office/drawing/2014/main" id="{8D729B27-9471-CF16-8D8A-C729FA06161B}"/>
                 </a:ext>
               </a:extLst>
             </p:cNvPr>
@@ -5880,7 +6062,7 @@
           </p:nvCxnSpPr>
           <p:spPr>
             <a:xfrm>
-              <a:off x="4942935" y="747371"/>
+              <a:off x="5038626" y="810319"/>
               <a:ext cx="520996" cy="0"/>
             </a:xfrm>
             <a:prstGeom prst="straightConnector1">
@@ -5908,10 +6090,10 @@
       </p:grpSp>
       <p:grpSp>
         <p:nvGrpSpPr>
-          <p:cNvPr id="29" name="Group 28">
+          <p:cNvPr id="51" name="Group 50">
             <a:extLst>
               <a:ext uri="{FF2B5EF4-FFF2-40B4-BE49-F238E27FC236}">
-                <a16:creationId xmlns:a16="http://schemas.microsoft.com/office/drawing/2014/main" id="{176059AB-36C7-9D47-C8A9-E4FFD577D315}"/>
+                <a16:creationId xmlns:a16="http://schemas.microsoft.com/office/drawing/2014/main" id="{70912739-85D3-FE63-B006-108C49EBCB5C}"/>
               </a:ext>
             </a:extLst>
           </p:cNvPr>
@@ -5920,18 +6102,18 @@
         </p:nvGrpSpPr>
         <p:grpSpPr>
           <a:xfrm>
-            <a:off x="314722" y="6776666"/>
-            <a:ext cx="1549549" cy="411480"/>
-            <a:chOff x="4511613" y="574842"/>
-            <a:chExt cx="1383640" cy="367423"/>
+            <a:off x="577094" y="6236096"/>
+            <a:ext cx="1732155" cy="525780"/>
+            <a:chOff x="4474497" y="574842"/>
+            <a:chExt cx="1613946" cy="489898"/>
           </a:xfrm>
         </p:grpSpPr>
         <p:sp>
           <p:nvSpPr>
-            <p:cNvPr id="30" name="Oval 29">
+            <p:cNvPr id="52" name="Oval 51">
               <a:extLst>
                 <a:ext uri="{FF2B5EF4-FFF2-40B4-BE49-F238E27FC236}">
-                  <a16:creationId xmlns:a16="http://schemas.microsoft.com/office/drawing/2014/main" id="{2D9885B9-8BFA-127A-5C65-F10566DD39C2}"/>
+                  <a16:creationId xmlns:a16="http://schemas.microsoft.com/office/drawing/2014/main" id="{E863FF4B-F225-8CEE-30EA-ADC2FD1CDA36}"/>
                 </a:ext>
               </a:extLst>
             </p:cNvPr>
@@ -5940,8 +6122,8 @@
           </p:nvSpPr>
           <p:spPr>
             <a:xfrm>
-              <a:off x="4511613" y="574842"/>
-              <a:ext cx="370936" cy="367423"/>
+              <a:off x="4474497" y="574842"/>
+              <a:ext cx="489898" cy="489898"/>
             </a:xfrm>
             <a:prstGeom prst="ellipse">
               <a:avLst/>
@@ -5976,7 +6158,7 @@
             <a:lstStyle/>
             <a:p>
               <a:pPr algn="ctr"/>
-              <a:endParaRPr lang="en-US" sz="2016">
+              <a:endParaRPr lang="en-US" sz="1932">
                 <a:latin typeface="Arial" panose="020B0604020202020204" pitchFamily="34" charset="0"/>
                 <a:cs typeface="Arial" panose="020B0604020202020204" pitchFamily="34" charset="0"/>
               </a:endParaRPr>
@@ -5985,10 +6167,10 @@
         </p:sp>
         <p:sp>
           <p:nvSpPr>
-            <p:cNvPr id="31" name="Oval 30">
+            <p:cNvPr id="53" name="Oval 52">
               <a:extLst>
                 <a:ext uri="{FF2B5EF4-FFF2-40B4-BE49-F238E27FC236}">
-                  <a16:creationId xmlns:a16="http://schemas.microsoft.com/office/drawing/2014/main" id="{5E10EE8C-F4EA-947E-E36A-BA7AC27FE654}"/>
+                  <a16:creationId xmlns:a16="http://schemas.microsoft.com/office/drawing/2014/main" id="{6EE1D9B3-AF7F-1A99-569F-457463AF9543}"/>
                 </a:ext>
               </a:extLst>
             </p:cNvPr>
@@ -5997,8 +6179,8 @@
           </p:nvSpPr>
           <p:spPr>
             <a:xfrm>
-              <a:off x="5524317" y="574842"/>
-              <a:ext cx="370936" cy="367423"/>
+              <a:off x="5598545" y="574842"/>
+              <a:ext cx="489898" cy="489898"/>
             </a:xfrm>
             <a:prstGeom prst="ellipse">
               <a:avLst/>
@@ -6033,7 +6215,7 @@
             <a:lstStyle/>
             <a:p>
               <a:pPr algn="ctr"/>
-              <a:endParaRPr lang="en-US" sz="2016">
+              <a:endParaRPr lang="en-US" sz="1932">
                 <a:latin typeface="Arial" panose="020B0604020202020204" pitchFamily="34" charset="0"/>
                 <a:cs typeface="Arial" panose="020B0604020202020204" pitchFamily="34" charset="0"/>
               </a:endParaRPr>
@@ -6042,10 +6224,10 @@
         </p:sp>
         <p:cxnSp>
           <p:nvCxnSpPr>
-            <p:cNvPr id="32" name="Straight Arrow Connector 31">
+            <p:cNvPr id="54" name="Straight Arrow Connector 53">
               <a:extLst>
                 <a:ext uri="{FF2B5EF4-FFF2-40B4-BE49-F238E27FC236}">
-                  <a16:creationId xmlns:a16="http://schemas.microsoft.com/office/drawing/2014/main" id="{8ECAD611-91E9-A8A0-14F8-A687F70B4122}"/>
+                  <a16:creationId xmlns:a16="http://schemas.microsoft.com/office/drawing/2014/main" id="{CB0A30A4-799A-353F-0EC1-4584BB71F7D0}"/>
                 </a:ext>
               </a:extLst>
             </p:cNvPr>
@@ -6056,7 +6238,7 @@
           </p:nvCxnSpPr>
           <p:spPr>
             <a:xfrm>
-              <a:off x="4942935" y="747371"/>
+              <a:off x="5038626" y="810319"/>
               <a:ext cx="520996" cy="0"/>
             </a:xfrm>
             <a:prstGeom prst="straightConnector1">
@@ -6084,10 +6266,10 @@
       </p:grpSp>
       <p:grpSp>
         <p:nvGrpSpPr>
-          <p:cNvPr id="35" name="Group 34">
+          <p:cNvPr id="55" name="Group 54">
             <a:extLst>
               <a:ext uri="{FF2B5EF4-FFF2-40B4-BE49-F238E27FC236}">
-                <a16:creationId xmlns:a16="http://schemas.microsoft.com/office/drawing/2014/main" id="{C64032D2-BAB1-598F-0269-6CF7D06D1AA2}"/>
+                <a16:creationId xmlns:a16="http://schemas.microsoft.com/office/drawing/2014/main" id="{2AF512D8-653A-3262-4771-2103AE049BC4}"/>
               </a:ext>
             </a:extLst>
           </p:cNvPr>
@@ -6096,18 +6278,18 @@
         </p:nvGrpSpPr>
         <p:grpSpPr>
           <a:xfrm>
-            <a:off x="314722" y="9454358"/>
-            <a:ext cx="1549549" cy="411480"/>
-            <a:chOff x="4511613" y="574842"/>
-            <a:chExt cx="1383640" cy="367423"/>
+            <a:off x="558147" y="8830278"/>
+            <a:ext cx="1732155" cy="525780"/>
+            <a:chOff x="4474497" y="574842"/>
+            <a:chExt cx="1613946" cy="489898"/>
           </a:xfrm>
         </p:grpSpPr>
         <p:sp>
           <p:nvSpPr>
-            <p:cNvPr id="36" name="Oval 35">
+            <p:cNvPr id="56" name="Oval 55">
               <a:extLst>
                 <a:ext uri="{FF2B5EF4-FFF2-40B4-BE49-F238E27FC236}">
-                  <a16:creationId xmlns:a16="http://schemas.microsoft.com/office/drawing/2014/main" id="{62B3A33C-F245-9274-084C-D3BD84075219}"/>
+                  <a16:creationId xmlns:a16="http://schemas.microsoft.com/office/drawing/2014/main" id="{776A714E-57A4-AEFB-7217-E6FC0E896335}"/>
                 </a:ext>
               </a:extLst>
             </p:cNvPr>
@@ -6116,8 +6298,8 @@
           </p:nvSpPr>
           <p:spPr>
             <a:xfrm>
-              <a:off x="4511613" y="574842"/>
-              <a:ext cx="370936" cy="367423"/>
+              <a:off x="4474497" y="574842"/>
+              <a:ext cx="489898" cy="489898"/>
             </a:xfrm>
             <a:prstGeom prst="ellipse">
               <a:avLst/>
@@ -6152,7 +6334,7 @@
             <a:lstStyle/>
             <a:p>
               <a:pPr algn="ctr"/>
-              <a:endParaRPr lang="en-US" sz="2016">
+              <a:endParaRPr lang="en-US" sz="1932">
                 <a:latin typeface="Arial" panose="020B0604020202020204" pitchFamily="34" charset="0"/>
                 <a:cs typeface="Arial" panose="020B0604020202020204" pitchFamily="34" charset="0"/>
               </a:endParaRPr>
@@ -6161,10 +6343,10 @@
         </p:sp>
         <p:sp>
           <p:nvSpPr>
-            <p:cNvPr id="37" name="Oval 36">
+            <p:cNvPr id="58" name="Oval 57">
               <a:extLst>
                 <a:ext uri="{FF2B5EF4-FFF2-40B4-BE49-F238E27FC236}">
-                  <a16:creationId xmlns:a16="http://schemas.microsoft.com/office/drawing/2014/main" id="{959BA30F-50EF-2801-4215-AA5CD7481EAC}"/>
+                  <a16:creationId xmlns:a16="http://schemas.microsoft.com/office/drawing/2014/main" id="{0A3DF0F4-DADC-32ED-A29D-989C45B2E177}"/>
                 </a:ext>
               </a:extLst>
             </p:cNvPr>
@@ -6173,8 +6355,8 @@
           </p:nvSpPr>
           <p:spPr>
             <a:xfrm>
-              <a:off x="5524317" y="574842"/>
-              <a:ext cx="370936" cy="367423"/>
+              <a:off x="5598545" y="574842"/>
+              <a:ext cx="489898" cy="489898"/>
             </a:xfrm>
             <a:prstGeom prst="ellipse">
               <a:avLst/>
@@ -6209,7 +6391,7 @@
             <a:lstStyle/>
             <a:p>
               <a:pPr algn="ctr"/>
-              <a:endParaRPr lang="en-US" sz="2016">
+              <a:endParaRPr lang="en-US" sz="1932">
                 <a:latin typeface="Arial" panose="020B0604020202020204" pitchFamily="34" charset="0"/>
                 <a:cs typeface="Arial" panose="020B0604020202020204" pitchFamily="34" charset="0"/>
               </a:endParaRPr>
@@ -6218,10 +6400,10 @@
         </p:sp>
         <p:cxnSp>
           <p:nvCxnSpPr>
-            <p:cNvPr id="38" name="Straight Arrow Connector 37">
+            <p:cNvPr id="59" name="Straight Arrow Connector 58">
               <a:extLst>
                 <a:ext uri="{FF2B5EF4-FFF2-40B4-BE49-F238E27FC236}">
-                  <a16:creationId xmlns:a16="http://schemas.microsoft.com/office/drawing/2014/main" id="{FF2BDE31-E6D1-3297-2F9A-08BF18631987}"/>
+                  <a16:creationId xmlns:a16="http://schemas.microsoft.com/office/drawing/2014/main" id="{E6CFE73D-DFB3-0777-2159-D4D1A203259D}"/>
                 </a:ext>
               </a:extLst>
             </p:cNvPr>
@@ -6232,7 +6414,7 @@
           </p:nvCxnSpPr>
           <p:spPr>
             <a:xfrm>
-              <a:off x="4942935" y="747371"/>
+              <a:off x="5038626" y="810319"/>
               <a:ext cx="520996" cy="0"/>
             </a:xfrm>
             <a:prstGeom prst="straightConnector1">
@@ -6258,340 +6440,12 @@
           </p:style>
         </p:cxnSp>
       </p:grpSp>
-      <p:sp>
-        <p:nvSpPr>
-          <p:cNvPr id="42" name="TextBox 41">
+      <p:pic>
+        <p:nvPicPr>
+          <p:cNvPr id="62" name="Picture 61" descr="A graph of a graph&#10;&#10;Description automatically generated">
             <a:extLst>
               <a:ext uri="{FF2B5EF4-FFF2-40B4-BE49-F238E27FC236}">
-                <a16:creationId xmlns:a16="http://schemas.microsoft.com/office/drawing/2014/main" id="{F7779312-CE12-047F-23EE-11DA0E44AE45}"/>
-              </a:ext>
-            </a:extLst>
-          </p:cNvPr>
-          <p:cNvSpPr txBox="1"/>
-          <p:nvPr/>
-        </p:nvSpPr>
-        <p:spPr>
-          <a:xfrm>
-            <a:off x="41565" y="1092625"/>
-            <a:ext cx="2258291" cy="523220"/>
-          </a:xfrm>
-          <a:prstGeom prst="rect">
-            <a:avLst/>
-          </a:prstGeom>
-          <a:noFill/>
-        </p:spPr>
-        <p:txBody>
-          <a:bodyPr wrap="square" rtlCol="0">
-            <a:spAutoFit/>
-          </a:bodyPr>
-          <a:lstStyle/>
-          <a:p>
-            <a:pPr algn="ctr"/>
-            <a:r>
-              <a:rPr lang="en-US" sz="1400" dirty="0">
-                <a:latin typeface="Arial" panose="020B0604020202020204" pitchFamily="34" charset="0"/>
-                <a:cs typeface="Arial" panose="020B0604020202020204" pitchFamily="34" charset="0"/>
-              </a:rPr>
-              <a:t>Lakes trended towards blue, but stayed green</a:t>
-            </a:r>
-          </a:p>
-        </p:txBody>
-      </p:sp>
-      <p:sp>
-        <p:nvSpPr>
-          <p:cNvPr id="43" name="TextBox 42">
-            <a:extLst>
-              <a:ext uri="{FF2B5EF4-FFF2-40B4-BE49-F238E27FC236}">
-                <a16:creationId xmlns:a16="http://schemas.microsoft.com/office/drawing/2014/main" id="{94E20A1B-B2FF-1BEA-C14D-522BA6AA0335}"/>
-              </a:ext>
-            </a:extLst>
-          </p:cNvPr>
-          <p:cNvSpPr txBox="1"/>
-          <p:nvPr/>
-        </p:nvSpPr>
-        <p:spPr>
-          <a:xfrm>
-            <a:off x="72389" y="3645619"/>
-            <a:ext cx="1999188" cy="523220"/>
-          </a:xfrm>
-          <a:prstGeom prst="rect">
-            <a:avLst/>
-          </a:prstGeom>
-          <a:noFill/>
-        </p:spPr>
-        <p:txBody>
-          <a:bodyPr wrap="square" rtlCol="0">
-            <a:spAutoFit/>
-          </a:bodyPr>
-          <a:lstStyle/>
-          <a:p>
-            <a:pPr algn="ctr"/>
-            <a:r>
-              <a:rPr lang="en-US" sz="1400" dirty="0">
-                <a:latin typeface="Arial" panose="020B0604020202020204" pitchFamily="34" charset="0"/>
-                <a:cs typeface="Arial" panose="020B0604020202020204" pitchFamily="34" charset="0"/>
-              </a:rPr>
-              <a:t>Lakes switched from </a:t>
-            </a:r>
-          </a:p>
-          <a:p>
-            <a:pPr algn="ctr"/>
-            <a:r>
-              <a:rPr lang="en-US" sz="1400" dirty="0">
-                <a:latin typeface="Arial" panose="020B0604020202020204" pitchFamily="34" charset="0"/>
-                <a:cs typeface="Arial" panose="020B0604020202020204" pitchFamily="34" charset="0"/>
-              </a:rPr>
-              <a:t>green to blue</a:t>
-            </a:r>
-          </a:p>
-        </p:txBody>
-      </p:sp>
-      <p:sp>
-        <p:nvSpPr>
-          <p:cNvPr id="44" name="TextBox 43">
-            <a:extLst>
-              <a:ext uri="{FF2B5EF4-FFF2-40B4-BE49-F238E27FC236}">
-                <a16:creationId xmlns:a16="http://schemas.microsoft.com/office/drawing/2014/main" id="{1EB65B2F-9BE1-2C2D-B526-888AB809311A}"/>
-              </a:ext>
-            </a:extLst>
-          </p:cNvPr>
-          <p:cNvSpPr txBox="1"/>
-          <p:nvPr/>
-        </p:nvSpPr>
-        <p:spPr>
-          <a:xfrm>
-            <a:off x="89900" y="6137322"/>
-            <a:ext cx="1999188" cy="523220"/>
-          </a:xfrm>
-          <a:prstGeom prst="rect">
-            <a:avLst/>
-          </a:prstGeom>
-          <a:noFill/>
-        </p:spPr>
-        <p:txBody>
-          <a:bodyPr wrap="square" rtlCol="0">
-            <a:spAutoFit/>
-          </a:bodyPr>
-          <a:lstStyle/>
-          <a:p>
-            <a:pPr algn="ctr"/>
-            <a:r>
-              <a:rPr lang="en-US" sz="1400" dirty="0">
-                <a:latin typeface="Arial" panose="020B0604020202020204" pitchFamily="34" charset="0"/>
-                <a:cs typeface="Arial" panose="020B0604020202020204" pitchFamily="34" charset="0"/>
-              </a:rPr>
-              <a:t>Lakes trended towards green, but stayed blue</a:t>
-            </a:r>
-          </a:p>
-        </p:txBody>
-      </p:sp>
-      <p:sp>
-        <p:nvSpPr>
-          <p:cNvPr id="45" name="TextBox 44">
-            <a:extLst>
-              <a:ext uri="{FF2B5EF4-FFF2-40B4-BE49-F238E27FC236}">
-                <a16:creationId xmlns:a16="http://schemas.microsoft.com/office/drawing/2014/main" id="{600E27D6-AED2-BDA5-079B-0BAE9B4D7391}"/>
-              </a:ext>
-            </a:extLst>
-          </p:cNvPr>
-          <p:cNvSpPr txBox="1"/>
-          <p:nvPr/>
-        </p:nvSpPr>
-        <p:spPr>
-          <a:xfrm>
-            <a:off x="89900" y="8838975"/>
-            <a:ext cx="1999188" cy="523220"/>
-          </a:xfrm>
-          <a:prstGeom prst="rect">
-            <a:avLst/>
-          </a:prstGeom>
-          <a:noFill/>
-        </p:spPr>
-        <p:txBody>
-          <a:bodyPr wrap="square" rtlCol="0">
-            <a:spAutoFit/>
-          </a:bodyPr>
-          <a:lstStyle/>
-          <a:p>
-            <a:pPr algn="ctr"/>
-            <a:r>
-              <a:rPr lang="en-US" sz="1400" dirty="0">
-                <a:latin typeface="Arial" panose="020B0604020202020204" pitchFamily="34" charset="0"/>
-                <a:cs typeface="Arial" panose="020B0604020202020204" pitchFamily="34" charset="0"/>
-              </a:rPr>
-              <a:t>Lakes switched from </a:t>
-            </a:r>
-          </a:p>
-          <a:p>
-            <a:pPr algn="ctr"/>
-            <a:r>
-              <a:rPr lang="en-US" sz="1400" dirty="0">
-                <a:latin typeface="Arial" panose="020B0604020202020204" pitchFamily="34" charset="0"/>
-                <a:cs typeface="Arial" panose="020B0604020202020204" pitchFamily="34" charset="0"/>
-              </a:rPr>
-              <a:t>blue to green</a:t>
-            </a:r>
-          </a:p>
-        </p:txBody>
-      </p:sp>
-      <p:sp>
-        <p:nvSpPr>
-          <p:cNvPr id="4" name="TextBox 3">
-            <a:extLst>
-              <a:ext uri="{FF2B5EF4-FFF2-40B4-BE49-F238E27FC236}">
-                <a16:creationId xmlns:a16="http://schemas.microsoft.com/office/drawing/2014/main" id="{8A9E3ED9-1AEB-24A2-3955-FA6988180D37}"/>
-              </a:ext>
-            </a:extLst>
-          </p:cNvPr>
-          <p:cNvSpPr txBox="1"/>
-          <p:nvPr/>
-        </p:nvSpPr>
-        <p:spPr>
-          <a:xfrm>
-            <a:off x="72389" y="543196"/>
-            <a:ext cx="578761" cy="461665"/>
-          </a:xfrm>
-          <a:prstGeom prst="rect">
-            <a:avLst/>
-          </a:prstGeom>
-          <a:noFill/>
-        </p:spPr>
-        <p:txBody>
-          <a:bodyPr wrap="square" rtlCol="0">
-            <a:spAutoFit/>
-          </a:bodyPr>
-          <a:lstStyle/>
-          <a:p>
-            <a:r>
-              <a:rPr lang="en-US" sz="2400" dirty="0">
-                <a:latin typeface="Arial" panose="020B0604020202020204" pitchFamily="34" charset="0"/>
-                <a:cs typeface="Arial" panose="020B0604020202020204" pitchFamily="34" charset="0"/>
-              </a:rPr>
-              <a:t>a)</a:t>
-            </a:r>
-          </a:p>
-        </p:txBody>
-      </p:sp>
-      <p:sp>
-        <p:nvSpPr>
-          <p:cNvPr id="8" name="TextBox 7">
-            <a:extLst>
-              <a:ext uri="{FF2B5EF4-FFF2-40B4-BE49-F238E27FC236}">
-                <a16:creationId xmlns:a16="http://schemas.microsoft.com/office/drawing/2014/main" id="{FF995F32-5EA6-1FF0-B500-63FBC9F77D2C}"/>
-              </a:ext>
-            </a:extLst>
-          </p:cNvPr>
-          <p:cNvSpPr txBox="1"/>
-          <p:nvPr/>
-        </p:nvSpPr>
-        <p:spPr>
-          <a:xfrm>
-            <a:off x="69700" y="3076555"/>
-            <a:ext cx="578761" cy="461665"/>
-          </a:xfrm>
-          <a:prstGeom prst="rect">
-            <a:avLst/>
-          </a:prstGeom>
-          <a:noFill/>
-        </p:spPr>
-        <p:txBody>
-          <a:bodyPr wrap="square" rtlCol="0">
-            <a:spAutoFit/>
-          </a:bodyPr>
-          <a:lstStyle/>
-          <a:p>
-            <a:r>
-              <a:rPr lang="en-US" sz="2400" dirty="0">
-                <a:latin typeface="Arial" panose="020B0604020202020204" pitchFamily="34" charset="0"/>
-                <a:cs typeface="Arial" panose="020B0604020202020204" pitchFamily="34" charset="0"/>
-              </a:rPr>
-              <a:t>b)</a:t>
-            </a:r>
-          </a:p>
-        </p:txBody>
-      </p:sp>
-      <p:sp>
-        <p:nvSpPr>
-          <p:cNvPr id="15" name="TextBox 14">
-            <a:extLst>
-              <a:ext uri="{FF2B5EF4-FFF2-40B4-BE49-F238E27FC236}">
-                <a16:creationId xmlns:a16="http://schemas.microsoft.com/office/drawing/2014/main" id="{5F864190-A73A-9106-1C1C-8A3299BBDDA1}"/>
-              </a:ext>
-            </a:extLst>
-          </p:cNvPr>
-          <p:cNvSpPr txBox="1"/>
-          <p:nvPr/>
-        </p:nvSpPr>
-        <p:spPr>
-          <a:xfrm>
-            <a:off x="69699" y="5623965"/>
-            <a:ext cx="578761" cy="461665"/>
-          </a:xfrm>
-          <a:prstGeom prst="rect">
-            <a:avLst/>
-          </a:prstGeom>
-          <a:noFill/>
-        </p:spPr>
-        <p:txBody>
-          <a:bodyPr wrap="square" rtlCol="0">
-            <a:spAutoFit/>
-          </a:bodyPr>
-          <a:lstStyle/>
-          <a:p>
-            <a:r>
-              <a:rPr lang="en-US" sz="2400" dirty="0">
-                <a:latin typeface="Arial" panose="020B0604020202020204" pitchFamily="34" charset="0"/>
-                <a:cs typeface="Arial" panose="020B0604020202020204" pitchFamily="34" charset="0"/>
-              </a:rPr>
-              <a:t>c)</a:t>
-            </a:r>
-          </a:p>
-        </p:txBody>
-      </p:sp>
-      <p:sp>
-        <p:nvSpPr>
-          <p:cNvPr id="16" name="TextBox 15">
-            <a:extLst>
-              <a:ext uri="{FF2B5EF4-FFF2-40B4-BE49-F238E27FC236}">
-                <a16:creationId xmlns:a16="http://schemas.microsoft.com/office/drawing/2014/main" id="{A2A6BED6-E85A-A9A5-3FBE-D284FA8D5300}"/>
-              </a:ext>
-            </a:extLst>
-          </p:cNvPr>
-          <p:cNvSpPr txBox="1"/>
-          <p:nvPr/>
-        </p:nvSpPr>
-        <p:spPr>
-          <a:xfrm>
-            <a:off x="69698" y="8279684"/>
-            <a:ext cx="578761" cy="461665"/>
-          </a:xfrm>
-          <a:prstGeom prst="rect">
-            <a:avLst/>
-          </a:prstGeom>
-          <a:noFill/>
-        </p:spPr>
-        <p:txBody>
-          <a:bodyPr wrap="square" rtlCol="0">
-            <a:spAutoFit/>
-          </a:bodyPr>
-          <a:lstStyle/>
-          <a:p>
-            <a:r>
-              <a:rPr lang="en-US" sz="2400" dirty="0">
-                <a:latin typeface="Arial" panose="020B0604020202020204" pitchFamily="34" charset="0"/>
-                <a:cs typeface="Arial" panose="020B0604020202020204" pitchFamily="34" charset="0"/>
-              </a:rPr>
-              <a:t>d)</a:t>
-            </a:r>
-          </a:p>
-        </p:txBody>
-      </p:sp>
-      <p:pic>
-        <p:nvPicPr>
-          <p:cNvPr id="7" name="Picture 6" descr="A graph showing a house and a line&#10;&#10;Description automatically generated with medium confidence">
-            <a:extLst>
-              <a:ext uri="{FF2B5EF4-FFF2-40B4-BE49-F238E27FC236}">
-                <a16:creationId xmlns:a16="http://schemas.microsoft.com/office/drawing/2014/main" id="{AAD8055B-94AA-7316-F5DA-49AFCAEE64AE}"/>
+                <a16:creationId xmlns:a16="http://schemas.microsoft.com/office/drawing/2014/main" id="{DC4C25FC-6419-FE22-F2C6-05464F08784D}"/>
               </a:ext>
             </a:extLst>
           </p:cNvPr>
@@ -6614,8 +6468,8 @@
         </p:blipFill>
         <p:spPr>
           <a:xfrm>
-            <a:off x="2377792" y="543196"/>
-            <a:ext cx="4572000" cy="2743200"/>
+            <a:off x="7583996" y="128787"/>
+            <a:ext cx="4658994" cy="2541270"/>
           </a:xfrm>
           <a:prstGeom prst="rect">
             <a:avLst/>
@@ -6624,10 +6478,10 @@
       </p:pic>
       <p:pic>
         <p:nvPicPr>
-          <p:cNvPr id="10" name="Picture 9" descr="A graph showing a house and a line&#10;&#10;Description automatically generated">
+          <p:cNvPr id="66" name="Picture 65" descr="A graph of a tall tower&#10;&#10;Description automatically generated with medium confidence">
             <a:extLst>
               <a:ext uri="{FF2B5EF4-FFF2-40B4-BE49-F238E27FC236}">
-                <a16:creationId xmlns:a16="http://schemas.microsoft.com/office/drawing/2014/main" id="{53FD1452-F767-1570-AEE2-592348C2053D}"/>
+                <a16:creationId xmlns:a16="http://schemas.microsoft.com/office/drawing/2014/main" id="{F1D37728-94C8-7349-C78C-451E060D76B4}"/>
               </a:ext>
             </a:extLst>
           </p:cNvPr>
@@ -6650,8 +6504,8 @@
         </p:blipFill>
         <p:spPr>
           <a:xfrm>
-            <a:off x="2377792" y="3076555"/>
-            <a:ext cx="4572000" cy="2743200"/>
+            <a:off x="7655865" y="2556684"/>
+            <a:ext cx="4658994" cy="2541270"/>
           </a:xfrm>
           <a:prstGeom prst="rect">
             <a:avLst/>
@@ -6660,10 +6514,10 @@
       </p:pic>
       <p:pic>
         <p:nvPicPr>
-          <p:cNvPr id="12" name="Picture 11" descr="A graph showing a graph showing a graph&#10;&#10;Description automatically generated with medium confidence">
+          <p:cNvPr id="70" name="Picture 69" descr="A graph showing a tall tower&#10;&#10;Description automatically generated">
             <a:extLst>
               <a:ext uri="{FF2B5EF4-FFF2-40B4-BE49-F238E27FC236}">
-                <a16:creationId xmlns:a16="http://schemas.microsoft.com/office/drawing/2014/main" id="{06F875FA-0D84-3304-F395-4F6160C97A7F}"/>
+                <a16:creationId xmlns:a16="http://schemas.microsoft.com/office/drawing/2014/main" id="{D96B0C06-98B9-E440-8FBD-B6A836ADF32E}"/>
               </a:ext>
             </a:extLst>
           </p:cNvPr>
@@ -6686,59 +6540,20 @@
         </p:blipFill>
         <p:spPr>
           <a:xfrm>
-            <a:off x="2377792" y="5609914"/>
-            <a:ext cx="4572000" cy="2743200"/>
+            <a:off x="7655865" y="5003720"/>
+            <a:ext cx="4658994" cy="2541270"/>
           </a:xfrm>
           <a:prstGeom prst="rect">
             <a:avLst/>
           </a:prstGeom>
         </p:spPr>
       </p:pic>
-      <p:sp>
-        <p:nvSpPr>
-          <p:cNvPr id="34" name="TextBox 33">
+      <p:pic>
+        <p:nvPicPr>
+          <p:cNvPr id="73" name="Picture 72" descr="A graph showing a tall tower&#10;&#10;Description automatically generated">
             <a:extLst>
               <a:ext uri="{FF2B5EF4-FFF2-40B4-BE49-F238E27FC236}">
-                <a16:creationId xmlns:a16="http://schemas.microsoft.com/office/drawing/2014/main" id="{AA4222A2-9CE5-6BE0-38E7-36EDE44CEF95}"/>
-              </a:ext>
-            </a:extLst>
-          </p:cNvPr>
-          <p:cNvSpPr txBox="1"/>
-          <p:nvPr/>
-        </p:nvSpPr>
-        <p:spPr>
-          <a:xfrm rot="16200000">
-            <a:off x="915567" y="5341252"/>
-            <a:ext cx="2699467" cy="338554"/>
-          </a:xfrm>
-          <a:prstGeom prst="rect">
-            <a:avLst/>
-          </a:prstGeom>
-          <a:noFill/>
-        </p:spPr>
-        <p:txBody>
-          <a:bodyPr wrap="square" rtlCol="0">
-            <a:spAutoFit/>
-          </a:bodyPr>
-          <a:lstStyle/>
-          <a:p>
-            <a:pPr algn="ctr"/>
-            <a:r>
-              <a:rPr lang="en-US" sz="1600" dirty="0">
-                <a:latin typeface="Arial" panose="020B0604020202020204" pitchFamily="34" charset="0"/>
-                <a:cs typeface="Arial" panose="020B0604020202020204" pitchFamily="34" charset="0"/>
-              </a:rPr>
-              <a:t>Dominant wavelength (dwl)</a:t>
-            </a:r>
-          </a:p>
-        </p:txBody>
-      </p:sp>
-      <p:pic>
-        <p:nvPicPr>
-          <p:cNvPr id="61" name="Picture 60" descr="A graph of a graph&#10;&#10;Description automatically generated with medium confidence">
-            <a:extLst>
-              <a:ext uri="{FF2B5EF4-FFF2-40B4-BE49-F238E27FC236}">
-                <a16:creationId xmlns:a16="http://schemas.microsoft.com/office/drawing/2014/main" id="{9F1B0B9D-72E7-A4D6-682A-B5F5F31B1AB5}"/>
+                <a16:creationId xmlns:a16="http://schemas.microsoft.com/office/drawing/2014/main" id="{CD09D054-48B6-27EF-2493-6522944280AD}"/>
               </a:ext>
             </a:extLst>
           </p:cNvPr>
@@ -6761,8 +6576,8 @@
         </p:blipFill>
         <p:spPr>
           <a:xfrm>
-            <a:off x="6987070" y="481815"/>
-            <a:ext cx="4672913" cy="2803748"/>
+            <a:off x="7658996" y="7505993"/>
+            <a:ext cx="4658994" cy="2541270"/>
           </a:xfrm>
           <a:prstGeom prst="rect">
             <a:avLst/>
@@ -6771,10 +6586,10 @@
       </p:pic>
       <p:pic>
         <p:nvPicPr>
-          <p:cNvPr id="63" name="Picture 62" descr="A graph of a tall tower&#10;&#10;Description automatically generated">
+          <p:cNvPr id="11" name="Picture 10" descr="A graph showing a graph of a graph&#10;&#10;Description automatically generated with medium confidence">
             <a:extLst>
               <a:ext uri="{FF2B5EF4-FFF2-40B4-BE49-F238E27FC236}">
-                <a16:creationId xmlns:a16="http://schemas.microsoft.com/office/drawing/2014/main" id="{81867B2B-51A2-D2D4-51A6-263C2CEE3551}"/>
+                <a16:creationId xmlns:a16="http://schemas.microsoft.com/office/drawing/2014/main" id="{C9F7A6F1-F0E0-6844-FD50-35FC538D7636}"/>
               </a:ext>
             </a:extLst>
           </p:cNvPr>
@@ -6797,8 +6612,8 @@
         </p:blipFill>
         <p:spPr>
           <a:xfrm>
-            <a:off x="7069294" y="3054182"/>
-            <a:ext cx="4572000" cy="2743200"/>
+            <a:off x="3141834" y="20729"/>
+            <a:ext cx="4381500" cy="2628900"/>
           </a:xfrm>
           <a:prstGeom prst="rect">
             <a:avLst/>
@@ -6807,10 +6622,10 @@
       </p:pic>
       <p:pic>
         <p:nvPicPr>
-          <p:cNvPr id="65" name="Picture 64" descr="A graph showing a tall tower&#10;&#10;Description automatically generated">
+          <p:cNvPr id="14" name="Picture 13" descr="A graph showing a graph showing a graph&#10;&#10;Description automatically generated with medium confidence">
             <a:extLst>
               <a:ext uri="{FF2B5EF4-FFF2-40B4-BE49-F238E27FC236}">
-                <a16:creationId xmlns:a16="http://schemas.microsoft.com/office/drawing/2014/main" id="{B463C8CF-103D-29F6-EC9E-DF6A9346AA5F}"/>
+                <a16:creationId xmlns:a16="http://schemas.microsoft.com/office/drawing/2014/main" id="{7AEC4C0D-8457-173C-9877-190D2C60B4D7}"/>
               </a:ext>
             </a:extLst>
           </p:cNvPr>
@@ -6833,8 +6648,8 @@
         </p:blipFill>
         <p:spPr>
           <a:xfrm>
-            <a:off x="7060274" y="5595395"/>
-            <a:ext cx="4572000" cy="2743200"/>
+            <a:off x="3139257" y="2452980"/>
+            <a:ext cx="4381500" cy="2628900"/>
           </a:xfrm>
           <a:prstGeom prst="rect">
             <a:avLst/>
@@ -6843,10 +6658,10 @@
       </p:pic>
       <p:pic>
         <p:nvPicPr>
-          <p:cNvPr id="67" name="Picture 66" descr="A graph of a graph showing a number of data&#10;&#10;Description automatically generated with medium confidence">
+          <p:cNvPr id="18" name="Picture 17" descr="A graph showing a graph showing a graph&#10;&#10;Description automatically generated with medium confidence">
             <a:extLst>
               <a:ext uri="{FF2B5EF4-FFF2-40B4-BE49-F238E27FC236}">
-                <a16:creationId xmlns:a16="http://schemas.microsoft.com/office/drawing/2014/main" id="{AF5CCB62-A36B-4C7D-F37D-944143841B2F}"/>
+                <a16:creationId xmlns:a16="http://schemas.microsoft.com/office/drawing/2014/main" id="{B7240B6E-27D3-368F-6D2F-95240865632B}"/>
               </a:ext>
             </a:extLst>
           </p:cNvPr>
@@ -6869,98 +6684,20 @@
         </p:blipFill>
         <p:spPr>
           <a:xfrm>
-            <a:off x="7105215" y="8161727"/>
-            <a:ext cx="4572000" cy="2743200"/>
+            <a:off x="3144215" y="4889370"/>
+            <a:ext cx="4381500" cy="2628900"/>
           </a:xfrm>
           <a:prstGeom prst="rect">
             <a:avLst/>
           </a:prstGeom>
         </p:spPr>
       </p:pic>
-      <p:sp>
-        <p:nvSpPr>
-          <p:cNvPr id="57" name="TextBox 56">
+      <p:pic>
+        <p:nvPicPr>
+          <p:cNvPr id="20" name="Picture 19" descr="A graph showing the growth of a company&#10;&#10;Description automatically generated with medium confidence">
             <a:extLst>
               <a:ext uri="{FF2B5EF4-FFF2-40B4-BE49-F238E27FC236}">
-                <a16:creationId xmlns:a16="http://schemas.microsoft.com/office/drawing/2014/main" id="{52AEC7E4-80F3-3563-F514-5EC0D25250FD}"/>
-              </a:ext>
-            </a:extLst>
-          </p:cNvPr>
-          <p:cNvSpPr txBox="1"/>
-          <p:nvPr/>
-        </p:nvSpPr>
-        <p:spPr>
-          <a:xfrm rot="16200000">
-            <a:off x="6246261" y="5356844"/>
-            <a:ext cx="1745620" cy="338554"/>
-          </a:xfrm>
-          <a:prstGeom prst="rect">
-            <a:avLst/>
-          </a:prstGeom>
-          <a:noFill/>
-        </p:spPr>
-        <p:txBody>
-          <a:bodyPr wrap="square" rtlCol="0">
-            <a:spAutoFit/>
-          </a:bodyPr>
-          <a:lstStyle/>
-          <a:p>
-            <a:pPr algn="ctr"/>
-            <a:r>
-              <a:rPr lang="en-US" sz="1600" dirty="0">
-                <a:latin typeface="Arial" panose="020B0604020202020204" pitchFamily="34" charset="0"/>
-                <a:cs typeface="Arial" panose="020B0604020202020204" pitchFamily="34" charset="0"/>
-              </a:rPr>
-              <a:t>Number of lakes</a:t>
-            </a:r>
-          </a:p>
-        </p:txBody>
-      </p:sp>
-      <p:sp>
-        <p:nvSpPr>
-          <p:cNvPr id="68" name="TextBox 67">
-            <a:extLst>
-              <a:ext uri="{FF2B5EF4-FFF2-40B4-BE49-F238E27FC236}">
-                <a16:creationId xmlns:a16="http://schemas.microsoft.com/office/drawing/2014/main" id="{0C9DA26A-CA1A-5728-3855-13BA28EA994D}"/>
-              </a:ext>
-            </a:extLst>
-          </p:cNvPr>
-          <p:cNvSpPr txBox="1"/>
-          <p:nvPr/>
-        </p:nvSpPr>
-        <p:spPr>
-          <a:xfrm>
-            <a:off x="8114444" y="10630648"/>
-            <a:ext cx="2789926" cy="338554"/>
-          </a:xfrm>
-          <a:prstGeom prst="rect">
-            <a:avLst/>
-          </a:prstGeom>
-          <a:noFill/>
-        </p:spPr>
-        <p:txBody>
-          <a:bodyPr wrap="square" rtlCol="0">
-            <a:spAutoFit/>
-          </a:bodyPr>
-          <a:lstStyle/>
-          <a:p>
-            <a:pPr algn="ctr"/>
-            <a:r>
-              <a:rPr lang="en-US" sz="1600" dirty="0">
-                <a:latin typeface="Arial" panose="020B0604020202020204" pitchFamily="34" charset="0"/>
-                <a:cs typeface="Arial" panose="020B0604020202020204" pitchFamily="34" charset="0"/>
-              </a:rPr>
-              <a:t>Slope of lake color over time</a:t>
-            </a:r>
-          </a:p>
-        </p:txBody>
-      </p:sp>
-      <p:pic>
-        <p:nvPicPr>
-          <p:cNvPr id="70" name="Picture 69" descr="A graph showing the growth of a number of years&#10;&#10;Description automatically generated with medium confidence">
-            <a:extLst>
-              <a:ext uri="{FF2B5EF4-FFF2-40B4-BE49-F238E27FC236}">
-                <a16:creationId xmlns:a16="http://schemas.microsoft.com/office/drawing/2014/main" id="{55275A76-ABA6-22F0-EF3E-6EA191FB18B7}"/>
+                <a16:creationId xmlns:a16="http://schemas.microsoft.com/office/drawing/2014/main" id="{D2A0E0A7-7C53-8A28-2A45-103D1CC5E18B}"/>
               </a:ext>
             </a:extLst>
           </p:cNvPr>
@@ -6983,8 +6720,8 @@
         </p:blipFill>
         <p:spPr>
           <a:xfrm>
-            <a:off x="2382626" y="8160325"/>
-            <a:ext cx="4572000" cy="2743200"/>
+            <a:off x="3139257" y="7362733"/>
+            <a:ext cx="4381500" cy="2628900"/>
           </a:xfrm>
           <a:prstGeom prst="rect">
             <a:avLst/>
@@ -7005,8 +6742,8 @@
         </p:nvSpPr>
         <p:spPr>
           <a:xfrm>
-            <a:off x="3749235" y="10630648"/>
-            <a:ext cx="2789926" cy="338554"/>
+            <a:off x="4263627" y="9807721"/>
+            <a:ext cx="2673679" cy="328231"/>
           </a:xfrm>
           <a:prstGeom prst="rect">
             <a:avLst/>
@@ -7021,11 +6758,89 @@
           <a:p>
             <a:pPr algn="ctr"/>
             <a:r>
-              <a:rPr lang="en-US" sz="1600" dirty="0">
+              <a:rPr lang="en-US" sz="1533" dirty="0">
                 <a:latin typeface="Arial" panose="020B0604020202020204" pitchFamily="34" charset="0"/>
                 <a:cs typeface="Arial" panose="020B0604020202020204" pitchFamily="34" charset="0"/>
               </a:rPr>
-              <a:t>Year (Common Era)</a:t>
+              <a:t>Year</a:t>
+            </a:r>
+          </a:p>
+        </p:txBody>
+      </p:sp>
+      <p:sp>
+        <p:nvSpPr>
+          <p:cNvPr id="68" name="TextBox 67">
+            <a:extLst>
+              <a:ext uri="{FF2B5EF4-FFF2-40B4-BE49-F238E27FC236}">
+                <a16:creationId xmlns:a16="http://schemas.microsoft.com/office/drawing/2014/main" id="{0C9DA26A-CA1A-5728-3855-13BA28EA994D}"/>
+              </a:ext>
+            </a:extLst>
+          </p:cNvPr>
+          <p:cNvSpPr txBox="1"/>
+          <p:nvPr/>
+        </p:nvSpPr>
+        <p:spPr>
+          <a:xfrm>
+            <a:off x="8935321" y="9807722"/>
+            <a:ext cx="2673679" cy="328231"/>
+          </a:xfrm>
+          <a:prstGeom prst="rect">
+            <a:avLst/>
+          </a:prstGeom>
+          <a:noFill/>
+        </p:spPr>
+        <p:txBody>
+          <a:bodyPr wrap="square" rtlCol="0">
+            <a:spAutoFit/>
+          </a:bodyPr>
+          <a:lstStyle/>
+          <a:p>
+            <a:pPr algn="ctr"/>
+            <a:r>
+              <a:rPr lang="en-US" sz="1533" dirty="0">
+                <a:latin typeface="Arial" panose="020B0604020202020204" pitchFamily="34" charset="0"/>
+                <a:cs typeface="Arial" panose="020B0604020202020204" pitchFamily="34" charset="0"/>
+              </a:rPr>
+              <a:t>Slope of lake color over time</a:t>
+            </a:r>
+          </a:p>
+        </p:txBody>
+      </p:sp>
+      <p:sp>
+        <p:nvSpPr>
+          <p:cNvPr id="57" name="TextBox 56">
+            <a:extLst>
+              <a:ext uri="{FF2B5EF4-FFF2-40B4-BE49-F238E27FC236}">
+                <a16:creationId xmlns:a16="http://schemas.microsoft.com/office/drawing/2014/main" id="{52AEC7E4-80F3-3563-F514-5EC0D25250FD}"/>
+              </a:ext>
+            </a:extLst>
+          </p:cNvPr>
+          <p:cNvSpPr txBox="1"/>
+          <p:nvPr/>
+        </p:nvSpPr>
+        <p:spPr>
+          <a:xfrm rot="16200000">
+            <a:off x="6851833" y="4787190"/>
+            <a:ext cx="1672886" cy="328231"/>
+          </a:xfrm>
+          <a:prstGeom prst="rect">
+            <a:avLst/>
+          </a:prstGeom>
+          <a:noFill/>
+        </p:spPr>
+        <p:txBody>
+          <a:bodyPr wrap="square" rtlCol="0">
+            <a:spAutoFit/>
+          </a:bodyPr>
+          <a:lstStyle/>
+          <a:p>
+            <a:pPr algn="ctr"/>
+            <a:r>
+              <a:rPr lang="en-US" sz="1533" dirty="0">
+                <a:latin typeface="Arial" panose="020B0604020202020204" pitchFamily="34" charset="0"/>
+                <a:cs typeface="Arial" panose="020B0604020202020204" pitchFamily="34" charset="0"/>
+              </a:rPr>
+              <a:t>Number of lakes</a:t>
             </a:r>
           </a:p>
         </p:txBody>
@@ -7033,37 +6848,7 @@
     </p:spTree>
     <p:extLst>
       <p:ext uri="{BB962C8B-B14F-4D97-AF65-F5344CB8AC3E}">
-        <p14:creationId xmlns:p14="http://schemas.microsoft.com/office/powerpoint/2010/main" val="2932251409"/>
-      </p:ext>
-    </p:extLst>
-  </p:cSld>
-  <p:clrMapOvr>
-    <a:masterClrMapping/>
-  </p:clrMapOvr>
-</p:sld>
-</file>
-
-<file path=ppt/slides/slide4.xml><?xml version="1.0" encoding="utf-8"?>
-<p:sld xmlns:a="http://schemas.openxmlformats.org/drawingml/2006/main" xmlns:r="http://schemas.openxmlformats.org/officeDocument/2006/relationships" xmlns:p="http://schemas.openxmlformats.org/presentationml/2006/main">
-  <p:cSld>
-    <p:spTree>
-      <p:nvGrpSpPr>
-        <p:cNvPr id="1" name=""/>
-        <p:cNvGrpSpPr/>
-        <p:nvPr/>
-      </p:nvGrpSpPr>
-      <p:grpSpPr>
-        <a:xfrm>
-          <a:off x="0" y="0"/>
-          <a:ext cx="0" cy="0"/>
-          <a:chOff x="0" y="0"/>
-          <a:chExt cx="0" cy="0"/>
-        </a:xfrm>
-      </p:grpSpPr>
-    </p:spTree>
-    <p:extLst>
-      <p:ext uri="{BB962C8B-B14F-4D97-AF65-F5344CB8AC3E}">
-        <p14:creationId xmlns:p14="http://schemas.microsoft.com/office/powerpoint/2010/main" val="2729543920"/>
+        <p14:creationId xmlns:p14="http://schemas.microsoft.com/office/powerpoint/2010/main" val="1869401412"/>
       </p:ext>
     </p:extLst>
   </p:cSld>

--- a/Figures/Figure3/Figure3_format.pptx
+++ b/Figures/Figure3/Figure3_format.pptx
@@ -6,6 +6,7 @@
   </p:sldMasterIdLst>
   <p:sldIdLst>
     <p:sldId id="260" r:id="rId2"/>
+    <p:sldId id="261" r:id="rId3"/>
   </p:sldIdLst>
   <p:sldSz cx="12619038" cy="10240963"/>
   <p:notesSz cx="6858000" cy="9144000"/>
@@ -2639,7 +2640,7 @@
           <a:p>
             <a:fld id="{6002544E-5E39-4737-AA1A-22DC2E81DCEA}" type="datetimeFigureOut">
               <a:rPr lang="en-US" smtClean="0"/>
-              <a:t>6/24/24</a:t>
+              <a:t>8/8/2024</a:t>
             </a:fld>
             <a:endParaRPr lang="en-US"/>
           </a:p>
@@ -2809,7 +2810,7 @@
           <a:p>
             <a:fld id="{6002544E-5E39-4737-AA1A-22DC2E81DCEA}" type="datetimeFigureOut">
               <a:rPr lang="en-US" smtClean="0"/>
-              <a:t>6/24/24</a:t>
+              <a:t>8/8/2024</a:t>
             </a:fld>
             <a:endParaRPr lang="en-US"/>
           </a:p>
@@ -2989,7 +2990,7 @@
           <a:p>
             <a:fld id="{6002544E-5E39-4737-AA1A-22DC2E81DCEA}" type="datetimeFigureOut">
               <a:rPr lang="en-US" smtClean="0"/>
-              <a:t>6/24/24</a:t>
+              <a:t>8/8/2024</a:t>
             </a:fld>
             <a:endParaRPr lang="en-US"/>
           </a:p>
@@ -3159,7 +3160,7 @@
           <a:p>
             <a:fld id="{6002544E-5E39-4737-AA1A-22DC2E81DCEA}" type="datetimeFigureOut">
               <a:rPr lang="en-US" smtClean="0"/>
-              <a:t>6/24/24</a:t>
+              <a:t>8/8/2024</a:t>
             </a:fld>
             <a:endParaRPr lang="en-US"/>
           </a:p>
@@ -3405,7 +3406,7 @@
           <a:p>
             <a:fld id="{6002544E-5E39-4737-AA1A-22DC2E81DCEA}" type="datetimeFigureOut">
               <a:rPr lang="en-US" smtClean="0"/>
-              <a:t>6/24/24</a:t>
+              <a:t>8/8/2024</a:t>
             </a:fld>
             <a:endParaRPr lang="en-US"/>
           </a:p>
@@ -3637,7 +3638,7 @@
           <a:p>
             <a:fld id="{6002544E-5E39-4737-AA1A-22DC2E81DCEA}" type="datetimeFigureOut">
               <a:rPr lang="en-US" smtClean="0"/>
-              <a:t>6/24/24</a:t>
+              <a:t>8/8/2024</a:t>
             </a:fld>
             <a:endParaRPr lang="en-US"/>
           </a:p>
@@ -4004,7 +4005,7 @@
           <a:p>
             <a:fld id="{6002544E-5E39-4737-AA1A-22DC2E81DCEA}" type="datetimeFigureOut">
               <a:rPr lang="en-US" smtClean="0"/>
-              <a:t>6/24/24</a:t>
+              <a:t>8/8/2024</a:t>
             </a:fld>
             <a:endParaRPr lang="en-US"/>
           </a:p>
@@ -4122,7 +4123,7 @@
           <a:p>
             <a:fld id="{6002544E-5E39-4737-AA1A-22DC2E81DCEA}" type="datetimeFigureOut">
               <a:rPr lang="en-US" smtClean="0"/>
-              <a:t>6/24/24</a:t>
+              <a:t>8/8/2024</a:t>
             </a:fld>
             <a:endParaRPr lang="en-US"/>
           </a:p>
@@ -4217,7 +4218,7 @@
           <a:p>
             <a:fld id="{6002544E-5E39-4737-AA1A-22DC2E81DCEA}" type="datetimeFigureOut">
               <a:rPr lang="en-US" smtClean="0"/>
-              <a:t>6/24/24</a:t>
+              <a:t>8/8/2024</a:t>
             </a:fld>
             <a:endParaRPr lang="en-US"/>
           </a:p>
@@ -4494,7 +4495,7 @@
           <a:p>
             <a:fld id="{6002544E-5E39-4737-AA1A-22DC2E81DCEA}" type="datetimeFigureOut">
               <a:rPr lang="en-US" smtClean="0"/>
-              <a:t>6/24/24</a:t>
+              <a:t>8/8/2024</a:t>
             </a:fld>
             <a:endParaRPr lang="en-US"/>
           </a:p>
@@ -4751,7 +4752,7 @@
           <a:p>
             <a:fld id="{6002544E-5E39-4737-AA1A-22DC2E81DCEA}" type="datetimeFigureOut">
               <a:rPr lang="en-US" smtClean="0"/>
-              <a:t>6/24/24</a:t>
+              <a:t>8/8/2024</a:t>
             </a:fld>
             <a:endParaRPr lang="en-US"/>
           </a:p>
@@ -4964,7 +4965,7 @@
           <a:p>
             <a:fld id="{6002544E-5E39-4737-AA1A-22DC2E81DCEA}" type="datetimeFigureOut">
               <a:rPr lang="en-US" smtClean="0"/>
-              <a:t>6/24/24</a:t>
+              <a:t>8/8/2024</a:t>
             </a:fld>
             <a:endParaRPr lang="en-US"/>
           </a:p>
@@ -6845,10 +6846,1419 @@
           </a:p>
         </p:txBody>
       </p:sp>
+      <p:sp>
+        <p:nvSpPr>
+          <p:cNvPr id="5" name="TextBox 4">
+            <a:extLst>
+              <a:ext uri="{FF2B5EF4-FFF2-40B4-BE49-F238E27FC236}">
+                <a16:creationId xmlns:a16="http://schemas.microsoft.com/office/drawing/2014/main" id="{221F3146-D563-5ADC-E93D-B800824F7A75}"/>
+              </a:ext>
+            </a:extLst>
+          </p:cNvPr>
+          <p:cNvSpPr txBox="1"/>
+          <p:nvPr/>
+        </p:nvSpPr>
+        <p:spPr>
+          <a:xfrm>
+            <a:off x="438309" y="2091936"/>
+            <a:ext cx="2134656" cy="328231"/>
+          </a:xfrm>
+          <a:prstGeom prst="rect">
+            <a:avLst/>
+          </a:prstGeom>
+          <a:noFill/>
+        </p:spPr>
+        <p:txBody>
+          <a:bodyPr wrap="square" rtlCol="0">
+            <a:spAutoFit/>
+          </a:bodyPr>
+          <a:lstStyle/>
+          <a:p>
+            <a:pPr algn="ctr"/>
+            <a:endParaRPr lang="en-US" sz="1533" dirty="0">
+              <a:latin typeface="Arial" panose="020B0604020202020204" pitchFamily="34" charset="0"/>
+              <a:cs typeface="Arial" panose="020B0604020202020204" pitchFamily="34" charset="0"/>
+            </a:endParaRPr>
+          </a:p>
+        </p:txBody>
+      </p:sp>
     </p:spTree>
     <p:extLst>
       <p:ext uri="{BB962C8B-B14F-4D97-AF65-F5344CB8AC3E}">
         <p14:creationId xmlns:p14="http://schemas.microsoft.com/office/powerpoint/2010/main" val="1869401412"/>
+      </p:ext>
+    </p:extLst>
+  </p:cSld>
+  <p:clrMapOvr>
+    <a:masterClrMapping/>
+  </p:clrMapOvr>
+</p:sld>
+</file>
+
+<file path=ppt/slides/slide2.xml><?xml version="1.0" encoding="utf-8"?>
+<p:sld xmlns:a="http://schemas.openxmlformats.org/drawingml/2006/main" xmlns:r="http://schemas.openxmlformats.org/officeDocument/2006/relationships" xmlns:p="http://schemas.openxmlformats.org/presentationml/2006/main">
+  <p:cSld>
+    <p:spTree>
+      <p:nvGrpSpPr>
+        <p:cNvPr id="1" name=""/>
+        <p:cNvGrpSpPr/>
+        <p:nvPr/>
+      </p:nvGrpSpPr>
+      <p:grpSpPr>
+        <a:xfrm>
+          <a:off x="0" y="0"/>
+          <a:ext cx="0" cy="0"/>
+          <a:chOff x="0" y="0"/>
+          <a:chExt cx="0" cy="0"/>
+        </a:xfrm>
+      </p:grpSpPr>
+      <p:grpSp>
+        <p:nvGrpSpPr>
+          <p:cNvPr id="7" name="Group 6">
+            <a:extLst>
+              <a:ext uri="{FF2B5EF4-FFF2-40B4-BE49-F238E27FC236}">
+                <a16:creationId xmlns:a16="http://schemas.microsoft.com/office/drawing/2014/main" id="{B1B6E8E8-7124-F238-2455-A81BEF5BB08F}"/>
+              </a:ext>
+            </a:extLst>
+          </p:cNvPr>
+          <p:cNvGrpSpPr/>
+          <p:nvPr/>
+        </p:nvGrpSpPr>
+        <p:grpSpPr>
+          <a:xfrm>
+            <a:off x="242204" y="-52506"/>
+            <a:ext cx="11923170" cy="10307225"/>
+            <a:chOff x="242204" y="-52506"/>
+            <a:chExt cx="11923170" cy="10307225"/>
+          </a:xfrm>
+        </p:grpSpPr>
+        <p:sp>
+          <p:nvSpPr>
+            <p:cNvPr id="57" name="TextBox 56">
+              <a:extLst>
+                <a:ext uri="{FF2B5EF4-FFF2-40B4-BE49-F238E27FC236}">
+                  <a16:creationId xmlns:a16="http://schemas.microsoft.com/office/drawing/2014/main" id="{52AEC7E4-80F3-3563-F514-5EC0D25250FD}"/>
+                </a:ext>
+              </a:extLst>
+            </p:cNvPr>
+            <p:cNvSpPr txBox="1"/>
+            <p:nvPr/>
+          </p:nvSpPr>
+          <p:spPr>
+            <a:xfrm rot="16200000">
+              <a:off x="6941501" y="4903859"/>
+              <a:ext cx="1672886" cy="328231"/>
+            </a:xfrm>
+            <a:prstGeom prst="rect">
+              <a:avLst/>
+            </a:prstGeom>
+            <a:noFill/>
+          </p:spPr>
+          <p:txBody>
+            <a:bodyPr wrap="square" rtlCol="0">
+              <a:spAutoFit/>
+            </a:bodyPr>
+            <a:lstStyle/>
+            <a:p>
+              <a:pPr algn="ctr"/>
+              <a:r>
+                <a:rPr lang="en-US" sz="1533" dirty="0">
+                  <a:latin typeface="Arial" panose="020B0604020202020204" pitchFamily="34" charset="0"/>
+                  <a:cs typeface="Arial" panose="020B0604020202020204" pitchFamily="34" charset="0"/>
+                </a:rPr>
+                <a:t>Number of lakes</a:t>
+              </a:r>
+            </a:p>
+          </p:txBody>
+        </p:sp>
+        <p:grpSp>
+          <p:nvGrpSpPr>
+            <p:cNvPr id="5" name="Group 4">
+              <a:extLst>
+                <a:ext uri="{FF2B5EF4-FFF2-40B4-BE49-F238E27FC236}">
+                  <a16:creationId xmlns:a16="http://schemas.microsoft.com/office/drawing/2014/main" id="{580F8191-0482-7B34-3FE1-D4A5F36CBBF4}"/>
+                </a:ext>
+              </a:extLst>
+            </p:cNvPr>
+            <p:cNvGrpSpPr/>
+            <p:nvPr/>
+          </p:nvGrpSpPr>
+          <p:grpSpPr>
+            <a:xfrm>
+              <a:off x="242204" y="-52506"/>
+              <a:ext cx="11923170" cy="10307225"/>
+              <a:chOff x="242204" y="-52506"/>
+              <a:chExt cx="11923170" cy="10307225"/>
+            </a:xfrm>
+          </p:grpSpPr>
+          <p:sp>
+            <p:nvSpPr>
+              <p:cNvPr id="34" name="TextBox 33">
+                <a:extLst>
+                  <a:ext uri="{FF2B5EF4-FFF2-40B4-BE49-F238E27FC236}">
+                    <a16:creationId xmlns:a16="http://schemas.microsoft.com/office/drawing/2014/main" id="{AA4222A2-9CE5-6BE0-38E7-36EDE44CEF95}"/>
+                  </a:ext>
+                </a:extLst>
+              </p:cNvPr>
+              <p:cNvSpPr txBox="1"/>
+              <p:nvPr/>
+            </p:nvSpPr>
+            <p:spPr>
+              <a:xfrm rot="16200000">
+                <a:off x="1677450" y="4956364"/>
+                <a:ext cx="2798689" cy="328231"/>
+              </a:xfrm>
+              <a:prstGeom prst="rect">
+                <a:avLst/>
+              </a:prstGeom>
+              <a:noFill/>
+            </p:spPr>
+            <p:txBody>
+              <a:bodyPr wrap="square" rtlCol="0">
+                <a:spAutoFit/>
+              </a:bodyPr>
+              <a:lstStyle/>
+              <a:p>
+                <a:pPr algn="ctr"/>
+                <a:r>
+                  <a:rPr lang="en-US" sz="1533" dirty="0">
+                    <a:latin typeface="Arial" panose="020B0604020202020204" pitchFamily="34" charset="0"/>
+                    <a:cs typeface="Arial" panose="020B0604020202020204" pitchFamily="34" charset="0"/>
+                  </a:rPr>
+                  <a:t>Dominant wavelength (DWL)</a:t>
+                </a:r>
+              </a:p>
+            </p:txBody>
+          </p:sp>
+          <p:grpSp>
+            <p:nvGrpSpPr>
+              <p:cNvPr id="31" name="Group 30">
+                <a:extLst>
+                  <a:ext uri="{FF2B5EF4-FFF2-40B4-BE49-F238E27FC236}">
+                    <a16:creationId xmlns:a16="http://schemas.microsoft.com/office/drawing/2014/main" id="{34484CAA-C6BC-E157-DFC2-97A1B9FF874C}"/>
+                  </a:ext>
+                </a:extLst>
+              </p:cNvPr>
+              <p:cNvGrpSpPr/>
+              <p:nvPr/>
+            </p:nvGrpSpPr>
+            <p:grpSpPr>
+              <a:xfrm>
+                <a:off x="242204" y="-52506"/>
+                <a:ext cx="11923170" cy="10307225"/>
+                <a:chOff x="242204" y="-52506"/>
+                <a:chExt cx="11923170" cy="10307225"/>
+              </a:xfrm>
+            </p:grpSpPr>
+            <p:pic>
+              <p:nvPicPr>
+                <p:cNvPr id="19" name="Picture 18" descr="A graph of a graph&#10;&#10;Description automatically generated with medium confidence">
+                  <a:extLst>
+                    <a:ext uri="{FF2B5EF4-FFF2-40B4-BE49-F238E27FC236}">
+                      <a16:creationId xmlns:a16="http://schemas.microsoft.com/office/drawing/2014/main" id="{3AD3E4D7-3F86-6B3D-9CC5-B0AA2FB0D4E9}"/>
+                    </a:ext>
+                  </a:extLst>
+                </p:cNvPr>
+                <p:cNvPicPr>
+                  <a:picLocks noChangeAspect="1"/>
+                </p:cNvPicPr>
+                <p:nvPr/>
+              </p:nvPicPr>
+              <p:blipFill>
+                <a:blip r:embed="rId2">
+                  <a:clrChange>
+                    <a:clrFrom>
+                      <a:srgbClr val="FFFFFF"/>
+                    </a:clrFrom>
+                    <a:clrTo>
+                      <a:srgbClr val="FFFFFF">
+                        <a:alpha val="0"/>
+                      </a:srgbClr>
+                    </a:clrTo>
+                  </a:clrChange>
+                  <a:extLst>
+                    <a:ext uri="{28A0092B-C50C-407E-A947-70E740481C1C}">
+                      <a14:useLocalDpi xmlns:a14="http://schemas.microsoft.com/office/drawing/2010/main" val="0"/>
+                    </a:ext>
+                  </a:extLst>
+                </a:blip>
+                <a:stretch>
+                  <a:fillRect/>
+                </a:stretch>
+              </p:blipFill>
+              <p:spPr>
+                <a:xfrm>
+                  <a:off x="7942060" y="52504"/>
+                  <a:ext cx="4223314" cy="10135953"/>
+                </a:xfrm>
+                <a:prstGeom prst="rect">
+                  <a:avLst/>
+                </a:prstGeom>
+              </p:spPr>
+            </p:pic>
+            <p:pic>
+              <p:nvPicPr>
+                <p:cNvPr id="10" name="Picture 9" descr="A graph showing the different colored arrows&#10;&#10;Description automatically generated with medium confidence">
+                  <a:extLst>
+                    <a:ext uri="{FF2B5EF4-FFF2-40B4-BE49-F238E27FC236}">
+                      <a16:creationId xmlns:a16="http://schemas.microsoft.com/office/drawing/2014/main" id="{4D70D65D-A247-77C3-F012-7D97DB17F48E}"/>
+                    </a:ext>
+                  </a:extLst>
+                </p:cNvPr>
+                <p:cNvPicPr>
+                  <a:picLocks noChangeAspect="1"/>
+                </p:cNvPicPr>
+                <p:nvPr/>
+              </p:nvPicPr>
+              <p:blipFill>
+                <a:blip r:embed="rId3">
+                  <a:clrChange>
+                    <a:clrFrom>
+                      <a:srgbClr val="FFFFFF"/>
+                    </a:clrFrom>
+                    <a:clrTo>
+                      <a:srgbClr val="FFFFFF">
+                        <a:alpha val="0"/>
+                      </a:srgbClr>
+                    </a:clrTo>
+                  </a:clrChange>
+                  <a:extLst>
+                    <a:ext uri="{28A0092B-C50C-407E-A947-70E740481C1C}">
+                      <a14:useLocalDpi xmlns:a14="http://schemas.microsoft.com/office/drawing/2010/main" val="0"/>
+                    </a:ext>
+                  </a:extLst>
+                </a:blip>
+                <a:stretch>
+                  <a:fillRect/>
+                </a:stretch>
+              </p:blipFill>
+              <p:spPr>
+                <a:xfrm>
+                  <a:off x="3335267" y="-52506"/>
+                  <a:ext cx="4267068" cy="10240963"/>
+                </a:xfrm>
+                <a:prstGeom prst="rect">
+                  <a:avLst/>
+                </a:prstGeom>
+              </p:spPr>
+            </p:pic>
+            <p:grpSp>
+              <p:nvGrpSpPr>
+                <p:cNvPr id="22" name="Group 21">
+                  <a:extLst>
+                    <a:ext uri="{FF2B5EF4-FFF2-40B4-BE49-F238E27FC236}">
+                      <a16:creationId xmlns:a16="http://schemas.microsoft.com/office/drawing/2014/main" id="{DA76E2A5-ECB8-8F01-6E5B-887A9DF48EE2}"/>
+                    </a:ext>
+                  </a:extLst>
+                </p:cNvPr>
+                <p:cNvGrpSpPr/>
+                <p:nvPr/>
+              </p:nvGrpSpPr>
+              <p:grpSpPr>
+                <a:xfrm>
+                  <a:off x="577094" y="1400201"/>
+                  <a:ext cx="1732155" cy="525780"/>
+                  <a:chOff x="4474497" y="574842"/>
+                  <a:chExt cx="1613946" cy="489898"/>
+                </a:xfrm>
+              </p:grpSpPr>
+              <p:sp>
+                <p:nvSpPr>
+                  <p:cNvPr id="2" name="Oval 1">
+                    <a:extLst>
+                      <a:ext uri="{FF2B5EF4-FFF2-40B4-BE49-F238E27FC236}">
+                        <a16:creationId xmlns:a16="http://schemas.microsoft.com/office/drawing/2014/main" id="{6EDA3398-07ED-483C-9360-DF1B460D0DD5}"/>
+                      </a:ext>
+                    </a:extLst>
+                  </p:cNvPr>
+                  <p:cNvSpPr/>
+                  <p:nvPr/>
+                </p:nvSpPr>
+                <p:spPr>
+                  <a:xfrm>
+                    <a:off x="4474497" y="574842"/>
+                    <a:ext cx="489898" cy="489898"/>
+                  </a:xfrm>
+                  <a:prstGeom prst="ellipse">
+                    <a:avLst/>
+                  </a:prstGeom>
+                  <a:solidFill>
+                    <a:srgbClr val="93C47D"/>
+                  </a:solidFill>
+                  <a:ln w="6350">
+                    <a:solidFill>
+                      <a:schemeClr val="dk1"/>
+                    </a:solidFill>
+                  </a:ln>
+                </p:spPr>
+                <p:style>
+                  <a:lnRef idx="2">
+                    <a:schemeClr val="accent1">
+                      <a:shade val="15000"/>
+                    </a:schemeClr>
+                  </a:lnRef>
+                  <a:fillRef idx="1">
+                    <a:schemeClr val="accent1"/>
+                  </a:fillRef>
+                  <a:effectRef idx="0">
+                    <a:schemeClr val="accent1"/>
+                  </a:effectRef>
+                  <a:fontRef idx="minor">
+                    <a:schemeClr val="lt1"/>
+                  </a:fontRef>
+                </p:style>
+                <p:txBody>
+                  <a:bodyPr rtlCol="0" anchor="ctr"/>
+                  <a:lstStyle/>
+                  <a:p>
+                    <a:pPr algn="ctr"/>
+                    <a:endParaRPr lang="en-US" sz="1932">
+                      <a:latin typeface="Arial" panose="020B0604020202020204" pitchFamily="34" charset="0"/>
+                      <a:cs typeface="Arial" panose="020B0604020202020204" pitchFamily="34" charset="0"/>
+                    </a:endParaRPr>
+                  </a:p>
+                </p:txBody>
+              </p:sp>
+              <p:sp>
+                <p:nvSpPr>
+                  <p:cNvPr id="3" name="Oval 2">
+                    <a:extLst>
+                      <a:ext uri="{FF2B5EF4-FFF2-40B4-BE49-F238E27FC236}">
+                        <a16:creationId xmlns:a16="http://schemas.microsoft.com/office/drawing/2014/main" id="{749CD612-B750-CCAC-F499-0E5B3953F70B}"/>
+                      </a:ext>
+                    </a:extLst>
+                  </p:cNvPr>
+                  <p:cNvSpPr/>
+                  <p:nvPr/>
+                </p:nvSpPr>
+                <p:spPr>
+                  <a:xfrm>
+                    <a:off x="5598545" y="574842"/>
+                    <a:ext cx="489898" cy="489898"/>
+                  </a:xfrm>
+                  <a:prstGeom prst="ellipse">
+                    <a:avLst/>
+                  </a:prstGeom>
+                  <a:solidFill>
+                    <a:srgbClr val="3D7DB0"/>
+                  </a:solidFill>
+                  <a:ln w="6350">
+                    <a:solidFill>
+                      <a:schemeClr val="dk1"/>
+                    </a:solidFill>
+                  </a:ln>
+                </p:spPr>
+                <p:style>
+                  <a:lnRef idx="2">
+                    <a:schemeClr val="accent1">
+                      <a:shade val="15000"/>
+                    </a:schemeClr>
+                  </a:lnRef>
+                  <a:fillRef idx="1">
+                    <a:schemeClr val="accent1"/>
+                  </a:fillRef>
+                  <a:effectRef idx="0">
+                    <a:schemeClr val="accent1"/>
+                  </a:effectRef>
+                  <a:fontRef idx="minor">
+                    <a:schemeClr val="lt1"/>
+                  </a:fontRef>
+                </p:style>
+                <p:txBody>
+                  <a:bodyPr rtlCol="0" anchor="ctr"/>
+                  <a:lstStyle/>
+                  <a:p>
+                    <a:pPr algn="ctr"/>
+                    <a:endParaRPr lang="en-US" sz="1932">
+                      <a:latin typeface="Arial" panose="020B0604020202020204" pitchFamily="34" charset="0"/>
+                      <a:cs typeface="Arial" panose="020B0604020202020204" pitchFamily="34" charset="0"/>
+                    </a:endParaRPr>
+                  </a:p>
+                </p:txBody>
+              </p:sp>
+              <p:cxnSp>
+                <p:nvCxnSpPr>
+                  <p:cNvPr id="6" name="Straight Arrow Connector 5">
+                    <a:extLst>
+                      <a:ext uri="{FF2B5EF4-FFF2-40B4-BE49-F238E27FC236}">
+                        <a16:creationId xmlns:a16="http://schemas.microsoft.com/office/drawing/2014/main" id="{BFC5D416-0E9B-D2E0-9F53-57AF74DC19A5}"/>
+                      </a:ext>
+                    </a:extLst>
+                  </p:cNvPr>
+                  <p:cNvCxnSpPr>
+                    <a:cxnSpLocks/>
+                  </p:cNvCxnSpPr>
+                  <p:nvPr/>
+                </p:nvCxnSpPr>
+                <p:spPr>
+                  <a:xfrm>
+                    <a:off x="5038626" y="810319"/>
+                    <a:ext cx="520996" cy="0"/>
+                  </a:xfrm>
+                  <a:prstGeom prst="straightConnector1">
+                    <a:avLst/>
+                  </a:prstGeom>
+                  <a:ln w="50800">
+                    <a:tailEnd type="triangle"/>
+                  </a:ln>
+                </p:spPr>
+                <p:style>
+                  <a:lnRef idx="2">
+                    <a:schemeClr val="dk1"/>
+                  </a:lnRef>
+                  <a:fillRef idx="0">
+                    <a:schemeClr val="dk1"/>
+                  </a:fillRef>
+                  <a:effectRef idx="1">
+                    <a:schemeClr val="dk1"/>
+                  </a:effectRef>
+                  <a:fontRef idx="minor">
+                    <a:schemeClr val="tx1"/>
+                  </a:fontRef>
+                </p:style>
+              </p:cxnSp>
+            </p:grpSp>
+            <p:sp>
+              <p:nvSpPr>
+                <p:cNvPr id="42" name="TextBox 41">
+                  <a:extLst>
+                    <a:ext uri="{FF2B5EF4-FFF2-40B4-BE49-F238E27FC236}">
+                      <a16:creationId xmlns:a16="http://schemas.microsoft.com/office/drawing/2014/main" id="{F7779312-CE12-047F-23EE-11DA0E44AE45}"/>
+                    </a:ext>
+                  </a:extLst>
+                </p:cNvPr>
+                <p:cNvSpPr txBox="1"/>
+                <p:nvPr/>
+              </p:nvSpPr>
+              <p:spPr>
+                <a:xfrm>
+                  <a:off x="438309" y="700497"/>
+                  <a:ext cx="2164196" cy="560409"/>
+                </a:xfrm>
+                <a:prstGeom prst="rect">
+                  <a:avLst/>
+                </a:prstGeom>
+                <a:noFill/>
+              </p:spPr>
+              <p:txBody>
+                <a:bodyPr wrap="square" rtlCol="0">
+                  <a:spAutoFit/>
+                </a:bodyPr>
+                <a:lstStyle/>
+                <a:p>
+                  <a:pPr algn="ctr"/>
+                  <a:r>
+                    <a:rPr lang="en-US" sz="1533" dirty="0">
+                      <a:latin typeface="Arial" panose="020B0604020202020204" pitchFamily="34" charset="0"/>
+                      <a:cs typeface="Arial" panose="020B0604020202020204" pitchFamily="34" charset="0"/>
+                    </a:rPr>
+                    <a:t>Lakes switched from </a:t>
+                  </a:r>
+                </a:p>
+                <a:p>
+                  <a:pPr algn="ctr"/>
+                  <a:r>
+                    <a:rPr lang="en-US" sz="1533" dirty="0">
+                      <a:latin typeface="Arial" panose="020B0604020202020204" pitchFamily="34" charset="0"/>
+                      <a:cs typeface="Arial" panose="020B0604020202020204" pitchFamily="34" charset="0"/>
+                    </a:rPr>
+                    <a:t>green to blue</a:t>
+                  </a:r>
+                </a:p>
+              </p:txBody>
+            </p:sp>
+            <p:sp>
+              <p:nvSpPr>
+                <p:cNvPr id="43" name="TextBox 42">
+                  <a:extLst>
+                    <a:ext uri="{FF2B5EF4-FFF2-40B4-BE49-F238E27FC236}">
+                      <a16:creationId xmlns:a16="http://schemas.microsoft.com/office/drawing/2014/main" id="{94E20A1B-B2FF-1BEA-C14D-522BA6AA0335}"/>
+                    </a:ext>
+                  </a:extLst>
+                </p:cNvPr>
+                <p:cNvSpPr txBox="1"/>
+                <p:nvPr/>
+              </p:nvSpPr>
+              <p:spPr>
+                <a:xfrm>
+                  <a:off x="438309" y="3149161"/>
+                  <a:ext cx="2164196" cy="564129"/>
+                </a:xfrm>
+                <a:prstGeom prst="rect">
+                  <a:avLst/>
+                </a:prstGeom>
+                <a:noFill/>
+              </p:spPr>
+              <p:txBody>
+                <a:bodyPr wrap="square" rtlCol="0">
+                  <a:spAutoFit/>
+                </a:bodyPr>
+                <a:lstStyle/>
+                <a:p>
+                  <a:pPr algn="ctr"/>
+                  <a:r>
+                    <a:rPr lang="en-US" sz="1533" dirty="0">
+                      <a:latin typeface="Arial" panose="020B0604020202020204" pitchFamily="34" charset="0"/>
+                      <a:cs typeface="Arial" panose="020B0604020202020204" pitchFamily="34" charset="0"/>
+                    </a:rPr>
+                    <a:t>Lakes trended towards green, but stayed blue</a:t>
+                  </a:r>
+                </a:p>
+              </p:txBody>
+            </p:sp>
+            <p:sp>
+              <p:nvSpPr>
+                <p:cNvPr id="44" name="TextBox 43">
+                  <a:extLst>
+                    <a:ext uri="{FF2B5EF4-FFF2-40B4-BE49-F238E27FC236}">
+                      <a16:creationId xmlns:a16="http://schemas.microsoft.com/office/drawing/2014/main" id="{1EB65B2F-9BE1-2C2D-B526-888AB809311A}"/>
+                    </a:ext>
+                  </a:extLst>
+                </p:cNvPr>
+                <p:cNvSpPr txBox="1"/>
+                <p:nvPr/>
+              </p:nvSpPr>
+              <p:spPr>
+                <a:xfrm>
+                  <a:off x="438311" y="5537043"/>
+                  <a:ext cx="2149495" cy="560409"/>
+                </a:xfrm>
+                <a:prstGeom prst="rect">
+                  <a:avLst/>
+                </a:prstGeom>
+                <a:noFill/>
+              </p:spPr>
+              <p:txBody>
+                <a:bodyPr wrap="square" rtlCol="0">
+                  <a:spAutoFit/>
+                </a:bodyPr>
+                <a:lstStyle/>
+                <a:p>
+                  <a:pPr algn="ctr"/>
+                  <a:r>
+                    <a:rPr lang="en-US" sz="1533" dirty="0">
+                      <a:latin typeface="Arial" panose="020B0604020202020204" pitchFamily="34" charset="0"/>
+                      <a:cs typeface="Arial" panose="020B0604020202020204" pitchFamily="34" charset="0"/>
+                    </a:rPr>
+                    <a:t>Lakes trended towards blue, but stayed green</a:t>
+                  </a:r>
+                </a:p>
+              </p:txBody>
+            </p:sp>
+            <p:sp>
+              <p:nvSpPr>
+                <p:cNvPr id="45" name="TextBox 44">
+                  <a:extLst>
+                    <a:ext uri="{FF2B5EF4-FFF2-40B4-BE49-F238E27FC236}">
+                      <a16:creationId xmlns:a16="http://schemas.microsoft.com/office/drawing/2014/main" id="{600E27D6-AED2-BDA5-079B-0BAE9B4D7391}"/>
+                    </a:ext>
+                  </a:extLst>
+                </p:cNvPr>
+                <p:cNvSpPr txBox="1"/>
+                <p:nvPr/>
+              </p:nvSpPr>
+              <p:spPr>
+                <a:xfrm>
+                  <a:off x="438312" y="8126127"/>
+                  <a:ext cx="1971827" cy="560409"/>
+                </a:xfrm>
+                <a:prstGeom prst="rect">
+                  <a:avLst/>
+                </a:prstGeom>
+                <a:noFill/>
+              </p:spPr>
+              <p:txBody>
+                <a:bodyPr wrap="square" rtlCol="0">
+                  <a:spAutoFit/>
+                </a:bodyPr>
+                <a:lstStyle/>
+                <a:p>
+                  <a:pPr algn="ctr"/>
+                  <a:r>
+                    <a:rPr lang="en-US" sz="1533" dirty="0">
+                      <a:latin typeface="Arial" panose="020B0604020202020204" pitchFamily="34" charset="0"/>
+                      <a:cs typeface="Arial" panose="020B0604020202020204" pitchFamily="34" charset="0"/>
+                    </a:rPr>
+                    <a:t>Lakes switched from </a:t>
+                  </a:r>
+                </a:p>
+                <a:p>
+                  <a:pPr algn="ctr"/>
+                  <a:r>
+                    <a:rPr lang="en-US" sz="1533" dirty="0">
+                      <a:latin typeface="Arial" panose="020B0604020202020204" pitchFamily="34" charset="0"/>
+                      <a:cs typeface="Arial" panose="020B0604020202020204" pitchFamily="34" charset="0"/>
+                    </a:rPr>
+                    <a:t>blue to green</a:t>
+                  </a:r>
+                </a:p>
+              </p:txBody>
+            </p:sp>
+            <p:sp>
+              <p:nvSpPr>
+                <p:cNvPr id="4" name="TextBox 3">
+                  <a:extLst>
+                    <a:ext uri="{FF2B5EF4-FFF2-40B4-BE49-F238E27FC236}">
+                      <a16:creationId xmlns:a16="http://schemas.microsoft.com/office/drawing/2014/main" id="{8A9E3ED9-1AEB-24A2-3955-FA6988180D37}"/>
+                    </a:ext>
+                  </a:extLst>
+                </p:cNvPr>
+                <p:cNvSpPr txBox="1"/>
+                <p:nvPr/>
+              </p:nvSpPr>
+              <p:spPr>
+                <a:xfrm>
+                  <a:off x="244783" y="176005"/>
+                  <a:ext cx="554646" cy="442429"/>
+                </a:xfrm>
+                <a:prstGeom prst="rect">
+                  <a:avLst/>
+                </a:prstGeom>
+                <a:noFill/>
+              </p:spPr>
+              <p:txBody>
+                <a:bodyPr wrap="square" rtlCol="0">
+                  <a:spAutoFit/>
+                </a:bodyPr>
+                <a:lstStyle/>
+                <a:p>
+                  <a:r>
+                    <a:rPr lang="en-US" sz="2300" dirty="0">
+                      <a:latin typeface="Arial" panose="020B0604020202020204" pitchFamily="34" charset="0"/>
+                      <a:cs typeface="Arial" panose="020B0604020202020204" pitchFamily="34" charset="0"/>
+                    </a:rPr>
+                    <a:t>a)</a:t>
+                  </a:r>
+                </a:p>
+              </p:txBody>
+            </p:sp>
+            <p:sp>
+              <p:nvSpPr>
+                <p:cNvPr id="8" name="TextBox 7">
+                  <a:extLst>
+                    <a:ext uri="{FF2B5EF4-FFF2-40B4-BE49-F238E27FC236}">
+                      <a16:creationId xmlns:a16="http://schemas.microsoft.com/office/drawing/2014/main" id="{FF995F32-5EA6-1FF0-B500-63FBC9F77D2C}"/>
+                    </a:ext>
+                  </a:extLst>
+                </p:cNvPr>
+                <p:cNvSpPr txBox="1"/>
+                <p:nvPr/>
+              </p:nvSpPr>
+              <p:spPr>
+                <a:xfrm>
+                  <a:off x="242206" y="2603808"/>
+                  <a:ext cx="554646" cy="442429"/>
+                </a:xfrm>
+                <a:prstGeom prst="rect">
+                  <a:avLst/>
+                </a:prstGeom>
+                <a:noFill/>
+              </p:spPr>
+              <p:txBody>
+                <a:bodyPr wrap="square" rtlCol="0">
+                  <a:spAutoFit/>
+                </a:bodyPr>
+                <a:lstStyle/>
+                <a:p>
+                  <a:r>
+                    <a:rPr lang="en-US" sz="2300" dirty="0">
+                      <a:latin typeface="Arial" panose="020B0604020202020204" pitchFamily="34" charset="0"/>
+                      <a:cs typeface="Arial" panose="020B0604020202020204" pitchFamily="34" charset="0"/>
+                    </a:rPr>
+                    <a:t>b)</a:t>
+                  </a:r>
+                </a:p>
+              </p:txBody>
+            </p:sp>
+            <p:sp>
+              <p:nvSpPr>
+                <p:cNvPr id="15" name="TextBox 14">
+                  <a:extLst>
+                    <a:ext uri="{FF2B5EF4-FFF2-40B4-BE49-F238E27FC236}">
+                      <a16:creationId xmlns:a16="http://schemas.microsoft.com/office/drawing/2014/main" id="{5F864190-A73A-9106-1C1C-8A3299BBDDA1}"/>
+                    </a:ext>
+                  </a:extLst>
+                </p:cNvPr>
+                <p:cNvSpPr txBox="1"/>
+                <p:nvPr/>
+              </p:nvSpPr>
+              <p:spPr>
+                <a:xfrm>
+                  <a:off x="242205" y="5045076"/>
+                  <a:ext cx="554646" cy="442429"/>
+                </a:xfrm>
+                <a:prstGeom prst="rect">
+                  <a:avLst/>
+                </a:prstGeom>
+                <a:noFill/>
+              </p:spPr>
+              <p:txBody>
+                <a:bodyPr wrap="square" rtlCol="0">
+                  <a:spAutoFit/>
+                </a:bodyPr>
+                <a:lstStyle/>
+                <a:p>
+                  <a:r>
+                    <a:rPr lang="en-US" sz="2300" dirty="0">
+                      <a:latin typeface="Arial" panose="020B0604020202020204" pitchFamily="34" charset="0"/>
+                      <a:cs typeface="Arial" panose="020B0604020202020204" pitchFamily="34" charset="0"/>
+                    </a:rPr>
+                    <a:t>c)</a:t>
+                  </a:r>
+                </a:p>
+              </p:txBody>
+            </p:sp>
+            <p:sp>
+              <p:nvSpPr>
+                <p:cNvPr id="16" name="TextBox 15">
+                  <a:extLst>
+                    <a:ext uri="{FF2B5EF4-FFF2-40B4-BE49-F238E27FC236}">
+                      <a16:creationId xmlns:a16="http://schemas.microsoft.com/office/drawing/2014/main" id="{A2A6BED6-E85A-A9A5-3FBE-D284FA8D5300}"/>
+                    </a:ext>
+                  </a:extLst>
+                </p:cNvPr>
+                <p:cNvSpPr txBox="1"/>
+                <p:nvPr/>
+              </p:nvSpPr>
+              <p:spPr>
+                <a:xfrm>
+                  <a:off x="242204" y="7590140"/>
+                  <a:ext cx="554646" cy="442429"/>
+                </a:xfrm>
+                <a:prstGeom prst="rect">
+                  <a:avLst/>
+                </a:prstGeom>
+                <a:noFill/>
+              </p:spPr>
+              <p:txBody>
+                <a:bodyPr wrap="square" rtlCol="0">
+                  <a:spAutoFit/>
+                </a:bodyPr>
+                <a:lstStyle/>
+                <a:p>
+                  <a:r>
+                    <a:rPr lang="en-US" sz="2300" dirty="0">
+                      <a:latin typeface="Arial" panose="020B0604020202020204" pitchFamily="34" charset="0"/>
+                      <a:cs typeface="Arial" panose="020B0604020202020204" pitchFamily="34" charset="0"/>
+                    </a:rPr>
+                    <a:t>d)</a:t>
+                  </a:r>
+                </a:p>
+              </p:txBody>
+            </p:sp>
+            <p:grpSp>
+              <p:nvGrpSpPr>
+                <p:cNvPr id="47" name="Group 46">
+                  <a:extLst>
+                    <a:ext uri="{FF2B5EF4-FFF2-40B4-BE49-F238E27FC236}">
+                      <a16:creationId xmlns:a16="http://schemas.microsoft.com/office/drawing/2014/main" id="{192928AB-318F-F586-AA06-0E40376D9B3F}"/>
+                    </a:ext>
+                  </a:extLst>
+                </p:cNvPr>
+                <p:cNvGrpSpPr/>
+                <p:nvPr/>
+              </p:nvGrpSpPr>
+              <p:grpSpPr>
+                <a:xfrm>
+                  <a:off x="577094" y="3851921"/>
+                  <a:ext cx="1732155" cy="525780"/>
+                  <a:chOff x="4474497" y="574842"/>
+                  <a:chExt cx="1613946" cy="489898"/>
+                </a:xfrm>
+              </p:grpSpPr>
+              <p:sp>
+                <p:nvSpPr>
+                  <p:cNvPr id="48" name="Oval 47">
+                    <a:extLst>
+                      <a:ext uri="{FF2B5EF4-FFF2-40B4-BE49-F238E27FC236}">
+                        <a16:creationId xmlns:a16="http://schemas.microsoft.com/office/drawing/2014/main" id="{849F71B8-3FA0-8BB3-A27F-D73E8630CFE1}"/>
+                      </a:ext>
+                    </a:extLst>
+                  </p:cNvPr>
+                  <p:cNvSpPr/>
+                  <p:nvPr/>
+                </p:nvSpPr>
+                <p:spPr>
+                  <a:xfrm>
+                    <a:off x="4474497" y="574842"/>
+                    <a:ext cx="489898" cy="489898"/>
+                  </a:xfrm>
+                  <a:prstGeom prst="ellipse">
+                    <a:avLst/>
+                  </a:prstGeom>
+                  <a:solidFill>
+                    <a:srgbClr val="3D7DB0"/>
+                  </a:solidFill>
+                  <a:ln w="6350">
+                    <a:solidFill>
+                      <a:schemeClr val="dk1"/>
+                    </a:solidFill>
+                  </a:ln>
+                </p:spPr>
+                <p:style>
+                  <a:lnRef idx="2">
+                    <a:schemeClr val="accent1">
+                      <a:shade val="15000"/>
+                    </a:schemeClr>
+                  </a:lnRef>
+                  <a:fillRef idx="1">
+                    <a:schemeClr val="accent1"/>
+                  </a:fillRef>
+                  <a:effectRef idx="0">
+                    <a:schemeClr val="accent1"/>
+                  </a:effectRef>
+                  <a:fontRef idx="minor">
+                    <a:schemeClr val="lt1"/>
+                  </a:fontRef>
+                </p:style>
+                <p:txBody>
+                  <a:bodyPr rtlCol="0" anchor="ctr"/>
+                  <a:lstStyle/>
+                  <a:p>
+                    <a:pPr algn="ctr"/>
+                    <a:endParaRPr lang="en-US" sz="1932">
+                      <a:latin typeface="Arial" panose="020B0604020202020204" pitchFamily="34" charset="0"/>
+                      <a:cs typeface="Arial" panose="020B0604020202020204" pitchFamily="34" charset="0"/>
+                    </a:endParaRPr>
+                  </a:p>
+                </p:txBody>
+              </p:sp>
+              <p:sp>
+                <p:nvSpPr>
+                  <p:cNvPr id="49" name="Oval 48">
+                    <a:extLst>
+                      <a:ext uri="{FF2B5EF4-FFF2-40B4-BE49-F238E27FC236}">
+                        <a16:creationId xmlns:a16="http://schemas.microsoft.com/office/drawing/2014/main" id="{5C09A609-09ED-4C83-AEC1-73FABE7691CC}"/>
+                      </a:ext>
+                    </a:extLst>
+                  </p:cNvPr>
+                  <p:cNvSpPr/>
+                  <p:nvPr/>
+                </p:nvSpPr>
+                <p:spPr>
+                  <a:xfrm>
+                    <a:off x="5598545" y="574842"/>
+                    <a:ext cx="489898" cy="489898"/>
+                  </a:xfrm>
+                  <a:prstGeom prst="ellipse">
+                    <a:avLst/>
+                  </a:prstGeom>
+                  <a:solidFill>
+                    <a:srgbClr val="568F96"/>
+                  </a:solidFill>
+                  <a:ln w="6350">
+                    <a:solidFill>
+                      <a:schemeClr val="dk1"/>
+                    </a:solidFill>
+                  </a:ln>
+                </p:spPr>
+                <p:style>
+                  <a:lnRef idx="2">
+                    <a:schemeClr val="accent1">
+                      <a:shade val="15000"/>
+                    </a:schemeClr>
+                  </a:lnRef>
+                  <a:fillRef idx="1">
+                    <a:schemeClr val="accent1"/>
+                  </a:fillRef>
+                  <a:effectRef idx="0">
+                    <a:schemeClr val="accent1"/>
+                  </a:effectRef>
+                  <a:fontRef idx="minor">
+                    <a:schemeClr val="lt1"/>
+                  </a:fontRef>
+                </p:style>
+                <p:txBody>
+                  <a:bodyPr rtlCol="0" anchor="ctr"/>
+                  <a:lstStyle/>
+                  <a:p>
+                    <a:pPr algn="ctr"/>
+                    <a:endParaRPr lang="en-US" sz="1932">
+                      <a:latin typeface="Arial" panose="020B0604020202020204" pitchFamily="34" charset="0"/>
+                      <a:cs typeface="Arial" panose="020B0604020202020204" pitchFamily="34" charset="0"/>
+                    </a:endParaRPr>
+                  </a:p>
+                </p:txBody>
+              </p:sp>
+              <p:cxnSp>
+                <p:nvCxnSpPr>
+                  <p:cNvPr id="50" name="Straight Arrow Connector 49">
+                    <a:extLst>
+                      <a:ext uri="{FF2B5EF4-FFF2-40B4-BE49-F238E27FC236}">
+                        <a16:creationId xmlns:a16="http://schemas.microsoft.com/office/drawing/2014/main" id="{8D729B27-9471-CF16-8D8A-C729FA06161B}"/>
+                      </a:ext>
+                    </a:extLst>
+                  </p:cNvPr>
+                  <p:cNvCxnSpPr>
+                    <a:cxnSpLocks/>
+                  </p:cNvCxnSpPr>
+                  <p:nvPr/>
+                </p:nvCxnSpPr>
+                <p:spPr>
+                  <a:xfrm>
+                    <a:off x="5038626" y="810319"/>
+                    <a:ext cx="520996" cy="0"/>
+                  </a:xfrm>
+                  <a:prstGeom prst="straightConnector1">
+                    <a:avLst/>
+                  </a:prstGeom>
+                  <a:ln w="50800">
+                    <a:tailEnd type="triangle"/>
+                  </a:ln>
+                </p:spPr>
+                <p:style>
+                  <a:lnRef idx="2">
+                    <a:schemeClr val="dk1"/>
+                  </a:lnRef>
+                  <a:fillRef idx="0">
+                    <a:schemeClr val="dk1"/>
+                  </a:fillRef>
+                  <a:effectRef idx="1">
+                    <a:schemeClr val="dk1"/>
+                  </a:effectRef>
+                  <a:fontRef idx="minor">
+                    <a:schemeClr val="tx1"/>
+                  </a:fontRef>
+                </p:style>
+              </p:cxnSp>
+            </p:grpSp>
+            <p:grpSp>
+              <p:nvGrpSpPr>
+                <p:cNvPr id="51" name="Group 50">
+                  <a:extLst>
+                    <a:ext uri="{FF2B5EF4-FFF2-40B4-BE49-F238E27FC236}">
+                      <a16:creationId xmlns:a16="http://schemas.microsoft.com/office/drawing/2014/main" id="{70912739-85D3-FE63-B006-108C49EBCB5C}"/>
+                    </a:ext>
+                  </a:extLst>
+                </p:cNvPr>
+                <p:cNvGrpSpPr/>
+                <p:nvPr/>
+              </p:nvGrpSpPr>
+              <p:grpSpPr>
+                <a:xfrm>
+                  <a:off x="577094" y="6236096"/>
+                  <a:ext cx="1732155" cy="525780"/>
+                  <a:chOff x="4474497" y="574842"/>
+                  <a:chExt cx="1613946" cy="489898"/>
+                </a:xfrm>
+              </p:grpSpPr>
+              <p:sp>
+                <p:nvSpPr>
+                  <p:cNvPr id="52" name="Oval 51">
+                    <a:extLst>
+                      <a:ext uri="{FF2B5EF4-FFF2-40B4-BE49-F238E27FC236}">
+                        <a16:creationId xmlns:a16="http://schemas.microsoft.com/office/drawing/2014/main" id="{E863FF4B-F225-8CEE-30EA-ADC2FD1CDA36}"/>
+                      </a:ext>
+                    </a:extLst>
+                  </p:cNvPr>
+                  <p:cNvSpPr/>
+                  <p:nvPr/>
+                </p:nvSpPr>
+                <p:spPr>
+                  <a:xfrm>
+                    <a:off x="4474497" y="574842"/>
+                    <a:ext cx="489898" cy="489898"/>
+                  </a:xfrm>
+                  <a:prstGeom prst="ellipse">
+                    <a:avLst/>
+                  </a:prstGeom>
+                  <a:solidFill>
+                    <a:srgbClr val="93C47D"/>
+                  </a:solidFill>
+                  <a:ln w="6350">
+                    <a:solidFill>
+                      <a:schemeClr val="dk1"/>
+                    </a:solidFill>
+                  </a:ln>
+                </p:spPr>
+                <p:style>
+                  <a:lnRef idx="2">
+                    <a:schemeClr val="accent1">
+                      <a:shade val="15000"/>
+                    </a:schemeClr>
+                  </a:lnRef>
+                  <a:fillRef idx="1">
+                    <a:schemeClr val="accent1"/>
+                  </a:fillRef>
+                  <a:effectRef idx="0">
+                    <a:schemeClr val="accent1"/>
+                  </a:effectRef>
+                  <a:fontRef idx="minor">
+                    <a:schemeClr val="lt1"/>
+                  </a:fontRef>
+                </p:style>
+                <p:txBody>
+                  <a:bodyPr rtlCol="0" anchor="ctr"/>
+                  <a:lstStyle/>
+                  <a:p>
+                    <a:pPr algn="ctr"/>
+                    <a:endParaRPr lang="en-US" sz="1932">
+                      <a:latin typeface="Arial" panose="020B0604020202020204" pitchFamily="34" charset="0"/>
+                      <a:cs typeface="Arial" panose="020B0604020202020204" pitchFamily="34" charset="0"/>
+                    </a:endParaRPr>
+                  </a:p>
+                </p:txBody>
+              </p:sp>
+              <p:sp>
+                <p:nvSpPr>
+                  <p:cNvPr id="53" name="Oval 52">
+                    <a:extLst>
+                      <a:ext uri="{FF2B5EF4-FFF2-40B4-BE49-F238E27FC236}">
+                        <a16:creationId xmlns:a16="http://schemas.microsoft.com/office/drawing/2014/main" id="{6EE1D9B3-AF7F-1A99-569F-457463AF9543}"/>
+                      </a:ext>
+                    </a:extLst>
+                  </p:cNvPr>
+                  <p:cNvSpPr/>
+                  <p:nvPr/>
+                </p:nvSpPr>
+                <p:spPr>
+                  <a:xfrm>
+                    <a:off x="5598545" y="574842"/>
+                    <a:ext cx="489898" cy="489898"/>
+                  </a:xfrm>
+                  <a:prstGeom prst="ellipse">
+                    <a:avLst/>
+                  </a:prstGeom>
+                  <a:solidFill>
+                    <a:srgbClr val="739B74"/>
+                  </a:solidFill>
+                  <a:ln w="6350">
+                    <a:solidFill>
+                      <a:schemeClr val="dk1"/>
+                    </a:solidFill>
+                  </a:ln>
+                </p:spPr>
+                <p:style>
+                  <a:lnRef idx="2">
+                    <a:schemeClr val="accent1">
+                      <a:shade val="15000"/>
+                    </a:schemeClr>
+                  </a:lnRef>
+                  <a:fillRef idx="1">
+                    <a:schemeClr val="accent1"/>
+                  </a:fillRef>
+                  <a:effectRef idx="0">
+                    <a:schemeClr val="accent1"/>
+                  </a:effectRef>
+                  <a:fontRef idx="minor">
+                    <a:schemeClr val="lt1"/>
+                  </a:fontRef>
+                </p:style>
+                <p:txBody>
+                  <a:bodyPr rtlCol="0" anchor="ctr"/>
+                  <a:lstStyle/>
+                  <a:p>
+                    <a:pPr algn="ctr"/>
+                    <a:endParaRPr lang="en-US" sz="1932">
+                      <a:latin typeface="Arial" panose="020B0604020202020204" pitchFamily="34" charset="0"/>
+                      <a:cs typeface="Arial" panose="020B0604020202020204" pitchFamily="34" charset="0"/>
+                    </a:endParaRPr>
+                  </a:p>
+                </p:txBody>
+              </p:sp>
+              <p:cxnSp>
+                <p:nvCxnSpPr>
+                  <p:cNvPr id="54" name="Straight Arrow Connector 53">
+                    <a:extLst>
+                      <a:ext uri="{FF2B5EF4-FFF2-40B4-BE49-F238E27FC236}">
+                        <a16:creationId xmlns:a16="http://schemas.microsoft.com/office/drawing/2014/main" id="{CB0A30A4-799A-353F-0EC1-4584BB71F7D0}"/>
+                      </a:ext>
+                    </a:extLst>
+                  </p:cNvPr>
+                  <p:cNvCxnSpPr>
+                    <a:cxnSpLocks/>
+                  </p:cNvCxnSpPr>
+                  <p:nvPr/>
+                </p:nvCxnSpPr>
+                <p:spPr>
+                  <a:xfrm>
+                    <a:off x="5038626" y="810319"/>
+                    <a:ext cx="520996" cy="0"/>
+                  </a:xfrm>
+                  <a:prstGeom prst="straightConnector1">
+                    <a:avLst/>
+                  </a:prstGeom>
+                  <a:ln w="50800">
+                    <a:tailEnd type="triangle"/>
+                  </a:ln>
+                </p:spPr>
+                <p:style>
+                  <a:lnRef idx="2">
+                    <a:schemeClr val="dk1"/>
+                  </a:lnRef>
+                  <a:fillRef idx="0">
+                    <a:schemeClr val="dk1"/>
+                  </a:fillRef>
+                  <a:effectRef idx="1">
+                    <a:schemeClr val="dk1"/>
+                  </a:effectRef>
+                  <a:fontRef idx="minor">
+                    <a:schemeClr val="tx1"/>
+                  </a:fontRef>
+                </p:style>
+              </p:cxnSp>
+            </p:grpSp>
+            <p:grpSp>
+              <p:nvGrpSpPr>
+                <p:cNvPr id="55" name="Group 54">
+                  <a:extLst>
+                    <a:ext uri="{FF2B5EF4-FFF2-40B4-BE49-F238E27FC236}">
+                      <a16:creationId xmlns:a16="http://schemas.microsoft.com/office/drawing/2014/main" id="{2AF512D8-653A-3262-4771-2103AE049BC4}"/>
+                    </a:ext>
+                  </a:extLst>
+                </p:cNvPr>
+                <p:cNvGrpSpPr/>
+                <p:nvPr/>
+              </p:nvGrpSpPr>
+              <p:grpSpPr>
+                <a:xfrm>
+                  <a:off x="558147" y="8830278"/>
+                  <a:ext cx="1732155" cy="525780"/>
+                  <a:chOff x="4474497" y="574842"/>
+                  <a:chExt cx="1613946" cy="489898"/>
+                </a:xfrm>
+              </p:grpSpPr>
+              <p:sp>
+                <p:nvSpPr>
+                  <p:cNvPr id="56" name="Oval 55">
+                    <a:extLst>
+                      <a:ext uri="{FF2B5EF4-FFF2-40B4-BE49-F238E27FC236}">
+                        <a16:creationId xmlns:a16="http://schemas.microsoft.com/office/drawing/2014/main" id="{776A714E-57A4-AEFB-7217-E6FC0E896335}"/>
+                      </a:ext>
+                    </a:extLst>
+                  </p:cNvPr>
+                  <p:cNvSpPr/>
+                  <p:nvPr/>
+                </p:nvSpPr>
+                <p:spPr>
+                  <a:xfrm>
+                    <a:off x="4474497" y="574842"/>
+                    <a:ext cx="489898" cy="489898"/>
+                  </a:xfrm>
+                  <a:prstGeom prst="ellipse">
+                    <a:avLst/>
+                  </a:prstGeom>
+                  <a:solidFill>
+                    <a:srgbClr val="3D7DB0"/>
+                  </a:solidFill>
+                  <a:ln w="6350">
+                    <a:solidFill>
+                      <a:schemeClr val="dk1"/>
+                    </a:solidFill>
+                  </a:ln>
+                </p:spPr>
+                <p:style>
+                  <a:lnRef idx="2">
+                    <a:schemeClr val="accent1">
+                      <a:shade val="15000"/>
+                    </a:schemeClr>
+                  </a:lnRef>
+                  <a:fillRef idx="1">
+                    <a:schemeClr val="accent1"/>
+                  </a:fillRef>
+                  <a:effectRef idx="0">
+                    <a:schemeClr val="accent1"/>
+                  </a:effectRef>
+                  <a:fontRef idx="minor">
+                    <a:schemeClr val="lt1"/>
+                  </a:fontRef>
+                </p:style>
+                <p:txBody>
+                  <a:bodyPr rtlCol="0" anchor="ctr"/>
+                  <a:lstStyle/>
+                  <a:p>
+                    <a:pPr algn="ctr"/>
+                    <a:endParaRPr lang="en-US" sz="1932">
+                      <a:latin typeface="Arial" panose="020B0604020202020204" pitchFamily="34" charset="0"/>
+                      <a:cs typeface="Arial" panose="020B0604020202020204" pitchFamily="34" charset="0"/>
+                    </a:endParaRPr>
+                  </a:p>
+                </p:txBody>
+              </p:sp>
+              <p:sp>
+                <p:nvSpPr>
+                  <p:cNvPr id="58" name="Oval 57">
+                    <a:extLst>
+                      <a:ext uri="{FF2B5EF4-FFF2-40B4-BE49-F238E27FC236}">
+                        <a16:creationId xmlns:a16="http://schemas.microsoft.com/office/drawing/2014/main" id="{0A3DF0F4-DADC-32ED-A29D-989C45B2E177}"/>
+                      </a:ext>
+                    </a:extLst>
+                  </p:cNvPr>
+                  <p:cNvSpPr/>
+                  <p:nvPr/>
+                </p:nvSpPr>
+                <p:spPr>
+                  <a:xfrm>
+                    <a:off x="5598545" y="574842"/>
+                    <a:ext cx="489898" cy="489898"/>
+                  </a:xfrm>
+                  <a:prstGeom prst="ellipse">
+                    <a:avLst/>
+                  </a:prstGeom>
+                  <a:solidFill>
+                    <a:srgbClr val="93C47D"/>
+                  </a:solidFill>
+                  <a:ln w="6350">
+                    <a:solidFill>
+                      <a:schemeClr val="dk1"/>
+                    </a:solidFill>
+                  </a:ln>
+                </p:spPr>
+                <p:style>
+                  <a:lnRef idx="2">
+                    <a:schemeClr val="accent1">
+                      <a:shade val="15000"/>
+                    </a:schemeClr>
+                  </a:lnRef>
+                  <a:fillRef idx="1">
+                    <a:schemeClr val="accent1"/>
+                  </a:fillRef>
+                  <a:effectRef idx="0">
+                    <a:schemeClr val="accent1"/>
+                  </a:effectRef>
+                  <a:fontRef idx="minor">
+                    <a:schemeClr val="lt1"/>
+                  </a:fontRef>
+                </p:style>
+                <p:txBody>
+                  <a:bodyPr rtlCol="0" anchor="ctr"/>
+                  <a:lstStyle/>
+                  <a:p>
+                    <a:pPr algn="ctr"/>
+                    <a:endParaRPr lang="en-US" sz="1932">
+                      <a:latin typeface="Arial" panose="020B0604020202020204" pitchFamily="34" charset="0"/>
+                      <a:cs typeface="Arial" panose="020B0604020202020204" pitchFamily="34" charset="0"/>
+                    </a:endParaRPr>
+                  </a:p>
+                </p:txBody>
+              </p:sp>
+              <p:cxnSp>
+                <p:nvCxnSpPr>
+                  <p:cNvPr id="59" name="Straight Arrow Connector 58">
+                    <a:extLst>
+                      <a:ext uri="{FF2B5EF4-FFF2-40B4-BE49-F238E27FC236}">
+                        <a16:creationId xmlns:a16="http://schemas.microsoft.com/office/drawing/2014/main" id="{E6CFE73D-DFB3-0777-2159-D4D1A203259D}"/>
+                      </a:ext>
+                    </a:extLst>
+                  </p:cNvPr>
+                  <p:cNvCxnSpPr>
+                    <a:cxnSpLocks/>
+                  </p:cNvCxnSpPr>
+                  <p:nvPr/>
+                </p:nvCxnSpPr>
+                <p:spPr>
+                  <a:xfrm>
+                    <a:off x="5038626" y="810319"/>
+                    <a:ext cx="520996" cy="0"/>
+                  </a:xfrm>
+                  <a:prstGeom prst="straightConnector1">
+                    <a:avLst/>
+                  </a:prstGeom>
+                  <a:ln w="50800">
+                    <a:tailEnd type="triangle"/>
+                  </a:ln>
+                </p:spPr>
+                <p:style>
+                  <a:lnRef idx="2">
+                    <a:schemeClr val="dk1"/>
+                  </a:lnRef>
+                  <a:fillRef idx="0">
+                    <a:schemeClr val="dk1"/>
+                  </a:fillRef>
+                  <a:effectRef idx="1">
+                    <a:schemeClr val="dk1"/>
+                  </a:effectRef>
+                  <a:fontRef idx="minor">
+                    <a:schemeClr val="tx1"/>
+                  </a:fontRef>
+                </p:style>
+              </p:cxnSp>
+            </p:grpSp>
+            <p:sp>
+              <p:nvSpPr>
+                <p:cNvPr id="68" name="TextBox 67">
+                  <a:extLst>
+                    <a:ext uri="{FF2B5EF4-FFF2-40B4-BE49-F238E27FC236}">
+                      <a16:creationId xmlns:a16="http://schemas.microsoft.com/office/drawing/2014/main" id="{0C9DA26A-CA1A-5728-3855-13BA28EA994D}"/>
+                    </a:ext>
+                  </a:extLst>
+                </p:cNvPr>
+                <p:cNvSpPr txBox="1"/>
+                <p:nvPr/>
+              </p:nvSpPr>
+              <p:spPr>
+                <a:xfrm>
+                  <a:off x="9128503" y="9921610"/>
+                  <a:ext cx="2673679" cy="328231"/>
+                </a:xfrm>
+                <a:prstGeom prst="rect">
+                  <a:avLst/>
+                </a:prstGeom>
+                <a:noFill/>
+              </p:spPr>
+              <p:txBody>
+                <a:bodyPr wrap="square" rtlCol="0">
+                  <a:spAutoFit/>
+                </a:bodyPr>
+                <a:lstStyle/>
+                <a:p>
+                  <a:pPr algn="ctr"/>
+                  <a:r>
+                    <a:rPr lang="en-US" sz="1533" dirty="0">
+                      <a:latin typeface="Arial" panose="020B0604020202020204" pitchFamily="34" charset="0"/>
+                      <a:cs typeface="Arial" panose="020B0604020202020204" pitchFamily="34" charset="0"/>
+                    </a:rPr>
+                    <a:t>Slope of lake color over time</a:t>
+                  </a:r>
+                </a:p>
+              </p:txBody>
+            </p:sp>
+            <p:sp>
+              <p:nvSpPr>
+                <p:cNvPr id="21" name="TextBox 20">
+                  <a:extLst>
+                    <a:ext uri="{FF2B5EF4-FFF2-40B4-BE49-F238E27FC236}">
+                      <a16:creationId xmlns:a16="http://schemas.microsoft.com/office/drawing/2014/main" id="{CD9D28FB-8A3C-6236-EBFA-93B2A12C8C00}"/>
+                    </a:ext>
+                  </a:extLst>
+                </p:cNvPr>
+                <p:cNvSpPr txBox="1"/>
+                <p:nvPr/>
+              </p:nvSpPr>
+              <p:spPr>
+                <a:xfrm>
+                  <a:off x="4131961" y="9926488"/>
+                  <a:ext cx="2673679" cy="328231"/>
+                </a:xfrm>
+                <a:prstGeom prst="rect">
+                  <a:avLst/>
+                </a:prstGeom>
+                <a:noFill/>
+              </p:spPr>
+              <p:txBody>
+                <a:bodyPr wrap="square" rtlCol="0">
+                  <a:spAutoFit/>
+                </a:bodyPr>
+                <a:lstStyle/>
+                <a:p>
+                  <a:pPr algn="ctr"/>
+                  <a:r>
+                    <a:rPr lang="en-US" sz="1533" dirty="0">
+                      <a:latin typeface="Arial" panose="020B0604020202020204" pitchFamily="34" charset="0"/>
+                      <a:cs typeface="Arial" panose="020B0604020202020204" pitchFamily="34" charset="0"/>
+                    </a:rPr>
+                    <a:t>Year</a:t>
+                  </a:r>
+                </a:p>
+              </p:txBody>
+            </p:sp>
+          </p:grpSp>
+        </p:grpSp>
+      </p:grpSp>
+    </p:spTree>
+    <p:extLst>
+      <p:ext uri="{BB962C8B-B14F-4D97-AF65-F5344CB8AC3E}">
+        <p14:creationId xmlns:p14="http://schemas.microsoft.com/office/powerpoint/2010/main" val="2350031171"/>
       </p:ext>
     </p:extLst>
   </p:cSld>

--- a/Figures/Figure3/Figure3_format.pptx
+++ b/Figures/Figure3/Figure3_format.pptx
@@ -2640,7 +2640,7 @@
           <a:p>
             <a:fld id="{6002544E-5E39-4737-AA1A-22DC2E81DCEA}" type="datetimeFigureOut">
               <a:rPr lang="en-US" smtClean="0"/>
-              <a:t>8/8/2024</a:t>
+              <a:t>8/29/2024</a:t>
             </a:fld>
             <a:endParaRPr lang="en-US"/>
           </a:p>
@@ -2810,7 +2810,7 @@
           <a:p>
             <a:fld id="{6002544E-5E39-4737-AA1A-22DC2E81DCEA}" type="datetimeFigureOut">
               <a:rPr lang="en-US" smtClean="0"/>
-              <a:t>8/8/2024</a:t>
+              <a:t>8/29/2024</a:t>
             </a:fld>
             <a:endParaRPr lang="en-US"/>
           </a:p>
@@ -2990,7 +2990,7 @@
           <a:p>
             <a:fld id="{6002544E-5E39-4737-AA1A-22DC2E81DCEA}" type="datetimeFigureOut">
               <a:rPr lang="en-US" smtClean="0"/>
-              <a:t>8/8/2024</a:t>
+              <a:t>8/29/2024</a:t>
             </a:fld>
             <a:endParaRPr lang="en-US"/>
           </a:p>
@@ -3160,7 +3160,7 @@
           <a:p>
             <a:fld id="{6002544E-5E39-4737-AA1A-22DC2E81DCEA}" type="datetimeFigureOut">
               <a:rPr lang="en-US" smtClean="0"/>
-              <a:t>8/8/2024</a:t>
+              <a:t>8/29/2024</a:t>
             </a:fld>
             <a:endParaRPr lang="en-US"/>
           </a:p>
@@ -3406,7 +3406,7 @@
           <a:p>
             <a:fld id="{6002544E-5E39-4737-AA1A-22DC2E81DCEA}" type="datetimeFigureOut">
               <a:rPr lang="en-US" smtClean="0"/>
-              <a:t>8/8/2024</a:t>
+              <a:t>8/29/2024</a:t>
             </a:fld>
             <a:endParaRPr lang="en-US"/>
           </a:p>
@@ -3638,7 +3638,7 @@
           <a:p>
             <a:fld id="{6002544E-5E39-4737-AA1A-22DC2E81DCEA}" type="datetimeFigureOut">
               <a:rPr lang="en-US" smtClean="0"/>
-              <a:t>8/8/2024</a:t>
+              <a:t>8/29/2024</a:t>
             </a:fld>
             <a:endParaRPr lang="en-US"/>
           </a:p>
@@ -4005,7 +4005,7 @@
           <a:p>
             <a:fld id="{6002544E-5E39-4737-AA1A-22DC2E81DCEA}" type="datetimeFigureOut">
               <a:rPr lang="en-US" smtClean="0"/>
-              <a:t>8/8/2024</a:t>
+              <a:t>8/29/2024</a:t>
             </a:fld>
             <a:endParaRPr lang="en-US"/>
           </a:p>
@@ -4123,7 +4123,7 @@
           <a:p>
             <a:fld id="{6002544E-5E39-4737-AA1A-22DC2E81DCEA}" type="datetimeFigureOut">
               <a:rPr lang="en-US" smtClean="0"/>
-              <a:t>8/8/2024</a:t>
+              <a:t>8/29/2024</a:t>
             </a:fld>
             <a:endParaRPr lang="en-US"/>
           </a:p>
@@ -4218,7 +4218,7 @@
           <a:p>
             <a:fld id="{6002544E-5E39-4737-AA1A-22DC2E81DCEA}" type="datetimeFigureOut">
               <a:rPr lang="en-US" smtClean="0"/>
-              <a:t>8/8/2024</a:t>
+              <a:t>8/29/2024</a:t>
             </a:fld>
             <a:endParaRPr lang="en-US"/>
           </a:p>
@@ -4495,7 +4495,7 @@
           <a:p>
             <a:fld id="{6002544E-5E39-4737-AA1A-22DC2E81DCEA}" type="datetimeFigureOut">
               <a:rPr lang="en-US" smtClean="0"/>
-              <a:t>8/8/2024</a:t>
+              <a:t>8/29/2024</a:t>
             </a:fld>
             <a:endParaRPr lang="en-US"/>
           </a:p>
@@ -4752,7 +4752,7 @@
           <a:p>
             <a:fld id="{6002544E-5E39-4737-AA1A-22DC2E81DCEA}" type="datetimeFigureOut">
               <a:rPr lang="en-US" smtClean="0"/>
-              <a:t>8/8/2024</a:t>
+              <a:t>8/29/2024</a:t>
             </a:fld>
             <a:endParaRPr lang="en-US"/>
           </a:p>
@@ -4965,7 +4965,7 @@
           <a:p>
             <a:fld id="{6002544E-5E39-4737-AA1A-22DC2E81DCEA}" type="datetimeFigureOut">
               <a:rPr lang="en-US" smtClean="0"/>
-              <a:t>8/8/2024</a:t>
+              <a:t>8/29/2024</a:t>
             </a:fld>
             <a:endParaRPr lang="en-US"/>
           </a:p>
@@ -6946,7 +6946,7 @@
           </p:nvSpPr>
           <p:spPr>
             <a:xfrm rot="16200000">
-              <a:off x="6941501" y="4903859"/>
+              <a:off x="7079859" y="4880960"/>
               <a:ext cx="1672886" cy="328231"/>
             </a:xfrm>
             <a:prstGeom prst="rect">
@@ -7005,7 +7005,7 @@
             </p:nvSpPr>
             <p:spPr>
               <a:xfrm rot="16200000">
-                <a:off x="1677450" y="4956364"/>
+                <a:off x="1664571" y="4956364"/>
                 <a:ext cx="2798689" cy="328231"/>
               </a:xfrm>
               <a:prstGeom prst="rect">

--- a/Figures/Figure3/Figure3_format.pptx
+++ b/Figures/Figure3/Figure3_format.pptx
@@ -2640,7 +2640,7 @@
           <a:p>
             <a:fld id="{6002544E-5E39-4737-AA1A-22DC2E81DCEA}" type="datetimeFigureOut">
               <a:rPr lang="en-US" smtClean="0"/>
-              <a:t>8/29/2024</a:t>
+              <a:t>8/30/2024</a:t>
             </a:fld>
             <a:endParaRPr lang="en-US"/>
           </a:p>
@@ -2810,7 +2810,7 @@
           <a:p>
             <a:fld id="{6002544E-5E39-4737-AA1A-22DC2E81DCEA}" type="datetimeFigureOut">
               <a:rPr lang="en-US" smtClean="0"/>
-              <a:t>8/29/2024</a:t>
+              <a:t>8/30/2024</a:t>
             </a:fld>
             <a:endParaRPr lang="en-US"/>
           </a:p>
@@ -2990,7 +2990,7 @@
           <a:p>
             <a:fld id="{6002544E-5E39-4737-AA1A-22DC2E81DCEA}" type="datetimeFigureOut">
               <a:rPr lang="en-US" smtClean="0"/>
-              <a:t>8/29/2024</a:t>
+              <a:t>8/30/2024</a:t>
             </a:fld>
             <a:endParaRPr lang="en-US"/>
           </a:p>
@@ -3160,7 +3160,7 @@
           <a:p>
             <a:fld id="{6002544E-5E39-4737-AA1A-22DC2E81DCEA}" type="datetimeFigureOut">
               <a:rPr lang="en-US" smtClean="0"/>
-              <a:t>8/29/2024</a:t>
+              <a:t>8/30/2024</a:t>
             </a:fld>
             <a:endParaRPr lang="en-US"/>
           </a:p>
@@ -3406,7 +3406,7 @@
           <a:p>
             <a:fld id="{6002544E-5E39-4737-AA1A-22DC2E81DCEA}" type="datetimeFigureOut">
               <a:rPr lang="en-US" smtClean="0"/>
-              <a:t>8/29/2024</a:t>
+              <a:t>8/30/2024</a:t>
             </a:fld>
             <a:endParaRPr lang="en-US"/>
           </a:p>
@@ -3638,7 +3638,7 @@
           <a:p>
             <a:fld id="{6002544E-5E39-4737-AA1A-22DC2E81DCEA}" type="datetimeFigureOut">
               <a:rPr lang="en-US" smtClean="0"/>
-              <a:t>8/29/2024</a:t>
+              <a:t>8/30/2024</a:t>
             </a:fld>
             <a:endParaRPr lang="en-US"/>
           </a:p>
@@ -4005,7 +4005,7 @@
           <a:p>
             <a:fld id="{6002544E-5E39-4737-AA1A-22DC2E81DCEA}" type="datetimeFigureOut">
               <a:rPr lang="en-US" smtClean="0"/>
-              <a:t>8/29/2024</a:t>
+              <a:t>8/30/2024</a:t>
             </a:fld>
             <a:endParaRPr lang="en-US"/>
           </a:p>
@@ -4123,7 +4123,7 @@
           <a:p>
             <a:fld id="{6002544E-5E39-4737-AA1A-22DC2E81DCEA}" type="datetimeFigureOut">
               <a:rPr lang="en-US" smtClean="0"/>
-              <a:t>8/29/2024</a:t>
+              <a:t>8/30/2024</a:t>
             </a:fld>
             <a:endParaRPr lang="en-US"/>
           </a:p>
@@ -4218,7 +4218,7 @@
           <a:p>
             <a:fld id="{6002544E-5E39-4737-AA1A-22DC2E81DCEA}" type="datetimeFigureOut">
               <a:rPr lang="en-US" smtClean="0"/>
-              <a:t>8/29/2024</a:t>
+              <a:t>8/30/2024</a:t>
             </a:fld>
             <a:endParaRPr lang="en-US"/>
           </a:p>
@@ -4495,7 +4495,7 @@
           <a:p>
             <a:fld id="{6002544E-5E39-4737-AA1A-22DC2E81DCEA}" type="datetimeFigureOut">
               <a:rPr lang="en-US" smtClean="0"/>
-              <a:t>8/29/2024</a:t>
+              <a:t>8/30/2024</a:t>
             </a:fld>
             <a:endParaRPr lang="en-US"/>
           </a:p>
@@ -4752,7 +4752,7 @@
           <a:p>
             <a:fld id="{6002544E-5E39-4737-AA1A-22DC2E81DCEA}" type="datetimeFigureOut">
               <a:rPr lang="en-US" smtClean="0"/>
-              <a:t>8/29/2024</a:t>
+              <a:t>8/30/2024</a:t>
             </a:fld>
             <a:endParaRPr lang="en-US"/>
           </a:p>
@@ -4965,7 +4965,7 @@
           <a:p>
             <a:fld id="{6002544E-5E39-4737-AA1A-22DC2E81DCEA}" type="datetimeFigureOut">
               <a:rPr lang="en-US" smtClean="0"/>
-              <a:t>8/29/2024</a:t>
+              <a:t>8/30/2024</a:t>
             </a:fld>
             <a:endParaRPr lang="en-US"/>
           </a:p>
@@ -6926,10 +6926,10 @@
         </p:nvGrpSpPr>
         <p:grpSpPr>
           <a:xfrm>
-            <a:off x="242204" y="-52506"/>
-            <a:ext cx="11923170" cy="10307225"/>
-            <a:chOff x="242204" y="-52506"/>
-            <a:chExt cx="11923170" cy="10307225"/>
+            <a:off x="242204" y="52504"/>
+            <a:ext cx="11923169" cy="10202215"/>
+            <a:chOff x="242204" y="52504"/>
+            <a:chExt cx="11923169" cy="10202215"/>
           </a:xfrm>
         </p:grpSpPr>
         <p:sp>
@@ -6985,10 +6985,10 @@
           </p:nvGrpSpPr>
           <p:grpSpPr>
             <a:xfrm>
-              <a:off x="242204" y="-52506"/>
-              <a:ext cx="11923170" cy="10307225"/>
-              <a:chOff x="242204" y="-52506"/>
-              <a:chExt cx="11923170" cy="10307225"/>
+              <a:off x="242204" y="52504"/>
+              <a:ext cx="11923169" cy="10202215"/>
+              <a:chOff x="242204" y="52504"/>
+              <a:chExt cx="11923169" cy="10202215"/>
             </a:xfrm>
           </p:grpSpPr>
           <p:sp>
@@ -7044,15 +7044,15 @@
             </p:nvGrpSpPr>
             <p:grpSpPr>
               <a:xfrm>
-                <a:off x="242204" y="-52506"/>
-                <a:ext cx="11923170" cy="10307225"/>
-                <a:chOff x="242204" y="-52506"/>
-                <a:chExt cx="11923170" cy="10307225"/>
+                <a:off x="242204" y="52504"/>
+                <a:ext cx="11923169" cy="10202215"/>
+                <a:chOff x="242204" y="52504"/>
+                <a:chExt cx="11923169" cy="10202215"/>
               </a:xfrm>
             </p:grpSpPr>
             <p:pic>
               <p:nvPicPr>
-                <p:cNvPr id="19" name="Picture 18" descr="A graph of a graph&#10;&#10;Description automatically generated with medium confidence">
+                <p:cNvPr id="19" name="Picture 18">
                   <a:extLst>
                     <a:ext uri="{FF2B5EF4-FFF2-40B4-BE49-F238E27FC236}">
                       <a16:creationId xmlns:a16="http://schemas.microsoft.com/office/drawing/2014/main" id="{3AD3E4D7-3F86-6B3D-9CC5-B0AA2FB0D4E9}"/>
@@ -7064,7 +7064,7 @@
                 </p:cNvPicPr>
                 <p:nvPr/>
               </p:nvPicPr>
-              <p:blipFill>
+              <p:blipFill rotWithShape="1">
                 <a:blip r:embed="rId2">
                   <a:clrChange>
                     <a:clrFrom>
@@ -7082,14 +7082,13 @@
                     </a:ext>
                   </a:extLst>
                 </a:blip>
-                <a:stretch>
-                  <a:fillRect/>
-                </a:stretch>
+                <a:srcRect l="3277" b="1410"/>
+                <a:stretch/>
               </p:blipFill>
               <p:spPr>
                 <a:xfrm>
-                  <a:off x="7942060" y="52504"/>
-                  <a:ext cx="4223314" cy="10135953"/>
+                  <a:off x="8080418" y="52504"/>
+                  <a:ext cx="4084955" cy="9993017"/>
                 </a:xfrm>
                 <a:prstGeom prst="rect">
                   <a:avLst/>
@@ -7098,7 +7097,7 @@
             </p:pic>
             <p:pic>
               <p:nvPicPr>
-                <p:cNvPr id="10" name="Picture 9" descr="A graph showing the different colored arrows&#10;&#10;Description automatically generated with medium confidence">
+                <p:cNvPr id="10" name="Picture 9">
                   <a:extLst>
                     <a:ext uri="{FF2B5EF4-FFF2-40B4-BE49-F238E27FC236}">
                       <a16:creationId xmlns:a16="http://schemas.microsoft.com/office/drawing/2014/main" id="{4D70D65D-A247-77C3-F012-7D97DB17F48E}"/>
@@ -7110,7 +7109,7 @@
                 </p:cNvPicPr>
                 <p:nvPr/>
               </p:nvPicPr>
-              <p:blipFill>
+              <p:blipFill rotWithShape="1">
                 <a:blip r:embed="rId3">
                   <a:clrChange>
                     <a:clrFrom>
@@ -7128,14 +7127,13 @@
                     </a:ext>
                   </a:extLst>
                 </a:blip>
-                <a:stretch>
-                  <a:fillRect/>
-                </a:stretch>
+                <a:srcRect t="1025" b="1396"/>
+                <a:stretch/>
               </p:blipFill>
               <p:spPr>
                 <a:xfrm>
-                  <a:off x="3335267" y="-52506"/>
-                  <a:ext cx="4267068" cy="10240963"/>
+                  <a:off x="3335266" y="52504"/>
+                  <a:ext cx="4267067" cy="9993017"/>
                 </a:xfrm>
                 <a:prstGeom prst="rect">
                   <a:avLst/>
